--- a/02 软件开发/03 数据库/MySQL.pptx
+++ b/02 软件开发/03 数据库/MySQL.pptx
@@ -1,22 +1,22 @@
 
 <file path=ppt/presentation.xml><?xml version="1.0" encoding="utf-8"?>
-<p:presentation xmlns:a="http://schemas.openxmlformats.org/drawingml/2006/main" xmlns:r="http://schemas.openxmlformats.org/officeDocument/2006/relationships" xmlns:p="http://schemas.openxmlformats.org/presentationml/2006/main" saveSubsetFonts="1">
+<p:presentation xmlns:a="http://schemas.openxmlformats.org/drawingml/2006/main" xmlns:r="http://schemas.openxmlformats.org/officeDocument/2006/relationships" xmlns:p="http://schemas.openxmlformats.org/presentationml/2006/main">
   <p:sldMasterIdLst>
-    <p:sldMasterId id="2147483660" r:id="rId1"/>
+    <p:sldMasterId id="2147483648" r:id="rId1"/>
   </p:sldMasterIdLst>
   <p:sldIdLst>
-    <p:sldId id="256" r:id="rId2"/>
-    <p:sldId id="257" r:id="rId3"/>
-    <p:sldId id="258" r:id="rId4"/>
-    <p:sldId id="259" r:id="rId5"/>
-    <p:sldId id="260" r:id="rId6"/>
-    <p:sldId id="266" r:id="rId7"/>
-    <p:sldId id="267" r:id="rId8"/>
-    <p:sldId id="261" r:id="rId9"/>
-    <p:sldId id="264" r:id="rId10"/>
-    <p:sldId id="262" r:id="rId11"/>
-    <p:sldId id="263" r:id="rId12"/>
-    <p:sldId id="265" r:id="rId13"/>
+    <p:sldId id="256" r:id="rId3"/>
+    <p:sldId id="257" r:id="rId4"/>
+    <p:sldId id="258" r:id="rId5"/>
+    <p:sldId id="259" r:id="rId6"/>
+    <p:sldId id="260" r:id="rId7"/>
+    <p:sldId id="266" r:id="rId8"/>
+    <p:sldId id="267" r:id="rId9"/>
+    <p:sldId id="261" r:id="rId10"/>
+    <p:sldId id="264" r:id="rId11"/>
+    <p:sldId id="262" r:id="rId12"/>
+    <p:sldId id="263" r:id="rId13"/>
+    <p:sldId id="265" r:id="rId14"/>
   </p:sldIdLst>
   <p:sldSz cx="12192000" cy="6858000"/>
   <p:notesSz cx="6858000" cy="9144000"/>
@@ -115,16 +115,11 @@
       </a:defRPr>
     </a:lvl9pPr>
   </p:defaultTextStyle>
-  <p:extLst>
-    <p:ext uri="{EFAFB233-063F-42B5-8137-9DF3F51BA10A}">
-      <p15:sldGuideLst xmlns:p15="http://schemas.microsoft.com/office/powerpoint/2012/main"/>
-    </p:ext>
-  </p:extLst>
 </p:presentation>
 </file>
 
 <file path=ppt/slideLayouts/slideLayout1.xml><?xml version="1.0" encoding="utf-8"?>
-<p:sldLayout xmlns:a="http://schemas.openxmlformats.org/drawingml/2006/main" xmlns:r="http://schemas.openxmlformats.org/officeDocument/2006/relationships" xmlns:p="http://schemas.openxmlformats.org/presentationml/2006/main" showMasterSp="0" type="title" preserve="1">
+<p:sldLayout xmlns:a="http://schemas.openxmlformats.org/drawingml/2006/main" xmlns:r="http://schemas.openxmlformats.org/officeDocument/2006/relationships" xmlns:p="http://schemas.openxmlformats.org/presentationml/2006/main" type="title" preserve="1" showMasterSp="0">
   <p:cSld name="标题幻灯片">
     <p:spTree>
       <p:nvGrpSpPr>
@@ -314,7 +309,6 @@
           <a:p>
             <a:fld id="{5C77D00A-0F7C-4815-83DC-2949FD3F69DF}" type="datetimeFigureOut">
               <a:rPr lang="zh-CN" altLang="en-US" smtClean="0"/>
-              <a:t>2020-12-14</a:t>
             </a:fld>
             <a:endParaRPr lang="zh-CN" altLang="en-US"/>
           </a:p>
@@ -356,7 +350,6 @@
           <a:p>
             <a:fld id="{816D8A3F-5E8F-4104-8DE2-7FE925F96389}" type="slidenum">
               <a:rPr lang="zh-CN" altLang="en-US" smtClean="0"/>
-              <a:t>‹#›</a:t>
             </a:fld>
             <a:endParaRPr lang="zh-CN" altLang="en-US"/>
           </a:p>
@@ -538,11 +531,6 @@
         </p:style>
       </p:cxnSp>
     </p:spTree>
-    <p:extLst>
-      <p:ext uri="{BB962C8B-B14F-4D97-AF65-F5344CB8AC3E}">
-        <p14:creationId xmlns:p14="http://schemas.microsoft.com/office/powerpoint/2010/main" val="2190710856"/>
-      </p:ext>
-    </p:extLst>
   </p:cSld>
   <p:clrMapOvr>
     <a:masterClrMapping/>
@@ -730,6 +718,7 @@
               <a:rPr lang="zh-CN" altLang="en-US"/>
               <a:t>单击此处编辑母版文本样式</a:t>
             </a:r>
+            <a:endParaRPr lang="zh-CN" altLang="en-US"/>
           </a:p>
         </p:txBody>
       </p:sp>
@@ -750,7 +739,6 @@
           <a:p>
             <a:fld id="{5C77D00A-0F7C-4815-83DC-2949FD3F69DF}" type="datetimeFigureOut">
               <a:rPr lang="zh-CN" altLang="en-US" smtClean="0"/>
-              <a:t>2020-12-14</a:t>
             </a:fld>
             <a:endParaRPr lang="zh-CN" altLang="en-US"/>
           </a:p>
@@ -792,18 +780,12 @@
           <a:p>
             <a:fld id="{816D8A3F-5E8F-4104-8DE2-7FE925F96389}" type="slidenum">
               <a:rPr lang="zh-CN" altLang="en-US" smtClean="0"/>
-              <a:t>‹#›</a:t>
             </a:fld>
             <a:endParaRPr lang="zh-CN" altLang="en-US"/>
           </a:p>
         </p:txBody>
       </p:sp>
     </p:spTree>
-    <p:extLst>
-      <p:ext uri="{BB962C8B-B14F-4D97-AF65-F5344CB8AC3E}">
-        <p14:creationId xmlns:p14="http://schemas.microsoft.com/office/powerpoint/2010/main" val="3833651069"/>
-      </p:ext>
-    </p:extLst>
   </p:cSld>
   <p:clrMapOvr>
     <a:masterClrMapping/>
@@ -980,6 +962,7 @@
               <a:rPr lang="zh-CN" altLang="en-US"/>
               <a:t>单击此处编辑母版文本样式</a:t>
             </a:r>
+            <a:endParaRPr lang="zh-CN" altLang="en-US"/>
           </a:p>
         </p:txBody>
       </p:sp>
@@ -1000,7 +983,6 @@
           <a:p>
             <a:fld id="{5C77D00A-0F7C-4815-83DC-2949FD3F69DF}" type="datetimeFigureOut">
               <a:rPr lang="zh-CN" altLang="en-US" smtClean="0"/>
-              <a:t>2020-12-14</a:t>
             </a:fld>
             <a:endParaRPr lang="zh-CN" altLang="en-US"/>
           </a:p>
@@ -1042,18 +1024,12 @@
           <a:p>
             <a:fld id="{816D8A3F-5E8F-4104-8DE2-7FE925F96389}" type="slidenum">
               <a:rPr lang="zh-CN" altLang="en-US" smtClean="0"/>
-              <a:t>‹#›</a:t>
             </a:fld>
             <a:endParaRPr lang="zh-CN" altLang="en-US"/>
           </a:p>
         </p:txBody>
       </p:sp>
     </p:spTree>
-    <p:extLst>
-      <p:ext uri="{BB962C8B-B14F-4D97-AF65-F5344CB8AC3E}">
-        <p14:creationId xmlns:p14="http://schemas.microsoft.com/office/powerpoint/2010/main" val="2795976115"/>
-      </p:ext>
-    </p:extLst>
   </p:cSld>
   <p:clrMapOvr>
     <a:masterClrMapping/>
@@ -1167,6 +1143,7 @@
               <a:rPr lang="zh-CN" altLang="en-US"/>
               <a:t>单击此处编辑母版文本样式</a:t>
             </a:r>
+            <a:endParaRPr lang="zh-CN" altLang="en-US"/>
           </a:p>
         </p:txBody>
       </p:sp>
@@ -1288,6 +1265,7 @@
               <a:rPr lang="zh-CN" altLang="en-US"/>
               <a:t>单击此处编辑母版文本样式</a:t>
             </a:r>
+            <a:endParaRPr lang="zh-CN" altLang="en-US"/>
           </a:p>
         </p:txBody>
       </p:sp>
@@ -1308,7 +1286,6 @@
           <a:p>
             <a:fld id="{5C77D00A-0F7C-4815-83DC-2949FD3F69DF}" type="datetimeFigureOut">
               <a:rPr lang="zh-CN" altLang="en-US" smtClean="0"/>
-              <a:t>2020-12-14</a:t>
             </a:fld>
             <a:endParaRPr lang="zh-CN" altLang="en-US"/>
           </a:p>
@@ -1350,7 +1327,6 @@
           <a:p>
             <a:fld id="{816D8A3F-5E8F-4104-8DE2-7FE925F96389}" type="slidenum">
               <a:rPr lang="zh-CN" altLang="en-US" smtClean="0"/>
-              <a:t>‹#›</a:t>
             </a:fld>
             <a:endParaRPr lang="zh-CN" altLang="en-US"/>
           </a:p>
@@ -1387,6 +1363,12 @@
               </a:rPr>
               <a:t>“</a:t>
             </a:r>
+            <a:endParaRPr lang="en-US" sz="8000" dirty="0">
+              <a:solidFill>
+                <a:schemeClr val="tx1"/>
+              </a:solidFill>
+              <a:effectLst/>
+            </a:endParaRPr>
           </a:p>
         </p:txBody>
       </p:sp>
@@ -1421,15 +1403,16 @@
               </a:rPr>
               <a:t>”</a:t>
             </a:r>
+            <a:endParaRPr lang="en-US" sz="8000" dirty="0">
+              <a:solidFill>
+                <a:schemeClr val="tx1"/>
+              </a:solidFill>
+              <a:effectLst/>
+            </a:endParaRPr>
           </a:p>
         </p:txBody>
       </p:sp>
     </p:spTree>
-    <p:extLst>
-      <p:ext uri="{BB962C8B-B14F-4D97-AF65-F5344CB8AC3E}">
-        <p14:creationId xmlns:p14="http://schemas.microsoft.com/office/powerpoint/2010/main" val="3154922665"/>
-      </p:ext>
-    </p:extLst>
   </p:cSld>
   <p:clrMapOvr>
     <a:masterClrMapping/>
@@ -1606,6 +1589,7 @@
               <a:rPr lang="zh-CN" altLang="en-US"/>
               <a:t>单击此处编辑母版文本样式</a:t>
             </a:r>
+            <a:endParaRPr lang="zh-CN" altLang="en-US"/>
           </a:p>
         </p:txBody>
       </p:sp>
@@ -1626,7 +1610,6 @@
           <a:p>
             <a:fld id="{5C77D00A-0F7C-4815-83DC-2949FD3F69DF}" type="datetimeFigureOut">
               <a:rPr lang="zh-CN" altLang="en-US" smtClean="0"/>
-              <a:t>2020-12-14</a:t>
             </a:fld>
             <a:endParaRPr lang="zh-CN" altLang="en-US"/>
           </a:p>
@@ -1668,18 +1651,12 @@
           <a:p>
             <a:fld id="{816D8A3F-5E8F-4104-8DE2-7FE925F96389}" type="slidenum">
               <a:rPr lang="zh-CN" altLang="en-US" smtClean="0"/>
-              <a:t>‹#›</a:t>
             </a:fld>
             <a:endParaRPr lang="zh-CN" altLang="en-US"/>
           </a:p>
         </p:txBody>
       </p:sp>
     </p:spTree>
-    <p:extLst>
-      <p:ext uri="{BB962C8B-B14F-4D97-AF65-F5344CB8AC3E}">
-        <p14:creationId xmlns:p14="http://schemas.microsoft.com/office/powerpoint/2010/main" val="2449553667"/>
-      </p:ext>
-    </p:extLst>
   </p:cSld>
   <p:clrMapOvr>
     <a:masterClrMapping/>
@@ -1787,6 +1764,7 @@
               <a:rPr lang="zh-CN" altLang="en-US"/>
               <a:t>单击此处编辑母版文本样式</a:t>
             </a:r>
+            <a:endParaRPr lang="zh-CN" altLang="en-US"/>
           </a:p>
         </p:txBody>
       </p:sp>
@@ -1908,6 +1886,7 @@
               <a:rPr lang="zh-CN" altLang="en-US"/>
               <a:t>单击此处编辑母版文本样式</a:t>
             </a:r>
+            <a:endParaRPr lang="zh-CN" altLang="en-US"/>
           </a:p>
         </p:txBody>
       </p:sp>
@@ -1928,7 +1907,6 @@
           <a:p>
             <a:fld id="{5C77D00A-0F7C-4815-83DC-2949FD3F69DF}" type="datetimeFigureOut">
               <a:rPr lang="zh-CN" altLang="en-US" smtClean="0"/>
-              <a:t>2020-12-14</a:t>
             </a:fld>
             <a:endParaRPr lang="zh-CN" altLang="en-US"/>
           </a:p>
@@ -1970,7 +1948,6 @@
           <a:p>
             <a:fld id="{816D8A3F-5E8F-4104-8DE2-7FE925F96389}" type="slidenum">
               <a:rPr lang="zh-CN" altLang="en-US" smtClean="0"/>
-              <a:t>‹#›</a:t>
             </a:fld>
             <a:endParaRPr lang="zh-CN" altLang="en-US"/>
           </a:p>
@@ -2007,6 +1984,12 @@
               </a:rPr>
               <a:t>“</a:t>
             </a:r>
+            <a:endParaRPr lang="en-US" sz="8000" dirty="0">
+              <a:solidFill>
+                <a:schemeClr val="tx1"/>
+              </a:solidFill>
+              <a:effectLst/>
+            </a:endParaRPr>
           </a:p>
         </p:txBody>
       </p:sp>
@@ -2041,15 +2024,16 @@
               </a:rPr>
               <a:t>”</a:t>
             </a:r>
+            <a:endParaRPr lang="en-US" sz="8000" dirty="0">
+              <a:solidFill>
+                <a:schemeClr val="tx1"/>
+              </a:solidFill>
+              <a:effectLst/>
+            </a:endParaRPr>
           </a:p>
         </p:txBody>
       </p:sp>
     </p:spTree>
-    <p:extLst>
-      <p:ext uri="{BB962C8B-B14F-4D97-AF65-F5344CB8AC3E}">
-        <p14:creationId xmlns:p14="http://schemas.microsoft.com/office/powerpoint/2010/main" val="2583805220"/>
-      </p:ext>
-    </p:extLst>
   </p:cSld>
   <p:clrMapOvr>
     <a:masterClrMapping/>
@@ -2154,6 +2138,7 @@
               <a:rPr lang="zh-CN" altLang="en-US"/>
               <a:t>单击此处编辑母版文本样式</a:t>
             </a:r>
+            <a:endParaRPr lang="zh-CN" altLang="en-US"/>
           </a:p>
         </p:txBody>
       </p:sp>
@@ -2275,6 +2260,7 @@
               <a:rPr lang="zh-CN" altLang="en-US"/>
               <a:t>单击此处编辑母版文本样式</a:t>
             </a:r>
+            <a:endParaRPr lang="zh-CN" altLang="en-US"/>
           </a:p>
         </p:txBody>
       </p:sp>
@@ -2295,7 +2281,6 @@
           <a:p>
             <a:fld id="{5C77D00A-0F7C-4815-83DC-2949FD3F69DF}" type="datetimeFigureOut">
               <a:rPr lang="zh-CN" altLang="en-US" smtClean="0"/>
-              <a:t>2020-12-14</a:t>
             </a:fld>
             <a:endParaRPr lang="zh-CN" altLang="en-US"/>
           </a:p>
@@ -2337,18 +2322,12 @@
           <a:p>
             <a:fld id="{816D8A3F-5E8F-4104-8DE2-7FE925F96389}" type="slidenum">
               <a:rPr lang="zh-CN" altLang="en-US" smtClean="0"/>
-              <a:t>‹#›</a:t>
             </a:fld>
             <a:endParaRPr lang="zh-CN" altLang="en-US"/>
           </a:p>
         </p:txBody>
       </p:sp>
     </p:spTree>
-    <p:extLst>
-      <p:ext uri="{BB962C8B-B14F-4D97-AF65-F5344CB8AC3E}">
-        <p14:creationId xmlns:p14="http://schemas.microsoft.com/office/powerpoint/2010/main" val="2720062209"/>
-      </p:ext>
-    </p:extLst>
   </p:cSld>
   <p:clrMapOvr>
     <a:masterClrMapping/>
@@ -2420,6 +2399,7 @@
               <a:rPr lang="zh-CN" altLang="en-US"/>
               <a:t>单击此处编辑母版文本样式</a:t>
             </a:r>
+            <a:endParaRPr lang="zh-CN" altLang="en-US"/>
           </a:p>
           <a:p>
             <a:pPr lvl="1"/>
@@ -2427,6 +2407,7 @@
               <a:rPr lang="zh-CN" altLang="en-US"/>
               <a:t>二级</a:t>
             </a:r>
+            <a:endParaRPr lang="zh-CN" altLang="en-US"/>
           </a:p>
           <a:p>
             <a:pPr lvl="2"/>
@@ -2434,6 +2415,7 @@
               <a:rPr lang="zh-CN" altLang="en-US"/>
               <a:t>三级</a:t>
             </a:r>
+            <a:endParaRPr lang="zh-CN" altLang="en-US"/>
           </a:p>
           <a:p>
             <a:pPr lvl="3"/>
@@ -2441,6 +2423,7 @@
               <a:rPr lang="zh-CN" altLang="en-US"/>
               <a:t>四级</a:t>
             </a:r>
+            <a:endParaRPr lang="zh-CN" altLang="en-US"/>
           </a:p>
           <a:p>
             <a:pPr lvl="4"/>
@@ -2469,7 +2452,6 @@
           <a:p>
             <a:fld id="{5C77D00A-0F7C-4815-83DC-2949FD3F69DF}" type="datetimeFigureOut">
               <a:rPr lang="zh-CN" altLang="en-US" smtClean="0"/>
-              <a:t>2020-12-14</a:t>
             </a:fld>
             <a:endParaRPr lang="zh-CN" altLang="en-US"/>
           </a:p>
@@ -2511,18 +2493,12 @@
           <a:p>
             <a:fld id="{816D8A3F-5E8F-4104-8DE2-7FE925F96389}" type="slidenum">
               <a:rPr lang="zh-CN" altLang="en-US" smtClean="0"/>
-              <a:t>‹#›</a:t>
             </a:fld>
             <a:endParaRPr lang="zh-CN" altLang="en-US"/>
           </a:p>
         </p:txBody>
       </p:sp>
     </p:spTree>
-    <p:extLst>
-      <p:ext uri="{BB962C8B-B14F-4D97-AF65-F5344CB8AC3E}">
-        <p14:creationId xmlns:p14="http://schemas.microsoft.com/office/powerpoint/2010/main" val="3687745561"/>
-      </p:ext>
-    </p:extLst>
   </p:cSld>
   <p:clrMapOvr>
     <a:masterClrMapping/>
@@ -2600,6 +2576,7 @@
               <a:rPr lang="zh-CN" altLang="en-US"/>
               <a:t>单击此处编辑母版文本样式</a:t>
             </a:r>
+            <a:endParaRPr lang="zh-CN" altLang="en-US"/>
           </a:p>
           <a:p>
             <a:pPr lvl="1"/>
@@ -2607,6 +2584,7 @@
               <a:rPr lang="zh-CN" altLang="en-US"/>
               <a:t>二级</a:t>
             </a:r>
+            <a:endParaRPr lang="zh-CN" altLang="en-US"/>
           </a:p>
           <a:p>
             <a:pPr lvl="2"/>
@@ -2614,6 +2592,7 @@
               <a:rPr lang="zh-CN" altLang="en-US"/>
               <a:t>三级</a:t>
             </a:r>
+            <a:endParaRPr lang="zh-CN" altLang="en-US"/>
           </a:p>
           <a:p>
             <a:pPr lvl="3"/>
@@ -2621,6 +2600,7 @@
               <a:rPr lang="zh-CN" altLang="en-US"/>
               <a:t>四级</a:t>
             </a:r>
+            <a:endParaRPr lang="zh-CN" altLang="en-US"/>
           </a:p>
           <a:p>
             <a:pPr lvl="4"/>
@@ -2649,7 +2629,6 @@
           <a:p>
             <a:fld id="{5C77D00A-0F7C-4815-83DC-2949FD3F69DF}" type="datetimeFigureOut">
               <a:rPr lang="zh-CN" altLang="en-US" smtClean="0"/>
-              <a:t>2020-12-14</a:t>
             </a:fld>
             <a:endParaRPr lang="zh-CN" altLang="en-US"/>
           </a:p>
@@ -2691,18 +2670,12 @@
           <a:p>
             <a:fld id="{816D8A3F-5E8F-4104-8DE2-7FE925F96389}" type="slidenum">
               <a:rPr lang="zh-CN" altLang="en-US" smtClean="0"/>
-              <a:t>‹#›</a:t>
             </a:fld>
             <a:endParaRPr lang="zh-CN" altLang="en-US"/>
           </a:p>
         </p:txBody>
       </p:sp>
     </p:spTree>
-    <p:extLst>
-      <p:ext uri="{BB962C8B-B14F-4D97-AF65-F5344CB8AC3E}">
-        <p14:creationId xmlns:p14="http://schemas.microsoft.com/office/powerpoint/2010/main" val="3836665854"/>
-      </p:ext>
-    </p:extLst>
   </p:cSld>
   <p:clrMapOvr>
     <a:masterClrMapping/>
@@ -2770,6 +2743,7 @@
               <a:rPr lang="zh-CN" altLang="en-US"/>
               <a:t>单击此处编辑母版文本样式</a:t>
             </a:r>
+            <a:endParaRPr lang="zh-CN" altLang="en-US"/>
           </a:p>
           <a:p>
             <a:pPr lvl="1"/>
@@ -2777,6 +2751,7 @@
               <a:rPr lang="zh-CN" altLang="en-US"/>
               <a:t>二级</a:t>
             </a:r>
+            <a:endParaRPr lang="zh-CN" altLang="en-US"/>
           </a:p>
           <a:p>
             <a:pPr lvl="2"/>
@@ -2784,6 +2759,7 @@
               <a:rPr lang="zh-CN" altLang="en-US"/>
               <a:t>三级</a:t>
             </a:r>
+            <a:endParaRPr lang="zh-CN" altLang="en-US"/>
           </a:p>
           <a:p>
             <a:pPr lvl="3"/>
@@ -2791,6 +2767,7 @@
               <a:rPr lang="zh-CN" altLang="en-US"/>
               <a:t>四级</a:t>
             </a:r>
+            <a:endParaRPr lang="zh-CN" altLang="en-US"/>
           </a:p>
           <a:p>
             <a:pPr lvl="4"/>
@@ -2819,7 +2796,6 @@
           <a:p>
             <a:fld id="{5C77D00A-0F7C-4815-83DC-2949FD3F69DF}" type="datetimeFigureOut">
               <a:rPr lang="zh-CN" altLang="en-US" smtClean="0"/>
-              <a:t>2020-12-14</a:t>
             </a:fld>
             <a:endParaRPr lang="zh-CN" altLang="en-US"/>
           </a:p>
@@ -2861,18 +2837,12 @@
           <a:p>
             <a:fld id="{816D8A3F-5E8F-4104-8DE2-7FE925F96389}" type="slidenum">
               <a:rPr lang="zh-CN" altLang="en-US" smtClean="0"/>
-              <a:t>‹#›</a:t>
             </a:fld>
             <a:endParaRPr lang="zh-CN" altLang="en-US"/>
           </a:p>
         </p:txBody>
       </p:sp>
     </p:spTree>
-    <p:extLst>
-      <p:ext uri="{BB962C8B-B14F-4D97-AF65-F5344CB8AC3E}">
-        <p14:creationId xmlns:p14="http://schemas.microsoft.com/office/powerpoint/2010/main" val="3023338830"/>
-      </p:ext>
-    </p:extLst>
   </p:cSld>
   <p:clrMapOvr>
     <a:masterClrMapping/>
@@ -3049,6 +3019,7 @@
               <a:rPr lang="zh-CN" altLang="en-US"/>
               <a:t>单击此处编辑母版文本样式</a:t>
             </a:r>
+            <a:endParaRPr lang="zh-CN" altLang="en-US"/>
           </a:p>
         </p:txBody>
       </p:sp>
@@ -3069,7 +3040,6 @@
           <a:p>
             <a:fld id="{5C77D00A-0F7C-4815-83DC-2949FD3F69DF}" type="datetimeFigureOut">
               <a:rPr lang="zh-CN" altLang="en-US" smtClean="0"/>
-              <a:t>2020-12-14</a:t>
             </a:fld>
             <a:endParaRPr lang="zh-CN" altLang="en-US"/>
           </a:p>
@@ -3111,18 +3081,12 @@
           <a:p>
             <a:fld id="{816D8A3F-5E8F-4104-8DE2-7FE925F96389}" type="slidenum">
               <a:rPr lang="zh-CN" altLang="en-US" smtClean="0"/>
-              <a:t>‹#›</a:t>
             </a:fld>
             <a:endParaRPr lang="zh-CN" altLang="en-US"/>
           </a:p>
         </p:txBody>
       </p:sp>
     </p:spTree>
-    <p:extLst>
-      <p:ext uri="{BB962C8B-B14F-4D97-AF65-F5344CB8AC3E}">
-        <p14:creationId xmlns:p14="http://schemas.microsoft.com/office/powerpoint/2010/main" val="1049243657"/>
-      </p:ext>
-    </p:extLst>
   </p:cSld>
   <p:clrMapOvr>
     <a:masterClrMapping/>
@@ -3197,6 +3161,7 @@
               <a:rPr lang="zh-CN" altLang="en-US"/>
               <a:t>单击此处编辑母版文本样式</a:t>
             </a:r>
+            <a:endParaRPr lang="zh-CN" altLang="en-US"/>
           </a:p>
           <a:p>
             <a:pPr lvl="1"/>
@@ -3204,6 +3169,7 @@
               <a:rPr lang="zh-CN" altLang="en-US"/>
               <a:t>二级</a:t>
             </a:r>
+            <a:endParaRPr lang="zh-CN" altLang="en-US"/>
           </a:p>
           <a:p>
             <a:pPr lvl="2"/>
@@ -3211,6 +3177,7 @@
               <a:rPr lang="zh-CN" altLang="en-US"/>
               <a:t>三级</a:t>
             </a:r>
+            <a:endParaRPr lang="zh-CN" altLang="en-US"/>
           </a:p>
           <a:p>
             <a:pPr lvl="3"/>
@@ -3218,6 +3185,7 @@
               <a:rPr lang="zh-CN" altLang="en-US"/>
               <a:t>四级</a:t>
             </a:r>
+            <a:endParaRPr lang="zh-CN" altLang="en-US"/>
           </a:p>
           <a:p>
             <a:pPr lvl="4"/>
@@ -3256,6 +3224,7 @@
               <a:rPr lang="zh-CN" altLang="en-US"/>
               <a:t>单击此处编辑母版文本样式</a:t>
             </a:r>
+            <a:endParaRPr lang="zh-CN" altLang="en-US"/>
           </a:p>
           <a:p>
             <a:pPr lvl="1"/>
@@ -3263,6 +3232,7 @@
               <a:rPr lang="zh-CN" altLang="en-US"/>
               <a:t>二级</a:t>
             </a:r>
+            <a:endParaRPr lang="zh-CN" altLang="en-US"/>
           </a:p>
           <a:p>
             <a:pPr lvl="2"/>
@@ -3270,6 +3240,7 @@
               <a:rPr lang="zh-CN" altLang="en-US"/>
               <a:t>三级</a:t>
             </a:r>
+            <a:endParaRPr lang="zh-CN" altLang="en-US"/>
           </a:p>
           <a:p>
             <a:pPr lvl="3"/>
@@ -3277,6 +3248,7 @@
               <a:rPr lang="zh-CN" altLang="en-US"/>
               <a:t>四级</a:t>
             </a:r>
+            <a:endParaRPr lang="zh-CN" altLang="en-US"/>
           </a:p>
           <a:p>
             <a:pPr lvl="4"/>
@@ -3305,7 +3277,6 @@
           <a:p>
             <a:fld id="{5C77D00A-0F7C-4815-83DC-2949FD3F69DF}" type="datetimeFigureOut">
               <a:rPr lang="zh-CN" altLang="en-US" smtClean="0"/>
-              <a:t>2020-12-14</a:t>
             </a:fld>
             <a:endParaRPr lang="zh-CN" altLang="en-US"/>
           </a:p>
@@ -3347,18 +3318,12 @@
           <a:p>
             <a:fld id="{816D8A3F-5E8F-4104-8DE2-7FE925F96389}" type="slidenum">
               <a:rPr lang="zh-CN" altLang="en-US" smtClean="0"/>
-              <a:t>‹#›</a:t>
             </a:fld>
             <a:endParaRPr lang="zh-CN" altLang="en-US"/>
           </a:p>
         </p:txBody>
       </p:sp>
     </p:spTree>
-    <p:extLst>
-      <p:ext uri="{BB962C8B-B14F-4D97-AF65-F5344CB8AC3E}">
-        <p14:creationId xmlns:p14="http://schemas.microsoft.com/office/powerpoint/2010/main" val="1876231027"/>
-      </p:ext>
-    </p:extLst>
   </p:cSld>
   <p:clrMapOvr>
     <a:masterClrMapping/>
@@ -3478,6 +3443,7 @@
               <a:rPr lang="zh-CN" altLang="en-US"/>
               <a:t>单击此处编辑母版文本样式</a:t>
             </a:r>
+            <a:endParaRPr lang="zh-CN" altLang="en-US"/>
           </a:p>
         </p:txBody>
       </p:sp>
@@ -3508,6 +3474,7 @@
               <a:rPr lang="zh-CN" altLang="en-US"/>
               <a:t>单击此处编辑母版文本样式</a:t>
             </a:r>
+            <a:endParaRPr lang="zh-CN" altLang="en-US"/>
           </a:p>
           <a:p>
             <a:pPr lvl="1"/>
@@ -3515,6 +3482,7 @@
               <a:rPr lang="zh-CN" altLang="en-US"/>
               <a:t>二级</a:t>
             </a:r>
+            <a:endParaRPr lang="zh-CN" altLang="en-US"/>
           </a:p>
           <a:p>
             <a:pPr lvl="2"/>
@@ -3522,6 +3490,7 @@
               <a:rPr lang="zh-CN" altLang="en-US"/>
               <a:t>三级</a:t>
             </a:r>
+            <a:endParaRPr lang="zh-CN" altLang="en-US"/>
           </a:p>
           <a:p>
             <a:pPr lvl="3"/>
@@ -3529,6 +3498,7 @@
               <a:rPr lang="zh-CN" altLang="en-US"/>
               <a:t>四级</a:t>
             </a:r>
+            <a:endParaRPr lang="zh-CN" altLang="en-US"/>
           </a:p>
           <a:p>
             <a:pPr lvl="4"/>
@@ -3608,6 +3578,7 @@
               <a:rPr lang="zh-CN" altLang="en-US"/>
               <a:t>单击此处编辑母版文本样式</a:t>
             </a:r>
+            <a:endParaRPr lang="zh-CN" altLang="en-US"/>
           </a:p>
         </p:txBody>
       </p:sp>
@@ -3638,6 +3609,7 @@
               <a:rPr lang="zh-CN" altLang="en-US"/>
               <a:t>单击此处编辑母版文本样式</a:t>
             </a:r>
+            <a:endParaRPr lang="zh-CN" altLang="en-US"/>
           </a:p>
           <a:p>
             <a:pPr lvl="1"/>
@@ -3645,6 +3617,7 @@
               <a:rPr lang="zh-CN" altLang="en-US"/>
               <a:t>二级</a:t>
             </a:r>
+            <a:endParaRPr lang="zh-CN" altLang="en-US"/>
           </a:p>
           <a:p>
             <a:pPr lvl="2"/>
@@ -3652,6 +3625,7 @@
               <a:rPr lang="zh-CN" altLang="en-US"/>
               <a:t>三级</a:t>
             </a:r>
+            <a:endParaRPr lang="zh-CN" altLang="en-US"/>
           </a:p>
           <a:p>
             <a:pPr lvl="3"/>
@@ -3659,6 +3633,7 @@
               <a:rPr lang="zh-CN" altLang="en-US"/>
               <a:t>四级</a:t>
             </a:r>
+            <a:endParaRPr lang="zh-CN" altLang="en-US"/>
           </a:p>
           <a:p>
             <a:pPr lvl="4"/>
@@ -3687,7 +3662,6 @@
           <a:p>
             <a:fld id="{5C77D00A-0F7C-4815-83DC-2949FD3F69DF}" type="datetimeFigureOut">
               <a:rPr lang="zh-CN" altLang="en-US" smtClean="0"/>
-              <a:t>2020-12-14</a:t>
             </a:fld>
             <a:endParaRPr lang="zh-CN" altLang="en-US"/>
           </a:p>
@@ -3729,18 +3703,12 @@
           <a:p>
             <a:fld id="{816D8A3F-5E8F-4104-8DE2-7FE925F96389}" type="slidenum">
               <a:rPr lang="zh-CN" altLang="en-US" smtClean="0"/>
-              <a:t>‹#›</a:t>
             </a:fld>
             <a:endParaRPr lang="zh-CN" altLang="en-US"/>
           </a:p>
         </p:txBody>
       </p:sp>
     </p:spTree>
-    <p:extLst>
-      <p:ext uri="{BB962C8B-B14F-4D97-AF65-F5344CB8AC3E}">
-        <p14:creationId xmlns:p14="http://schemas.microsoft.com/office/powerpoint/2010/main" val="3668820787"/>
-      </p:ext>
-    </p:extLst>
   </p:cSld>
   <p:clrMapOvr>
     <a:masterClrMapping/>
@@ -3805,7 +3773,6 @@
           <a:p>
             <a:fld id="{5C77D00A-0F7C-4815-83DC-2949FD3F69DF}" type="datetimeFigureOut">
               <a:rPr lang="zh-CN" altLang="en-US" smtClean="0"/>
-              <a:t>2020-12-14</a:t>
             </a:fld>
             <a:endParaRPr lang="zh-CN" altLang="en-US"/>
           </a:p>
@@ -3847,18 +3814,12 @@
           <a:p>
             <a:fld id="{816D8A3F-5E8F-4104-8DE2-7FE925F96389}" type="slidenum">
               <a:rPr lang="zh-CN" altLang="en-US" smtClean="0"/>
-              <a:t>‹#›</a:t>
             </a:fld>
             <a:endParaRPr lang="zh-CN" altLang="en-US"/>
           </a:p>
         </p:txBody>
       </p:sp>
     </p:spTree>
-    <p:extLst>
-      <p:ext uri="{BB962C8B-B14F-4D97-AF65-F5344CB8AC3E}">
-        <p14:creationId xmlns:p14="http://schemas.microsoft.com/office/powerpoint/2010/main" val="2330166388"/>
-      </p:ext>
-    </p:extLst>
   </p:cSld>
   <p:clrMapOvr>
     <a:masterClrMapping/>
@@ -3900,7 +3861,6 @@
           <a:p>
             <a:fld id="{5C77D00A-0F7C-4815-83DC-2949FD3F69DF}" type="datetimeFigureOut">
               <a:rPr lang="zh-CN" altLang="en-US" smtClean="0"/>
-              <a:t>2020-12-14</a:t>
             </a:fld>
             <a:endParaRPr lang="zh-CN" altLang="en-US"/>
           </a:p>
@@ -3942,18 +3902,12 @@
           <a:p>
             <a:fld id="{816D8A3F-5E8F-4104-8DE2-7FE925F96389}" type="slidenum">
               <a:rPr lang="zh-CN" altLang="en-US" smtClean="0"/>
-              <a:t>‹#›</a:t>
             </a:fld>
             <a:endParaRPr lang="zh-CN" altLang="en-US"/>
           </a:p>
         </p:txBody>
       </p:sp>
     </p:spTree>
-    <p:extLst>
-      <p:ext uri="{BB962C8B-B14F-4D97-AF65-F5344CB8AC3E}">
-        <p14:creationId xmlns:p14="http://schemas.microsoft.com/office/powerpoint/2010/main" val="2838774862"/>
-      </p:ext>
-    </p:extLst>
   </p:cSld>
   <p:clrMapOvr>
     <a:masterClrMapping/>
@@ -4039,6 +3993,7 @@
               <a:rPr lang="zh-CN" altLang="en-US"/>
               <a:t>单击此处编辑母版文本样式</a:t>
             </a:r>
+            <a:endParaRPr lang="zh-CN" altLang="en-US"/>
           </a:p>
           <a:p>
             <a:pPr lvl="1"/>
@@ -4046,6 +4001,7 @@
               <a:rPr lang="zh-CN" altLang="en-US"/>
               <a:t>二级</a:t>
             </a:r>
+            <a:endParaRPr lang="zh-CN" altLang="en-US"/>
           </a:p>
           <a:p>
             <a:pPr lvl="2"/>
@@ -4053,6 +4009,7 @@
               <a:rPr lang="zh-CN" altLang="en-US"/>
               <a:t>三级</a:t>
             </a:r>
+            <a:endParaRPr lang="zh-CN" altLang="en-US"/>
           </a:p>
           <a:p>
             <a:pPr lvl="3"/>
@@ -4060,6 +4017,7 @@
               <a:rPr lang="zh-CN" altLang="en-US"/>
               <a:t>四级</a:t>
             </a:r>
+            <a:endParaRPr lang="zh-CN" altLang="en-US"/>
           </a:p>
           <a:p>
             <a:pPr lvl="4"/>
@@ -4135,6 +4093,7 @@
               <a:rPr lang="zh-CN" altLang="en-US"/>
               <a:t>单击此处编辑母版文本样式</a:t>
             </a:r>
+            <a:endParaRPr lang="zh-CN" altLang="en-US"/>
           </a:p>
         </p:txBody>
       </p:sp>
@@ -4155,7 +4114,6 @@
           <a:p>
             <a:fld id="{5C77D00A-0F7C-4815-83DC-2949FD3F69DF}" type="datetimeFigureOut">
               <a:rPr lang="zh-CN" altLang="en-US" smtClean="0"/>
-              <a:t>2020-12-14</a:t>
             </a:fld>
             <a:endParaRPr lang="zh-CN" altLang="en-US"/>
           </a:p>
@@ -4197,18 +4155,12 @@
           <a:p>
             <a:fld id="{816D8A3F-5E8F-4104-8DE2-7FE925F96389}" type="slidenum">
               <a:rPr lang="zh-CN" altLang="en-US" smtClean="0"/>
-              <a:t>‹#›</a:t>
             </a:fld>
             <a:endParaRPr lang="zh-CN" altLang="en-US"/>
           </a:p>
         </p:txBody>
       </p:sp>
     </p:spTree>
-    <p:extLst>
-      <p:ext uri="{BB962C8B-B14F-4D97-AF65-F5344CB8AC3E}">
-        <p14:creationId xmlns:p14="http://schemas.microsoft.com/office/powerpoint/2010/main" val="2502613620"/>
-      </p:ext>
-    </p:extLst>
   </p:cSld>
   <p:clrMapOvr>
     <a:masterClrMapping/>
@@ -4418,6 +4370,7 @@
               <a:rPr lang="zh-CN" altLang="en-US"/>
               <a:t>单击此处编辑母版文本样式</a:t>
             </a:r>
+            <a:endParaRPr lang="zh-CN" altLang="en-US"/>
           </a:p>
         </p:txBody>
       </p:sp>
@@ -4438,7 +4391,6 @@
           <a:p>
             <a:fld id="{5C77D00A-0F7C-4815-83DC-2949FD3F69DF}" type="datetimeFigureOut">
               <a:rPr lang="zh-CN" altLang="en-US" smtClean="0"/>
-              <a:t>2020-12-14</a:t>
             </a:fld>
             <a:endParaRPr lang="zh-CN" altLang="en-US"/>
           </a:p>
@@ -4480,18 +4432,12 @@
           <a:p>
             <a:fld id="{816D8A3F-5E8F-4104-8DE2-7FE925F96389}" type="slidenum">
               <a:rPr lang="zh-CN" altLang="en-US" smtClean="0"/>
-              <a:t>‹#›</a:t>
             </a:fld>
             <a:endParaRPr lang="zh-CN" altLang="en-US"/>
           </a:p>
         </p:txBody>
       </p:sp>
     </p:spTree>
-    <p:extLst>
-      <p:ext uri="{BB962C8B-B14F-4D97-AF65-F5344CB8AC3E}">
-        <p14:creationId xmlns:p14="http://schemas.microsoft.com/office/powerpoint/2010/main" val="2499118218"/>
-      </p:ext>
-    </p:extLst>
   </p:cSld>
   <p:clrMapOvr>
     <a:masterClrMapping/>
@@ -4775,6 +4721,7 @@
               <a:rPr lang="zh-CN" altLang="en-US"/>
               <a:t>单击此处编辑母版文本样式</a:t>
             </a:r>
+            <a:endParaRPr lang="zh-CN" altLang="en-US"/>
           </a:p>
           <a:p>
             <a:pPr lvl="1"/>
@@ -4782,6 +4729,7 @@
               <a:rPr lang="zh-CN" altLang="en-US"/>
               <a:t>二级</a:t>
             </a:r>
+            <a:endParaRPr lang="zh-CN" altLang="en-US"/>
           </a:p>
           <a:p>
             <a:pPr lvl="2"/>
@@ -4789,6 +4737,7 @@
               <a:rPr lang="zh-CN" altLang="en-US"/>
               <a:t>三级</a:t>
             </a:r>
+            <a:endParaRPr lang="zh-CN" altLang="en-US"/>
           </a:p>
           <a:p>
             <a:pPr lvl="3"/>
@@ -4796,6 +4745,7 @@
               <a:rPr lang="zh-CN" altLang="en-US"/>
               <a:t>四级</a:t>
             </a:r>
+            <a:endParaRPr lang="zh-CN" altLang="en-US"/>
           </a:p>
           <a:p>
             <a:pPr lvl="4"/>
@@ -4844,7 +4794,6 @@
           <a:p>
             <a:fld id="{5C77D00A-0F7C-4815-83DC-2949FD3F69DF}" type="datetimeFigureOut">
               <a:rPr lang="zh-CN" altLang="en-US" smtClean="0"/>
-              <a:t>2020-12-14</a:t>
             </a:fld>
             <a:endParaRPr lang="zh-CN" altLang="en-US"/>
           </a:p>
@@ -4926,38 +4875,32 @@
           <a:p>
             <a:fld id="{816D8A3F-5E8F-4104-8DE2-7FE925F96389}" type="slidenum">
               <a:rPr lang="zh-CN" altLang="en-US" smtClean="0"/>
-              <a:t>‹#›</a:t>
             </a:fld>
             <a:endParaRPr lang="zh-CN" altLang="en-US"/>
           </a:p>
         </p:txBody>
       </p:sp>
     </p:spTree>
-    <p:extLst>
-      <p:ext uri="{BB962C8B-B14F-4D97-AF65-F5344CB8AC3E}">
-        <p14:creationId xmlns:p14="http://schemas.microsoft.com/office/powerpoint/2010/main" val="1134094342"/>
-      </p:ext>
-    </p:extLst>
   </p:cSld>
   <p:clrMap bg1="dk1" tx1="lt1" bg2="dk2" tx2="lt2" accent1="accent1" accent2="accent2" accent3="accent3" accent4="accent4" accent5="accent5" accent6="accent6" hlink="hlink" folHlink="folHlink"/>
   <p:sldLayoutIdLst>
-    <p:sldLayoutId id="2147483661" r:id="rId1"/>
-    <p:sldLayoutId id="2147483662" r:id="rId2"/>
-    <p:sldLayoutId id="2147483663" r:id="rId3"/>
-    <p:sldLayoutId id="2147483664" r:id="rId4"/>
-    <p:sldLayoutId id="2147483665" r:id="rId5"/>
-    <p:sldLayoutId id="2147483666" r:id="rId6"/>
-    <p:sldLayoutId id="2147483667" r:id="rId7"/>
-    <p:sldLayoutId id="2147483668" r:id="rId8"/>
-    <p:sldLayoutId id="2147483669" r:id="rId9"/>
-    <p:sldLayoutId id="2147483670" r:id="rId10"/>
-    <p:sldLayoutId id="2147483671" r:id="rId11"/>
-    <p:sldLayoutId id="2147483672" r:id="rId12"/>
-    <p:sldLayoutId id="2147483673" r:id="rId13"/>
-    <p:sldLayoutId id="2147483674" r:id="rId14"/>
-    <p:sldLayoutId id="2147483675" r:id="rId15"/>
-    <p:sldLayoutId id="2147483676" r:id="rId16"/>
-    <p:sldLayoutId id="2147483677" r:id="rId17"/>
+    <p:sldLayoutId id="2147483649" r:id="rId1"/>
+    <p:sldLayoutId id="2147483650" r:id="rId2"/>
+    <p:sldLayoutId id="2147483651" r:id="rId3"/>
+    <p:sldLayoutId id="2147483652" r:id="rId4"/>
+    <p:sldLayoutId id="2147483653" r:id="rId5"/>
+    <p:sldLayoutId id="2147483654" r:id="rId6"/>
+    <p:sldLayoutId id="2147483655" r:id="rId7"/>
+    <p:sldLayoutId id="2147483656" r:id="rId8"/>
+    <p:sldLayoutId id="2147483657" r:id="rId9"/>
+    <p:sldLayoutId id="2147483658" r:id="rId10"/>
+    <p:sldLayoutId id="2147483659" r:id="rId11"/>
+    <p:sldLayoutId id="2147483660" r:id="rId12"/>
+    <p:sldLayoutId id="2147483661" r:id="rId13"/>
+    <p:sldLayoutId id="2147483662" r:id="rId14"/>
+    <p:sldLayoutId id="2147483663" r:id="rId15"/>
+    <p:sldLayoutId id="2147483664" r:id="rId16"/>
+    <p:sldLayoutId id="2147483665" r:id="rId17"/>
   </p:sldLayoutIdLst>
   <p:txStyles>
     <p:titleStyle>
@@ -5381,13 +5324,7 @@
       </p:grpSpPr>
       <p:sp>
         <p:nvSpPr>
-          <p:cNvPr id="2" name="标题 1">
-            <a:extLst>
-              <a:ext uri="{FF2B5EF4-FFF2-40B4-BE49-F238E27FC236}">
-                <a16:creationId xmlns:a16="http://schemas.microsoft.com/office/drawing/2014/main" id="{00ECA540-9E80-4F3A-AD04-1F284AE1185D}"/>
-              </a:ext>
-            </a:extLst>
-          </p:cNvPr>
+          <p:cNvPr id="2" name="标题 1"/>
           <p:cNvSpPr>
             <a:spLocks noGrp="1"/>
           </p:cNvSpPr>
@@ -5408,18 +5345,13 @@
               <a:rPr lang="zh-CN" altLang="en-US" dirty="0"/>
               <a:t>技术架构</a:t>
             </a:r>
-          </a:p>
-        </p:txBody>
-      </p:sp>
-      <p:sp>
-        <p:nvSpPr>
-          <p:cNvPr id="3" name="副标题 2">
-            <a:extLst>
-              <a:ext uri="{FF2B5EF4-FFF2-40B4-BE49-F238E27FC236}">
-                <a16:creationId xmlns:a16="http://schemas.microsoft.com/office/drawing/2014/main" id="{8C0783EA-9400-4FEE-ADE8-14B4B53F3ADF}"/>
-              </a:ext>
-            </a:extLst>
-          </p:cNvPr>
+            <a:endParaRPr lang="zh-CN" altLang="en-US" dirty="0"/>
+          </a:p>
+        </p:txBody>
+      </p:sp>
+      <p:sp>
+        <p:nvSpPr>
+          <p:cNvPr id="3" name="副标题 2"/>
           <p:cNvSpPr>
             <a:spLocks noGrp="1"/>
           </p:cNvSpPr>
@@ -5444,15 +5376,11 @@
               <a:rPr lang="zh-CN" altLang="en-US" dirty="0"/>
               <a:t>存储引擎</a:t>
             </a:r>
+            <a:endParaRPr lang="zh-CN" altLang="en-US" dirty="0"/>
           </a:p>
         </p:txBody>
       </p:sp>
     </p:spTree>
-    <p:extLst>
-      <p:ext uri="{BB962C8B-B14F-4D97-AF65-F5344CB8AC3E}">
-        <p14:creationId xmlns:p14="http://schemas.microsoft.com/office/powerpoint/2010/main" val="1332066227"/>
-      </p:ext>
-    </p:extLst>
   </p:cSld>
   <p:clrMapOvr>
     <a:masterClrMapping/>
@@ -5479,13 +5407,7 @@
       </p:grpSpPr>
       <p:sp>
         <p:nvSpPr>
-          <p:cNvPr id="3" name="内容占位符 2">
-            <a:extLst>
-              <a:ext uri="{FF2B5EF4-FFF2-40B4-BE49-F238E27FC236}">
-                <a16:creationId xmlns:a16="http://schemas.microsoft.com/office/drawing/2014/main" id="{7B76EF03-05E4-4EFC-BA4E-6597636E78D0}"/>
-              </a:ext>
-            </a:extLst>
-          </p:cNvPr>
+          <p:cNvPr id="3" name="内容占位符 2"/>
           <p:cNvSpPr>
             <a:spLocks noGrp="1"/>
           </p:cNvSpPr>
@@ -5511,25 +5433,20 @@
               <a:rPr lang="zh-CN" altLang="en-US" dirty="0"/>
               <a:t>文件存储</a:t>
             </a:r>
+            <a:endParaRPr lang="zh-CN" altLang="en-US" dirty="0"/>
           </a:p>
         </p:txBody>
       </p:sp>
       <p:pic>
         <p:nvPicPr>
-          <p:cNvPr id="17" name="图片 16">
-            <a:extLst>
-              <a:ext uri="{FF2B5EF4-FFF2-40B4-BE49-F238E27FC236}">
-                <a16:creationId xmlns:a16="http://schemas.microsoft.com/office/drawing/2014/main" id="{205272ED-98BF-42BF-80AA-8E6B1DDC3C2A}"/>
-              </a:ext>
-            </a:extLst>
-          </p:cNvPr>
+          <p:cNvPr id="17" name="图片 16"/>
           <p:cNvPicPr>
             <a:picLocks noChangeAspect="1"/>
           </p:cNvPicPr>
           <p:nvPr/>
         </p:nvPicPr>
         <p:blipFill>
-          <a:blip r:embed="rId2"/>
+          <a:blip r:embed="rId1"/>
           <a:stretch>
             <a:fillRect/>
           </a:stretch>
@@ -5545,11 +5462,6 @@
         </p:spPr>
       </p:pic>
     </p:spTree>
-    <p:extLst>
-      <p:ext uri="{BB962C8B-B14F-4D97-AF65-F5344CB8AC3E}">
-        <p14:creationId xmlns:p14="http://schemas.microsoft.com/office/powerpoint/2010/main" val="2905622412"/>
-      </p:ext>
-    </p:extLst>
   </p:cSld>
   <p:clrMapOvr>
     <a:masterClrMapping/>
@@ -5576,13 +5488,7 @@
       </p:grpSpPr>
       <p:sp>
         <p:nvSpPr>
-          <p:cNvPr id="3" name="内容占位符 2">
-            <a:extLst>
-              <a:ext uri="{FF2B5EF4-FFF2-40B4-BE49-F238E27FC236}">
-                <a16:creationId xmlns:a16="http://schemas.microsoft.com/office/drawing/2014/main" id="{D2223C84-38A2-4DD1-948C-4CBB7A1AA038}"/>
-              </a:ext>
-            </a:extLst>
-          </p:cNvPr>
+          <p:cNvPr id="3" name="内容占位符 2"/>
           <p:cNvSpPr>
             <a:spLocks noGrp="1"/>
           </p:cNvSpPr>
@@ -5604,18 +5510,13 @@
               <a:rPr lang="zh-CN" altLang="en-US" dirty="0"/>
               <a:t>共享表空间文件</a:t>
             </a:r>
-          </a:p>
-        </p:txBody>
-      </p:sp>
-      <p:sp>
-        <p:nvSpPr>
-          <p:cNvPr id="4" name="文本框 3">
-            <a:extLst>
-              <a:ext uri="{FF2B5EF4-FFF2-40B4-BE49-F238E27FC236}">
-                <a16:creationId xmlns:a16="http://schemas.microsoft.com/office/drawing/2014/main" id="{1843A559-6ADA-4F55-B01D-BC6542F182E4}"/>
-              </a:ext>
-            </a:extLst>
-          </p:cNvPr>
+            <a:endParaRPr lang="zh-CN" altLang="en-US" dirty="0"/>
+          </a:p>
+        </p:txBody>
+      </p:sp>
+      <p:sp>
+        <p:nvSpPr>
+          <p:cNvPr id="4" name="文本框 3"/>
           <p:cNvSpPr txBox="1"/>
           <p:nvPr/>
         </p:nvSpPr>
@@ -5940,18 +5841,19 @@
               </a:rPr>
               <a:t>页</a:t>
             </a:r>
-          </a:p>
-        </p:txBody>
-      </p:sp>
-      <p:sp>
-        <p:nvSpPr>
-          <p:cNvPr id="5" name="文本框 4">
-            <a:extLst>
-              <a:ext uri="{FF2B5EF4-FFF2-40B4-BE49-F238E27FC236}">
-                <a16:creationId xmlns:a16="http://schemas.microsoft.com/office/drawing/2014/main" id="{6121C871-C49F-44F1-B32C-1F6A91FE84F2}"/>
-              </a:ext>
-            </a:extLst>
-          </p:cNvPr>
+            <a:endParaRPr lang="zh-CN" altLang="en-US" b="0" i="0" dirty="0">
+              <a:solidFill>
+                <a:schemeClr val="bg1"/>
+              </a:solidFill>
+              <a:effectLst/>
+              <a:latin typeface="Helvetica" panose="020B0604020202020204" pitchFamily="34" charset="0"/>
+            </a:endParaRPr>
+          </a:p>
+        </p:txBody>
+      </p:sp>
+      <p:sp>
+        <p:nvSpPr>
+          <p:cNvPr id="5" name="文本框 4"/>
           <p:cNvSpPr txBox="1"/>
           <p:nvPr/>
         </p:nvSpPr>
@@ -6385,25 +6287,26 @@
               </a:rPr>
               <a:t>索引和主键顺序严重不一致：主键的建立选择有问题</a:t>
             </a:r>
+            <a:endParaRPr lang="zh-CN" altLang="en-US" b="0" i="0" dirty="0">
+              <a:solidFill>
+                <a:schemeClr val="bg1"/>
+              </a:solidFill>
+              <a:effectLst/>
+              <a:latin typeface="Helvetica" panose="020B0604020202020204" pitchFamily="34" charset="0"/>
+            </a:endParaRPr>
           </a:p>
         </p:txBody>
       </p:sp>
       <p:pic>
         <p:nvPicPr>
-          <p:cNvPr id="7" name="图片 6">
-            <a:extLst>
-              <a:ext uri="{FF2B5EF4-FFF2-40B4-BE49-F238E27FC236}">
-                <a16:creationId xmlns:a16="http://schemas.microsoft.com/office/drawing/2014/main" id="{654498FF-D50E-4D4D-8647-A8014134595F}"/>
-              </a:ext>
-            </a:extLst>
-          </p:cNvPr>
+          <p:cNvPr id="7" name="图片 6"/>
           <p:cNvPicPr>
             <a:picLocks noChangeAspect="1"/>
           </p:cNvPicPr>
           <p:nvPr/>
         </p:nvPicPr>
         <p:blipFill>
-          <a:blip r:embed="rId2">
+          <a:blip r:embed="rId1">
             <a:extLst>
               <a:ext uri="{28A0092B-C50C-407E-A947-70E740481C1C}">
                 <a14:useLocalDpi xmlns:a14="http://schemas.microsoft.com/office/drawing/2010/main" val="0"/>
@@ -6425,11 +6328,6 @@
         </p:spPr>
       </p:pic>
     </p:spTree>
-    <p:extLst>
-      <p:ext uri="{BB962C8B-B14F-4D97-AF65-F5344CB8AC3E}">
-        <p14:creationId xmlns:p14="http://schemas.microsoft.com/office/powerpoint/2010/main" val="50773537"/>
-      </p:ext>
-    </p:extLst>
   </p:cSld>
   <p:clrMapOvr>
     <a:masterClrMapping/>
@@ -6456,13 +6354,7 @@
       </p:grpSpPr>
       <p:sp>
         <p:nvSpPr>
-          <p:cNvPr id="3" name="内容占位符 2">
-            <a:extLst>
-              <a:ext uri="{FF2B5EF4-FFF2-40B4-BE49-F238E27FC236}">
-                <a16:creationId xmlns:a16="http://schemas.microsoft.com/office/drawing/2014/main" id="{7E9C6403-4F5B-4CAF-A821-A975D070D5E4}"/>
-              </a:ext>
-            </a:extLst>
-          </p:cNvPr>
+          <p:cNvPr id="3" name="内容占位符 2"/>
           <p:cNvSpPr>
             <a:spLocks noGrp="1"/>
           </p:cNvSpPr>
@@ -6484,25 +6376,20 @@
               <a:rPr lang="zh-CN" altLang="en-US" dirty="0"/>
               <a:t>笔记</a:t>
             </a:r>
-          </a:p>
-        </p:txBody>
-      </p:sp>
-      <p:sp>
-        <p:nvSpPr>
-          <p:cNvPr id="5" name="文本框 4">
-            <a:extLst>
-              <a:ext uri="{FF2B5EF4-FFF2-40B4-BE49-F238E27FC236}">
-                <a16:creationId xmlns:a16="http://schemas.microsoft.com/office/drawing/2014/main" id="{97B046F1-C0F1-4460-B1EC-0D97C0BBBF26}"/>
-              </a:ext>
-            </a:extLst>
-          </p:cNvPr>
+            <a:endParaRPr lang="zh-CN" altLang="en-US" dirty="0"/>
+          </a:p>
+        </p:txBody>
+      </p:sp>
+      <p:sp>
+        <p:nvSpPr>
+          <p:cNvPr id="5" name="文本框 4"/>
           <p:cNvSpPr txBox="1"/>
           <p:nvPr/>
         </p:nvSpPr>
         <p:spPr>
           <a:xfrm>
             <a:off x="1034473" y="1560945"/>
-            <a:ext cx="10317018" cy="784830"/>
+            <a:ext cx="10317018" cy="1614805"/>
           </a:xfrm>
           <a:prstGeom prst="rect">
             <a:avLst/>
@@ -6530,6 +6417,21 @@
               <a:rPr lang="en-US" altLang="zh-CN" dirty="0"/>
               <a:t>16KB</a:t>
             </a:r>
+            <a:endParaRPr lang="en-US" altLang="zh-CN" dirty="0"/>
+          </a:p>
+          <a:p>
+            <a:pPr marL="285750" indent="-285750">
+              <a:lnSpc>
+                <a:spcPct val="150000"/>
+              </a:lnSpc>
+              <a:buFont typeface="Wingdings" panose="05000000000000000000" pitchFamily="2" charset="2"/>
+              <a:buChar char="l"/>
+            </a:pPr>
+            <a:r>
+              <a:rPr lang="en-US" altLang="zh-CN" dirty="0"/>
+              <a:t>innodb引擎的存储单位自上到下为表空间 table spaces,片段 segemant, 分区 extend, 页 page, 行row,列 column</a:t>
+            </a:r>
+            <a:endParaRPr lang="en-US" altLang="zh-CN" dirty="0"/>
           </a:p>
           <a:p>
             <a:pPr marL="285750" indent="-285750">
@@ -6541,11 +6443,6 @@
         </p:txBody>
       </p:sp>
     </p:spTree>
-    <p:extLst>
-      <p:ext uri="{BB962C8B-B14F-4D97-AF65-F5344CB8AC3E}">
-        <p14:creationId xmlns:p14="http://schemas.microsoft.com/office/powerpoint/2010/main" val="9985953"/>
-      </p:ext>
-    </p:extLst>
   </p:cSld>
   <p:clrMapOvr>
     <a:masterClrMapping/>
@@ -6572,13 +6469,7 @@
       </p:grpSpPr>
       <p:sp>
         <p:nvSpPr>
-          <p:cNvPr id="3" name="内容占位符 2">
-            <a:extLst>
-              <a:ext uri="{FF2B5EF4-FFF2-40B4-BE49-F238E27FC236}">
-                <a16:creationId xmlns:a16="http://schemas.microsoft.com/office/drawing/2014/main" id="{240159C3-E62F-4523-ADF9-6D941DA79531}"/>
-              </a:ext>
-            </a:extLst>
-          </p:cNvPr>
+          <p:cNvPr id="3" name="内容占位符 2"/>
           <p:cNvSpPr>
             <a:spLocks noGrp="1"/>
           </p:cNvSpPr>
@@ -6606,25 +6497,20 @@
               <a:rPr lang="zh-CN" altLang="en-US" sz="2400" dirty="0"/>
               <a:t>逻辑架构</a:t>
             </a:r>
+            <a:endParaRPr lang="zh-CN" altLang="en-US" sz="2400" dirty="0"/>
           </a:p>
         </p:txBody>
       </p:sp>
       <p:pic>
         <p:nvPicPr>
-          <p:cNvPr id="9" name="图片 8">
-            <a:extLst>
-              <a:ext uri="{FF2B5EF4-FFF2-40B4-BE49-F238E27FC236}">
-                <a16:creationId xmlns:a16="http://schemas.microsoft.com/office/drawing/2014/main" id="{B960272B-E53B-48A5-B966-F68CBD1F025A}"/>
-              </a:ext>
-            </a:extLst>
-          </p:cNvPr>
+          <p:cNvPr id="9" name="图片 8"/>
           <p:cNvPicPr>
             <a:picLocks noChangeAspect="1"/>
           </p:cNvPicPr>
           <p:nvPr/>
         </p:nvPicPr>
         <p:blipFill>
-          <a:blip r:embed="rId2"/>
+          <a:blip r:embed="rId1"/>
           <a:stretch>
             <a:fillRect/>
           </a:stretch>
@@ -6640,11 +6526,6 @@
         </p:spPr>
       </p:pic>
     </p:spTree>
-    <p:extLst>
-      <p:ext uri="{BB962C8B-B14F-4D97-AF65-F5344CB8AC3E}">
-        <p14:creationId xmlns:p14="http://schemas.microsoft.com/office/powerpoint/2010/main" val="633187000"/>
-      </p:ext>
-    </p:extLst>
   </p:cSld>
   <p:clrMapOvr>
     <a:masterClrMapping/>
@@ -6671,13 +6552,7 @@
       </p:grpSpPr>
       <p:sp>
         <p:nvSpPr>
-          <p:cNvPr id="3" name="内容占位符 2">
-            <a:extLst>
-              <a:ext uri="{FF2B5EF4-FFF2-40B4-BE49-F238E27FC236}">
-                <a16:creationId xmlns:a16="http://schemas.microsoft.com/office/drawing/2014/main" id="{1299FC41-9D89-4E02-89FD-61BF416B8E42}"/>
-              </a:ext>
-            </a:extLst>
-          </p:cNvPr>
+          <p:cNvPr id="3" name="内容占位符 2"/>
           <p:cNvSpPr>
             <a:spLocks noGrp="1"/>
           </p:cNvSpPr>
@@ -6703,18 +6578,13 @@
               <a:rPr lang="zh-CN" altLang="en-US" dirty="0"/>
               <a:t>客户端</a:t>
             </a:r>
-          </a:p>
-        </p:txBody>
-      </p:sp>
-      <p:sp>
-        <p:nvSpPr>
-          <p:cNvPr id="8" name="矩形: 圆角 7">
-            <a:extLst>
-              <a:ext uri="{FF2B5EF4-FFF2-40B4-BE49-F238E27FC236}">
-                <a16:creationId xmlns:a16="http://schemas.microsoft.com/office/drawing/2014/main" id="{1F3022D6-04D4-42AC-875E-098D604FBD41}"/>
-              </a:ext>
-            </a:extLst>
-          </p:cNvPr>
+            <a:endParaRPr lang="zh-CN" altLang="en-US" dirty="0"/>
+          </a:p>
+        </p:txBody>
+      </p:sp>
+      <p:sp>
+        <p:nvSpPr>
+          <p:cNvPr id="8" name="矩形: 圆角 7"/>
           <p:cNvSpPr/>
           <p:nvPr/>
         </p:nvSpPr>
@@ -6814,13 +6684,7 @@
       </p:sp>
       <p:sp>
         <p:nvSpPr>
-          <p:cNvPr id="10" name="文本框 9">
-            <a:extLst>
-              <a:ext uri="{FF2B5EF4-FFF2-40B4-BE49-F238E27FC236}">
-                <a16:creationId xmlns:a16="http://schemas.microsoft.com/office/drawing/2014/main" id="{BD12AF57-FDE1-4BBD-AF70-A97CF9E98622}"/>
-              </a:ext>
-            </a:extLst>
-          </p:cNvPr>
+          <p:cNvPr id="10" name="文本框 9"/>
           <p:cNvSpPr txBox="1"/>
           <p:nvPr/>
         </p:nvSpPr>
@@ -6957,15 +6821,15 @@
               </a:rPr>
               <a:t>的安全链接。服务器也会为安全接入的每个客户端验证它所具有的操作权限。</a:t>
             </a:r>
+            <a:endParaRPr lang="zh-CN" altLang="en-US" dirty="0">
+              <a:solidFill>
+                <a:schemeClr val="bg1"/>
+              </a:solidFill>
+            </a:endParaRPr>
           </a:p>
         </p:txBody>
       </p:sp>
     </p:spTree>
-    <p:extLst>
-      <p:ext uri="{BB962C8B-B14F-4D97-AF65-F5344CB8AC3E}">
-        <p14:creationId xmlns:p14="http://schemas.microsoft.com/office/powerpoint/2010/main" val="3189529960"/>
-      </p:ext>
-    </p:extLst>
   </p:cSld>
   <p:clrMapOvr>
     <a:masterClrMapping/>
@@ -6992,13 +6856,7 @@
       </p:grpSpPr>
       <p:sp>
         <p:nvSpPr>
-          <p:cNvPr id="4" name="内容占位符 2">
-            <a:extLst>
-              <a:ext uri="{FF2B5EF4-FFF2-40B4-BE49-F238E27FC236}">
-                <a16:creationId xmlns:a16="http://schemas.microsoft.com/office/drawing/2014/main" id="{017C23FB-B099-4D2B-A61E-63F661388529}"/>
-              </a:ext>
-            </a:extLst>
-          </p:cNvPr>
+          <p:cNvPr id="4" name="内容占位符 2"/>
           <p:cNvSpPr>
             <a:spLocks noGrp="1"/>
           </p:cNvSpPr>
@@ -7024,18 +6882,13 @@
               <a:rPr lang="zh-CN" altLang="en-US" dirty="0"/>
               <a:t>服务层</a:t>
             </a:r>
-          </a:p>
-        </p:txBody>
-      </p:sp>
-      <p:sp>
-        <p:nvSpPr>
-          <p:cNvPr id="5" name="矩形: 圆角 4">
-            <a:extLst>
-              <a:ext uri="{FF2B5EF4-FFF2-40B4-BE49-F238E27FC236}">
-                <a16:creationId xmlns:a16="http://schemas.microsoft.com/office/drawing/2014/main" id="{8ABAEA15-47EB-4986-9A92-19B52DFEE370}"/>
-              </a:ext>
-            </a:extLst>
-          </p:cNvPr>
+            <a:endParaRPr lang="zh-CN" altLang="en-US" dirty="0"/>
+          </a:p>
+        </p:txBody>
+      </p:sp>
+      <p:sp>
+        <p:nvSpPr>
+          <p:cNvPr id="5" name="矩形: 圆角 4"/>
           <p:cNvSpPr/>
           <p:nvPr/>
         </p:nvSpPr>
@@ -7077,13 +6930,7 @@
       </p:sp>
       <p:sp>
         <p:nvSpPr>
-          <p:cNvPr id="6" name="文本框 5">
-            <a:extLst>
-              <a:ext uri="{FF2B5EF4-FFF2-40B4-BE49-F238E27FC236}">
-                <a16:creationId xmlns:a16="http://schemas.microsoft.com/office/drawing/2014/main" id="{45010963-4F1D-435D-A91E-E7CDE5859AEF}"/>
-              </a:ext>
-            </a:extLst>
-          </p:cNvPr>
+          <p:cNvPr id="6" name="文本框 5"/>
           <p:cNvSpPr txBox="1"/>
           <p:nvPr/>
         </p:nvSpPr>
@@ -7130,6 +6977,13 @@
               </a:rPr>
               <a:t>：用于管理客户端请求的，比如检查验证请求连接的合法性，对于合法用户分配处理线程去执行任务等等工作。</a:t>
             </a:r>
+            <a:endParaRPr lang="zh-CN" altLang="en-US" sz="1400" b="0" i="0" dirty="0">
+              <a:solidFill>
+                <a:srgbClr val="000000"/>
+              </a:solidFill>
+              <a:effectLst/>
+              <a:latin typeface="Optima-Regular"/>
+            </a:endParaRPr>
           </a:p>
           <a:p>
             <a:pPr algn="l">
@@ -7275,6 +7129,13 @@
               </a:rPr>
               <a:t>语句，发现是一个查询请求，则接下来就会进行查询相关的操作。</a:t>
             </a:r>
+            <a:endParaRPr lang="zh-CN" altLang="en-US" sz="1400" b="0" i="0" dirty="0">
+              <a:solidFill>
+                <a:srgbClr val="000000"/>
+              </a:solidFill>
+              <a:effectLst/>
+              <a:latin typeface="Optima-Regular"/>
+            </a:endParaRPr>
           </a:p>
           <a:p>
             <a:pPr algn="l">
@@ -7385,18 +7246,18 @@
               </a:rPr>
               <a:t>、存储过程、视图、触发器等实现。</a:t>
             </a:r>
-          </a:p>
-        </p:txBody>
-      </p:sp>
-      <p:sp>
-        <p:nvSpPr>
-          <p:cNvPr id="7" name="矩形: 圆角 6">
-            <a:extLst>
-              <a:ext uri="{FF2B5EF4-FFF2-40B4-BE49-F238E27FC236}">
-                <a16:creationId xmlns:a16="http://schemas.microsoft.com/office/drawing/2014/main" id="{68E99941-7D61-41C6-B285-DF7F18A4FC4F}"/>
-              </a:ext>
-            </a:extLst>
-          </p:cNvPr>
+            <a:endParaRPr lang="zh-CN" altLang="en-US" sz="1400" dirty="0">
+              <a:solidFill>
+                <a:srgbClr val="000000"/>
+              </a:solidFill>
+              <a:latin typeface="Optima-Regular"/>
+            </a:endParaRPr>
+          </a:p>
+        </p:txBody>
+      </p:sp>
+      <p:sp>
+        <p:nvSpPr>
+          <p:cNvPr id="7" name="矩形: 圆角 6"/>
           <p:cNvSpPr/>
           <p:nvPr/>
         </p:nvSpPr>
@@ -7464,13 +7325,7 @@
       </p:sp>
       <p:sp>
         <p:nvSpPr>
-          <p:cNvPr id="8" name="矩形: 圆角 7">
-            <a:extLst>
-              <a:ext uri="{FF2B5EF4-FFF2-40B4-BE49-F238E27FC236}">
-                <a16:creationId xmlns:a16="http://schemas.microsoft.com/office/drawing/2014/main" id="{EA56D015-2BCB-4AAD-851F-8A0A6C2E402A}"/>
-              </a:ext>
-            </a:extLst>
-          </p:cNvPr>
+          <p:cNvPr id="8" name="矩形: 圆角 7"/>
           <p:cNvSpPr/>
           <p:nvPr/>
         </p:nvSpPr>
@@ -7512,18 +7367,13 @@
               <a:rPr lang="zh-CN" altLang="en-US" sz="1600" dirty="0"/>
               <a:t>接口</a:t>
             </a:r>
-          </a:p>
-        </p:txBody>
-      </p:sp>
-      <p:sp>
-        <p:nvSpPr>
-          <p:cNvPr id="9" name="矩形: 圆角 8">
-            <a:extLst>
-              <a:ext uri="{FF2B5EF4-FFF2-40B4-BE49-F238E27FC236}">
-                <a16:creationId xmlns:a16="http://schemas.microsoft.com/office/drawing/2014/main" id="{9524F43D-FE20-4E2C-8B2E-E6C753E429E6}"/>
-              </a:ext>
-            </a:extLst>
-          </p:cNvPr>
+            <a:endParaRPr lang="zh-CN" altLang="en-US" sz="1600" dirty="0"/>
+          </a:p>
+        </p:txBody>
+      </p:sp>
+      <p:sp>
+        <p:nvSpPr>
+          <p:cNvPr id="9" name="矩形: 圆角 8"/>
           <p:cNvSpPr/>
           <p:nvPr/>
         </p:nvSpPr>
@@ -7561,18 +7411,13 @@
               <a:rPr lang="zh-CN" altLang="en-US" dirty="0"/>
               <a:t>解析器</a:t>
             </a:r>
-          </a:p>
-        </p:txBody>
-      </p:sp>
-      <p:sp>
-        <p:nvSpPr>
-          <p:cNvPr id="10" name="矩形: 圆角 9">
-            <a:extLst>
-              <a:ext uri="{FF2B5EF4-FFF2-40B4-BE49-F238E27FC236}">
-                <a16:creationId xmlns:a16="http://schemas.microsoft.com/office/drawing/2014/main" id="{A65D1E6D-2901-425C-9FBB-23822B73C82D}"/>
-              </a:ext>
-            </a:extLst>
-          </p:cNvPr>
+            <a:endParaRPr lang="zh-CN" altLang="en-US" dirty="0"/>
+          </a:p>
+        </p:txBody>
+      </p:sp>
+      <p:sp>
+        <p:nvSpPr>
+          <p:cNvPr id="10" name="矩形: 圆角 9"/>
           <p:cNvSpPr/>
           <p:nvPr/>
         </p:nvSpPr>
@@ -7610,18 +7455,13 @@
               <a:rPr lang="zh-CN" altLang="en-US" dirty="0"/>
               <a:t>优化器</a:t>
             </a:r>
-          </a:p>
-        </p:txBody>
-      </p:sp>
-      <p:sp>
-        <p:nvSpPr>
-          <p:cNvPr id="11" name="矩形: 圆角 10">
-            <a:extLst>
-              <a:ext uri="{FF2B5EF4-FFF2-40B4-BE49-F238E27FC236}">
-                <a16:creationId xmlns:a16="http://schemas.microsoft.com/office/drawing/2014/main" id="{A1043AAF-9B5C-4B96-A307-014F4E850120}"/>
-              </a:ext>
-            </a:extLst>
-          </p:cNvPr>
+            <a:endParaRPr lang="zh-CN" altLang="en-US" dirty="0"/>
+          </a:p>
+        </p:txBody>
+      </p:sp>
+      <p:sp>
+        <p:nvSpPr>
+          <p:cNvPr id="11" name="矩形: 圆角 10"/>
           <p:cNvSpPr/>
           <p:nvPr/>
         </p:nvSpPr>
@@ -7659,15 +7499,11 @@
               <a:rPr lang="zh-CN" altLang="en-US" dirty="0"/>
               <a:t>缓存</a:t>
             </a:r>
+            <a:endParaRPr lang="zh-CN" altLang="en-US" dirty="0"/>
           </a:p>
         </p:txBody>
       </p:sp>
     </p:spTree>
-    <p:extLst>
-      <p:ext uri="{BB962C8B-B14F-4D97-AF65-F5344CB8AC3E}">
-        <p14:creationId xmlns:p14="http://schemas.microsoft.com/office/powerpoint/2010/main" val="3166156132"/>
-      </p:ext>
-    </p:extLst>
   </p:cSld>
   <p:clrMapOvr>
     <a:masterClrMapping/>
@@ -7694,13 +7530,7 @@
       </p:grpSpPr>
       <p:sp>
         <p:nvSpPr>
-          <p:cNvPr id="4" name="内容占位符 2">
-            <a:extLst>
-              <a:ext uri="{FF2B5EF4-FFF2-40B4-BE49-F238E27FC236}">
-                <a16:creationId xmlns:a16="http://schemas.microsoft.com/office/drawing/2014/main" id="{095B0CC8-AB71-46F8-BCBC-2DB0FD0867E2}"/>
-              </a:ext>
-            </a:extLst>
-          </p:cNvPr>
+          <p:cNvPr id="4" name="内容占位符 2"/>
           <p:cNvSpPr>
             <a:spLocks noGrp="1"/>
           </p:cNvSpPr>
@@ -7726,18 +7556,13 @@
               <a:rPr lang="zh-CN" altLang="en-US" dirty="0"/>
               <a:t>存储引擎</a:t>
             </a:r>
-          </a:p>
-        </p:txBody>
-      </p:sp>
-      <p:sp>
-        <p:nvSpPr>
-          <p:cNvPr id="5" name="矩形: 圆角 4">
-            <a:extLst>
-              <a:ext uri="{FF2B5EF4-FFF2-40B4-BE49-F238E27FC236}">
-                <a16:creationId xmlns:a16="http://schemas.microsoft.com/office/drawing/2014/main" id="{0A7BE774-57BD-4D56-90E7-FE4DA721A18E}"/>
-              </a:ext>
-            </a:extLst>
-          </p:cNvPr>
+            <a:endParaRPr lang="zh-CN" altLang="en-US" dirty="0"/>
+          </a:p>
+        </p:txBody>
+      </p:sp>
+      <p:sp>
+        <p:nvSpPr>
+          <p:cNvPr id="5" name="矩形: 圆角 4"/>
           <p:cNvSpPr/>
           <p:nvPr/>
         </p:nvSpPr>
@@ -7779,6 +7604,7 @@
               <a:rPr lang="en-US" altLang="zh-CN" dirty="0"/>
               <a:t>Pluggable Storage engines</a:t>
             </a:r>
+            <a:endParaRPr lang="en-US" altLang="zh-CN" dirty="0"/>
           </a:p>
           <a:p>
             <a:pPr algn="ctr">
@@ -7814,18 +7640,13 @@
               <a:rPr lang="en-US" altLang="zh-CN" sz="1600" dirty="0"/>
               <a:t>Transaction…</a:t>
             </a:r>
-          </a:p>
-        </p:txBody>
-      </p:sp>
-      <p:sp>
-        <p:nvSpPr>
-          <p:cNvPr id="6" name="文本框 5">
-            <a:extLst>
-              <a:ext uri="{FF2B5EF4-FFF2-40B4-BE49-F238E27FC236}">
-                <a16:creationId xmlns:a16="http://schemas.microsoft.com/office/drawing/2014/main" id="{C9742DA9-E384-4EBD-A132-D3E74D9B1C7E}"/>
-              </a:ext>
-            </a:extLst>
-          </p:cNvPr>
+            <a:endParaRPr lang="en-US" altLang="zh-CN" sz="1600" dirty="0"/>
+          </a:p>
+        </p:txBody>
+      </p:sp>
+      <p:sp>
+        <p:nvSpPr>
+          <p:cNvPr id="6" name="文本框 5"/>
           <p:cNvSpPr txBox="1"/>
           <p:nvPr/>
         </p:nvSpPr>
@@ -8030,6 +7851,11 @@
               </a:rPr>
               <a:t>索引，从而进一步提升读取数据的速度。</a:t>
             </a:r>
+            <a:endParaRPr lang="zh-CN" altLang="en-US" sz="1600" dirty="0">
+              <a:solidFill>
+                <a:schemeClr val="bg1"/>
+              </a:solidFill>
+            </a:endParaRPr>
           </a:p>
           <a:p>
             <a:pPr marL="285750" indent="-285750">
@@ -8048,11 +7874,6 @@
         </p:txBody>
       </p:sp>
     </p:spTree>
-    <p:extLst>
-      <p:ext uri="{BB962C8B-B14F-4D97-AF65-F5344CB8AC3E}">
-        <p14:creationId xmlns:p14="http://schemas.microsoft.com/office/powerpoint/2010/main" val="1684233420"/>
-      </p:ext>
-    </p:extLst>
   </p:cSld>
   <p:clrMapOvr>
     <a:masterClrMapping/>
@@ -8079,13 +7900,7 @@
       </p:grpSpPr>
       <p:sp>
         <p:nvSpPr>
-          <p:cNvPr id="3" name="内容占位符 2">
-            <a:extLst>
-              <a:ext uri="{FF2B5EF4-FFF2-40B4-BE49-F238E27FC236}">
-                <a16:creationId xmlns:a16="http://schemas.microsoft.com/office/drawing/2014/main" id="{34F10638-D560-4411-97C4-0ECE61F56AC2}"/>
-              </a:ext>
-            </a:extLst>
-          </p:cNvPr>
+          <p:cNvPr id="3" name="内容占位符 2"/>
           <p:cNvSpPr>
             <a:spLocks noGrp="1"/>
           </p:cNvSpPr>
@@ -8111,18 +7926,13 @@
               <a:rPr lang="zh-CN" altLang="en-US" dirty="0"/>
               <a:t>存储引擎</a:t>
             </a:r>
-          </a:p>
-        </p:txBody>
-      </p:sp>
-      <p:sp>
-        <p:nvSpPr>
-          <p:cNvPr id="4" name="矩形 3">
-            <a:extLst>
-              <a:ext uri="{FF2B5EF4-FFF2-40B4-BE49-F238E27FC236}">
-                <a16:creationId xmlns:a16="http://schemas.microsoft.com/office/drawing/2014/main" id="{AD99615C-2A38-42C9-9280-E273A350347C}"/>
-              </a:ext>
-            </a:extLst>
-          </p:cNvPr>
+            <a:endParaRPr lang="zh-CN" altLang="en-US" dirty="0"/>
+          </a:p>
+        </p:txBody>
+      </p:sp>
+      <p:sp>
+        <p:nvSpPr>
+          <p:cNvPr id="4" name="矩形 3"/>
           <p:cNvSpPr/>
           <p:nvPr/>
         </p:nvSpPr>
@@ -8162,13 +7972,7 @@
       </p:sp>
       <p:sp>
         <p:nvSpPr>
-          <p:cNvPr id="5" name="椭圆 4">
-            <a:extLst>
-              <a:ext uri="{FF2B5EF4-FFF2-40B4-BE49-F238E27FC236}">
-                <a16:creationId xmlns:a16="http://schemas.microsoft.com/office/drawing/2014/main" id="{5BE0F34C-7086-4A80-B0EC-D7FFA412106D}"/>
-              </a:ext>
-            </a:extLst>
-          </p:cNvPr>
+          <p:cNvPr id="5" name="椭圆 4"/>
           <p:cNvSpPr/>
           <p:nvPr/>
         </p:nvSpPr>
@@ -8206,18 +8010,13 @@
               <a:rPr lang="zh-CN" altLang="en-US" dirty="0"/>
               <a:t>后台线程</a:t>
             </a:r>
-          </a:p>
-        </p:txBody>
-      </p:sp>
-      <p:sp>
-        <p:nvSpPr>
-          <p:cNvPr id="6" name="椭圆 5">
-            <a:extLst>
-              <a:ext uri="{FF2B5EF4-FFF2-40B4-BE49-F238E27FC236}">
-                <a16:creationId xmlns:a16="http://schemas.microsoft.com/office/drawing/2014/main" id="{5EE6E892-4B10-4C34-8BBD-A3A2E5307DBD}"/>
-              </a:ext>
-            </a:extLst>
-          </p:cNvPr>
+            <a:endParaRPr lang="zh-CN" altLang="en-US" dirty="0"/>
+          </a:p>
+        </p:txBody>
+      </p:sp>
+      <p:sp>
+        <p:nvSpPr>
+          <p:cNvPr id="6" name="椭圆 5"/>
           <p:cNvSpPr/>
           <p:nvPr/>
         </p:nvSpPr>
@@ -8255,18 +8054,13 @@
               <a:rPr lang="zh-CN" altLang="en-US" dirty="0"/>
               <a:t>后台线程</a:t>
             </a:r>
-          </a:p>
-        </p:txBody>
-      </p:sp>
-      <p:sp>
-        <p:nvSpPr>
-          <p:cNvPr id="7" name="椭圆 6">
-            <a:extLst>
-              <a:ext uri="{FF2B5EF4-FFF2-40B4-BE49-F238E27FC236}">
-                <a16:creationId xmlns:a16="http://schemas.microsoft.com/office/drawing/2014/main" id="{5A07CD77-D86F-4FFA-BB7E-57F5396122E7}"/>
-              </a:ext>
-            </a:extLst>
-          </p:cNvPr>
+            <a:endParaRPr lang="zh-CN" altLang="en-US" dirty="0"/>
+          </a:p>
+        </p:txBody>
+      </p:sp>
+      <p:sp>
+        <p:nvSpPr>
+          <p:cNvPr id="7" name="椭圆 6"/>
           <p:cNvSpPr/>
           <p:nvPr/>
         </p:nvSpPr>
@@ -8304,18 +8098,13 @@
               <a:rPr lang="zh-CN" altLang="en-US" dirty="0"/>
               <a:t>后台线程</a:t>
             </a:r>
-          </a:p>
-        </p:txBody>
-      </p:sp>
-      <p:sp>
-        <p:nvSpPr>
-          <p:cNvPr id="8" name="椭圆 7">
-            <a:extLst>
-              <a:ext uri="{FF2B5EF4-FFF2-40B4-BE49-F238E27FC236}">
-                <a16:creationId xmlns:a16="http://schemas.microsoft.com/office/drawing/2014/main" id="{F146A2A4-36D3-4789-B6EA-62C423AB1FD1}"/>
-              </a:ext>
-            </a:extLst>
-          </p:cNvPr>
+            <a:endParaRPr lang="zh-CN" altLang="en-US" dirty="0"/>
+          </a:p>
+        </p:txBody>
+      </p:sp>
+      <p:sp>
+        <p:nvSpPr>
+          <p:cNvPr id="8" name="椭圆 7"/>
           <p:cNvSpPr/>
           <p:nvPr/>
         </p:nvSpPr>
@@ -8353,18 +8142,13 @@
               <a:rPr lang="zh-CN" altLang="en-US" dirty="0"/>
               <a:t>后台线程</a:t>
             </a:r>
-          </a:p>
-        </p:txBody>
-      </p:sp>
-      <p:sp>
-        <p:nvSpPr>
-          <p:cNvPr id="9" name="椭圆 8">
-            <a:extLst>
-              <a:ext uri="{FF2B5EF4-FFF2-40B4-BE49-F238E27FC236}">
-                <a16:creationId xmlns:a16="http://schemas.microsoft.com/office/drawing/2014/main" id="{E6096134-F3EE-47AF-8323-CA110B52B7AA}"/>
-              </a:ext>
-            </a:extLst>
-          </p:cNvPr>
+            <a:endParaRPr lang="zh-CN" altLang="en-US" dirty="0"/>
+          </a:p>
+        </p:txBody>
+      </p:sp>
+      <p:sp>
+        <p:nvSpPr>
+          <p:cNvPr id="9" name="椭圆 8"/>
           <p:cNvSpPr/>
           <p:nvPr/>
         </p:nvSpPr>
@@ -8402,18 +8186,13 @@
               <a:rPr lang="zh-CN" altLang="en-US" dirty="0"/>
               <a:t>后台线程</a:t>
             </a:r>
-          </a:p>
-        </p:txBody>
-      </p:sp>
-      <p:sp>
-        <p:nvSpPr>
-          <p:cNvPr id="10" name="矩形: 圆角 9">
-            <a:extLst>
-              <a:ext uri="{FF2B5EF4-FFF2-40B4-BE49-F238E27FC236}">
-                <a16:creationId xmlns:a16="http://schemas.microsoft.com/office/drawing/2014/main" id="{E22EA2ED-0060-45E1-B459-D54AF6518352}"/>
-              </a:ext>
-            </a:extLst>
-          </p:cNvPr>
+            <a:endParaRPr lang="zh-CN" altLang="en-US" dirty="0"/>
+          </a:p>
+        </p:txBody>
+      </p:sp>
+      <p:sp>
+        <p:nvSpPr>
+          <p:cNvPr id="10" name="矩形: 圆角 9"/>
           <p:cNvSpPr/>
           <p:nvPr/>
         </p:nvSpPr>
@@ -8455,18 +8234,13 @@
               <a:rPr lang="zh-CN" altLang="en-US" dirty="0"/>
               <a:t>存储引擎内存池</a:t>
             </a:r>
-          </a:p>
-        </p:txBody>
-      </p:sp>
-      <p:sp>
-        <p:nvSpPr>
-          <p:cNvPr id="11" name="圆柱体 10">
-            <a:extLst>
-              <a:ext uri="{FF2B5EF4-FFF2-40B4-BE49-F238E27FC236}">
-                <a16:creationId xmlns:a16="http://schemas.microsoft.com/office/drawing/2014/main" id="{5CB91A93-DA82-4163-B369-0BC8FB0D1FE9}"/>
-              </a:ext>
-            </a:extLst>
-          </p:cNvPr>
+            <a:endParaRPr lang="zh-CN" altLang="en-US" dirty="0"/>
+          </a:p>
+        </p:txBody>
+      </p:sp>
+      <p:sp>
+        <p:nvSpPr>
+          <p:cNvPr id="11" name="圆柱体 10"/>
           <p:cNvSpPr/>
           <p:nvPr/>
         </p:nvSpPr>
@@ -8510,13 +8284,7 @@
       </p:sp>
       <p:sp>
         <p:nvSpPr>
-          <p:cNvPr id="13" name="圆柱体 12">
-            <a:extLst>
-              <a:ext uri="{FF2B5EF4-FFF2-40B4-BE49-F238E27FC236}">
-                <a16:creationId xmlns:a16="http://schemas.microsoft.com/office/drawing/2014/main" id="{B58A048A-DB6A-4CE8-AE4A-6493C256F459}"/>
-              </a:ext>
-            </a:extLst>
-          </p:cNvPr>
+          <p:cNvPr id="13" name="圆柱体 12"/>
           <p:cNvSpPr/>
           <p:nvPr/>
         </p:nvSpPr>
@@ -8560,13 +8328,7 @@
       </p:sp>
       <p:sp>
         <p:nvSpPr>
-          <p:cNvPr id="14" name="圆柱体 13">
-            <a:extLst>
-              <a:ext uri="{FF2B5EF4-FFF2-40B4-BE49-F238E27FC236}">
-                <a16:creationId xmlns:a16="http://schemas.microsoft.com/office/drawing/2014/main" id="{10D5407E-F677-4890-9286-87218DF49413}"/>
-              </a:ext>
-            </a:extLst>
-          </p:cNvPr>
+          <p:cNvPr id="14" name="圆柱体 13"/>
           <p:cNvSpPr/>
           <p:nvPr/>
         </p:nvSpPr>
@@ -8610,13 +8372,7 @@
       </p:sp>
       <p:cxnSp>
         <p:nvCxnSpPr>
-          <p:cNvPr id="16" name="直接箭头连接符 15">
-            <a:extLst>
-              <a:ext uri="{FF2B5EF4-FFF2-40B4-BE49-F238E27FC236}">
-                <a16:creationId xmlns:a16="http://schemas.microsoft.com/office/drawing/2014/main" id="{0DC6CEC5-1E91-41B3-B10C-6BBC0C7B07AB}"/>
-              </a:ext>
-            </a:extLst>
-          </p:cNvPr>
+          <p:cNvPr id="16" name="直接箭头连接符 15"/>
           <p:cNvCxnSpPr/>
           <p:nvPr/>
         </p:nvCxnSpPr>
@@ -8649,11 +8405,6 @@
         </p:style>
       </p:cxnSp>
     </p:spTree>
-    <p:extLst>
-      <p:ext uri="{BB962C8B-B14F-4D97-AF65-F5344CB8AC3E}">
-        <p14:creationId xmlns:p14="http://schemas.microsoft.com/office/powerpoint/2010/main" val="188564860"/>
-      </p:ext>
-    </p:extLst>
   </p:cSld>
   <p:clrMapOvr>
     <a:masterClrMapping/>
@@ -8680,13 +8431,7 @@
       </p:grpSpPr>
       <p:sp>
         <p:nvSpPr>
-          <p:cNvPr id="4" name="内容占位符 2">
-            <a:extLst>
-              <a:ext uri="{FF2B5EF4-FFF2-40B4-BE49-F238E27FC236}">
-                <a16:creationId xmlns:a16="http://schemas.microsoft.com/office/drawing/2014/main" id="{127F23BC-93F5-4CA4-ABBF-53224B8FB0AA}"/>
-              </a:ext>
-            </a:extLst>
-          </p:cNvPr>
+          <p:cNvPr id="4" name="内容占位符 2"/>
           <p:cNvSpPr>
             <a:spLocks noGrp="1"/>
           </p:cNvSpPr>
@@ -8708,18 +8453,13 @@
               <a:rPr lang="zh-CN" altLang="en-US" dirty="0"/>
               <a:t>后台线程</a:t>
             </a:r>
-          </a:p>
-        </p:txBody>
-      </p:sp>
-      <p:sp>
-        <p:nvSpPr>
-          <p:cNvPr id="7" name="文本框 6">
-            <a:extLst>
-              <a:ext uri="{FF2B5EF4-FFF2-40B4-BE49-F238E27FC236}">
-                <a16:creationId xmlns:a16="http://schemas.microsoft.com/office/drawing/2014/main" id="{F38E65BC-D0E3-448F-B633-9E3A372F7F4E}"/>
-              </a:ext>
-            </a:extLst>
-          </p:cNvPr>
+            <a:endParaRPr lang="zh-CN" altLang="en-US" dirty="0"/>
+          </a:p>
+        </p:txBody>
+      </p:sp>
+      <p:sp>
+        <p:nvSpPr>
+          <p:cNvPr id="7" name="文本框 6"/>
           <p:cNvSpPr txBox="1"/>
           <p:nvPr/>
         </p:nvSpPr>
@@ -8750,6 +8490,7 @@
               <a:rPr lang="en-US" altLang="zh-CN" dirty="0"/>
               <a:t>Master Thread</a:t>
             </a:r>
+            <a:endParaRPr lang="en-US" altLang="zh-CN" dirty="0"/>
           </a:p>
           <a:p>
             <a:pPr>
@@ -8779,6 +8520,7 @@
               <a:rPr lang="en-US" altLang="zh-CN" dirty="0"/>
               <a:t>IO Thread</a:t>
             </a:r>
+            <a:endParaRPr lang="en-US" altLang="zh-CN" dirty="0"/>
           </a:p>
           <a:p>
             <a:pPr>
@@ -8814,6 +8556,7 @@
               <a:rPr lang="en-US" altLang="zh-CN" dirty="0"/>
               <a:t>log IO thread</a:t>
             </a:r>
+            <a:endParaRPr lang="en-US" altLang="zh-CN" dirty="0"/>
           </a:p>
           <a:p>
             <a:pPr marL="285750" indent="-285750">
@@ -8827,6 +8570,7 @@
               <a:rPr lang="en-US" altLang="zh-CN" dirty="0"/>
               <a:t>Purge Thread</a:t>
             </a:r>
+            <a:endParaRPr lang="en-US" altLang="zh-CN" dirty="0"/>
           </a:p>
           <a:p>
             <a:pPr lvl="1">
@@ -8860,6 +8604,7 @@
               <a:rPr lang="en-US" altLang="zh-CN" dirty="0"/>
               <a:t>Page Cleaner Thread</a:t>
             </a:r>
+            <a:endParaRPr lang="en-US" altLang="zh-CN" dirty="0"/>
           </a:p>
           <a:p>
             <a:pPr>
@@ -8875,15 +8620,11 @@
               <a:rPr lang="zh-CN" altLang="en-US" dirty="0"/>
               <a:t>脏页的刷新</a:t>
             </a:r>
+            <a:endParaRPr lang="zh-CN" altLang="en-US" dirty="0"/>
           </a:p>
         </p:txBody>
       </p:sp>
     </p:spTree>
-    <p:extLst>
-      <p:ext uri="{BB962C8B-B14F-4D97-AF65-F5344CB8AC3E}">
-        <p14:creationId xmlns:p14="http://schemas.microsoft.com/office/powerpoint/2010/main" val="244980287"/>
-      </p:ext>
-    </p:extLst>
   </p:cSld>
   <p:clrMapOvr>
     <a:masterClrMapping/>
@@ -8910,13 +8651,7 @@
       </p:grpSpPr>
       <p:sp>
         <p:nvSpPr>
-          <p:cNvPr id="3" name="内容占位符 2">
-            <a:extLst>
-              <a:ext uri="{FF2B5EF4-FFF2-40B4-BE49-F238E27FC236}">
-                <a16:creationId xmlns:a16="http://schemas.microsoft.com/office/drawing/2014/main" id="{9CAD20F5-0881-40B9-8003-9F117938C26C}"/>
-              </a:ext>
-            </a:extLst>
-          </p:cNvPr>
+          <p:cNvPr id="3" name="内容占位符 2"/>
           <p:cNvSpPr>
             <a:spLocks noGrp="1"/>
           </p:cNvSpPr>
@@ -8938,25 +8673,20 @@
               <a:rPr lang="zh-CN" altLang="en-US" dirty="0"/>
               <a:t>内存池架构</a:t>
             </a:r>
+            <a:endParaRPr lang="zh-CN" altLang="en-US" dirty="0"/>
           </a:p>
         </p:txBody>
       </p:sp>
       <p:pic>
         <p:nvPicPr>
-          <p:cNvPr id="5" name="图片 4">
-            <a:extLst>
-              <a:ext uri="{FF2B5EF4-FFF2-40B4-BE49-F238E27FC236}">
-                <a16:creationId xmlns:a16="http://schemas.microsoft.com/office/drawing/2014/main" id="{20E2FE67-DCBC-48D0-9D6F-F4842C193CE9}"/>
-              </a:ext>
-            </a:extLst>
-          </p:cNvPr>
+          <p:cNvPr id="5" name="图片 4"/>
           <p:cNvPicPr>
             <a:picLocks noChangeAspect="1"/>
           </p:cNvPicPr>
           <p:nvPr/>
         </p:nvPicPr>
         <p:blipFill>
-          <a:blip r:embed="rId2"/>
+          <a:blip r:embed="rId1"/>
           <a:stretch>
             <a:fillRect/>
           </a:stretch>
@@ -8972,11 +8702,6 @@
         </p:spPr>
       </p:pic>
     </p:spTree>
-    <p:extLst>
-      <p:ext uri="{BB962C8B-B14F-4D97-AF65-F5344CB8AC3E}">
-        <p14:creationId xmlns:p14="http://schemas.microsoft.com/office/powerpoint/2010/main" val="1052263333"/>
-      </p:ext>
-    </p:extLst>
   </p:cSld>
   <p:clrMapOvr>
     <a:masterClrMapping/>
@@ -9003,13 +8728,7 @@
       </p:grpSpPr>
       <p:sp>
         <p:nvSpPr>
-          <p:cNvPr id="3" name="内容占位符 2">
-            <a:extLst>
-              <a:ext uri="{FF2B5EF4-FFF2-40B4-BE49-F238E27FC236}">
-                <a16:creationId xmlns:a16="http://schemas.microsoft.com/office/drawing/2014/main" id="{6B70076D-A795-438A-9543-A26370C06B72}"/>
-              </a:ext>
-            </a:extLst>
-          </p:cNvPr>
+          <p:cNvPr id="3" name="内容占位符 2"/>
           <p:cNvSpPr>
             <a:spLocks noGrp="1"/>
           </p:cNvSpPr>
@@ -9035,18 +8754,13 @@
               <a:rPr lang="zh-CN" altLang="en-US" dirty="0"/>
               <a:t>技术</a:t>
             </a:r>
-          </a:p>
-        </p:txBody>
-      </p:sp>
-      <p:sp>
-        <p:nvSpPr>
-          <p:cNvPr id="4" name="文本框 3">
-            <a:extLst>
-              <a:ext uri="{FF2B5EF4-FFF2-40B4-BE49-F238E27FC236}">
-                <a16:creationId xmlns:a16="http://schemas.microsoft.com/office/drawing/2014/main" id="{BE978156-CED3-4101-B677-AC1FED41AB54}"/>
-              </a:ext>
-            </a:extLst>
-          </p:cNvPr>
+            <a:endParaRPr lang="zh-CN" altLang="en-US" dirty="0"/>
+          </a:p>
+        </p:txBody>
+      </p:sp>
+      <p:sp>
+        <p:nvSpPr>
+          <p:cNvPr id="4" name="文本框 3"/>
           <p:cNvSpPr txBox="1"/>
           <p:nvPr/>
         </p:nvSpPr>
@@ -9105,15 +8819,11 @@
               <a:rPr lang="zh-CN" altLang="en-US" dirty="0"/>
               <a:t>重做日志不可用时，刷新脏页</a:t>
             </a:r>
+            <a:endParaRPr lang="zh-CN" altLang="en-US" dirty="0"/>
           </a:p>
         </p:txBody>
       </p:sp>
     </p:spTree>
-    <p:extLst>
-      <p:ext uri="{BB962C8B-B14F-4D97-AF65-F5344CB8AC3E}">
-        <p14:creationId xmlns:p14="http://schemas.microsoft.com/office/powerpoint/2010/main" val="278227538"/>
-      </p:ext>
-    </p:extLst>
   </p:cSld>
   <p:clrMapOvr>
     <a:masterClrMapping/>
@@ -9164,7 +8874,7 @@
     </a:clrScheme>
     <a:fontScheme name="切片">
       <a:majorFont>
-        <a:latin typeface="Century Gothic" panose="020B0502020202020204"/>
+        <a:latin typeface="Century Gothic"/>
         <a:ea typeface=""/>
         <a:cs typeface=""/>
         <a:font script="Jpan" typeface="メイリオ"/>
@@ -9199,7 +8909,7 @@
         <a:font script="Geor" typeface="Sylfaen"/>
       </a:majorFont>
       <a:minorFont>
-        <a:latin typeface="Century Gothic" panose="020B0502020202020204"/>
+        <a:latin typeface="Century Gothic"/>
         <a:ea typeface=""/>
         <a:cs typeface=""/>
         <a:font script="Jpan" typeface="メイリオ"/>
@@ -9385,11 +9095,9 @@
       </a:bgFillStyleLst>
     </a:fmtScheme>
   </a:themeElements>
-  <a:objectDefaults/>
-  <a:extraClrSchemeLst/>
   <a:extLst>
     <a:ext uri="{05A4C25C-085E-4340-85A3-A5531E510DB2}">
-      <thm15:themeFamily xmlns:thm15="http://schemas.microsoft.com/office/thememl/2012/main" name="Slice" id="{0507925B-6AC9-4358-8E18-C330545D08F8}" vid="{13FEC7C6-62A9-40C4-99D2-581AACACAA2F}"/>
+      <thm15:themeFamily xmlns:thm15="http://schemas.microsoft.com/office/thememl/2012/main" name="Office Theme" id="{62F939B6-93AF-4DB8-9C6B-D6C7DFDC589F}" vid="{4A3C46E8-61CC-4603-A589-7422A47A8E4A}"/>
     </a:ext>
   </a:extLst>
 </a:theme>

--- a/02 软件开发/03 数据库/MySQL.pptx
+++ b/02 软件开发/03 数据库/MySQL.pptx
@@ -5,18 +5,18 @@
     <p:sldMasterId id="2147483648" r:id="rId1"/>
   </p:sldMasterIdLst>
   <p:sldIdLst>
-    <p:sldId id="256" r:id="rId3"/>
-    <p:sldId id="257" r:id="rId4"/>
-    <p:sldId id="258" r:id="rId5"/>
-    <p:sldId id="259" r:id="rId6"/>
-    <p:sldId id="260" r:id="rId7"/>
-    <p:sldId id="266" r:id="rId8"/>
-    <p:sldId id="267" r:id="rId9"/>
-    <p:sldId id="261" r:id="rId10"/>
-    <p:sldId id="264" r:id="rId11"/>
-    <p:sldId id="262" r:id="rId12"/>
-    <p:sldId id="263" r:id="rId13"/>
-    <p:sldId id="265" r:id="rId14"/>
+    <p:sldId id="256" r:id="rId2"/>
+    <p:sldId id="257" r:id="rId3"/>
+    <p:sldId id="258" r:id="rId4"/>
+    <p:sldId id="259" r:id="rId5"/>
+    <p:sldId id="260" r:id="rId6"/>
+    <p:sldId id="268" r:id="rId7"/>
+    <p:sldId id="269" r:id="rId8"/>
+    <p:sldId id="261" r:id="rId9"/>
+    <p:sldId id="264" r:id="rId10"/>
+    <p:sldId id="262" r:id="rId11"/>
+    <p:sldId id="263" r:id="rId12"/>
+    <p:sldId id="265" r:id="rId13"/>
   </p:sldIdLst>
   <p:sldSz cx="12192000" cy="6858000"/>
   <p:notesSz cx="6858000" cy="9144000"/>
@@ -115,11 +115,16 @@
       </a:defRPr>
     </a:lvl9pPr>
   </p:defaultTextStyle>
+  <p:extLst>
+    <p:ext uri="{EFAFB233-063F-42B5-8137-9DF3F51BA10A}">
+      <p15:sldGuideLst xmlns:p15="http://schemas.microsoft.com/office/powerpoint/2012/main"/>
+    </p:ext>
+  </p:extLst>
 </p:presentation>
 </file>
 
 <file path=ppt/slideLayouts/slideLayout1.xml><?xml version="1.0" encoding="utf-8"?>
-<p:sldLayout xmlns:a="http://schemas.openxmlformats.org/drawingml/2006/main" xmlns:r="http://schemas.openxmlformats.org/officeDocument/2006/relationships" xmlns:p="http://schemas.openxmlformats.org/presentationml/2006/main" type="title" preserve="1" showMasterSp="0">
+<p:sldLayout xmlns:a="http://schemas.openxmlformats.org/drawingml/2006/main" xmlns:r="http://schemas.openxmlformats.org/officeDocument/2006/relationships" xmlns:p="http://schemas.openxmlformats.org/presentationml/2006/main" showMasterSp="0" type="title" preserve="1">
   <p:cSld name="标题幻灯片">
     <p:spTree>
       <p:nvGrpSpPr>
@@ -309,6 +314,7 @@
           <a:p>
             <a:fld id="{5C77D00A-0F7C-4815-83DC-2949FD3F69DF}" type="datetimeFigureOut">
               <a:rPr lang="zh-CN" altLang="en-US" smtClean="0"/>
+              <a:t>2021-01-04</a:t>
             </a:fld>
             <a:endParaRPr lang="zh-CN" altLang="en-US"/>
           </a:p>
@@ -350,6 +356,7 @@
           <a:p>
             <a:fld id="{816D8A3F-5E8F-4104-8DE2-7FE925F96389}" type="slidenum">
               <a:rPr lang="zh-CN" altLang="en-US" smtClean="0"/>
+              <a:t>‹#›</a:t>
             </a:fld>
             <a:endParaRPr lang="zh-CN" altLang="en-US"/>
           </a:p>
@@ -718,7 +725,6 @@
               <a:rPr lang="zh-CN" altLang="en-US"/>
               <a:t>单击此处编辑母版文本样式</a:t>
             </a:r>
-            <a:endParaRPr lang="zh-CN" altLang="en-US"/>
           </a:p>
         </p:txBody>
       </p:sp>
@@ -739,6 +745,7 @@
           <a:p>
             <a:fld id="{5C77D00A-0F7C-4815-83DC-2949FD3F69DF}" type="datetimeFigureOut">
               <a:rPr lang="zh-CN" altLang="en-US" smtClean="0"/>
+              <a:t>2021-01-04</a:t>
             </a:fld>
             <a:endParaRPr lang="zh-CN" altLang="en-US"/>
           </a:p>
@@ -780,6 +787,7 @@
           <a:p>
             <a:fld id="{816D8A3F-5E8F-4104-8DE2-7FE925F96389}" type="slidenum">
               <a:rPr lang="zh-CN" altLang="en-US" smtClean="0"/>
+              <a:t>‹#›</a:t>
             </a:fld>
             <a:endParaRPr lang="zh-CN" altLang="en-US"/>
           </a:p>
@@ -962,7 +970,6 @@
               <a:rPr lang="zh-CN" altLang="en-US"/>
               <a:t>单击此处编辑母版文本样式</a:t>
             </a:r>
-            <a:endParaRPr lang="zh-CN" altLang="en-US"/>
           </a:p>
         </p:txBody>
       </p:sp>
@@ -983,6 +990,7 @@
           <a:p>
             <a:fld id="{5C77D00A-0F7C-4815-83DC-2949FD3F69DF}" type="datetimeFigureOut">
               <a:rPr lang="zh-CN" altLang="en-US" smtClean="0"/>
+              <a:t>2021-01-04</a:t>
             </a:fld>
             <a:endParaRPr lang="zh-CN" altLang="en-US"/>
           </a:p>
@@ -1024,6 +1032,7 @@
           <a:p>
             <a:fld id="{816D8A3F-5E8F-4104-8DE2-7FE925F96389}" type="slidenum">
               <a:rPr lang="zh-CN" altLang="en-US" smtClean="0"/>
+              <a:t>‹#›</a:t>
             </a:fld>
             <a:endParaRPr lang="zh-CN" altLang="en-US"/>
           </a:p>
@@ -1143,7 +1152,6 @@
               <a:rPr lang="zh-CN" altLang="en-US"/>
               <a:t>单击此处编辑母版文本样式</a:t>
             </a:r>
-            <a:endParaRPr lang="zh-CN" altLang="en-US"/>
           </a:p>
         </p:txBody>
       </p:sp>
@@ -1265,7 +1273,6 @@
               <a:rPr lang="zh-CN" altLang="en-US"/>
               <a:t>单击此处编辑母版文本样式</a:t>
             </a:r>
-            <a:endParaRPr lang="zh-CN" altLang="en-US"/>
           </a:p>
         </p:txBody>
       </p:sp>
@@ -1286,6 +1293,7 @@
           <a:p>
             <a:fld id="{5C77D00A-0F7C-4815-83DC-2949FD3F69DF}" type="datetimeFigureOut">
               <a:rPr lang="zh-CN" altLang="en-US" smtClean="0"/>
+              <a:t>2021-01-04</a:t>
             </a:fld>
             <a:endParaRPr lang="zh-CN" altLang="en-US"/>
           </a:p>
@@ -1327,6 +1335,7 @@
           <a:p>
             <a:fld id="{816D8A3F-5E8F-4104-8DE2-7FE925F96389}" type="slidenum">
               <a:rPr lang="zh-CN" altLang="en-US" smtClean="0"/>
+              <a:t>‹#›</a:t>
             </a:fld>
             <a:endParaRPr lang="zh-CN" altLang="en-US"/>
           </a:p>
@@ -1363,12 +1372,6 @@
               </a:rPr>
               <a:t>“</a:t>
             </a:r>
-            <a:endParaRPr lang="en-US" sz="8000" dirty="0">
-              <a:solidFill>
-                <a:schemeClr val="tx1"/>
-              </a:solidFill>
-              <a:effectLst/>
-            </a:endParaRPr>
           </a:p>
         </p:txBody>
       </p:sp>
@@ -1403,12 +1406,6 @@
               </a:rPr>
               <a:t>”</a:t>
             </a:r>
-            <a:endParaRPr lang="en-US" sz="8000" dirty="0">
-              <a:solidFill>
-                <a:schemeClr val="tx1"/>
-              </a:solidFill>
-              <a:effectLst/>
-            </a:endParaRPr>
           </a:p>
         </p:txBody>
       </p:sp>
@@ -1589,7 +1586,6 @@
               <a:rPr lang="zh-CN" altLang="en-US"/>
               <a:t>单击此处编辑母版文本样式</a:t>
             </a:r>
-            <a:endParaRPr lang="zh-CN" altLang="en-US"/>
           </a:p>
         </p:txBody>
       </p:sp>
@@ -1610,6 +1606,7 @@
           <a:p>
             <a:fld id="{5C77D00A-0F7C-4815-83DC-2949FD3F69DF}" type="datetimeFigureOut">
               <a:rPr lang="zh-CN" altLang="en-US" smtClean="0"/>
+              <a:t>2021-01-04</a:t>
             </a:fld>
             <a:endParaRPr lang="zh-CN" altLang="en-US"/>
           </a:p>
@@ -1651,6 +1648,7 @@
           <a:p>
             <a:fld id="{816D8A3F-5E8F-4104-8DE2-7FE925F96389}" type="slidenum">
               <a:rPr lang="zh-CN" altLang="en-US" smtClean="0"/>
+              <a:t>‹#›</a:t>
             </a:fld>
             <a:endParaRPr lang="zh-CN" altLang="en-US"/>
           </a:p>
@@ -1764,7 +1762,6 @@
               <a:rPr lang="zh-CN" altLang="en-US"/>
               <a:t>单击此处编辑母版文本样式</a:t>
             </a:r>
-            <a:endParaRPr lang="zh-CN" altLang="en-US"/>
           </a:p>
         </p:txBody>
       </p:sp>
@@ -1886,7 +1883,6 @@
               <a:rPr lang="zh-CN" altLang="en-US"/>
               <a:t>单击此处编辑母版文本样式</a:t>
             </a:r>
-            <a:endParaRPr lang="zh-CN" altLang="en-US"/>
           </a:p>
         </p:txBody>
       </p:sp>
@@ -1907,6 +1903,7 @@
           <a:p>
             <a:fld id="{5C77D00A-0F7C-4815-83DC-2949FD3F69DF}" type="datetimeFigureOut">
               <a:rPr lang="zh-CN" altLang="en-US" smtClean="0"/>
+              <a:t>2021-01-04</a:t>
             </a:fld>
             <a:endParaRPr lang="zh-CN" altLang="en-US"/>
           </a:p>
@@ -1948,6 +1945,7 @@
           <a:p>
             <a:fld id="{816D8A3F-5E8F-4104-8DE2-7FE925F96389}" type="slidenum">
               <a:rPr lang="zh-CN" altLang="en-US" smtClean="0"/>
+              <a:t>‹#›</a:t>
             </a:fld>
             <a:endParaRPr lang="zh-CN" altLang="en-US"/>
           </a:p>
@@ -1984,12 +1982,6 @@
               </a:rPr>
               <a:t>“</a:t>
             </a:r>
-            <a:endParaRPr lang="en-US" sz="8000" dirty="0">
-              <a:solidFill>
-                <a:schemeClr val="tx1"/>
-              </a:solidFill>
-              <a:effectLst/>
-            </a:endParaRPr>
           </a:p>
         </p:txBody>
       </p:sp>
@@ -2024,12 +2016,6 @@
               </a:rPr>
               <a:t>”</a:t>
             </a:r>
-            <a:endParaRPr lang="en-US" sz="8000" dirty="0">
-              <a:solidFill>
-                <a:schemeClr val="tx1"/>
-              </a:solidFill>
-              <a:effectLst/>
-            </a:endParaRPr>
           </a:p>
         </p:txBody>
       </p:sp>
@@ -2138,7 +2124,6 @@
               <a:rPr lang="zh-CN" altLang="en-US"/>
               <a:t>单击此处编辑母版文本样式</a:t>
             </a:r>
-            <a:endParaRPr lang="zh-CN" altLang="en-US"/>
           </a:p>
         </p:txBody>
       </p:sp>
@@ -2260,7 +2245,6 @@
               <a:rPr lang="zh-CN" altLang="en-US"/>
               <a:t>单击此处编辑母版文本样式</a:t>
             </a:r>
-            <a:endParaRPr lang="zh-CN" altLang="en-US"/>
           </a:p>
         </p:txBody>
       </p:sp>
@@ -2281,6 +2265,7 @@
           <a:p>
             <a:fld id="{5C77D00A-0F7C-4815-83DC-2949FD3F69DF}" type="datetimeFigureOut">
               <a:rPr lang="zh-CN" altLang="en-US" smtClean="0"/>
+              <a:t>2021-01-04</a:t>
             </a:fld>
             <a:endParaRPr lang="zh-CN" altLang="en-US"/>
           </a:p>
@@ -2322,6 +2307,7 @@
           <a:p>
             <a:fld id="{816D8A3F-5E8F-4104-8DE2-7FE925F96389}" type="slidenum">
               <a:rPr lang="zh-CN" altLang="en-US" smtClean="0"/>
+              <a:t>‹#›</a:t>
             </a:fld>
             <a:endParaRPr lang="zh-CN" altLang="en-US"/>
           </a:p>
@@ -2399,7 +2385,6 @@
               <a:rPr lang="zh-CN" altLang="en-US"/>
               <a:t>单击此处编辑母版文本样式</a:t>
             </a:r>
-            <a:endParaRPr lang="zh-CN" altLang="en-US"/>
           </a:p>
           <a:p>
             <a:pPr lvl="1"/>
@@ -2407,7 +2392,6 @@
               <a:rPr lang="zh-CN" altLang="en-US"/>
               <a:t>二级</a:t>
             </a:r>
-            <a:endParaRPr lang="zh-CN" altLang="en-US"/>
           </a:p>
           <a:p>
             <a:pPr lvl="2"/>
@@ -2415,7 +2399,6 @@
               <a:rPr lang="zh-CN" altLang="en-US"/>
               <a:t>三级</a:t>
             </a:r>
-            <a:endParaRPr lang="zh-CN" altLang="en-US"/>
           </a:p>
           <a:p>
             <a:pPr lvl="3"/>
@@ -2423,7 +2406,6 @@
               <a:rPr lang="zh-CN" altLang="en-US"/>
               <a:t>四级</a:t>
             </a:r>
-            <a:endParaRPr lang="zh-CN" altLang="en-US"/>
           </a:p>
           <a:p>
             <a:pPr lvl="4"/>
@@ -2452,6 +2434,7 @@
           <a:p>
             <a:fld id="{5C77D00A-0F7C-4815-83DC-2949FD3F69DF}" type="datetimeFigureOut">
               <a:rPr lang="zh-CN" altLang="en-US" smtClean="0"/>
+              <a:t>2021-01-04</a:t>
             </a:fld>
             <a:endParaRPr lang="zh-CN" altLang="en-US"/>
           </a:p>
@@ -2493,6 +2476,7 @@
           <a:p>
             <a:fld id="{816D8A3F-5E8F-4104-8DE2-7FE925F96389}" type="slidenum">
               <a:rPr lang="zh-CN" altLang="en-US" smtClean="0"/>
+              <a:t>‹#›</a:t>
             </a:fld>
             <a:endParaRPr lang="zh-CN" altLang="en-US"/>
           </a:p>
@@ -2576,7 +2560,6 @@
               <a:rPr lang="zh-CN" altLang="en-US"/>
               <a:t>单击此处编辑母版文本样式</a:t>
             </a:r>
-            <a:endParaRPr lang="zh-CN" altLang="en-US"/>
           </a:p>
           <a:p>
             <a:pPr lvl="1"/>
@@ -2584,7 +2567,6 @@
               <a:rPr lang="zh-CN" altLang="en-US"/>
               <a:t>二级</a:t>
             </a:r>
-            <a:endParaRPr lang="zh-CN" altLang="en-US"/>
           </a:p>
           <a:p>
             <a:pPr lvl="2"/>
@@ -2592,7 +2574,6 @@
               <a:rPr lang="zh-CN" altLang="en-US"/>
               <a:t>三级</a:t>
             </a:r>
-            <a:endParaRPr lang="zh-CN" altLang="en-US"/>
           </a:p>
           <a:p>
             <a:pPr lvl="3"/>
@@ -2600,7 +2581,6 @@
               <a:rPr lang="zh-CN" altLang="en-US"/>
               <a:t>四级</a:t>
             </a:r>
-            <a:endParaRPr lang="zh-CN" altLang="en-US"/>
           </a:p>
           <a:p>
             <a:pPr lvl="4"/>
@@ -2629,6 +2609,7 @@
           <a:p>
             <a:fld id="{5C77D00A-0F7C-4815-83DC-2949FD3F69DF}" type="datetimeFigureOut">
               <a:rPr lang="zh-CN" altLang="en-US" smtClean="0"/>
+              <a:t>2021-01-04</a:t>
             </a:fld>
             <a:endParaRPr lang="zh-CN" altLang="en-US"/>
           </a:p>
@@ -2670,6 +2651,7 @@
           <a:p>
             <a:fld id="{816D8A3F-5E8F-4104-8DE2-7FE925F96389}" type="slidenum">
               <a:rPr lang="zh-CN" altLang="en-US" smtClean="0"/>
+              <a:t>‹#›</a:t>
             </a:fld>
             <a:endParaRPr lang="zh-CN" altLang="en-US"/>
           </a:p>
@@ -2743,7 +2725,6 @@
               <a:rPr lang="zh-CN" altLang="en-US"/>
               <a:t>单击此处编辑母版文本样式</a:t>
             </a:r>
-            <a:endParaRPr lang="zh-CN" altLang="en-US"/>
           </a:p>
           <a:p>
             <a:pPr lvl="1"/>
@@ -2751,7 +2732,6 @@
               <a:rPr lang="zh-CN" altLang="en-US"/>
               <a:t>二级</a:t>
             </a:r>
-            <a:endParaRPr lang="zh-CN" altLang="en-US"/>
           </a:p>
           <a:p>
             <a:pPr lvl="2"/>
@@ -2759,7 +2739,6 @@
               <a:rPr lang="zh-CN" altLang="en-US"/>
               <a:t>三级</a:t>
             </a:r>
-            <a:endParaRPr lang="zh-CN" altLang="en-US"/>
           </a:p>
           <a:p>
             <a:pPr lvl="3"/>
@@ -2767,7 +2746,6 @@
               <a:rPr lang="zh-CN" altLang="en-US"/>
               <a:t>四级</a:t>
             </a:r>
-            <a:endParaRPr lang="zh-CN" altLang="en-US"/>
           </a:p>
           <a:p>
             <a:pPr lvl="4"/>
@@ -2796,6 +2774,7 @@
           <a:p>
             <a:fld id="{5C77D00A-0F7C-4815-83DC-2949FD3F69DF}" type="datetimeFigureOut">
               <a:rPr lang="zh-CN" altLang="en-US" smtClean="0"/>
+              <a:t>2021-01-04</a:t>
             </a:fld>
             <a:endParaRPr lang="zh-CN" altLang="en-US"/>
           </a:p>
@@ -2837,6 +2816,7 @@
           <a:p>
             <a:fld id="{816D8A3F-5E8F-4104-8DE2-7FE925F96389}" type="slidenum">
               <a:rPr lang="zh-CN" altLang="en-US" smtClean="0"/>
+              <a:t>‹#›</a:t>
             </a:fld>
             <a:endParaRPr lang="zh-CN" altLang="en-US"/>
           </a:p>
@@ -3019,7 +2999,6 @@
               <a:rPr lang="zh-CN" altLang="en-US"/>
               <a:t>单击此处编辑母版文本样式</a:t>
             </a:r>
-            <a:endParaRPr lang="zh-CN" altLang="en-US"/>
           </a:p>
         </p:txBody>
       </p:sp>
@@ -3040,6 +3019,7 @@
           <a:p>
             <a:fld id="{5C77D00A-0F7C-4815-83DC-2949FD3F69DF}" type="datetimeFigureOut">
               <a:rPr lang="zh-CN" altLang="en-US" smtClean="0"/>
+              <a:t>2021-01-04</a:t>
             </a:fld>
             <a:endParaRPr lang="zh-CN" altLang="en-US"/>
           </a:p>
@@ -3081,6 +3061,7 @@
           <a:p>
             <a:fld id="{816D8A3F-5E8F-4104-8DE2-7FE925F96389}" type="slidenum">
               <a:rPr lang="zh-CN" altLang="en-US" smtClean="0"/>
+              <a:t>‹#›</a:t>
             </a:fld>
             <a:endParaRPr lang="zh-CN" altLang="en-US"/>
           </a:p>
@@ -3161,7 +3142,6 @@
               <a:rPr lang="zh-CN" altLang="en-US"/>
               <a:t>单击此处编辑母版文本样式</a:t>
             </a:r>
-            <a:endParaRPr lang="zh-CN" altLang="en-US"/>
           </a:p>
           <a:p>
             <a:pPr lvl="1"/>
@@ -3169,7 +3149,6 @@
               <a:rPr lang="zh-CN" altLang="en-US"/>
               <a:t>二级</a:t>
             </a:r>
-            <a:endParaRPr lang="zh-CN" altLang="en-US"/>
           </a:p>
           <a:p>
             <a:pPr lvl="2"/>
@@ -3177,7 +3156,6 @@
               <a:rPr lang="zh-CN" altLang="en-US"/>
               <a:t>三级</a:t>
             </a:r>
-            <a:endParaRPr lang="zh-CN" altLang="en-US"/>
           </a:p>
           <a:p>
             <a:pPr lvl="3"/>
@@ -3185,7 +3163,6 @@
               <a:rPr lang="zh-CN" altLang="en-US"/>
               <a:t>四级</a:t>
             </a:r>
-            <a:endParaRPr lang="zh-CN" altLang="en-US"/>
           </a:p>
           <a:p>
             <a:pPr lvl="4"/>
@@ -3224,7 +3201,6 @@
               <a:rPr lang="zh-CN" altLang="en-US"/>
               <a:t>单击此处编辑母版文本样式</a:t>
             </a:r>
-            <a:endParaRPr lang="zh-CN" altLang="en-US"/>
           </a:p>
           <a:p>
             <a:pPr lvl="1"/>
@@ -3232,7 +3208,6 @@
               <a:rPr lang="zh-CN" altLang="en-US"/>
               <a:t>二级</a:t>
             </a:r>
-            <a:endParaRPr lang="zh-CN" altLang="en-US"/>
           </a:p>
           <a:p>
             <a:pPr lvl="2"/>
@@ -3240,7 +3215,6 @@
               <a:rPr lang="zh-CN" altLang="en-US"/>
               <a:t>三级</a:t>
             </a:r>
-            <a:endParaRPr lang="zh-CN" altLang="en-US"/>
           </a:p>
           <a:p>
             <a:pPr lvl="3"/>
@@ -3248,7 +3222,6 @@
               <a:rPr lang="zh-CN" altLang="en-US"/>
               <a:t>四级</a:t>
             </a:r>
-            <a:endParaRPr lang="zh-CN" altLang="en-US"/>
           </a:p>
           <a:p>
             <a:pPr lvl="4"/>
@@ -3277,6 +3250,7 @@
           <a:p>
             <a:fld id="{5C77D00A-0F7C-4815-83DC-2949FD3F69DF}" type="datetimeFigureOut">
               <a:rPr lang="zh-CN" altLang="en-US" smtClean="0"/>
+              <a:t>2021-01-04</a:t>
             </a:fld>
             <a:endParaRPr lang="zh-CN" altLang="en-US"/>
           </a:p>
@@ -3318,6 +3292,7 @@
           <a:p>
             <a:fld id="{816D8A3F-5E8F-4104-8DE2-7FE925F96389}" type="slidenum">
               <a:rPr lang="zh-CN" altLang="en-US" smtClean="0"/>
+              <a:t>‹#›</a:t>
             </a:fld>
             <a:endParaRPr lang="zh-CN" altLang="en-US"/>
           </a:p>
@@ -3443,7 +3418,6 @@
               <a:rPr lang="zh-CN" altLang="en-US"/>
               <a:t>单击此处编辑母版文本样式</a:t>
             </a:r>
-            <a:endParaRPr lang="zh-CN" altLang="en-US"/>
           </a:p>
         </p:txBody>
       </p:sp>
@@ -3474,7 +3448,6 @@
               <a:rPr lang="zh-CN" altLang="en-US"/>
               <a:t>单击此处编辑母版文本样式</a:t>
             </a:r>
-            <a:endParaRPr lang="zh-CN" altLang="en-US"/>
           </a:p>
           <a:p>
             <a:pPr lvl="1"/>
@@ -3482,7 +3455,6 @@
               <a:rPr lang="zh-CN" altLang="en-US"/>
               <a:t>二级</a:t>
             </a:r>
-            <a:endParaRPr lang="zh-CN" altLang="en-US"/>
           </a:p>
           <a:p>
             <a:pPr lvl="2"/>
@@ -3490,7 +3462,6 @@
               <a:rPr lang="zh-CN" altLang="en-US"/>
               <a:t>三级</a:t>
             </a:r>
-            <a:endParaRPr lang="zh-CN" altLang="en-US"/>
           </a:p>
           <a:p>
             <a:pPr lvl="3"/>
@@ -3498,7 +3469,6 @@
               <a:rPr lang="zh-CN" altLang="en-US"/>
               <a:t>四级</a:t>
             </a:r>
-            <a:endParaRPr lang="zh-CN" altLang="en-US"/>
           </a:p>
           <a:p>
             <a:pPr lvl="4"/>
@@ -3578,7 +3548,6 @@
               <a:rPr lang="zh-CN" altLang="en-US"/>
               <a:t>单击此处编辑母版文本样式</a:t>
             </a:r>
-            <a:endParaRPr lang="zh-CN" altLang="en-US"/>
           </a:p>
         </p:txBody>
       </p:sp>
@@ -3609,7 +3578,6 @@
               <a:rPr lang="zh-CN" altLang="en-US"/>
               <a:t>单击此处编辑母版文本样式</a:t>
             </a:r>
-            <a:endParaRPr lang="zh-CN" altLang="en-US"/>
           </a:p>
           <a:p>
             <a:pPr lvl="1"/>
@@ -3617,7 +3585,6 @@
               <a:rPr lang="zh-CN" altLang="en-US"/>
               <a:t>二级</a:t>
             </a:r>
-            <a:endParaRPr lang="zh-CN" altLang="en-US"/>
           </a:p>
           <a:p>
             <a:pPr lvl="2"/>
@@ -3625,7 +3592,6 @@
               <a:rPr lang="zh-CN" altLang="en-US"/>
               <a:t>三级</a:t>
             </a:r>
-            <a:endParaRPr lang="zh-CN" altLang="en-US"/>
           </a:p>
           <a:p>
             <a:pPr lvl="3"/>
@@ -3633,7 +3599,6 @@
               <a:rPr lang="zh-CN" altLang="en-US"/>
               <a:t>四级</a:t>
             </a:r>
-            <a:endParaRPr lang="zh-CN" altLang="en-US"/>
           </a:p>
           <a:p>
             <a:pPr lvl="4"/>
@@ -3662,6 +3627,7 @@
           <a:p>
             <a:fld id="{5C77D00A-0F7C-4815-83DC-2949FD3F69DF}" type="datetimeFigureOut">
               <a:rPr lang="zh-CN" altLang="en-US" smtClean="0"/>
+              <a:t>2021-01-04</a:t>
             </a:fld>
             <a:endParaRPr lang="zh-CN" altLang="en-US"/>
           </a:p>
@@ -3703,6 +3669,7 @@
           <a:p>
             <a:fld id="{816D8A3F-5E8F-4104-8DE2-7FE925F96389}" type="slidenum">
               <a:rPr lang="zh-CN" altLang="en-US" smtClean="0"/>
+              <a:t>‹#›</a:t>
             </a:fld>
             <a:endParaRPr lang="zh-CN" altLang="en-US"/>
           </a:p>
@@ -3773,6 +3740,7 @@
           <a:p>
             <a:fld id="{5C77D00A-0F7C-4815-83DC-2949FD3F69DF}" type="datetimeFigureOut">
               <a:rPr lang="zh-CN" altLang="en-US" smtClean="0"/>
+              <a:t>2021-01-04</a:t>
             </a:fld>
             <a:endParaRPr lang="zh-CN" altLang="en-US"/>
           </a:p>
@@ -3814,6 +3782,7 @@
           <a:p>
             <a:fld id="{816D8A3F-5E8F-4104-8DE2-7FE925F96389}" type="slidenum">
               <a:rPr lang="zh-CN" altLang="en-US" smtClean="0"/>
+              <a:t>‹#›</a:t>
             </a:fld>
             <a:endParaRPr lang="zh-CN" altLang="en-US"/>
           </a:p>
@@ -3861,6 +3830,7 @@
           <a:p>
             <a:fld id="{5C77D00A-0F7C-4815-83DC-2949FD3F69DF}" type="datetimeFigureOut">
               <a:rPr lang="zh-CN" altLang="en-US" smtClean="0"/>
+              <a:t>2021-01-04</a:t>
             </a:fld>
             <a:endParaRPr lang="zh-CN" altLang="en-US"/>
           </a:p>
@@ -3902,6 +3872,7 @@
           <a:p>
             <a:fld id="{816D8A3F-5E8F-4104-8DE2-7FE925F96389}" type="slidenum">
               <a:rPr lang="zh-CN" altLang="en-US" smtClean="0"/>
+              <a:t>‹#›</a:t>
             </a:fld>
             <a:endParaRPr lang="zh-CN" altLang="en-US"/>
           </a:p>
@@ -3993,7 +3964,6 @@
               <a:rPr lang="zh-CN" altLang="en-US"/>
               <a:t>单击此处编辑母版文本样式</a:t>
             </a:r>
-            <a:endParaRPr lang="zh-CN" altLang="en-US"/>
           </a:p>
           <a:p>
             <a:pPr lvl="1"/>
@@ -4001,7 +3971,6 @@
               <a:rPr lang="zh-CN" altLang="en-US"/>
               <a:t>二级</a:t>
             </a:r>
-            <a:endParaRPr lang="zh-CN" altLang="en-US"/>
           </a:p>
           <a:p>
             <a:pPr lvl="2"/>
@@ -4009,7 +3978,6 @@
               <a:rPr lang="zh-CN" altLang="en-US"/>
               <a:t>三级</a:t>
             </a:r>
-            <a:endParaRPr lang="zh-CN" altLang="en-US"/>
           </a:p>
           <a:p>
             <a:pPr lvl="3"/>
@@ -4017,7 +3985,6 @@
               <a:rPr lang="zh-CN" altLang="en-US"/>
               <a:t>四级</a:t>
             </a:r>
-            <a:endParaRPr lang="zh-CN" altLang="en-US"/>
           </a:p>
           <a:p>
             <a:pPr lvl="4"/>
@@ -4093,7 +4060,6 @@
               <a:rPr lang="zh-CN" altLang="en-US"/>
               <a:t>单击此处编辑母版文本样式</a:t>
             </a:r>
-            <a:endParaRPr lang="zh-CN" altLang="en-US"/>
           </a:p>
         </p:txBody>
       </p:sp>
@@ -4114,6 +4080,7 @@
           <a:p>
             <a:fld id="{5C77D00A-0F7C-4815-83DC-2949FD3F69DF}" type="datetimeFigureOut">
               <a:rPr lang="zh-CN" altLang="en-US" smtClean="0"/>
+              <a:t>2021-01-04</a:t>
             </a:fld>
             <a:endParaRPr lang="zh-CN" altLang="en-US"/>
           </a:p>
@@ -4155,6 +4122,7 @@
           <a:p>
             <a:fld id="{816D8A3F-5E8F-4104-8DE2-7FE925F96389}" type="slidenum">
               <a:rPr lang="zh-CN" altLang="en-US" smtClean="0"/>
+              <a:t>‹#›</a:t>
             </a:fld>
             <a:endParaRPr lang="zh-CN" altLang="en-US"/>
           </a:p>
@@ -4370,7 +4338,6 @@
               <a:rPr lang="zh-CN" altLang="en-US"/>
               <a:t>单击此处编辑母版文本样式</a:t>
             </a:r>
-            <a:endParaRPr lang="zh-CN" altLang="en-US"/>
           </a:p>
         </p:txBody>
       </p:sp>
@@ -4391,6 +4358,7 @@
           <a:p>
             <a:fld id="{5C77D00A-0F7C-4815-83DC-2949FD3F69DF}" type="datetimeFigureOut">
               <a:rPr lang="zh-CN" altLang="en-US" smtClean="0"/>
+              <a:t>2021-01-04</a:t>
             </a:fld>
             <a:endParaRPr lang="zh-CN" altLang="en-US"/>
           </a:p>
@@ -4432,6 +4400,7 @@
           <a:p>
             <a:fld id="{816D8A3F-5E8F-4104-8DE2-7FE925F96389}" type="slidenum">
               <a:rPr lang="zh-CN" altLang="en-US" smtClean="0"/>
+              <a:t>‹#›</a:t>
             </a:fld>
             <a:endParaRPr lang="zh-CN" altLang="en-US"/>
           </a:p>
@@ -4721,7 +4690,6 @@
               <a:rPr lang="zh-CN" altLang="en-US"/>
               <a:t>单击此处编辑母版文本样式</a:t>
             </a:r>
-            <a:endParaRPr lang="zh-CN" altLang="en-US"/>
           </a:p>
           <a:p>
             <a:pPr lvl="1"/>
@@ -4729,7 +4697,6 @@
               <a:rPr lang="zh-CN" altLang="en-US"/>
               <a:t>二级</a:t>
             </a:r>
-            <a:endParaRPr lang="zh-CN" altLang="en-US"/>
           </a:p>
           <a:p>
             <a:pPr lvl="2"/>
@@ -4737,7 +4704,6 @@
               <a:rPr lang="zh-CN" altLang="en-US"/>
               <a:t>三级</a:t>
             </a:r>
-            <a:endParaRPr lang="zh-CN" altLang="en-US"/>
           </a:p>
           <a:p>
             <a:pPr lvl="3"/>
@@ -4745,7 +4711,6 @@
               <a:rPr lang="zh-CN" altLang="en-US"/>
               <a:t>四级</a:t>
             </a:r>
-            <a:endParaRPr lang="zh-CN" altLang="en-US"/>
           </a:p>
           <a:p>
             <a:pPr lvl="4"/>
@@ -4794,6 +4759,7 @@
           <a:p>
             <a:fld id="{5C77D00A-0F7C-4815-83DC-2949FD3F69DF}" type="datetimeFigureOut">
               <a:rPr lang="zh-CN" altLang="en-US" smtClean="0"/>
+              <a:t>2021-01-04</a:t>
             </a:fld>
             <a:endParaRPr lang="zh-CN" altLang="en-US"/>
           </a:p>
@@ -4875,6 +4841,7 @@
           <a:p>
             <a:fld id="{816D8A3F-5E8F-4104-8DE2-7FE925F96389}" type="slidenum">
               <a:rPr lang="zh-CN" altLang="en-US" smtClean="0"/>
+              <a:t>‹#›</a:t>
             </a:fld>
             <a:endParaRPr lang="zh-CN" altLang="en-US"/>
           </a:p>
@@ -5345,7 +5312,6 @@
               <a:rPr lang="zh-CN" altLang="en-US" dirty="0"/>
               <a:t>技术架构</a:t>
             </a:r>
-            <a:endParaRPr lang="zh-CN" altLang="en-US" dirty="0"/>
           </a:p>
         </p:txBody>
       </p:sp>
@@ -5376,7 +5342,6 @@
               <a:rPr lang="zh-CN" altLang="en-US" dirty="0"/>
               <a:t>存储引擎</a:t>
             </a:r>
-            <a:endParaRPr lang="zh-CN" altLang="en-US" dirty="0"/>
           </a:p>
         </p:txBody>
       </p:sp>
@@ -5433,7 +5398,6 @@
               <a:rPr lang="zh-CN" altLang="en-US" dirty="0"/>
               <a:t>文件存储</a:t>
             </a:r>
-            <a:endParaRPr lang="zh-CN" altLang="en-US" dirty="0"/>
           </a:p>
         </p:txBody>
       </p:sp>
@@ -5446,7 +5410,7 @@
           <p:nvPr/>
         </p:nvPicPr>
         <p:blipFill>
-          <a:blip r:embed="rId1"/>
+          <a:blip r:embed="rId2"/>
           <a:stretch>
             <a:fillRect/>
           </a:stretch>
@@ -5510,7 +5474,6 @@
               <a:rPr lang="zh-CN" altLang="en-US" dirty="0"/>
               <a:t>共享表空间文件</a:t>
             </a:r>
-            <a:endParaRPr lang="zh-CN" altLang="en-US" dirty="0"/>
           </a:p>
         </p:txBody>
       </p:sp>
@@ -5841,13 +5804,6 @@
               </a:rPr>
               <a:t>页</a:t>
             </a:r>
-            <a:endParaRPr lang="zh-CN" altLang="en-US" b="0" i="0" dirty="0">
-              <a:solidFill>
-                <a:schemeClr val="bg1"/>
-              </a:solidFill>
-              <a:effectLst/>
-              <a:latin typeface="Helvetica" panose="020B0604020202020204" pitchFamily="34" charset="0"/>
-            </a:endParaRPr>
           </a:p>
         </p:txBody>
       </p:sp>
@@ -6287,13 +6243,6 @@
               </a:rPr>
               <a:t>索引和主键顺序严重不一致：主键的建立选择有问题</a:t>
             </a:r>
-            <a:endParaRPr lang="zh-CN" altLang="en-US" b="0" i="0" dirty="0">
-              <a:solidFill>
-                <a:schemeClr val="bg1"/>
-              </a:solidFill>
-              <a:effectLst/>
-              <a:latin typeface="Helvetica" panose="020B0604020202020204" pitchFamily="34" charset="0"/>
-            </a:endParaRPr>
           </a:p>
         </p:txBody>
       </p:sp>
@@ -6306,7 +6255,7 @@
           <p:nvPr/>
         </p:nvPicPr>
         <p:blipFill>
-          <a:blip r:embed="rId1">
+          <a:blip r:embed="rId2" cstate="print">
             <a:extLst>
               <a:ext uri="{28A0092B-C50C-407E-A947-70E740481C1C}">
                 <a14:useLocalDpi xmlns:a14="http://schemas.microsoft.com/office/drawing/2010/main" val="0"/>
@@ -6376,7 +6325,6 @@
               <a:rPr lang="zh-CN" altLang="en-US" dirty="0"/>
               <a:t>笔记</a:t>
             </a:r>
-            <a:endParaRPr lang="zh-CN" altLang="en-US" dirty="0"/>
           </a:p>
         </p:txBody>
       </p:sp>
@@ -6417,7 +6365,6 @@
               <a:rPr lang="en-US" altLang="zh-CN" dirty="0"/>
               <a:t>16KB</a:t>
             </a:r>
-            <a:endParaRPr lang="en-US" altLang="zh-CN" dirty="0"/>
           </a:p>
           <a:p>
             <a:pPr marL="285750" indent="-285750">
@@ -6431,7 +6378,6 @@
               <a:rPr lang="en-US" altLang="zh-CN" dirty="0"/>
               <a:t>innodb引擎的存储单位自上到下为表空间 table spaces,片段 segemant, 分区 extend, 页 page, 行row,列 column</a:t>
             </a:r>
-            <a:endParaRPr lang="en-US" altLang="zh-CN" dirty="0"/>
           </a:p>
           <a:p>
             <a:pPr marL="285750" indent="-285750">
@@ -6497,7 +6443,6 @@
               <a:rPr lang="zh-CN" altLang="en-US" sz="2400" dirty="0"/>
               <a:t>逻辑架构</a:t>
             </a:r>
-            <a:endParaRPr lang="zh-CN" altLang="en-US" sz="2400" dirty="0"/>
           </a:p>
         </p:txBody>
       </p:sp>
@@ -6510,7 +6455,7 @@
           <p:nvPr/>
         </p:nvPicPr>
         <p:blipFill>
-          <a:blip r:embed="rId1"/>
+          <a:blip r:embed="rId2"/>
           <a:stretch>
             <a:fillRect/>
           </a:stretch>
@@ -6578,7 +6523,6 @@
               <a:rPr lang="zh-CN" altLang="en-US" dirty="0"/>
               <a:t>客户端</a:t>
             </a:r>
-            <a:endParaRPr lang="zh-CN" altLang="en-US" dirty="0"/>
           </a:p>
         </p:txBody>
       </p:sp>
@@ -6821,11 +6765,6 @@
               </a:rPr>
               <a:t>的安全链接。服务器也会为安全接入的每个客户端验证它所具有的操作权限。</a:t>
             </a:r>
-            <a:endParaRPr lang="zh-CN" altLang="en-US" dirty="0">
-              <a:solidFill>
-                <a:schemeClr val="bg1"/>
-              </a:solidFill>
-            </a:endParaRPr>
           </a:p>
         </p:txBody>
       </p:sp>
@@ -6882,7 +6821,6 @@
               <a:rPr lang="zh-CN" altLang="en-US" dirty="0"/>
               <a:t>服务层</a:t>
             </a:r>
-            <a:endParaRPr lang="zh-CN" altLang="en-US" dirty="0"/>
           </a:p>
         </p:txBody>
       </p:sp>
@@ -6977,13 +6915,6 @@
               </a:rPr>
               <a:t>：用于管理客户端请求的，比如检查验证请求连接的合法性，对于合法用户分配处理线程去执行任务等等工作。</a:t>
             </a:r>
-            <a:endParaRPr lang="zh-CN" altLang="en-US" sz="1400" b="0" i="0" dirty="0">
-              <a:solidFill>
-                <a:srgbClr val="000000"/>
-              </a:solidFill>
-              <a:effectLst/>
-              <a:latin typeface="Optima-Regular"/>
-            </a:endParaRPr>
           </a:p>
           <a:p>
             <a:pPr algn="l">
@@ -7129,13 +7060,6 @@
               </a:rPr>
               <a:t>语句，发现是一个查询请求，则接下来就会进行查询相关的操作。</a:t>
             </a:r>
-            <a:endParaRPr lang="zh-CN" altLang="en-US" sz="1400" b="0" i="0" dirty="0">
-              <a:solidFill>
-                <a:srgbClr val="000000"/>
-              </a:solidFill>
-              <a:effectLst/>
-              <a:latin typeface="Optima-Regular"/>
-            </a:endParaRPr>
           </a:p>
           <a:p>
             <a:pPr algn="l">
@@ -7246,12 +7170,6 @@
               </a:rPr>
               <a:t>、存储过程、视图、触发器等实现。</a:t>
             </a:r>
-            <a:endParaRPr lang="zh-CN" altLang="en-US" sz="1400" dirty="0">
-              <a:solidFill>
-                <a:srgbClr val="000000"/>
-              </a:solidFill>
-              <a:latin typeface="Optima-Regular"/>
-            </a:endParaRPr>
           </a:p>
         </p:txBody>
       </p:sp>
@@ -7367,7 +7285,6 @@
               <a:rPr lang="zh-CN" altLang="en-US" sz="1600" dirty="0"/>
               <a:t>接口</a:t>
             </a:r>
-            <a:endParaRPr lang="zh-CN" altLang="en-US" sz="1600" dirty="0"/>
           </a:p>
         </p:txBody>
       </p:sp>
@@ -7411,7 +7328,6 @@
               <a:rPr lang="zh-CN" altLang="en-US" dirty="0"/>
               <a:t>解析器</a:t>
             </a:r>
-            <a:endParaRPr lang="zh-CN" altLang="en-US" dirty="0"/>
           </a:p>
         </p:txBody>
       </p:sp>
@@ -7455,7 +7371,6 @@
               <a:rPr lang="zh-CN" altLang="en-US" dirty="0"/>
               <a:t>优化器</a:t>
             </a:r>
-            <a:endParaRPr lang="zh-CN" altLang="en-US" dirty="0"/>
           </a:p>
         </p:txBody>
       </p:sp>
@@ -7499,7 +7414,6 @@
               <a:rPr lang="zh-CN" altLang="en-US" dirty="0"/>
               <a:t>缓存</a:t>
             </a:r>
-            <a:endParaRPr lang="zh-CN" altLang="en-US" dirty="0"/>
           </a:p>
         </p:txBody>
       </p:sp>
@@ -7556,7 +7470,6 @@
               <a:rPr lang="zh-CN" altLang="en-US" dirty="0"/>
               <a:t>存储引擎</a:t>
             </a:r>
-            <a:endParaRPr lang="zh-CN" altLang="en-US" dirty="0"/>
           </a:p>
         </p:txBody>
       </p:sp>
@@ -7604,7 +7517,6 @@
               <a:rPr lang="en-US" altLang="zh-CN" dirty="0"/>
               <a:t>Pluggable Storage engines</a:t>
             </a:r>
-            <a:endParaRPr lang="en-US" altLang="zh-CN" dirty="0"/>
           </a:p>
           <a:p>
             <a:pPr algn="ctr">
@@ -7640,7 +7552,6 @@
               <a:rPr lang="en-US" altLang="zh-CN" sz="1600" dirty="0"/>
               <a:t>Transaction…</a:t>
             </a:r>
-            <a:endParaRPr lang="en-US" altLang="zh-CN" sz="1600" dirty="0"/>
           </a:p>
         </p:txBody>
       </p:sp>
@@ -7851,11 +7762,6 @@
               </a:rPr>
               <a:t>索引，从而进一步提升读取数据的速度。</a:t>
             </a:r>
-            <a:endParaRPr lang="zh-CN" altLang="en-US" sz="1600" dirty="0">
-              <a:solidFill>
-                <a:schemeClr val="bg1"/>
-              </a:solidFill>
-            </a:endParaRPr>
           </a:p>
           <a:p>
             <a:pPr marL="285750" indent="-285750">
@@ -7900,7 +7806,13 @@
       </p:grpSpPr>
       <p:sp>
         <p:nvSpPr>
-          <p:cNvPr id="3" name="内容占位符 2"/>
+          <p:cNvPr id="4" name="内容占位符 2">
+            <a:extLst>
+              <a:ext uri="{FF2B5EF4-FFF2-40B4-BE49-F238E27FC236}">
+                <a16:creationId xmlns:a16="http://schemas.microsoft.com/office/drawing/2014/main" id="{90B412C2-54BD-4A5B-B541-5F85CD1A49E1}"/>
+              </a:ext>
+            </a:extLst>
+          </p:cNvPr>
           <p:cNvSpPr>
             <a:spLocks noGrp="1"/>
           </p:cNvSpPr>
@@ -7911,7 +7823,7 @@
         <p:spPr>
           <a:xfrm>
             <a:off x="684212" y="685801"/>
-            <a:ext cx="8534400" cy="1041400"/>
+            <a:ext cx="8534400" cy="625763"/>
           </a:xfrm>
         </p:spPr>
         <p:txBody>
@@ -7926,485 +7838,62 @@
               <a:rPr lang="zh-CN" altLang="en-US" dirty="0"/>
               <a:t>存储引擎</a:t>
             </a:r>
-            <a:endParaRPr lang="zh-CN" altLang="en-US" dirty="0"/>
-          </a:p>
-        </p:txBody>
-      </p:sp>
-      <p:sp>
-        <p:nvSpPr>
-          <p:cNvPr id="4" name="矩形 3"/>
-          <p:cNvSpPr/>
+          </a:p>
+        </p:txBody>
+      </p:sp>
+      <p:pic>
+        <p:nvPicPr>
+          <p:cNvPr id="1026" name="Picture 2">
+            <a:extLst>
+              <a:ext uri="{FF2B5EF4-FFF2-40B4-BE49-F238E27FC236}">
+                <a16:creationId xmlns:a16="http://schemas.microsoft.com/office/drawing/2014/main" id="{BAB29614-0C74-448D-BD3A-E887493723CF}"/>
+              </a:ext>
+            </a:extLst>
+          </p:cNvPr>
+          <p:cNvPicPr>
+            <a:picLocks noChangeAspect="1" noChangeArrowheads="1"/>
+          </p:cNvPicPr>
           <p:nvPr/>
-        </p:nvSpPr>
-        <p:spPr>
+        </p:nvPicPr>
+        <p:blipFill>
+          <a:blip r:embed="rId2">
+            <a:extLst>
+              <a:ext uri="{28A0092B-C50C-407E-A947-70E740481C1C}">
+                <a14:useLocalDpi xmlns:a14="http://schemas.microsoft.com/office/drawing/2010/main" val="0"/>
+              </a:ext>
+            </a:extLst>
+          </a:blip>
+          <a:srcRect/>
+          <a:stretch>
+            <a:fillRect/>
+          </a:stretch>
+        </p:blipFill>
+        <p:spPr bwMode="auto">
           <a:xfrm>
-            <a:off x="1182255" y="1607127"/>
-            <a:ext cx="9180945" cy="2715491"/>
+            <a:off x="2551112" y="1311564"/>
+            <a:ext cx="6667500" cy="5124450"/>
           </a:xfrm>
           <a:prstGeom prst="rect">
             <a:avLst/>
           </a:prstGeom>
+          <a:noFill/>
+          <a:extLst>
+            <a:ext uri="{909E8E84-426E-40DD-AFC4-6F175D3DCCD1}">
+              <a14:hiddenFill xmlns:a14="http://schemas.microsoft.com/office/drawing/2010/main">
+                <a:solidFill>
+                  <a:srgbClr val="FFFFFF"/>
+                </a:solidFill>
+              </a14:hiddenFill>
+            </a:ext>
+          </a:extLst>
         </p:spPr>
-        <p:style>
-          <a:lnRef idx="2">
-            <a:schemeClr val="accent1">
-              <a:shade val="50000"/>
-            </a:schemeClr>
-          </a:lnRef>
-          <a:fillRef idx="1">
-            <a:schemeClr val="accent1"/>
-          </a:fillRef>
-          <a:effectRef idx="0">
-            <a:schemeClr val="accent1"/>
-          </a:effectRef>
-          <a:fontRef idx="minor">
-            <a:schemeClr val="lt1"/>
-          </a:fontRef>
-        </p:style>
-        <p:txBody>
-          <a:bodyPr rtlCol="0" anchor="ctr"/>
-          <a:lstStyle/>
-          <a:p>
-            <a:pPr algn="ctr"/>
-            <a:endParaRPr lang="zh-CN" altLang="en-US"/>
-          </a:p>
-        </p:txBody>
-      </p:sp>
-      <p:sp>
-        <p:nvSpPr>
-          <p:cNvPr id="5" name="椭圆 4"/>
-          <p:cNvSpPr/>
-          <p:nvPr/>
-        </p:nvSpPr>
-        <p:spPr>
-          <a:xfrm>
-            <a:off x="1828800" y="1911927"/>
-            <a:ext cx="1625600" cy="572655"/>
-          </a:xfrm>
-          <a:prstGeom prst="ellipse">
-            <a:avLst/>
-          </a:prstGeom>
-        </p:spPr>
-        <p:style>
-          <a:lnRef idx="2">
-            <a:schemeClr val="accent5">
-              <a:shade val="50000"/>
-            </a:schemeClr>
-          </a:lnRef>
-          <a:fillRef idx="1">
-            <a:schemeClr val="accent5"/>
-          </a:fillRef>
-          <a:effectRef idx="0">
-            <a:schemeClr val="accent5"/>
-          </a:effectRef>
-          <a:fontRef idx="minor">
-            <a:schemeClr val="lt1"/>
-          </a:fontRef>
-        </p:style>
-        <p:txBody>
-          <a:bodyPr rtlCol="0" anchor="ctr"/>
-          <a:lstStyle/>
-          <a:p>
-            <a:pPr algn="ctr"/>
-            <a:r>
-              <a:rPr lang="zh-CN" altLang="en-US" dirty="0"/>
-              <a:t>后台线程</a:t>
-            </a:r>
-            <a:endParaRPr lang="zh-CN" altLang="en-US" dirty="0"/>
-          </a:p>
-        </p:txBody>
-      </p:sp>
-      <p:sp>
-        <p:nvSpPr>
-          <p:cNvPr id="6" name="椭圆 5"/>
-          <p:cNvSpPr/>
-          <p:nvPr/>
-        </p:nvSpPr>
-        <p:spPr>
-          <a:xfrm>
-            <a:off x="3139643" y="1911927"/>
-            <a:ext cx="1625600" cy="572655"/>
-          </a:xfrm>
-          <a:prstGeom prst="ellipse">
-            <a:avLst/>
-          </a:prstGeom>
-        </p:spPr>
-        <p:style>
-          <a:lnRef idx="2">
-            <a:schemeClr val="accent5">
-              <a:shade val="50000"/>
-            </a:schemeClr>
-          </a:lnRef>
-          <a:fillRef idx="1">
-            <a:schemeClr val="accent5"/>
-          </a:fillRef>
-          <a:effectRef idx="0">
-            <a:schemeClr val="accent5"/>
-          </a:effectRef>
-          <a:fontRef idx="minor">
-            <a:schemeClr val="lt1"/>
-          </a:fontRef>
-        </p:style>
-        <p:txBody>
-          <a:bodyPr rtlCol="0" anchor="ctr"/>
-          <a:lstStyle/>
-          <a:p>
-            <a:pPr algn="ctr"/>
-            <a:r>
-              <a:rPr lang="zh-CN" altLang="en-US" dirty="0"/>
-              <a:t>后台线程</a:t>
-            </a:r>
-            <a:endParaRPr lang="zh-CN" altLang="en-US" dirty="0"/>
-          </a:p>
-        </p:txBody>
-      </p:sp>
-      <p:sp>
-        <p:nvSpPr>
-          <p:cNvPr id="7" name="椭圆 6"/>
-          <p:cNvSpPr/>
-          <p:nvPr/>
-        </p:nvSpPr>
-        <p:spPr>
-          <a:xfrm>
-            <a:off x="4627778" y="1911927"/>
-            <a:ext cx="1625600" cy="572655"/>
-          </a:xfrm>
-          <a:prstGeom prst="ellipse">
-            <a:avLst/>
-          </a:prstGeom>
-        </p:spPr>
-        <p:style>
-          <a:lnRef idx="2">
-            <a:schemeClr val="accent5">
-              <a:shade val="50000"/>
-            </a:schemeClr>
-          </a:lnRef>
-          <a:fillRef idx="1">
-            <a:schemeClr val="accent5"/>
-          </a:fillRef>
-          <a:effectRef idx="0">
-            <a:schemeClr val="accent5"/>
-          </a:effectRef>
-          <a:fontRef idx="minor">
-            <a:schemeClr val="lt1"/>
-          </a:fontRef>
-        </p:style>
-        <p:txBody>
-          <a:bodyPr rtlCol="0" anchor="ctr"/>
-          <a:lstStyle/>
-          <a:p>
-            <a:pPr algn="ctr"/>
-            <a:r>
-              <a:rPr lang="zh-CN" altLang="en-US" dirty="0"/>
-              <a:t>后台线程</a:t>
-            </a:r>
-            <a:endParaRPr lang="zh-CN" altLang="en-US" dirty="0"/>
-          </a:p>
-        </p:txBody>
-      </p:sp>
-      <p:sp>
-        <p:nvSpPr>
-          <p:cNvPr id="8" name="椭圆 7"/>
-          <p:cNvSpPr/>
-          <p:nvPr/>
-        </p:nvSpPr>
-        <p:spPr>
-          <a:xfrm>
-            <a:off x="6096000" y="1911927"/>
-            <a:ext cx="1625600" cy="572655"/>
-          </a:xfrm>
-          <a:prstGeom prst="ellipse">
-            <a:avLst/>
-          </a:prstGeom>
-        </p:spPr>
-        <p:style>
-          <a:lnRef idx="2">
-            <a:schemeClr val="accent5">
-              <a:shade val="50000"/>
-            </a:schemeClr>
-          </a:lnRef>
-          <a:fillRef idx="1">
-            <a:schemeClr val="accent5"/>
-          </a:fillRef>
-          <a:effectRef idx="0">
-            <a:schemeClr val="accent5"/>
-          </a:effectRef>
-          <a:fontRef idx="minor">
-            <a:schemeClr val="lt1"/>
-          </a:fontRef>
-        </p:style>
-        <p:txBody>
-          <a:bodyPr rtlCol="0" anchor="ctr"/>
-          <a:lstStyle/>
-          <a:p>
-            <a:pPr algn="ctr"/>
-            <a:r>
-              <a:rPr lang="zh-CN" altLang="en-US" dirty="0"/>
-              <a:t>后台线程</a:t>
-            </a:r>
-            <a:endParaRPr lang="zh-CN" altLang="en-US" dirty="0"/>
-          </a:p>
-        </p:txBody>
-      </p:sp>
-      <p:sp>
-        <p:nvSpPr>
-          <p:cNvPr id="9" name="椭圆 8"/>
-          <p:cNvSpPr/>
-          <p:nvPr/>
-        </p:nvSpPr>
-        <p:spPr>
-          <a:xfrm>
-            <a:off x="7593012" y="1911927"/>
-            <a:ext cx="1625600" cy="572655"/>
-          </a:xfrm>
-          <a:prstGeom prst="ellipse">
-            <a:avLst/>
-          </a:prstGeom>
-        </p:spPr>
-        <p:style>
-          <a:lnRef idx="2">
-            <a:schemeClr val="accent5">
-              <a:shade val="50000"/>
-            </a:schemeClr>
-          </a:lnRef>
-          <a:fillRef idx="1">
-            <a:schemeClr val="accent5"/>
-          </a:fillRef>
-          <a:effectRef idx="0">
-            <a:schemeClr val="accent5"/>
-          </a:effectRef>
-          <a:fontRef idx="minor">
-            <a:schemeClr val="lt1"/>
-          </a:fontRef>
-        </p:style>
-        <p:txBody>
-          <a:bodyPr rtlCol="0" anchor="ctr"/>
-          <a:lstStyle/>
-          <a:p>
-            <a:pPr algn="ctr"/>
-            <a:r>
-              <a:rPr lang="zh-CN" altLang="en-US" dirty="0"/>
-              <a:t>后台线程</a:t>
-            </a:r>
-            <a:endParaRPr lang="zh-CN" altLang="en-US" dirty="0"/>
-          </a:p>
-        </p:txBody>
-      </p:sp>
-      <p:sp>
-        <p:nvSpPr>
-          <p:cNvPr id="10" name="矩形: 圆角 9"/>
-          <p:cNvSpPr/>
-          <p:nvPr/>
-        </p:nvSpPr>
-        <p:spPr>
-          <a:xfrm>
-            <a:off x="3454400" y="3168073"/>
-            <a:ext cx="4627418" cy="572655"/>
-          </a:xfrm>
-          <a:prstGeom prst="roundRect">
-            <a:avLst/>
-          </a:prstGeom>
-        </p:spPr>
-        <p:style>
-          <a:lnRef idx="2">
-            <a:schemeClr val="accent4">
-              <a:shade val="50000"/>
-            </a:schemeClr>
-          </a:lnRef>
-          <a:fillRef idx="1">
-            <a:schemeClr val="accent4"/>
-          </a:fillRef>
-          <a:effectRef idx="0">
-            <a:schemeClr val="accent4"/>
-          </a:effectRef>
-          <a:fontRef idx="minor">
-            <a:schemeClr val="lt1"/>
-          </a:fontRef>
-        </p:style>
-        <p:txBody>
-          <a:bodyPr rtlCol="0" anchor="ctr"/>
-          <a:lstStyle/>
-          <a:p>
-            <a:pPr algn="ctr"/>
-            <a:r>
-              <a:rPr lang="en-US" altLang="zh-CN" dirty="0" err="1"/>
-              <a:t>InnoDB</a:t>
-            </a:r>
-            <a:r>
-              <a:rPr lang="zh-CN" altLang="en-US" dirty="0"/>
-              <a:t>存储引擎内存池</a:t>
-            </a:r>
-            <a:endParaRPr lang="zh-CN" altLang="en-US" dirty="0"/>
-          </a:p>
-        </p:txBody>
-      </p:sp>
-      <p:sp>
-        <p:nvSpPr>
-          <p:cNvPr id="11" name="圆柱体 10"/>
-          <p:cNvSpPr/>
-          <p:nvPr/>
-        </p:nvSpPr>
-        <p:spPr>
-          <a:xfrm>
-            <a:off x="4220297" y="5387108"/>
-            <a:ext cx="554182" cy="711200"/>
-          </a:xfrm>
-          <a:prstGeom prst="can">
-            <a:avLst/>
-          </a:prstGeom>
-        </p:spPr>
-        <p:style>
-          <a:lnRef idx="2">
-            <a:schemeClr val="accent1">
-              <a:shade val="50000"/>
-            </a:schemeClr>
-          </a:lnRef>
-          <a:fillRef idx="1">
-            <a:schemeClr val="accent1"/>
-          </a:fillRef>
-          <a:effectRef idx="0">
-            <a:schemeClr val="accent1"/>
-          </a:effectRef>
-          <a:fontRef idx="minor">
-            <a:schemeClr val="lt1"/>
-          </a:fontRef>
-        </p:style>
-        <p:txBody>
-          <a:bodyPr rtlCol="0" anchor="ctr"/>
-          <a:lstStyle/>
-          <a:p>
-            <a:pPr algn="ctr"/>
-            <a:r>
-              <a:rPr lang="en-US" altLang="zh-CN" dirty="0"/>
-              <a:t>File</a:t>
-            </a:r>
-            <a:endParaRPr lang="zh-CN" altLang="en-US" dirty="0"/>
-          </a:p>
-        </p:txBody>
-      </p:sp>
-      <p:sp>
-        <p:nvSpPr>
-          <p:cNvPr id="13" name="圆柱体 12"/>
-          <p:cNvSpPr/>
-          <p:nvPr/>
-        </p:nvSpPr>
-        <p:spPr>
-          <a:xfrm>
-            <a:off x="5504873" y="5361707"/>
-            <a:ext cx="554182" cy="711200"/>
-          </a:xfrm>
-          <a:prstGeom prst="can">
-            <a:avLst/>
-          </a:prstGeom>
-        </p:spPr>
-        <p:style>
-          <a:lnRef idx="2">
-            <a:schemeClr val="accent1">
-              <a:shade val="50000"/>
-            </a:schemeClr>
-          </a:lnRef>
-          <a:fillRef idx="1">
-            <a:schemeClr val="accent1"/>
-          </a:fillRef>
-          <a:effectRef idx="0">
-            <a:schemeClr val="accent1"/>
-          </a:effectRef>
-          <a:fontRef idx="minor">
-            <a:schemeClr val="lt1"/>
-          </a:fontRef>
-        </p:style>
-        <p:txBody>
-          <a:bodyPr rtlCol="0" anchor="ctr"/>
-          <a:lstStyle/>
-          <a:p>
-            <a:pPr algn="ctr"/>
-            <a:r>
-              <a:rPr lang="en-US" altLang="zh-CN" dirty="0"/>
-              <a:t>File</a:t>
-            </a:r>
-            <a:endParaRPr lang="zh-CN" altLang="en-US" dirty="0"/>
-          </a:p>
-        </p:txBody>
-      </p:sp>
-      <p:sp>
-        <p:nvSpPr>
-          <p:cNvPr id="14" name="圆柱体 13"/>
-          <p:cNvSpPr/>
-          <p:nvPr/>
-        </p:nvSpPr>
-        <p:spPr>
-          <a:xfrm>
-            <a:off x="6789449" y="5361707"/>
-            <a:ext cx="554182" cy="711200"/>
-          </a:xfrm>
-          <a:prstGeom prst="can">
-            <a:avLst/>
-          </a:prstGeom>
-        </p:spPr>
-        <p:style>
-          <a:lnRef idx="2">
-            <a:schemeClr val="accent1">
-              <a:shade val="50000"/>
-            </a:schemeClr>
-          </a:lnRef>
-          <a:fillRef idx="1">
-            <a:schemeClr val="accent1"/>
-          </a:fillRef>
-          <a:effectRef idx="0">
-            <a:schemeClr val="accent1"/>
-          </a:effectRef>
-          <a:fontRef idx="minor">
-            <a:schemeClr val="lt1"/>
-          </a:fontRef>
-        </p:style>
-        <p:txBody>
-          <a:bodyPr rtlCol="0" anchor="ctr"/>
-          <a:lstStyle/>
-          <a:p>
-            <a:pPr algn="ctr"/>
-            <a:r>
-              <a:rPr lang="en-US" altLang="zh-CN" dirty="0"/>
-              <a:t>File</a:t>
-            </a:r>
-            <a:endParaRPr lang="zh-CN" altLang="en-US" dirty="0"/>
-          </a:p>
-        </p:txBody>
-      </p:sp>
-      <p:cxnSp>
-        <p:nvCxnSpPr>
-          <p:cNvPr id="16" name="直接箭头连接符 15"/>
-          <p:cNvCxnSpPr/>
-          <p:nvPr/>
-        </p:nvCxnSpPr>
-        <p:spPr>
-          <a:xfrm>
-            <a:off x="5781964" y="4405745"/>
-            <a:ext cx="0" cy="785091"/>
-          </a:xfrm>
-          <a:prstGeom prst="straightConnector1">
-            <a:avLst/>
-          </a:prstGeom>
-          <a:ln>
-            <a:headEnd type="triangle"/>
-            <a:tailEnd type="triangle"/>
-          </a:ln>
-        </p:spPr>
-        <p:style>
-          <a:lnRef idx="3">
-            <a:schemeClr val="dk1"/>
-          </a:lnRef>
-          <a:fillRef idx="0">
-            <a:schemeClr val="dk1"/>
-          </a:fillRef>
-          <a:effectRef idx="2">
-            <a:schemeClr val="dk1"/>
-          </a:effectRef>
-          <a:fontRef idx="minor">
-            <a:schemeClr val="tx1"/>
-          </a:fontRef>
-        </p:style>
-      </p:cxnSp>
+      </p:pic>
     </p:spTree>
+    <p:extLst>
+      <p:ext uri="{BB962C8B-B14F-4D97-AF65-F5344CB8AC3E}">
+        <p14:creationId xmlns:p14="http://schemas.microsoft.com/office/powerpoint/2010/main" val="879151669"/>
+      </p:ext>
+    </p:extLst>
   </p:cSld>
   <p:clrMapOvr>
     <a:masterClrMapping/>
@@ -8431,7 +7920,13 @@
       </p:grpSpPr>
       <p:sp>
         <p:nvSpPr>
-          <p:cNvPr id="4" name="内容占位符 2"/>
+          <p:cNvPr id="4" name="内容占位符 2">
+            <a:extLst>
+              <a:ext uri="{FF2B5EF4-FFF2-40B4-BE49-F238E27FC236}">
+                <a16:creationId xmlns:a16="http://schemas.microsoft.com/office/drawing/2014/main" id="{12523B87-5144-46BF-9319-3B447A3E63AB}"/>
+              </a:ext>
+            </a:extLst>
+          </p:cNvPr>
           <p:cNvSpPr>
             <a:spLocks noGrp="1"/>
           </p:cNvSpPr>
@@ -8451,180 +7946,735 @@
           <a:p>
             <a:r>
               <a:rPr lang="zh-CN" altLang="en-US" dirty="0"/>
-              <a:t>后台线程</a:t>
-            </a:r>
-            <a:endParaRPr lang="zh-CN" altLang="en-US" dirty="0"/>
-          </a:p>
-        </p:txBody>
-      </p:sp>
-      <p:sp>
-        <p:nvSpPr>
-          <p:cNvPr id="7" name="文本框 6"/>
-          <p:cNvSpPr txBox="1"/>
+              <a:t>内存结构</a:t>
+            </a:r>
+          </a:p>
+        </p:txBody>
+      </p:sp>
+      <p:sp>
+        <p:nvSpPr>
+          <p:cNvPr id="6" name="矩形: 圆角 5">
+            <a:extLst>
+              <a:ext uri="{FF2B5EF4-FFF2-40B4-BE49-F238E27FC236}">
+                <a16:creationId xmlns:a16="http://schemas.microsoft.com/office/drawing/2014/main" id="{A4B8CEC8-B52D-40E5-86DC-B1F27FBDF22D}"/>
+              </a:ext>
+            </a:extLst>
+          </p:cNvPr>
+          <p:cNvSpPr/>
           <p:nvPr/>
         </p:nvSpPr>
         <p:spPr>
           <a:xfrm>
-            <a:off x="1025236" y="1588654"/>
-            <a:ext cx="10123055" cy="4437048"/>
+            <a:off x="767339" y="2004291"/>
+            <a:ext cx="2364509" cy="3953165"/>
           </a:xfrm>
-          <a:prstGeom prst="rect">
+          <a:prstGeom prst="roundRect">
             <a:avLst/>
           </a:prstGeom>
-          <a:noFill/>
+          <a:solidFill>
+            <a:srgbClr val="264653"/>
+          </a:solidFill>
         </p:spPr>
-        <p:txBody>
-          <a:bodyPr wrap="square" rtlCol="0">
-            <a:spAutoFit/>
-          </a:bodyPr>
-          <a:lstStyle/>
-          <a:p>
-            <a:pPr marL="285750" indent="-285750">
-              <a:lnSpc>
-                <a:spcPct val="200000"/>
-              </a:lnSpc>
-              <a:buFont typeface="Wingdings" panose="05000000000000000000" pitchFamily="2" charset="2"/>
-              <a:buChar char="l"/>
-            </a:pPr>
+        <p:style>
+          <a:lnRef idx="2">
+            <a:schemeClr val="accent4">
+              <a:shade val="50000"/>
+            </a:schemeClr>
+          </a:lnRef>
+          <a:fillRef idx="1">
+            <a:schemeClr val="accent4"/>
+          </a:fillRef>
+          <a:effectRef idx="0">
+            <a:schemeClr val="accent4"/>
+          </a:effectRef>
+          <a:fontRef idx="minor">
+            <a:schemeClr val="lt1"/>
+          </a:fontRef>
+        </p:style>
+        <p:txBody>
+          <a:bodyPr rtlCol="0" anchor="ctr"/>
+          <a:lstStyle/>
+          <a:p>
+            <a:pPr algn="ctr"/>
+            <a:endParaRPr lang="zh-CN" altLang="en-US">
+              <a:solidFill>
+                <a:schemeClr val="dk1"/>
+              </a:solidFill>
+            </a:endParaRPr>
+          </a:p>
+        </p:txBody>
+      </p:sp>
+      <p:sp>
+        <p:nvSpPr>
+          <p:cNvPr id="38" name="矩形: 圆角 37">
+            <a:extLst>
+              <a:ext uri="{FF2B5EF4-FFF2-40B4-BE49-F238E27FC236}">
+                <a16:creationId xmlns:a16="http://schemas.microsoft.com/office/drawing/2014/main" id="{22EC96B6-662F-4820-8AC4-BF96F416F952}"/>
+              </a:ext>
+            </a:extLst>
+          </p:cNvPr>
+          <p:cNvSpPr/>
+          <p:nvPr/>
+        </p:nvSpPr>
+        <p:spPr>
+          <a:xfrm>
+            <a:off x="1040966" y="2332182"/>
+            <a:ext cx="1804554" cy="406400"/>
+          </a:xfrm>
+          <a:prstGeom prst="roundRect">
+            <a:avLst/>
+          </a:prstGeom>
+          <a:solidFill>
+            <a:schemeClr val="accent1">
+              <a:lumMod val="50000"/>
+            </a:schemeClr>
+          </a:solidFill>
+        </p:spPr>
+        <p:style>
+          <a:lnRef idx="2">
+            <a:schemeClr val="accent3">
+              <a:shade val="50000"/>
+            </a:schemeClr>
+          </a:lnRef>
+          <a:fillRef idx="1">
+            <a:schemeClr val="accent3"/>
+          </a:fillRef>
+          <a:effectRef idx="0">
+            <a:schemeClr val="accent3"/>
+          </a:effectRef>
+          <a:fontRef idx="minor">
+            <a:schemeClr val="lt1"/>
+          </a:fontRef>
+        </p:style>
+        <p:txBody>
+          <a:bodyPr rtlCol="0" anchor="ctr"/>
+          <a:lstStyle/>
+          <a:p>
+            <a:pPr algn="ctr"/>
             <a:r>
               <a:rPr lang="en-US" altLang="zh-CN" dirty="0"/>
-              <a:t>Master Thread</a:t>
-            </a:r>
-            <a:endParaRPr lang="en-US" altLang="zh-CN" dirty="0"/>
-          </a:p>
-          <a:p>
-            <a:pPr>
-              <a:lnSpc>
-                <a:spcPct val="200000"/>
-              </a:lnSpc>
-            </a:pPr>
+              <a:t>Buffer Pool</a:t>
+            </a:r>
+            <a:endParaRPr lang="zh-CN" altLang="en-US" dirty="0"/>
+          </a:p>
+        </p:txBody>
+      </p:sp>
+      <p:sp>
+        <p:nvSpPr>
+          <p:cNvPr id="39" name="矩形: 圆角 38">
+            <a:extLst>
+              <a:ext uri="{FF2B5EF4-FFF2-40B4-BE49-F238E27FC236}">
+                <a16:creationId xmlns:a16="http://schemas.microsoft.com/office/drawing/2014/main" id="{06135C44-4496-4AF3-8355-EEC36ABED5CD}"/>
+              </a:ext>
+            </a:extLst>
+          </p:cNvPr>
+          <p:cNvSpPr/>
+          <p:nvPr/>
+        </p:nvSpPr>
+        <p:spPr>
+          <a:xfrm>
+            <a:off x="1075026" y="2932545"/>
+            <a:ext cx="1736435" cy="2794001"/>
+          </a:xfrm>
+          <a:prstGeom prst="roundRect">
+            <a:avLst/>
+          </a:prstGeom>
+          <a:solidFill>
+            <a:srgbClr val="E76F51"/>
+          </a:solidFill>
+        </p:spPr>
+        <p:style>
+          <a:lnRef idx="2">
+            <a:schemeClr val="accent4">
+              <a:shade val="50000"/>
+            </a:schemeClr>
+          </a:lnRef>
+          <a:fillRef idx="1">
+            <a:schemeClr val="accent4"/>
+          </a:fillRef>
+          <a:effectRef idx="0">
+            <a:schemeClr val="accent4"/>
+          </a:effectRef>
+          <a:fontRef idx="minor">
+            <a:schemeClr val="lt1"/>
+          </a:fontRef>
+        </p:style>
+        <p:txBody>
+          <a:bodyPr rtlCol="0" anchor="ctr"/>
+          <a:lstStyle/>
+          <a:p>
+            <a:r>
+              <a:rPr lang="zh-CN" altLang="en-US" b="0" i="0" dirty="0">
+                <a:solidFill>
+                  <a:schemeClr val="tx1"/>
+                </a:solidFill>
+                <a:effectLst/>
+                <a:latin typeface="-apple-system"/>
+              </a:rPr>
+              <a:t>主内存中的一个区域，在</a:t>
+            </a:r>
+            <a:r>
+              <a:rPr lang="en-US" altLang="zh-CN" b="0" i="0" dirty="0" err="1">
+                <a:solidFill>
+                  <a:schemeClr val="tx1"/>
+                </a:solidFill>
+                <a:effectLst/>
+                <a:latin typeface="-apple-system"/>
+              </a:rPr>
+              <a:t>InnoDB</a:t>
+            </a:r>
+            <a:r>
+              <a:rPr lang="zh-CN" altLang="en-US" b="0" i="0" dirty="0">
+                <a:solidFill>
+                  <a:schemeClr val="tx1"/>
+                </a:solidFill>
+                <a:effectLst/>
+                <a:latin typeface="-apple-system"/>
+              </a:rPr>
+              <a:t>访问表和索引数据时会在其中进行高速缓存，大量减少磁盘</a:t>
+            </a:r>
+            <a:r>
+              <a:rPr lang="en-US" altLang="zh-CN" b="0" i="0" dirty="0">
+                <a:solidFill>
+                  <a:schemeClr val="tx1"/>
+                </a:solidFill>
+                <a:effectLst/>
+                <a:latin typeface="-apple-system"/>
+              </a:rPr>
+              <a:t>IO</a:t>
+            </a:r>
+            <a:r>
+              <a:rPr lang="zh-CN" altLang="en-US" b="0" i="0" dirty="0">
+                <a:solidFill>
+                  <a:schemeClr val="tx1"/>
+                </a:solidFill>
+                <a:effectLst/>
+                <a:latin typeface="-apple-system"/>
+              </a:rPr>
+              <a:t>操作，提升效率。</a:t>
+            </a:r>
+            <a:endParaRPr lang="zh-CN" altLang="en-US" dirty="0">
+              <a:solidFill>
+                <a:schemeClr val="tx1"/>
+              </a:solidFill>
+            </a:endParaRPr>
+          </a:p>
+        </p:txBody>
+      </p:sp>
+      <p:sp>
+        <p:nvSpPr>
+          <p:cNvPr id="46" name="矩形: 圆角 45">
+            <a:extLst>
+              <a:ext uri="{FF2B5EF4-FFF2-40B4-BE49-F238E27FC236}">
+                <a16:creationId xmlns:a16="http://schemas.microsoft.com/office/drawing/2014/main" id="{B2190196-B522-4BA5-8437-F70E7E6BDFE4}"/>
+              </a:ext>
+            </a:extLst>
+          </p:cNvPr>
+          <p:cNvSpPr/>
+          <p:nvPr/>
+        </p:nvSpPr>
+        <p:spPr>
+          <a:xfrm>
+            <a:off x="3542866" y="2004291"/>
+            <a:ext cx="2364509" cy="3953165"/>
+          </a:xfrm>
+          <a:prstGeom prst="roundRect">
+            <a:avLst/>
+          </a:prstGeom>
+          <a:solidFill>
+            <a:srgbClr val="2A9D8F"/>
+          </a:solidFill>
+        </p:spPr>
+        <p:style>
+          <a:lnRef idx="1">
+            <a:schemeClr val="accent3"/>
+          </a:lnRef>
+          <a:fillRef idx="3">
+            <a:schemeClr val="accent3"/>
+          </a:fillRef>
+          <a:effectRef idx="2">
+            <a:schemeClr val="accent3"/>
+          </a:effectRef>
+          <a:fontRef idx="minor">
+            <a:schemeClr val="lt1"/>
+          </a:fontRef>
+        </p:style>
+        <p:txBody>
+          <a:bodyPr rtlCol="0" anchor="ctr"/>
+          <a:lstStyle/>
+          <a:p>
+            <a:pPr algn="ctr"/>
+            <a:endParaRPr lang="zh-CN" altLang="en-US" dirty="0">
+              <a:solidFill>
+                <a:schemeClr val="dk1"/>
+              </a:solidFill>
+            </a:endParaRPr>
+          </a:p>
+        </p:txBody>
+      </p:sp>
+      <p:sp>
+        <p:nvSpPr>
+          <p:cNvPr id="47" name="矩形: 圆角 46">
+            <a:extLst>
+              <a:ext uri="{FF2B5EF4-FFF2-40B4-BE49-F238E27FC236}">
+                <a16:creationId xmlns:a16="http://schemas.microsoft.com/office/drawing/2014/main" id="{B74F5063-C211-43E8-99A4-6D43FCD251D3}"/>
+              </a:ext>
+            </a:extLst>
+          </p:cNvPr>
+          <p:cNvSpPr/>
+          <p:nvPr/>
+        </p:nvSpPr>
+        <p:spPr>
+          <a:xfrm>
+            <a:off x="3816493" y="2332182"/>
+            <a:ext cx="1910052" cy="406400"/>
+          </a:xfrm>
+          <a:prstGeom prst="roundRect">
+            <a:avLst/>
+          </a:prstGeom>
+          <a:solidFill>
+            <a:schemeClr val="accent1">
+              <a:lumMod val="50000"/>
+            </a:schemeClr>
+          </a:solidFill>
+        </p:spPr>
+        <p:style>
+          <a:lnRef idx="2">
+            <a:schemeClr val="accent3">
+              <a:shade val="50000"/>
+            </a:schemeClr>
+          </a:lnRef>
+          <a:fillRef idx="1">
+            <a:schemeClr val="accent3"/>
+          </a:fillRef>
+          <a:effectRef idx="0">
+            <a:schemeClr val="accent3"/>
+          </a:effectRef>
+          <a:fontRef idx="minor">
+            <a:schemeClr val="lt1"/>
+          </a:fontRef>
+        </p:style>
+        <p:txBody>
+          <a:bodyPr rtlCol="0" anchor="ctr"/>
+          <a:lstStyle/>
+          <a:p>
+            <a:pPr algn="ctr"/>
             <a:r>
               <a:rPr lang="en-US" altLang="zh-CN" dirty="0"/>
-              <a:t>	</a:t>
-            </a:r>
-            <a:r>
-              <a:rPr lang="zh-CN" altLang="en-US" dirty="0"/>
-              <a:t>主要将缓冲池中数据刷回磁盘（合并插入缓冲、刷新日志缓冲）</a:t>
-            </a:r>
-            <a:endParaRPr lang="en-US" altLang="zh-CN" dirty="0"/>
-          </a:p>
-          <a:p>
-            <a:pPr marL="285750" indent="-285750">
-              <a:lnSpc>
-                <a:spcPct val="200000"/>
-              </a:lnSpc>
-              <a:buFont typeface="Wingdings" panose="05000000000000000000" pitchFamily="2" charset="2"/>
-              <a:buChar char="l"/>
-            </a:pPr>
+              <a:t>Change Buffer</a:t>
+            </a:r>
+            <a:endParaRPr lang="zh-CN" altLang="en-US" dirty="0"/>
+          </a:p>
+        </p:txBody>
+      </p:sp>
+      <p:sp>
+        <p:nvSpPr>
+          <p:cNvPr id="48" name="矩形: 圆角 47">
+            <a:extLst>
+              <a:ext uri="{FF2B5EF4-FFF2-40B4-BE49-F238E27FC236}">
+                <a16:creationId xmlns:a16="http://schemas.microsoft.com/office/drawing/2014/main" id="{6D6A5645-84A9-4629-9F6A-1E76C03E4C1F}"/>
+              </a:ext>
+            </a:extLst>
+          </p:cNvPr>
+          <p:cNvSpPr/>
+          <p:nvPr/>
+        </p:nvSpPr>
+        <p:spPr>
+          <a:xfrm>
+            <a:off x="3850553" y="2932545"/>
+            <a:ext cx="1875992" cy="2794001"/>
+          </a:xfrm>
+          <a:prstGeom prst="roundRect">
+            <a:avLst/>
+          </a:prstGeom>
+          <a:solidFill>
+            <a:srgbClr val="E76F51"/>
+          </a:solidFill>
+        </p:spPr>
+        <p:style>
+          <a:lnRef idx="2">
+            <a:schemeClr val="accent4">
+              <a:shade val="50000"/>
+            </a:schemeClr>
+          </a:lnRef>
+          <a:fillRef idx="1">
+            <a:schemeClr val="accent4"/>
+          </a:fillRef>
+          <a:effectRef idx="0">
+            <a:schemeClr val="accent4"/>
+          </a:effectRef>
+          <a:fontRef idx="minor">
+            <a:schemeClr val="lt1"/>
+          </a:fontRef>
+        </p:style>
+        <p:txBody>
+          <a:bodyPr rtlCol="0" anchor="ctr"/>
+          <a:lstStyle/>
+          <a:p>
+            <a:r>
+              <a:rPr lang="zh-CN" altLang="en-US" dirty="0">
+                <a:solidFill>
+                  <a:schemeClr val="tx1"/>
+                </a:solidFill>
+                <a:latin typeface="-apple-system"/>
+              </a:rPr>
+              <a:t>避免每次增删改都进行</a:t>
+            </a:r>
+            <a:r>
+              <a:rPr lang="en-US" altLang="zh-CN" dirty="0">
+                <a:solidFill>
+                  <a:schemeClr val="tx1"/>
+                </a:solidFill>
+                <a:latin typeface="-apple-system"/>
+              </a:rPr>
+              <a:t>IO</a:t>
+            </a:r>
+            <a:r>
+              <a:rPr lang="zh-CN" altLang="en-US" dirty="0">
+                <a:solidFill>
+                  <a:schemeClr val="tx1"/>
+                </a:solidFill>
+                <a:latin typeface="-apple-system"/>
+              </a:rPr>
+              <a:t>操作，提升性能。</a:t>
+            </a:r>
+          </a:p>
+        </p:txBody>
+      </p:sp>
+      <p:sp>
+        <p:nvSpPr>
+          <p:cNvPr id="49" name="矩形: 圆角 48">
+            <a:extLst>
+              <a:ext uri="{FF2B5EF4-FFF2-40B4-BE49-F238E27FC236}">
+                <a16:creationId xmlns:a16="http://schemas.microsoft.com/office/drawing/2014/main" id="{A5E8D5AB-DCE0-45F3-A11A-CE310B0C2865}"/>
+              </a:ext>
+            </a:extLst>
+          </p:cNvPr>
+          <p:cNvSpPr/>
+          <p:nvPr/>
+        </p:nvSpPr>
+        <p:spPr>
+          <a:xfrm>
+            <a:off x="6406139" y="2004291"/>
+            <a:ext cx="2364509" cy="3953165"/>
+          </a:xfrm>
+          <a:prstGeom prst="roundRect">
+            <a:avLst/>
+          </a:prstGeom>
+          <a:solidFill>
+            <a:srgbClr val="E9C46A"/>
+          </a:solidFill>
+        </p:spPr>
+        <p:style>
+          <a:lnRef idx="1">
+            <a:schemeClr val="accent4"/>
+          </a:lnRef>
+          <a:fillRef idx="2">
+            <a:schemeClr val="accent4"/>
+          </a:fillRef>
+          <a:effectRef idx="1">
+            <a:schemeClr val="accent4"/>
+          </a:effectRef>
+          <a:fontRef idx="minor">
+            <a:schemeClr val="dk1"/>
+          </a:fontRef>
+        </p:style>
+        <p:txBody>
+          <a:bodyPr rtlCol="0" anchor="ctr"/>
+          <a:lstStyle/>
+          <a:p>
+            <a:pPr algn="ctr"/>
+            <a:endParaRPr lang="zh-CN" altLang="en-US">
+              <a:solidFill>
+                <a:schemeClr val="dk1"/>
+              </a:solidFill>
+            </a:endParaRPr>
+          </a:p>
+        </p:txBody>
+      </p:sp>
+      <p:sp>
+        <p:nvSpPr>
+          <p:cNvPr id="50" name="矩形: 圆角 49">
+            <a:extLst>
+              <a:ext uri="{FF2B5EF4-FFF2-40B4-BE49-F238E27FC236}">
+                <a16:creationId xmlns:a16="http://schemas.microsoft.com/office/drawing/2014/main" id="{FB69669E-F9FC-4931-83C3-4DACA22E2F16}"/>
+              </a:ext>
+            </a:extLst>
+          </p:cNvPr>
+          <p:cNvSpPr/>
+          <p:nvPr/>
+        </p:nvSpPr>
+        <p:spPr>
+          <a:xfrm>
+            <a:off x="6679766" y="2262909"/>
+            <a:ext cx="1804554" cy="475673"/>
+          </a:xfrm>
+          <a:prstGeom prst="roundRect">
+            <a:avLst/>
+          </a:prstGeom>
+          <a:solidFill>
+            <a:schemeClr val="accent1">
+              <a:lumMod val="50000"/>
+            </a:schemeClr>
+          </a:solidFill>
+        </p:spPr>
+        <p:style>
+          <a:lnRef idx="2">
+            <a:schemeClr val="accent3">
+              <a:shade val="50000"/>
+            </a:schemeClr>
+          </a:lnRef>
+          <a:fillRef idx="1">
+            <a:schemeClr val="accent3"/>
+          </a:fillRef>
+          <a:effectRef idx="0">
+            <a:schemeClr val="accent3"/>
+          </a:effectRef>
+          <a:fontRef idx="minor">
+            <a:schemeClr val="lt1"/>
+          </a:fontRef>
+        </p:style>
+        <p:txBody>
+          <a:bodyPr rtlCol="0" anchor="ctr"/>
+          <a:lstStyle/>
+          <a:p>
+            <a:pPr algn="ctr"/>
+            <a:r>
+              <a:rPr lang="en-US" altLang="zh-CN"/>
+              <a:t>Adaptive </a:t>
+            </a:r>
             <a:r>
               <a:rPr lang="en-US" altLang="zh-CN" dirty="0"/>
-              <a:t>IO Thread</a:t>
-            </a:r>
-            <a:endParaRPr lang="en-US" altLang="zh-CN" dirty="0"/>
-          </a:p>
-          <a:p>
-            <a:pPr>
-              <a:lnSpc>
-                <a:spcPct val="200000"/>
-              </a:lnSpc>
-            </a:pPr>
+              <a:t>Hash Index</a:t>
+            </a:r>
+            <a:endParaRPr lang="zh-CN" altLang="en-US" dirty="0"/>
+          </a:p>
+        </p:txBody>
+      </p:sp>
+      <p:sp>
+        <p:nvSpPr>
+          <p:cNvPr id="51" name="矩形: 圆角 50">
+            <a:extLst>
+              <a:ext uri="{FF2B5EF4-FFF2-40B4-BE49-F238E27FC236}">
+                <a16:creationId xmlns:a16="http://schemas.microsoft.com/office/drawing/2014/main" id="{9B75FF54-A181-4307-A6EF-C6C3BB2F97E5}"/>
+              </a:ext>
+            </a:extLst>
+          </p:cNvPr>
+          <p:cNvSpPr/>
+          <p:nvPr/>
+        </p:nvSpPr>
+        <p:spPr>
+          <a:xfrm>
+            <a:off x="6713826" y="2932545"/>
+            <a:ext cx="1736435" cy="2794001"/>
+          </a:xfrm>
+          <a:prstGeom prst="roundRect">
+            <a:avLst/>
+          </a:prstGeom>
+          <a:solidFill>
+            <a:srgbClr val="E76F51"/>
+          </a:solidFill>
+        </p:spPr>
+        <p:style>
+          <a:lnRef idx="2">
+            <a:schemeClr val="accent4">
+              <a:shade val="50000"/>
+            </a:schemeClr>
+          </a:lnRef>
+          <a:fillRef idx="1">
+            <a:schemeClr val="accent4"/>
+          </a:fillRef>
+          <a:effectRef idx="0">
+            <a:schemeClr val="accent4"/>
+          </a:effectRef>
+          <a:fontRef idx="minor">
+            <a:schemeClr val="lt1"/>
+          </a:fontRef>
+        </p:style>
+        <p:txBody>
+          <a:bodyPr rtlCol="0" anchor="ctr"/>
+          <a:lstStyle/>
+          <a:p>
+            <a:r>
+              <a:rPr lang="zh-CN" altLang="en-US" dirty="0">
+                <a:solidFill>
+                  <a:schemeClr val="tx1"/>
+                </a:solidFill>
+                <a:latin typeface="-apple-system"/>
+              </a:rPr>
+              <a:t>使用索引关键字的前缀构建哈希索引，提升查询速度。</a:t>
+            </a:r>
+          </a:p>
+        </p:txBody>
+      </p:sp>
+      <p:sp>
+        <p:nvSpPr>
+          <p:cNvPr id="52" name="矩形: 圆角 51">
+            <a:extLst>
+              <a:ext uri="{FF2B5EF4-FFF2-40B4-BE49-F238E27FC236}">
+                <a16:creationId xmlns:a16="http://schemas.microsoft.com/office/drawing/2014/main" id="{4278A82C-2CF2-4E0E-BBF3-86ADE0D946FA}"/>
+              </a:ext>
+            </a:extLst>
+          </p:cNvPr>
+          <p:cNvSpPr/>
+          <p:nvPr/>
+        </p:nvSpPr>
+        <p:spPr>
+          <a:xfrm>
+            <a:off x="9248053" y="2004291"/>
+            <a:ext cx="2364509" cy="3953165"/>
+          </a:xfrm>
+          <a:prstGeom prst="roundRect">
+            <a:avLst/>
+          </a:prstGeom>
+          <a:solidFill>
+            <a:srgbClr val="F4A261"/>
+          </a:solidFill>
+        </p:spPr>
+        <p:style>
+          <a:lnRef idx="1">
+            <a:schemeClr val="accent4"/>
+          </a:lnRef>
+          <a:fillRef idx="2">
+            <a:schemeClr val="accent4"/>
+          </a:fillRef>
+          <a:effectRef idx="1">
+            <a:schemeClr val="accent4"/>
+          </a:effectRef>
+          <a:fontRef idx="minor">
+            <a:schemeClr val="dk1"/>
+          </a:fontRef>
+        </p:style>
+        <p:txBody>
+          <a:bodyPr rtlCol="0" anchor="ctr"/>
+          <a:lstStyle/>
+          <a:p>
+            <a:pPr algn="ctr"/>
+            <a:endParaRPr lang="zh-CN" altLang="en-US">
+              <a:solidFill>
+                <a:schemeClr val="dk1"/>
+              </a:solidFill>
+            </a:endParaRPr>
+          </a:p>
+        </p:txBody>
+      </p:sp>
+      <p:sp>
+        <p:nvSpPr>
+          <p:cNvPr id="53" name="矩形: 圆角 52">
+            <a:extLst>
+              <a:ext uri="{FF2B5EF4-FFF2-40B4-BE49-F238E27FC236}">
+                <a16:creationId xmlns:a16="http://schemas.microsoft.com/office/drawing/2014/main" id="{72699233-FC95-4580-9393-49BF793979DB}"/>
+              </a:ext>
+            </a:extLst>
+          </p:cNvPr>
+          <p:cNvSpPr/>
+          <p:nvPr/>
+        </p:nvSpPr>
+        <p:spPr>
+          <a:xfrm>
+            <a:off x="9528030" y="2332182"/>
+            <a:ext cx="1804554" cy="406400"/>
+          </a:xfrm>
+          <a:prstGeom prst="roundRect">
+            <a:avLst/>
+          </a:prstGeom>
+          <a:solidFill>
+            <a:schemeClr val="accent1">
+              <a:lumMod val="50000"/>
+            </a:schemeClr>
+          </a:solidFill>
+        </p:spPr>
+        <p:style>
+          <a:lnRef idx="2">
+            <a:schemeClr val="accent3">
+              <a:shade val="50000"/>
+            </a:schemeClr>
+          </a:lnRef>
+          <a:fillRef idx="1">
+            <a:schemeClr val="accent3"/>
+          </a:fillRef>
+          <a:effectRef idx="0">
+            <a:schemeClr val="accent3"/>
+          </a:effectRef>
+          <a:fontRef idx="minor">
+            <a:schemeClr val="lt1"/>
+          </a:fontRef>
+        </p:style>
+        <p:txBody>
+          <a:bodyPr rtlCol="0" anchor="ctr"/>
+          <a:lstStyle/>
+          <a:p>
+            <a:pPr algn="ctr"/>
             <a:r>
               <a:rPr lang="en-US" altLang="zh-CN" dirty="0"/>
-              <a:t>	write</a:t>
-            </a:r>
-            <a:r>
-              <a:rPr lang="zh-CN" altLang="en-US" dirty="0"/>
-              <a:t>、</a:t>
-            </a:r>
-            <a:r>
-              <a:rPr lang="en-US" altLang="zh-CN" dirty="0"/>
-              <a:t>read</a:t>
-            </a:r>
-            <a:r>
-              <a:rPr lang="zh-CN" altLang="en-US" dirty="0"/>
-              <a:t>、</a:t>
-            </a:r>
-            <a:r>
-              <a:rPr lang="en-US" altLang="zh-CN" dirty="0"/>
-              <a:t>insert buffer</a:t>
-            </a:r>
-            <a:r>
-              <a:rPr lang="zh-CN" altLang="en-US" dirty="0"/>
-              <a:t>和</a:t>
-            </a:r>
-            <a:r>
-              <a:rPr lang="en-US" altLang="zh-CN" dirty="0"/>
-              <a:t>log IO thread</a:t>
-            </a:r>
-            <a:endParaRPr lang="en-US" altLang="zh-CN" dirty="0"/>
-          </a:p>
-          <a:p>
-            <a:pPr marL="285750" indent="-285750">
-              <a:lnSpc>
-                <a:spcPct val="200000"/>
-              </a:lnSpc>
-              <a:buFont typeface="Wingdings" panose="05000000000000000000" pitchFamily="2" charset="2"/>
-              <a:buChar char="l"/>
-            </a:pPr>
-            <a:r>
-              <a:rPr lang="en-US" altLang="zh-CN" dirty="0"/>
-              <a:t>Purge Thread</a:t>
-            </a:r>
-            <a:endParaRPr lang="en-US" altLang="zh-CN" dirty="0"/>
-          </a:p>
-          <a:p>
-            <a:pPr lvl="1">
-              <a:lnSpc>
-                <a:spcPct val="200000"/>
-              </a:lnSpc>
-            </a:pPr>
-            <a:r>
-              <a:rPr lang="zh-CN" altLang="en-US" dirty="0"/>
-              <a:t>事务提交后，回收已经使用的</a:t>
-            </a:r>
-            <a:r>
-              <a:rPr lang="en-US" altLang="zh-CN" dirty="0"/>
-              <a:t>undo</a:t>
-            </a:r>
-            <a:r>
-              <a:rPr lang="zh-CN" altLang="en-US" dirty="0"/>
-              <a:t>页</a:t>
-            </a:r>
-            <a:endParaRPr lang="en-US" altLang="zh-CN" dirty="0"/>
-          </a:p>
-          <a:p>
-            <a:pPr marL="285750" indent="-285750">
-              <a:lnSpc>
-                <a:spcPct val="200000"/>
-              </a:lnSpc>
-              <a:buFont typeface="Wingdings" panose="05000000000000000000" pitchFamily="2" charset="2"/>
-              <a:buChar char="l"/>
-            </a:pPr>
-            <a:r>
-              <a:rPr lang="en-US" altLang="zh-CN" dirty="0"/>
-              <a:t>Page Cleaner Thread</a:t>
-            </a:r>
-            <a:endParaRPr lang="en-US" altLang="zh-CN" dirty="0"/>
-          </a:p>
-          <a:p>
-            <a:pPr>
-              <a:lnSpc>
-                <a:spcPct val="200000"/>
-              </a:lnSpc>
-            </a:pPr>
-            <a:r>
-              <a:rPr lang="en-US" altLang="zh-CN" dirty="0"/>
-              <a:t>	</a:t>
-            </a:r>
-            <a:r>
-              <a:rPr lang="zh-CN" altLang="en-US" dirty="0"/>
-              <a:t>脏页的刷新</a:t>
+              <a:t>Log Buffer</a:t>
             </a:r>
             <a:endParaRPr lang="zh-CN" altLang="en-US" dirty="0"/>
           </a:p>
         </p:txBody>
       </p:sp>
+      <p:sp>
+        <p:nvSpPr>
+          <p:cNvPr id="54" name="矩形: 圆角 53">
+            <a:extLst>
+              <a:ext uri="{FF2B5EF4-FFF2-40B4-BE49-F238E27FC236}">
+                <a16:creationId xmlns:a16="http://schemas.microsoft.com/office/drawing/2014/main" id="{04CBBF3F-661C-4A0B-95BB-4F27A6458AA2}"/>
+              </a:ext>
+            </a:extLst>
+          </p:cNvPr>
+          <p:cNvSpPr/>
+          <p:nvPr/>
+        </p:nvSpPr>
+        <p:spPr>
+          <a:xfrm>
+            <a:off x="9555740" y="2932545"/>
+            <a:ext cx="1736435" cy="2794001"/>
+          </a:xfrm>
+          <a:prstGeom prst="roundRect">
+            <a:avLst/>
+          </a:prstGeom>
+          <a:solidFill>
+            <a:srgbClr val="E76F51"/>
+          </a:solidFill>
+        </p:spPr>
+        <p:style>
+          <a:lnRef idx="2">
+            <a:schemeClr val="accent4">
+              <a:shade val="50000"/>
+            </a:schemeClr>
+          </a:lnRef>
+          <a:fillRef idx="1">
+            <a:schemeClr val="accent4"/>
+          </a:fillRef>
+          <a:effectRef idx="0">
+            <a:schemeClr val="accent4"/>
+          </a:effectRef>
+          <a:fontRef idx="minor">
+            <a:schemeClr val="lt1"/>
+          </a:fontRef>
+        </p:style>
+        <p:txBody>
+          <a:bodyPr rtlCol="0" anchor="ctr"/>
+          <a:lstStyle/>
+          <a:p>
+            <a:r>
+              <a:rPr lang="zh-CN" altLang="en-US" dirty="0">
+                <a:solidFill>
+                  <a:schemeClr val="tx1"/>
+                </a:solidFill>
+                <a:latin typeface="-apple-system"/>
+              </a:rPr>
+              <a:t>保存要写入磁盘上的日志文件的数据，缓冲区的内容定期刷新到磁盘。</a:t>
+            </a:r>
+          </a:p>
+        </p:txBody>
+      </p:sp>
     </p:spTree>
+    <p:extLst>
+      <p:ext uri="{BB962C8B-B14F-4D97-AF65-F5344CB8AC3E}">
+        <p14:creationId xmlns:p14="http://schemas.microsoft.com/office/powerpoint/2010/main" val="2563611770"/>
+      </p:ext>
+    </p:extLst>
   </p:cSld>
   <p:clrMapOvr>
     <a:masterClrMapping/>
@@ -8673,7 +8723,6 @@
               <a:rPr lang="zh-CN" altLang="en-US" dirty="0"/>
               <a:t>内存池架构</a:t>
             </a:r>
-            <a:endParaRPr lang="zh-CN" altLang="en-US" dirty="0"/>
           </a:p>
         </p:txBody>
       </p:sp>
@@ -8686,7 +8735,7 @@
           <p:nvPr/>
         </p:nvPicPr>
         <p:blipFill>
-          <a:blip r:embed="rId1"/>
+          <a:blip r:embed="rId2"/>
           <a:stretch>
             <a:fillRect/>
           </a:stretch>
@@ -8754,7 +8803,6 @@
               <a:rPr lang="zh-CN" altLang="en-US" dirty="0"/>
               <a:t>技术</a:t>
             </a:r>
-            <a:endParaRPr lang="zh-CN" altLang="en-US" dirty="0"/>
           </a:p>
         </p:txBody>
       </p:sp>
@@ -8819,7 +8867,6 @@
               <a:rPr lang="zh-CN" altLang="en-US" dirty="0"/>
               <a:t>重做日志不可用时，刷新脏页</a:t>
             </a:r>
-            <a:endParaRPr lang="zh-CN" altLang="en-US" dirty="0"/>
           </a:p>
         </p:txBody>
       </p:sp>
@@ -9095,6 +9142,8 @@
       </a:bgFillStyleLst>
     </a:fmtScheme>
   </a:themeElements>
+  <a:objectDefaults/>
+  <a:extraClrSchemeLst/>
   <a:extLst>
     <a:ext uri="{05A4C25C-085E-4340-85A3-A5531E510DB2}">
       <thm15:themeFamily xmlns:thm15="http://schemas.microsoft.com/office/thememl/2012/main" name="Office Theme" id="{62F939B6-93AF-4DB8-9C6B-D6C7DFDC589F}" vid="{4A3C46E8-61CC-4603-A589-7422A47A8E4A}"/>

--- a/02 软件开发/03 数据库/MySQL.pptx
+++ b/02 软件开发/03 数据库/MySQL.pptx
@@ -12,11 +12,13 @@
     <p:sldId id="260" r:id="rId6"/>
     <p:sldId id="268" r:id="rId7"/>
     <p:sldId id="269" r:id="rId8"/>
-    <p:sldId id="261" r:id="rId9"/>
-    <p:sldId id="264" r:id="rId10"/>
-    <p:sldId id="262" r:id="rId11"/>
-    <p:sldId id="263" r:id="rId12"/>
-    <p:sldId id="265" r:id="rId13"/>
+    <p:sldId id="270" r:id="rId9"/>
+    <p:sldId id="271" r:id="rId10"/>
+    <p:sldId id="261" r:id="rId11"/>
+    <p:sldId id="264" r:id="rId12"/>
+    <p:sldId id="262" r:id="rId13"/>
+    <p:sldId id="263" r:id="rId14"/>
+    <p:sldId id="265" r:id="rId15"/>
   </p:sldIdLst>
   <p:sldSz cx="12192000" cy="6858000"/>
   <p:notesSz cx="6858000" cy="9144000"/>
@@ -314,7 +316,7 @@
           <a:p>
             <a:fld id="{5C77D00A-0F7C-4815-83DC-2949FD3F69DF}" type="datetimeFigureOut">
               <a:rPr lang="zh-CN" altLang="en-US" smtClean="0"/>
-              <a:t>2021-01-04</a:t>
+              <a:t>2021-01-05</a:t>
             </a:fld>
             <a:endParaRPr lang="zh-CN" altLang="en-US"/>
           </a:p>
@@ -745,7 +747,7 @@
           <a:p>
             <a:fld id="{5C77D00A-0F7C-4815-83DC-2949FD3F69DF}" type="datetimeFigureOut">
               <a:rPr lang="zh-CN" altLang="en-US" smtClean="0"/>
-              <a:t>2021-01-04</a:t>
+              <a:t>2021-01-05</a:t>
             </a:fld>
             <a:endParaRPr lang="zh-CN" altLang="en-US"/>
           </a:p>
@@ -990,7 +992,7 @@
           <a:p>
             <a:fld id="{5C77D00A-0F7C-4815-83DC-2949FD3F69DF}" type="datetimeFigureOut">
               <a:rPr lang="zh-CN" altLang="en-US" smtClean="0"/>
-              <a:t>2021-01-04</a:t>
+              <a:t>2021-01-05</a:t>
             </a:fld>
             <a:endParaRPr lang="zh-CN" altLang="en-US"/>
           </a:p>
@@ -1293,7 +1295,7 @@
           <a:p>
             <a:fld id="{5C77D00A-0F7C-4815-83DC-2949FD3F69DF}" type="datetimeFigureOut">
               <a:rPr lang="zh-CN" altLang="en-US" smtClean="0"/>
-              <a:t>2021-01-04</a:t>
+              <a:t>2021-01-05</a:t>
             </a:fld>
             <a:endParaRPr lang="zh-CN" altLang="en-US"/>
           </a:p>
@@ -1606,7 +1608,7 @@
           <a:p>
             <a:fld id="{5C77D00A-0F7C-4815-83DC-2949FD3F69DF}" type="datetimeFigureOut">
               <a:rPr lang="zh-CN" altLang="en-US" smtClean="0"/>
-              <a:t>2021-01-04</a:t>
+              <a:t>2021-01-05</a:t>
             </a:fld>
             <a:endParaRPr lang="zh-CN" altLang="en-US"/>
           </a:p>
@@ -1903,7 +1905,7 @@
           <a:p>
             <a:fld id="{5C77D00A-0F7C-4815-83DC-2949FD3F69DF}" type="datetimeFigureOut">
               <a:rPr lang="zh-CN" altLang="en-US" smtClean="0"/>
-              <a:t>2021-01-04</a:t>
+              <a:t>2021-01-05</a:t>
             </a:fld>
             <a:endParaRPr lang="zh-CN" altLang="en-US"/>
           </a:p>
@@ -2265,7 +2267,7 @@
           <a:p>
             <a:fld id="{5C77D00A-0F7C-4815-83DC-2949FD3F69DF}" type="datetimeFigureOut">
               <a:rPr lang="zh-CN" altLang="en-US" smtClean="0"/>
-              <a:t>2021-01-04</a:t>
+              <a:t>2021-01-05</a:t>
             </a:fld>
             <a:endParaRPr lang="zh-CN" altLang="en-US"/>
           </a:p>
@@ -2434,7 +2436,7 @@
           <a:p>
             <a:fld id="{5C77D00A-0F7C-4815-83DC-2949FD3F69DF}" type="datetimeFigureOut">
               <a:rPr lang="zh-CN" altLang="en-US" smtClean="0"/>
-              <a:t>2021-01-04</a:t>
+              <a:t>2021-01-05</a:t>
             </a:fld>
             <a:endParaRPr lang="zh-CN" altLang="en-US"/>
           </a:p>
@@ -2609,7 +2611,7 @@
           <a:p>
             <a:fld id="{5C77D00A-0F7C-4815-83DC-2949FD3F69DF}" type="datetimeFigureOut">
               <a:rPr lang="zh-CN" altLang="en-US" smtClean="0"/>
-              <a:t>2021-01-04</a:t>
+              <a:t>2021-01-05</a:t>
             </a:fld>
             <a:endParaRPr lang="zh-CN" altLang="en-US"/>
           </a:p>
@@ -2774,7 +2776,7 @@
           <a:p>
             <a:fld id="{5C77D00A-0F7C-4815-83DC-2949FD3F69DF}" type="datetimeFigureOut">
               <a:rPr lang="zh-CN" altLang="en-US" smtClean="0"/>
-              <a:t>2021-01-04</a:t>
+              <a:t>2021-01-05</a:t>
             </a:fld>
             <a:endParaRPr lang="zh-CN" altLang="en-US"/>
           </a:p>
@@ -3019,7 +3021,7 @@
           <a:p>
             <a:fld id="{5C77D00A-0F7C-4815-83DC-2949FD3F69DF}" type="datetimeFigureOut">
               <a:rPr lang="zh-CN" altLang="en-US" smtClean="0"/>
-              <a:t>2021-01-04</a:t>
+              <a:t>2021-01-05</a:t>
             </a:fld>
             <a:endParaRPr lang="zh-CN" altLang="en-US"/>
           </a:p>
@@ -3250,7 +3252,7 @@
           <a:p>
             <a:fld id="{5C77D00A-0F7C-4815-83DC-2949FD3F69DF}" type="datetimeFigureOut">
               <a:rPr lang="zh-CN" altLang="en-US" smtClean="0"/>
-              <a:t>2021-01-04</a:t>
+              <a:t>2021-01-05</a:t>
             </a:fld>
             <a:endParaRPr lang="zh-CN" altLang="en-US"/>
           </a:p>
@@ -3627,7 +3629,7 @@
           <a:p>
             <a:fld id="{5C77D00A-0F7C-4815-83DC-2949FD3F69DF}" type="datetimeFigureOut">
               <a:rPr lang="zh-CN" altLang="en-US" smtClean="0"/>
-              <a:t>2021-01-04</a:t>
+              <a:t>2021-01-05</a:t>
             </a:fld>
             <a:endParaRPr lang="zh-CN" altLang="en-US"/>
           </a:p>
@@ -3740,7 +3742,7 @@
           <a:p>
             <a:fld id="{5C77D00A-0F7C-4815-83DC-2949FD3F69DF}" type="datetimeFigureOut">
               <a:rPr lang="zh-CN" altLang="en-US" smtClean="0"/>
-              <a:t>2021-01-04</a:t>
+              <a:t>2021-01-05</a:t>
             </a:fld>
             <a:endParaRPr lang="zh-CN" altLang="en-US"/>
           </a:p>
@@ -3830,7 +3832,7 @@
           <a:p>
             <a:fld id="{5C77D00A-0F7C-4815-83DC-2949FD3F69DF}" type="datetimeFigureOut">
               <a:rPr lang="zh-CN" altLang="en-US" smtClean="0"/>
-              <a:t>2021-01-04</a:t>
+              <a:t>2021-01-05</a:t>
             </a:fld>
             <a:endParaRPr lang="zh-CN" altLang="en-US"/>
           </a:p>
@@ -4080,7 +4082,7 @@
           <a:p>
             <a:fld id="{5C77D00A-0F7C-4815-83DC-2949FD3F69DF}" type="datetimeFigureOut">
               <a:rPr lang="zh-CN" altLang="en-US" smtClean="0"/>
-              <a:t>2021-01-04</a:t>
+              <a:t>2021-01-05</a:t>
             </a:fld>
             <a:endParaRPr lang="zh-CN" altLang="en-US"/>
           </a:p>
@@ -4358,7 +4360,7 @@
           <a:p>
             <a:fld id="{5C77D00A-0F7C-4815-83DC-2949FD3F69DF}" type="datetimeFigureOut">
               <a:rPr lang="zh-CN" altLang="en-US" smtClean="0"/>
-              <a:t>2021-01-04</a:t>
+              <a:t>2021-01-05</a:t>
             </a:fld>
             <a:endParaRPr lang="zh-CN" altLang="en-US"/>
           </a:p>
@@ -4759,7 +4761,7 @@
           <a:p>
             <a:fld id="{5C77D00A-0F7C-4815-83DC-2949FD3F69DF}" type="datetimeFigureOut">
               <a:rPr lang="zh-CN" altLang="en-US" smtClean="0"/>
-              <a:t>2021-01-04</a:t>
+              <a:t>2021-01-05</a:t>
             </a:fld>
             <a:endParaRPr lang="zh-CN" altLang="en-US"/>
           </a:p>
@@ -5383,7 +5385,7 @@
         <p:spPr>
           <a:xfrm>
             <a:off x="684212" y="685800"/>
-            <a:ext cx="8534400" cy="764309"/>
+            <a:ext cx="8534400" cy="801255"/>
           </a:xfrm>
         </p:spPr>
         <p:txBody>
@@ -5391,19 +5393,15 @@
           <a:lstStyle/>
           <a:p>
             <a:r>
-              <a:rPr lang="en-US" altLang="zh-CN" dirty="0"/>
-              <a:t>MySQL</a:t>
-            </a:r>
-            <a:r>
               <a:rPr lang="zh-CN" altLang="en-US" dirty="0"/>
-              <a:t>文件存储</a:t>
+              <a:t>内存池架构</a:t>
             </a:r>
           </a:p>
         </p:txBody>
       </p:sp>
       <p:pic>
         <p:nvPicPr>
-          <p:cNvPr id="17" name="图片 16"/>
+          <p:cNvPr id="5" name="图片 4"/>
           <p:cNvPicPr>
             <a:picLocks noChangeAspect="1"/>
           </p:cNvPicPr>
@@ -5417,8 +5415,8 @@
         </p:blipFill>
         <p:spPr>
           <a:xfrm>
-            <a:off x="2617168" y="1716977"/>
-            <a:ext cx="6957663" cy="4107536"/>
+            <a:off x="2163739" y="1943765"/>
+            <a:ext cx="7864522" cy="3284505"/>
           </a:xfrm>
           <a:prstGeom prst="rect">
             <a:avLst/>
@@ -5463,6 +5461,206 @@
         <p:spPr>
           <a:xfrm>
             <a:off x="684212" y="685800"/>
+            <a:ext cx="8534400" cy="875145"/>
+          </a:xfrm>
+        </p:spPr>
+        <p:txBody>
+          <a:bodyPr/>
+          <a:lstStyle/>
+          <a:p>
+            <a:r>
+              <a:rPr lang="en-US" altLang="zh-CN" dirty="0"/>
+              <a:t>Checkpoint</a:t>
+            </a:r>
+            <a:r>
+              <a:rPr lang="zh-CN" altLang="en-US" dirty="0"/>
+              <a:t>技术</a:t>
+            </a:r>
+          </a:p>
+        </p:txBody>
+      </p:sp>
+      <p:sp>
+        <p:nvSpPr>
+          <p:cNvPr id="4" name="文本框 3"/>
+          <p:cNvSpPr txBox="1"/>
+          <p:nvPr/>
+        </p:nvSpPr>
+        <p:spPr>
+          <a:xfrm>
+            <a:off x="1136073" y="1560945"/>
+            <a:ext cx="10224654" cy="2426626"/>
+          </a:xfrm>
+          <a:prstGeom prst="rect">
+            <a:avLst/>
+          </a:prstGeom>
+          <a:noFill/>
+        </p:spPr>
+        <p:txBody>
+          <a:bodyPr wrap="square" rtlCol="0">
+            <a:spAutoFit/>
+          </a:bodyPr>
+          <a:lstStyle/>
+          <a:p>
+            <a:pPr marL="285750" indent="-285750">
+              <a:lnSpc>
+                <a:spcPct val="300000"/>
+              </a:lnSpc>
+              <a:buFont typeface="Wingdings" panose="05000000000000000000" pitchFamily="2" charset="2"/>
+              <a:buChar char="u"/>
+            </a:pPr>
+            <a:r>
+              <a:rPr lang="zh-CN" altLang="en-US" dirty="0"/>
+              <a:t>缩短数据库的回复时间</a:t>
+            </a:r>
+            <a:endParaRPr lang="en-US" altLang="zh-CN" dirty="0"/>
+          </a:p>
+          <a:p>
+            <a:pPr marL="285750" indent="-285750">
+              <a:lnSpc>
+                <a:spcPct val="300000"/>
+              </a:lnSpc>
+              <a:buFont typeface="Wingdings" panose="05000000000000000000" pitchFamily="2" charset="2"/>
+              <a:buChar char="u"/>
+            </a:pPr>
+            <a:r>
+              <a:rPr lang="zh-CN" altLang="en-US" dirty="0"/>
+              <a:t>缓冲池不够用时，将脏页刷新到磁盘</a:t>
+            </a:r>
+            <a:endParaRPr lang="en-US" altLang="zh-CN" dirty="0"/>
+          </a:p>
+          <a:p>
+            <a:pPr marL="285750" indent="-285750">
+              <a:lnSpc>
+                <a:spcPct val="300000"/>
+              </a:lnSpc>
+              <a:buFont typeface="Wingdings" panose="05000000000000000000" pitchFamily="2" charset="2"/>
+              <a:buChar char="u"/>
+            </a:pPr>
+            <a:r>
+              <a:rPr lang="zh-CN" altLang="en-US" dirty="0"/>
+              <a:t>重做日志不可用时，刷新脏页</a:t>
+            </a:r>
+          </a:p>
+        </p:txBody>
+      </p:sp>
+    </p:spTree>
+  </p:cSld>
+  <p:clrMapOvr>
+    <a:masterClrMapping/>
+  </p:clrMapOvr>
+</p:sld>
+</file>
+
+<file path=ppt/slides/slide12.xml><?xml version="1.0" encoding="utf-8"?>
+<p:sld xmlns:a="http://schemas.openxmlformats.org/drawingml/2006/main" xmlns:r="http://schemas.openxmlformats.org/officeDocument/2006/relationships" xmlns:p="http://schemas.openxmlformats.org/presentationml/2006/main">
+  <p:cSld>
+    <p:spTree>
+      <p:nvGrpSpPr>
+        <p:cNvPr id="1" name=""/>
+        <p:cNvGrpSpPr/>
+        <p:nvPr/>
+      </p:nvGrpSpPr>
+      <p:grpSpPr>
+        <a:xfrm>
+          <a:off x="0" y="0"/>
+          <a:ext cx="0" cy="0"/>
+          <a:chOff x="0" y="0"/>
+          <a:chExt cx="0" cy="0"/>
+        </a:xfrm>
+      </p:grpSpPr>
+      <p:sp>
+        <p:nvSpPr>
+          <p:cNvPr id="3" name="内容占位符 2"/>
+          <p:cNvSpPr>
+            <a:spLocks noGrp="1"/>
+          </p:cNvSpPr>
+          <p:nvPr>
+            <p:ph idx="1"/>
+          </p:nvPr>
+        </p:nvSpPr>
+        <p:spPr>
+          <a:xfrm>
+            <a:off x="684212" y="685800"/>
+            <a:ext cx="8534400" cy="764309"/>
+          </a:xfrm>
+        </p:spPr>
+        <p:txBody>
+          <a:bodyPr/>
+          <a:lstStyle/>
+          <a:p>
+            <a:r>
+              <a:rPr lang="en-US" altLang="zh-CN" dirty="0"/>
+              <a:t>MySQL</a:t>
+            </a:r>
+            <a:r>
+              <a:rPr lang="zh-CN" altLang="en-US" dirty="0"/>
+              <a:t>文件存储</a:t>
+            </a:r>
+          </a:p>
+        </p:txBody>
+      </p:sp>
+      <p:pic>
+        <p:nvPicPr>
+          <p:cNvPr id="17" name="图片 16"/>
+          <p:cNvPicPr>
+            <a:picLocks noChangeAspect="1"/>
+          </p:cNvPicPr>
+          <p:nvPr/>
+        </p:nvPicPr>
+        <p:blipFill>
+          <a:blip r:embed="rId2"/>
+          <a:stretch>
+            <a:fillRect/>
+          </a:stretch>
+        </p:blipFill>
+        <p:spPr>
+          <a:xfrm>
+            <a:off x="2617168" y="1716977"/>
+            <a:ext cx="6957663" cy="4107536"/>
+          </a:xfrm>
+          <a:prstGeom prst="rect">
+            <a:avLst/>
+          </a:prstGeom>
+        </p:spPr>
+      </p:pic>
+    </p:spTree>
+  </p:cSld>
+  <p:clrMapOvr>
+    <a:masterClrMapping/>
+  </p:clrMapOvr>
+</p:sld>
+</file>
+
+<file path=ppt/slides/slide13.xml><?xml version="1.0" encoding="utf-8"?>
+<p:sld xmlns:a="http://schemas.openxmlformats.org/drawingml/2006/main" xmlns:r="http://schemas.openxmlformats.org/officeDocument/2006/relationships" xmlns:p="http://schemas.openxmlformats.org/presentationml/2006/main">
+  <p:cSld>
+    <p:spTree>
+      <p:nvGrpSpPr>
+        <p:cNvPr id="1" name=""/>
+        <p:cNvGrpSpPr/>
+        <p:nvPr/>
+      </p:nvGrpSpPr>
+      <p:grpSpPr>
+        <a:xfrm>
+          <a:off x="0" y="0"/>
+          <a:ext cx="0" cy="0"/>
+          <a:chOff x="0" y="0"/>
+          <a:chExt cx="0" cy="0"/>
+        </a:xfrm>
+      </p:grpSpPr>
+      <p:sp>
+        <p:nvSpPr>
+          <p:cNvPr id="3" name="内容占位符 2"/>
+          <p:cNvSpPr>
+            <a:spLocks noGrp="1"/>
+          </p:cNvSpPr>
+          <p:nvPr>
+            <p:ph idx="1"/>
+          </p:nvPr>
+        </p:nvSpPr>
+        <p:spPr>
+          <a:xfrm>
+            <a:off x="684212" y="685800"/>
             <a:ext cx="8534400" cy="831473"/>
           </a:xfrm>
         </p:spPr>
@@ -6284,7 +6482,7 @@
 </p:sld>
 </file>
 
-<file path=ppt/slides/slide12.xml><?xml version="1.0" encoding="utf-8"?>
+<file path=ppt/slides/slide14.xml><?xml version="1.0" encoding="utf-8"?>
 <p:sld xmlns:a="http://schemas.openxmlformats.org/drawingml/2006/main" xmlns:r="http://schemas.openxmlformats.org/officeDocument/2006/relationships" xmlns:p="http://schemas.openxmlformats.org/presentationml/2006/main">
   <p:cSld>
     <p:spTree>
@@ -7843,15 +8041,15 @@
       </p:sp>
       <p:pic>
         <p:nvPicPr>
-          <p:cNvPr id="1026" name="Picture 2">
+          <p:cNvPr id="5" name="图片 4">
             <a:extLst>
               <a:ext uri="{FF2B5EF4-FFF2-40B4-BE49-F238E27FC236}">
-                <a16:creationId xmlns:a16="http://schemas.microsoft.com/office/drawing/2014/main" id="{BAB29614-0C74-448D-BD3A-E887493723CF}"/>
+                <a16:creationId xmlns:a16="http://schemas.microsoft.com/office/drawing/2014/main" id="{584F2B60-0A64-44D3-B38C-8D80E13DD27C}"/>
               </a:ext>
             </a:extLst>
           </p:cNvPr>
           <p:cNvPicPr>
-            <a:picLocks noChangeAspect="1" noChangeArrowheads="1"/>
+            <a:picLocks noChangeAspect="1"/>
           </p:cNvPicPr>
           <p:nvPr/>
         </p:nvPicPr>
@@ -7863,29 +8061,18 @@
               </a:ext>
             </a:extLst>
           </a:blip>
-          <a:srcRect/>
           <a:stretch>
             <a:fillRect/>
           </a:stretch>
         </p:blipFill>
-        <p:spPr bwMode="auto">
+        <p:spPr>
           <a:xfrm>
-            <a:off x="2551112" y="1311564"/>
-            <a:ext cx="6667500" cy="5124450"/>
+            <a:off x="2684202" y="1311564"/>
+            <a:ext cx="6823595" cy="5341900"/>
           </a:xfrm>
           <a:prstGeom prst="rect">
             <a:avLst/>
           </a:prstGeom>
-          <a:noFill/>
-          <a:extLst>
-            <a:ext uri="{909E8E84-426E-40DD-AFC4-6F175D3DCCD1}">
-              <a14:hiddenFill xmlns:a14="http://schemas.microsoft.com/office/drawing/2010/main">
-                <a:solidFill>
-                  <a:srgbClr val="FFFFFF"/>
-                </a:solidFill>
-              </a14:hiddenFill>
-            </a:ext>
-          </a:extLst>
         </p:spPr>
       </p:pic>
     </p:spTree>
@@ -8699,9 +8886,62 @@
           <a:chExt cx="0" cy="0"/>
         </a:xfrm>
       </p:grpSpPr>
-      <p:sp>
-        <p:nvSpPr>
-          <p:cNvPr id="3" name="内容占位符 2"/>
+      <p:pic>
+        <p:nvPicPr>
+          <p:cNvPr id="1026" name="Picture 2">
+            <a:extLst>
+              <a:ext uri="{FF2B5EF4-FFF2-40B4-BE49-F238E27FC236}">
+                <a16:creationId xmlns:a16="http://schemas.microsoft.com/office/drawing/2014/main" id="{301B77E6-1189-4874-B6B0-C52D5DFEF0C5}"/>
+              </a:ext>
+            </a:extLst>
+          </p:cNvPr>
+          <p:cNvPicPr>
+            <a:picLocks noChangeAspect="1" noChangeArrowheads="1"/>
+          </p:cNvPicPr>
+          <p:nvPr/>
+        </p:nvPicPr>
+        <p:blipFill>
+          <a:blip r:embed="rId2">
+            <a:extLst>
+              <a:ext uri="{28A0092B-C50C-407E-A947-70E740481C1C}">
+                <a14:useLocalDpi xmlns:a14="http://schemas.microsoft.com/office/drawing/2010/main" val="0"/>
+              </a:ext>
+            </a:extLst>
+          </a:blip>
+          <a:srcRect/>
+          <a:stretch>
+            <a:fillRect/>
+          </a:stretch>
+        </p:blipFill>
+        <p:spPr bwMode="auto">
+          <a:xfrm>
+            <a:off x="3386282" y="837046"/>
+            <a:ext cx="5715000" cy="5867400"/>
+          </a:xfrm>
+          <a:prstGeom prst="rect">
+            <a:avLst/>
+          </a:prstGeom>
+          <a:noFill/>
+          <a:extLst>
+            <a:ext uri="{909E8E84-426E-40DD-AFC4-6F175D3DCCD1}">
+              <a14:hiddenFill xmlns:a14="http://schemas.microsoft.com/office/drawing/2010/main">
+                <a:solidFill>
+                  <a:srgbClr val="FFFFFF"/>
+                </a:solidFill>
+              </a14:hiddenFill>
+            </a:ext>
+          </a:extLst>
+        </p:spPr>
+      </p:pic>
+      <p:sp>
+        <p:nvSpPr>
+          <p:cNvPr id="5" name="内容占位符 2">
+            <a:extLst>
+              <a:ext uri="{FF2B5EF4-FFF2-40B4-BE49-F238E27FC236}">
+                <a16:creationId xmlns:a16="http://schemas.microsoft.com/office/drawing/2014/main" id="{45DE38DF-DB90-4559-AB8D-24A41F37A28A}"/>
+              </a:ext>
+            </a:extLst>
+          </p:cNvPr>
           <p:cNvSpPr>
             <a:spLocks noGrp="1"/>
           </p:cNvSpPr>
@@ -8720,37 +8960,19 @@
           <a:lstStyle/>
           <a:p>
             <a:r>
-              <a:rPr lang="zh-CN" altLang="en-US" dirty="0"/>
-              <a:t>内存池架构</a:t>
-            </a:r>
-          </a:p>
-        </p:txBody>
-      </p:sp>
-      <p:pic>
-        <p:nvPicPr>
-          <p:cNvPr id="5" name="图片 4"/>
-          <p:cNvPicPr>
-            <a:picLocks noChangeAspect="1"/>
-          </p:cNvPicPr>
-          <p:nvPr/>
-        </p:nvPicPr>
-        <p:blipFill>
-          <a:blip r:embed="rId2"/>
-          <a:stretch>
-            <a:fillRect/>
-          </a:stretch>
-        </p:blipFill>
-        <p:spPr>
-          <a:xfrm>
-            <a:off x="2163739" y="1943765"/>
-            <a:ext cx="7864522" cy="3284505"/>
-          </a:xfrm>
-          <a:prstGeom prst="rect">
-            <a:avLst/>
-          </a:prstGeom>
-        </p:spPr>
-      </p:pic>
+              <a:rPr lang="en-US" altLang="zh-CN" dirty="0"/>
+              <a:t>Buffer Pool</a:t>
+            </a:r>
+            <a:endParaRPr lang="zh-CN" altLang="en-US" dirty="0"/>
+          </a:p>
+        </p:txBody>
+      </p:sp>
     </p:spTree>
+    <p:extLst>
+      <p:ext uri="{BB962C8B-B14F-4D97-AF65-F5344CB8AC3E}">
+        <p14:creationId xmlns:p14="http://schemas.microsoft.com/office/powerpoint/2010/main" val="2574360151"/>
+      </p:ext>
+    </p:extLst>
   </p:cSld>
   <p:clrMapOvr>
     <a:masterClrMapping/>
@@ -8775,9 +8997,51 @@
           <a:chExt cx="0" cy="0"/>
         </a:xfrm>
       </p:grpSpPr>
-      <p:sp>
-        <p:nvSpPr>
-          <p:cNvPr id="3" name="内容占位符 2"/>
+      <p:pic>
+        <p:nvPicPr>
+          <p:cNvPr id="8" name="图片 7">
+            <a:extLst>
+              <a:ext uri="{FF2B5EF4-FFF2-40B4-BE49-F238E27FC236}">
+                <a16:creationId xmlns:a16="http://schemas.microsoft.com/office/drawing/2014/main" id="{9690CA9A-5C2B-440D-A38B-69F8E0DB4350}"/>
+              </a:ext>
+            </a:extLst>
+          </p:cNvPr>
+          <p:cNvPicPr>
+            <a:picLocks noChangeAspect="1"/>
+          </p:cNvPicPr>
+          <p:nvPr/>
+        </p:nvPicPr>
+        <p:blipFill>
+          <a:blip r:embed="rId2">
+            <a:extLst>
+              <a:ext uri="{28A0092B-C50C-407E-A947-70E740481C1C}">
+                <a14:useLocalDpi xmlns:a14="http://schemas.microsoft.com/office/drawing/2010/main" val="0"/>
+              </a:ext>
+            </a:extLst>
+          </a:blip>
+          <a:stretch>
+            <a:fillRect/>
+          </a:stretch>
+        </p:blipFill>
+        <p:spPr>
+          <a:xfrm>
+            <a:off x="2655236" y="1681018"/>
+            <a:ext cx="6881527" cy="3656110"/>
+          </a:xfrm>
+          <a:prstGeom prst="rect">
+            <a:avLst/>
+          </a:prstGeom>
+        </p:spPr>
+      </p:pic>
+      <p:sp>
+        <p:nvSpPr>
+          <p:cNvPr id="9" name="内容占位符 2">
+            <a:extLst>
+              <a:ext uri="{FF2B5EF4-FFF2-40B4-BE49-F238E27FC236}">
+                <a16:creationId xmlns:a16="http://schemas.microsoft.com/office/drawing/2014/main" id="{1810D47B-DDC9-412A-94E5-6BD2FDD636F9}"/>
+              </a:ext>
+            </a:extLst>
+          </p:cNvPr>
           <p:cNvSpPr>
             <a:spLocks noGrp="1"/>
           </p:cNvSpPr>
@@ -8788,7 +9052,7 @@
         <p:spPr>
           <a:xfrm>
             <a:off x="684212" y="685800"/>
-            <a:ext cx="8534400" cy="875145"/>
+            <a:ext cx="8534400" cy="801255"/>
           </a:xfrm>
         </p:spPr>
         <p:txBody>
@@ -8797,80 +9061,18 @@
           <a:p>
             <a:r>
               <a:rPr lang="en-US" altLang="zh-CN" dirty="0"/>
-              <a:t>Checkpoint</a:t>
-            </a:r>
-            <a:r>
-              <a:rPr lang="zh-CN" altLang="en-US" dirty="0"/>
-              <a:t>技术</a:t>
-            </a:r>
-          </a:p>
-        </p:txBody>
-      </p:sp>
-      <p:sp>
-        <p:nvSpPr>
-          <p:cNvPr id="4" name="文本框 3"/>
-          <p:cNvSpPr txBox="1"/>
-          <p:nvPr/>
-        </p:nvSpPr>
-        <p:spPr>
-          <a:xfrm>
-            <a:off x="1136073" y="1560945"/>
-            <a:ext cx="10224654" cy="2426626"/>
-          </a:xfrm>
-          <a:prstGeom prst="rect">
-            <a:avLst/>
-          </a:prstGeom>
-          <a:noFill/>
-        </p:spPr>
-        <p:txBody>
-          <a:bodyPr wrap="square" rtlCol="0">
-            <a:spAutoFit/>
-          </a:bodyPr>
-          <a:lstStyle/>
-          <a:p>
-            <a:pPr marL="285750" indent="-285750">
-              <a:lnSpc>
-                <a:spcPct val="300000"/>
-              </a:lnSpc>
-              <a:buFont typeface="Wingdings" panose="05000000000000000000" pitchFamily="2" charset="2"/>
-              <a:buChar char="u"/>
-            </a:pPr>
-            <a:r>
-              <a:rPr lang="zh-CN" altLang="en-US" dirty="0"/>
-              <a:t>缩短数据库的回复时间</a:t>
-            </a:r>
-            <a:endParaRPr lang="en-US" altLang="zh-CN" dirty="0"/>
-          </a:p>
-          <a:p>
-            <a:pPr marL="285750" indent="-285750">
-              <a:lnSpc>
-                <a:spcPct val="300000"/>
-              </a:lnSpc>
-              <a:buFont typeface="Wingdings" panose="05000000000000000000" pitchFamily="2" charset="2"/>
-              <a:buChar char="u"/>
-            </a:pPr>
-            <a:r>
-              <a:rPr lang="zh-CN" altLang="en-US" dirty="0"/>
-              <a:t>缓冲池不够用时，将脏页刷新到磁盘</a:t>
-            </a:r>
-            <a:endParaRPr lang="en-US" altLang="zh-CN" dirty="0"/>
-          </a:p>
-          <a:p>
-            <a:pPr marL="285750" indent="-285750">
-              <a:lnSpc>
-                <a:spcPct val="300000"/>
-              </a:lnSpc>
-              <a:buFont typeface="Wingdings" panose="05000000000000000000" pitchFamily="2" charset="2"/>
-              <a:buChar char="u"/>
-            </a:pPr>
-            <a:r>
-              <a:rPr lang="zh-CN" altLang="en-US" dirty="0"/>
-              <a:t>重做日志不可用时，刷新脏页</a:t>
-            </a:r>
+              <a:t>Log Buffer</a:t>
+            </a:r>
+            <a:endParaRPr lang="zh-CN" altLang="en-US" dirty="0"/>
           </a:p>
         </p:txBody>
       </p:sp>
     </p:spTree>
+    <p:extLst>
+      <p:ext uri="{BB962C8B-B14F-4D97-AF65-F5344CB8AC3E}">
+        <p14:creationId xmlns:p14="http://schemas.microsoft.com/office/powerpoint/2010/main" val="1064818205"/>
+      </p:ext>
+    </p:extLst>
   </p:cSld>
   <p:clrMapOvr>
     <a:masterClrMapping/>

--- a/02 软件开发/03 数据库/MySQL.pptx
+++ b/02 软件开发/03 数据库/MySQL.pptx
@@ -5,20 +5,24 @@
     <p:sldMasterId id="2147483648" r:id="rId1"/>
   </p:sldMasterIdLst>
   <p:sldIdLst>
-    <p:sldId id="256" r:id="rId2"/>
-    <p:sldId id="257" r:id="rId3"/>
-    <p:sldId id="258" r:id="rId4"/>
-    <p:sldId id="259" r:id="rId5"/>
-    <p:sldId id="260" r:id="rId6"/>
-    <p:sldId id="268" r:id="rId7"/>
-    <p:sldId id="269" r:id="rId8"/>
-    <p:sldId id="270" r:id="rId9"/>
-    <p:sldId id="271" r:id="rId10"/>
-    <p:sldId id="261" r:id="rId11"/>
-    <p:sldId id="264" r:id="rId12"/>
-    <p:sldId id="262" r:id="rId13"/>
-    <p:sldId id="263" r:id="rId14"/>
-    <p:sldId id="265" r:id="rId15"/>
+    <p:sldId id="256" r:id="rId3"/>
+    <p:sldId id="257" r:id="rId4"/>
+    <p:sldId id="258" r:id="rId5"/>
+    <p:sldId id="259" r:id="rId6"/>
+    <p:sldId id="260" r:id="rId7"/>
+    <p:sldId id="268" r:id="rId8"/>
+    <p:sldId id="269" r:id="rId9"/>
+    <p:sldId id="270" r:id="rId10"/>
+    <p:sldId id="271" r:id="rId11"/>
+    <p:sldId id="277" r:id="rId12"/>
+    <p:sldId id="281" r:id="rId13"/>
+    <p:sldId id="279" r:id="rId14"/>
+    <p:sldId id="280" r:id="rId15"/>
+    <p:sldId id="261" r:id="rId16"/>
+    <p:sldId id="264" r:id="rId17"/>
+    <p:sldId id="262" r:id="rId18"/>
+    <p:sldId id="263" r:id="rId19"/>
+    <p:sldId id="265" r:id="rId20"/>
   </p:sldIdLst>
   <p:sldSz cx="12192000" cy="6858000"/>
   <p:notesSz cx="6858000" cy="9144000"/>
@@ -117,16 +121,11 @@
       </a:defRPr>
     </a:lvl9pPr>
   </p:defaultTextStyle>
-  <p:extLst>
-    <p:ext uri="{EFAFB233-063F-42B5-8137-9DF3F51BA10A}">
-      <p15:sldGuideLst xmlns:p15="http://schemas.microsoft.com/office/powerpoint/2012/main"/>
-    </p:ext>
-  </p:extLst>
 </p:presentation>
 </file>
 
 <file path=ppt/slideLayouts/slideLayout1.xml><?xml version="1.0" encoding="utf-8"?>
-<p:sldLayout xmlns:a="http://schemas.openxmlformats.org/drawingml/2006/main" xmlns:r="http://schemas.openxmlformats.org/officeDocument/2006/relationships" xmlns:p="http://schemas.openxmlformats.org/presentationml/2006/main" showMasterSp="0" type="title" preserve="1">
+<p:sldLayout xmlns:a="http://schemas.openxmlformats.org/drawingml/2006/main" xmlns:r="http://schemas.openxmlformats.org/officeDocument/2006/relationships" xmlns:p="http://schemas.openxmlformats.org/presentationml/2006/main" type="title" preserve="1" showMasterSp="0">
   <p:cSld name="标题幻灯片">
     <p:spTree>
       <p:nvGrpSpPr>
@@ -316,7 +315,6 @@
           <a:p>
             <a:fld id="{5C77D00A-0F7C-4815-83DC-2949FD3F69DF}" type="datetimeFigureOut">
               <a:rPr lang="zh-CN" altLang="en-US" smtClean="0"/>
-              <a:t>2021-01-05</a:t>
             </a:fld>
             <a:endParaRPr lang="zh-CN" altLang="en-US"/>
           </a:p>
@@ -358,7 +356,6 @@
           <a:p>
             <a:fld id="{816D8A3F-5E8F-4104-8DE2-7FE925F96389}" type="slidenum">
               <a:rPr lang="zh-CN" altLang="en-US" smtClean="0"/>
-              <a:t>‹#›</a:t>
             </a:fld>
             <a:endParaRPr lang="zh-CN" altLang="en-US"/>
           </a:p>
@@ -727,6 +724,7 @@
               <a:rPr lang="zh-CN" altLang="en-US"/>
               <a:t>单击此处编辑母版文本样式</a:t>
             </a:r>
+            <a:endParaRPr lang="zh-CN" altLang="en-US"/>
           </a:p>
         </p:txBody>
       </p:sp>
@@ -747,7 +745,6 @@
           <a:p>
             <a:fld id="{5C77D00A-0F7C-4815-83DC-2949FD3F69DF}" type="datetimeFigureOut">
               <a:rPr lang="zh-CN" altLang="en-US" smtClean="0"/>
-              <a:t>2021-01-05</a:t>
             </a:fld>
             <a:endParaRPr lang="zh-CN" altLang="en-US"/>
           </a:p>
@@ -789,7 +786,6 @@
           <a:p>
             <a:fld id="{816D8A3F-5E8F-4104-8DE2-7FE925F96389}" type="slidenum">
               <a:rPr lang="zh-CN" altLang="en-US" smtClean="0"/>
-              <a:t>‹#›</a:t>
             </a:fld>
             <a:endParaRPr lang="zh-CN" altLang="en-US"/>
           </a:p>
@@ -972,6 +968,7 @@
               <a:rPr lang="zh-CN" altLang="en-US"/>
               <a:t>单击此处编辑母版文本样式</a:t>
             </a:r>
+            <a:endParaRPr lang="zh-CN" altLang="en-US"/>
           </a:p>
         </p:txBody>
       </p:sp>
@@ -992,7 +989,6 @@
           <a:p>
             <a:fld id="{5C77D00A-0F7C-4815-83DC-2949FD3F69DF}" type="datetimeFigureOut">
               <a:rPr lang="zh-CN" altLang="en-US" smtClean="0"/>
-              <a:t>2021-01-05</a:t>
             </a:fld>
             <a:endParaRPr lang="zh-CN" altLang="en-US"/>
           </a:p>
@@ -1034,7 +1030,6 @@
           <a:p>
             <a:fld id="{816D8A3F-5E8F-4104-8DE2-7FE925F96389}" type="slidenum">
               <a:rPr lang="zh-CN" altLang="en-US" smtClean="0"/>
-              <a:t>‹#›</a:t>
             </a:fld>
             <a:endParaRPr lang="zh-CN" altLang="en-US"/>
           </a:p>
@@ -1154,6 +1149,7 @@
               <a:rPr lang="zh-CN" altLang="en-US"/>
               <a:t>单击此处编辑母版文本样式</a:t>
             </a:r>
+            <a:endParaRPr lang="zh-CN" altLang="en-US"/>
           </a:p>
         </p:txBody>
       </p:sp>
@@ -1275,6 +1271,7 @@
               <a:rPr lang="zh-CN" altLang="en-US"/>
               <a:t>单击此处编辑母版文本样式</a:t>
             </a:r>
+            <a:endParaRPr lang="zh-CN" altLang="en-US"/>
           </a:p>
         </p:txBody>
       </p:sp>
@@ -1295,7 +1292,6 @@
           <a:p>
             <a:fld id="{5C77D00A-0F7C-4815-83DC-2949FD3F69DF}" type="datetimeFigureOut">
               <a:rPr lang="zh-CN" altLang="en-US" smtClean="0"/>
-              <a:t>2021-01-05</a:t>
             </a:fld>
             <a:endParaRPr lang="zh-CN" altLang="en-US"/>
           </a:p>
@@ -1337,7 +1333,6 @@
           <a:p>
             <a:fld id="{816D8A3F-5E8F-4104-8DE2-7FE925F96389}" type="slidenum">
               <a:rPr lang="zh-CN" altLang="en-US" smtClean="0"/>
-              <a:t>‹#›</a:t>
             </a:fld>
             <a:endParaRPr lang="zh-CN" altLang="en-US"/>
           </a:p>
@@ -1374,6 +1369,12 @@
               </a:rPr>
               <a:t>“</a:t>
             </a:r>
+            <a:endParaRPr lang="en-US" sz="8000" dirty="0">
+              <a:solidFill>
+                <a:schemeClr val="tx1"/>
+              </a:solidFill>
+              <a:effectLst/>
+            </a:endParaRPr>
           </a:p>
         </p:txBody>
       </p:sp>
@@ -1408,6 +1409,12 @@
               </a:rPr>
               <a:t>”</a:t>
             </a:r>
+            <a:endParaRPr lang="en-US" sz="8000" dirty="0">
+              <a:solidFill>
+                <a:schemeClr val="tx1"/>
+              </a:solidFill>
+              <a:effectLst/>
+            </a:endParaRPr>
           </a:p>
         </p:txBody>
       </p:sp>
@@ -1588,6 +1595,7 @@
               <a:rPr lang="zh-CN" altLang="en-US"/>
               <a:t>单击此处编辑母版文本样式</a:t>
             </a:r>
+            <a:endParaRPr lang="zh-CN" altLang="en-US"/>
           </a:p>
         </p:txBody>
       </p:sp>
@@ -1608,7 +1616,6 @@
           <a:p>
             <a:fld id="{5C77D00A-0F7C-4815-83DC-2949FD3F69DF}" type="datetimeFigureOut">
               <a:rPr lang="zh-CN" altLang="en-US" smtClean="0"/>
-              <a:t>2021-01-05</a:t>
             </a:fld>
             <a:endParaRPr lang="zh-CN" altLang="en-US"/>
           </a:p>
@@ -1650,7 +1657,6 @@
           <a:p>
             <a:fld id="{816D8A3F-5E8F-4104-8DE2-7FE925F96389}" type="slidenum">
               <a:rPr lang="zh-CN" altLang="en-US" smtClean="0"/>
-              <a:t>‹#›</a:t>
             </a:fld>
             <a:endParaRPr lang="zh-CN" altLang="en-US"/>
           </a:p>
@@ -1764,6 +1770,7 @@
               <a:rPr lang="zh-CN" altLang="en-US"/>
               <a:t>单击此处编辑母版文本样式</a:t>
             </a:r>
+            <a:endParaRPr lang="zh-CN" altLang="en-US"/>
           </a:p>
         </p:txBody>
       </p:sp>
@@ -1885,6 +1892,7 @@
               <a:rPr lang="zh-CN" altLang="en-US"/>
               <a:t>单击此处编辑母版文本样式</a:t>
             </a:r>
+            <a:endParaRPr lang="zh-CN" altLang="en-US"/>
           </a:p>
         </p:txBody>
       </p:sp>
@@ -1905,7 +1913,6 @@
           <a:p>
             <a:fld id="{5C77D00A-0F7C-4815-83DC-2949FD3F69DF}" type="datetimeFigureOut">
               <a:rPr lang="zh-CN" altLang="en-US" smtClean="0"/>
-              <a:t>2021-01-05</a:t>
             </a:fld>
             <a:endParaRPr lang="zh-CN" altLang="en-US"/>
           </a:p>
@@ -1947,7 +1954,6 @@
           <a:p>
             <a:fld id="{816D8A3F-5E8F-4104-8DE2-7FE925F96389}" type="slidenum">
               <a:rPr lang="zh-CN" altLang="en-US" smtClean="0"/>
-              <a:t>‹#›</a:t>
             </a:fld>
             <a:endParaRPr lang="zh-CN" altLang="en-US"/>
           </a:p>
@@ -1984,6 +1990,12 @@
               </a:rPr>
               <a:t>“</a:t>
             </a:r>
+            <a:endParaRPr lang="en-US" sz="8000" dirty="0">
+              <a:solidFill>
+                <a:schemeClr val="tx1"/>
+              </a:solidFill>
+              <a:effectLst/>
+            </a:endParaRPr>
           </a:p>
         </p:txBody>
       </p:sp>
@@ -2018,6 +2030,12 @@
               </a:rPr>
               <a:t>”</a:t>
             </a:r>
+            <a:endParaRPr lang="en-US" sz="8000" dirty="0">
+              <a:solidFill>
+                <a:schemeClr val="tx1"/>
+              </a:solidFill>
+              <a:effectLst/>
+            </a:endParaRPr>
           </a:p>
         </p:txBody>
       </p:sp>
@@ -2126,6 +2144,7 @@
               <a:rPr lang="zh-CN" altLang="en-US"/>
               <a:t>单击此处编辑母版文本样式</a:t>
             </a:r>
+            <a:endParaRPr lang="zh-CN" altLang="en-US"/>
           </a:p>
         </p:txBody>
       </p:sp>
@@ -2247,6 +2266,7 @@
               <a:rPr lang="zh-CN" altLang="en-US"/>
               <a:t>单击此处编辑母版文本样式</a:t>
             </a:r>
+            <a:endParaRPr lang="zh-CN" altLang="en-US"/>
           </a:p>
         </p:txBody>
       </p:sp>
@@ -2267,7 +2287,6 @@
           <a:p>
             <a:fld id="{5C77D00A-0F7C-4815-83DC-2949FD3F69DF}" type="datetimeFigureOut">
               <a:rPr lang="zh-CN" altLang="en-US" smtClean="0"/>
-              <a:t>2021-01-05</a:t>
             </a:fld>
             <a:endParaRPr lang="zh-CN" altLang="en-US"/>
           </a:p>
@@ -2309,7 +2328,6 @@
           <a:p>
             <a:fld id="{816D8A3F-5E8F-4104-8DE2-7FE925F96389}" type="slidenum">
               <a:rPr lang="zh-CN" altLang="en-US" smtClean="0"/>
-              <a:t>‹#›</a:t>
             </a:fld>
             <a:endParaRPr lang="zh-CN" altLang="en-US"/>
           </a:p>
@@ -2387,6 +2405,7 @@
               <a:rPr lang="zh-CN" altLang="en-US"/>
               <a:t>单击此处编辑母版文本样式</a:t>
             </a:r>
+            <a:endParaRPr lang="zh-CN" altLang="en-US"/>
           </a:p>
           <a:p>
             <a:pPr lvl="1"/>
@@ -2394,6 +2413,7 @@
               <a:rPr lang="zh-CN" altLang="en-US"/>
               <a:t>二级</a:t>
             </a:r>
+            <a:endParaRPr lang="zh-CN" altLang="en-US"/>
           </a:p>
           <a:p>
             <a:pPr lvl="2"/>
@@ -2401,6 +2421,7 @@
               <a:rPr lang="zh-CN" altLang="en-US"/>
               <a:t>三级</a:t>
             </a:r>
+            <a:endParaRPr lang="zh-CN" altLang="en-US"/>
           </a:p>
           <a:p>
             <a:pPr lvl="3"/>
@@ -2408,6 +2429,7 @@
               <a:rPr lang="zh-CN" altLang="en-US"/>
               <a:t>四级</a:t>
             </a:r>
+            <a:endParaRPr lang="zh-CN" altLang="en-US"/>
           </a:p>
           <a:p>
             <a:pPr lvl="4"/>
@@ -2436,7 +2458,6 @@
           <a:p>
             <a:fld id="{5C77D00A-0F7C-4815-83DC-2949FD3F69DF}" type="datetimeFigureOut">
               <a:rPr lang="zh-CN" altLang="en-US" smtClean="0"/>
-              <a:t>2021-01-05</a:t>
             </a:fld>
             <a:endParaRPr lang="zh-CN" altLang="en-US"/>
           </a:p>
@@ -2478,7 +2499,6 @@
           <a:p>
             <a:fld id="{816D8A3F-5E8F-4104-8DE2-7FE925F96389}" type="slidenum">
               <a:rPr lang="zh-CN" altLang="en-US" smtClean="0"/>
-              <a:t>‹#›</a:t>
             </a:fld>
             <a:endParaRPr lang="zh-CN" altLang="en-US"/>
           </a:p>
@@ -2562,6 +2582,7 @@
               <a:rPr lang="zh-CN" altLang="en-US"/>
               <a:t>单击此处编辑母版文本样式</a:t>
             </a:r>
+            <a:endParaRPr lang="zh-CN" altLang="en-US"/>
           </a:p>
           <a:p>
             <a:pPr lvl="1"/>
@@ -2569,6 +2590,7 @@
               <a:rPr lang="zh-CN" altLang="en-US"/>
               <a:t>二级</a:t>
             </a:r>
+            <a:endParaRPr lang="zh-CN" altLang="en-US"/>
           </a:p>
           <a:p>
             <a:pPr lvl="2"/>
@@ -2576,6 +2598,7 @@
               <a:rPr lang="zh-CN" altLang="en-US"/>
               <a:t>三级</a:t>
             </a:r>
+            <a:endParaRPr lang="zh-CN" altLang="en-US"/>
           </a:p>
           <a:p>
             <a:pPr lvl="3"/>
@@ -2583,6 +2606,7 @@
               <a:rPr lang="zh-CN" altLang="en-US"/>
               <a:t>四级</a:t>
             </a:r>
+            <a:endParaRPr lang="zh-CN" altLang="en-US"/>
           </a:p>
           <a:p>
             <a:pPr lvl="4"/>
@@ -2611,7 +2635,6 @@
           <a:p>
             <a:fld id="{5C77D00A-0F7C-4815-83DC-2949FD3F69DF}" type="datetimeFigureOut">
               <a:rPr lang="zh-CN" altLang="en-US" smtClean="0"/>
-              <a:t>2021-01-05</a:t>
             </a:fld>
             <a:endParaRPr lang="zh-CN" altLang="en-US"/>
           </a:p>
@@ -2653,7 +2676,6 @@
           <a:p>
             <a:fld id="{816D8A3F-5E8F-4104-8DE2-7FE925F96389}" type="slidenum">
               <a:rPr lang="zh-CN" altLang="en-US" smtClean="0"/>
-              <a:t>‹#›</a:t>
             </a:fld>
             <a:endParaRPr lang="zh-CN" altLang="en-US"/>
           </a:p>
@@ -2727,6 +2749,7 @@
               <a:rPr lang="zh-CN" altLang="en-US"/>
               <a:t>单击此处编辑母版文本样式</a:t>
             </a:r>
+            <a:endParaRPr lang="zh-CN" altLang="en-US"/>
           </a:p>
           <a:p>
             <a:pPr lvl="1"/>
@@ -2734,6 +2757,7 @@
               <a:rPr lang="zh-CN" altLang="en-US"/>
               <a:t>二级</a:t>
             </a:r>
+            <a:endParaRPr lang="zh-CN" altLang="en-US"/>
           </a:p>
           <a:p>
             <a:pPr lvl="2"/>
@@ -2741,6 +2765,7 @@
               <a:rPr lang="zh-CN" altLang="en-US"/>
               <a:t>三级</a:t>
             </a:r>
+            <a:endParaRPr lang="zh-CN" altLang="en-US"/>
           </a:p>
           <a:p>
             <a:pPr lvl="3"/>
@@ -2748,6 +2773,7 @@
               <a:rPr lang="zh-CN" altLang="en-US"/>
               <a:t>四级</a:t>
             </a:r>
+            <a:endParaRPr lang="zh-CN" altLang="en-US"/>
           </a:p>
           <a:p>
             <a:pPr lvl="4"/>
@@ -2776,7 +2802,6 @@
           <a:p>
             <a:fld id="{5C77D00A-0F7C-4815-83DC-2949FD3F69DF}" type="datetimeFigureOut">
               <a:rPr lang="zh-CN" altLang="en-US" smtClean="0"/>
-              <a:t>2021-01-05</a:t>
             </a:fld>
             <a:endParaRPr lang="zh-CN" altLang="en-US"/>
           </a:p>
@@ -2818,7 +2843,6 @@
           <a:p>
             <a:fld id="{816D8A3F-5E8F-4104-8DE2-7FE925F96389}" type="slidenum">
               <a:rPr lang="zh-CN" altLang="en-US" smtClean="0"/>
-              <a:t>‹#›</a:t>
             </a:fld>
             <a:endParaRPr lang="zh-CN" altLang="en-US"/>
           </a:p>
@@ -3001,6 +3025,7 @@
               <a:rPr lang="zh-CN" altLang="en-US"/>
               <a:t>单击此处编辑母版文本样式</a:t>
             </a:r>
+            <a:endParaRPr lang="zh-CN" altLang="en-US"/>
           </a:p>
         </p:txBody>
       </p:sp>
@@ -3021,7 +3046,6 @@
           <a:p>
             <a:fld id="{5C77D00A-0F7C-4815-83DC-2949FD3F69DF}" type="datetimeFigureOut">
               <a:rPr lang="zh-CN" altLang="en-US" smtClean="0"/>
-              <a:t>2021-01-05</a:t>
             </a:fld>
             <a:endParaRPr lang="zh-CN" altLang="en-US"/>
           </a:p>
@@ -3063,7 +3087,6 @@
           <a:p>
             <a:fld id="{816D8A3F-5E8F-4104-8DE2-7FE925F96389}" type="slidenum">
               <a:rPr lang="zh-CN" altLang="en-US" smtClean="0"/>
-              <a:t>‹#›</a:t>
             </a:fld>
             <a:endParaRPr lang="zh-CN" altLang="en-US"/>
           </a:p>
@@ -3144,6 +3167,7 @@
               <a:rPr lang="zh-CN" altLang="en-US"/>
               <a:t>单击此处编辑母版文本样式</a:t>
             </a:r>
+            <a:endParaRPr lang="zh-CN" altLang="en-US"/>
           </a:p>
           <a:p>
             <a:pPr lvl="1"/>
@@ -3151,6 +3175,7 @@
               <a:rPr lang="zh-CN" altLang="en-US"/>
               <a:t>二级</a:t>
             </a:r>
+            <a:endParaRPr lang="zh-CN" altLang="en-US"/>
           </a:p>
           <a:p>
             <a:pPr lvl="2"/>
@@ -3158,6 +3183,7 @@
               <a:rPr lang="zh-CN" altLang="en-US"/>
               <a:t>三级</a:t>
             </a:r>
+            <a:endParaRPr lang="zh-CN" altLang="en-US"/>
           </a:p>
           <a:p>
             <a:pPr lvl="3"/>
@@ -3165,6 +3191,7 @@
               <a:rPr lang="zh-CN" altLang="en-US"/>
               <a:t>四级</a:t>
             </a:r>
+            <a:endParaRPr lang="zh-CN" altLang="en-US"/>
           </a:p>
           <a:p>
             <a:pPr lvl="4"/>
@@ -3203,6 +3230,7 @@
               <a:rPr lang="zh-CN" altLang="en-US"/>
               <a:t>单击此处编辑母版文本样式</a:t>
             </a:r>
+            <a:endParaRPr lang="zh-CN" altLang="en-US"/>
           </a:p>
           <a:p>
             <a:pPr lvl="1"/>
@@ -3210,6 +3238,7 @@
               <a:rPr lang="zh-CN" altLang="en-US"/>
               <a:t>二级</a:t>
             </a:r>
+            <a:endParaRPr lang="zh-CN" altLang="en-US"/>
           </a:p>
           <a:p>
             <a:pPr lvl="2"/>
@@ -3217,6 +3246,7 @@
               <a:rPr lang="zh-CN" altLang="en-US"/>
               <a:t>三级</a:t>
             </a:r>
+            <a:endParaRPr lang="zh-CN" altLang="en-US"/>
           </a:p>
           <a:p>
             <a:pPr lvl="3"/>
@@ -3224,6 +3254,7 @@
               <a:rPr lang="zh-CN" altLang="en-US"/>
               <a:t>四级</a:t>
             </a:r>
+            <a:endParaRPr lang="zh-CN" altLang="en-US"/>
           </a:p>
           <a:p>
             <a:pPr lvl="4"/>
@@ -3252,7 +3283,6 @@
           <a:p>
             <a:fld id="{5C77D00A-0F7C-4815-83DC-2949FD3F69DF}" type="datetimeFigureOut">
               <a:rPr lang="zh-CN" altLang="en-US" smtClean="0"/>
-              <a:t>2021-01-05</a:t>
             </a:fld>
             <a:endParaRPr lang="zh-CN" altLang="en-US"/>
           </a:p>
@@ -3294,7 +3324,6 @@
           <a:p>
             <a:fld id="{816D8A3F-5E8F-4104-8DE2-7FE925F96389}" type="slidenum">
               <a:rPr lang="zh-CN" altLang="en-US" smtClean="0"/>
-              <a:t>‹#›</a:t>
             </a:fld>
             <a:endParaRPr lang="zh-CN" altLang="en-US"/>
           </a:p>
@@ -3420,6 +3449,7 @@
               <a:rPr lang="zh-CN" altLang="en-US"/>
               <a:t>单击此处编辑母版文本样式</a:t>
             </a:r>
+            <a:endParaRPr lang="zh-CN" altLang="en-US"/>
           </a:p>
         </p:txBody>
       </p:sp>
@@ -3450,6 +3480,7 @@
               <a:rPr lang="zh-CN" altLang="en-US"/>
               <a:t>单击此处编辑母版文本样式</a:t>
             </a:r>
+            <a:endParaRPr lang="zh-CN" altLang="en-US"/>
           </a:p>
           <a:p>
             <a:pPr lvl="1"/>
@@ -3457,6 +3488,7 @@
               <a:rPr lang="zh-CN" altLang="en-US"/>
               <a:t>二级</a:t>
             </a:r>
+            <a:endParaRPr lang="zh-CN" altLang="en-US"/>
           </a:p>
           <a:p>
             <a:pPr lvl="2"/>
@@ -3464,6 +3496,7 @@
               <a:rPr lang="zh-CN" altLang="en-US"/>
               <a:t>三级</a:t>
             </a:r>
+            <a:endParaRPr lang="zh-CN" altLang="en-US"/>
           </a:p>
           <a:p>
             <a:pPr lvl="3"/>
@@ -3471,6 +3504,7 @@
               <a:rPr lang="zh-CN" altLang="en-US"/>
               <a:t>四级</a:t>
             </a:r>
+            <a:endParaRPr lang="zh-CN" altLang="en-US"/>
           </a:p>
           <a:p>
             <a:pPr lvl="4"/>
@@ -3550,6 +3584,7 @@
               <a:rPr lang="zh-CN" altLang="en-US"/>
               <a:t>单击此处编辑母版文本样式</a:t>
             </a:r>
+            <a:endParaRPr lang="zh-CN" altLang="en-US"/>
           </a:p>
         </p:txBody>
       </p:sp>
@@ -3580,6 +3615,7 @@
               <a:rPr lang="zh-CN" altLang="en-US"/>
               <a:t>单击此处编辑母版文本样式</a:t>
             </a:r>
+            <a:endParaRPr lang="zh-CN" altLang="en-US"/>
           </a:p>
           <a:p>
             <a:pPr lvl="1"/>
@@ -3587,6 +3623,7 @@
               <a:rPr lang="zh-CN" altLang="en-US"/>
               <a:t>二级</a:t>
             </a:r>
+            <a:endParaRPr lang="zh-CN" altLang="en-US"/>
           </a:p>
           <a:p>
             <a:pPr lvl="2"/>
@@ -3594,6 +3631,7 @@
               <a:rPr lang="zh-CN" altLang="en-US"/>
               <a:t>三级</a:t>
             </a:r>
+            <a:endParaRPr lang="zh-CN" altLang="en-US"/>
           </a:p>
           <a:p>
             <a:pPr lvl="3"/>
@@ -3601,6 +3639,7 @@
               <a:rPr lang="zh-CN" altLang="en-US"/>
               <a:t>四级</a:t>
             </a:r>
+            <a:endParaRPr lang="zh-CN" altLang="en-US"/>
           </a:p>
           <a:p>
             <a:pPr lvl="4"/>
@@ -3629,7 +3668,6 @@
           <a:p>
             <a:fld id="{5C77D00A-0F7C-4815-83DC-2949FD3F69DF}" type="datetimeFigureOut">
               <a:rPr lang="zh-CN" altLang="en-US" smtClean="0"/>
-              <a:t>2021-01-05</a:t>
             </a:fld>
             <a:endParaRPr lang="zh-CN" altLang="en-US"/>
           </a:p>
@@ -3671,7 +3709,6 @@
           <a:p>
             <a:fld id="{816D8A3F-5E8F-4104-8DE2-7FE925F96389}" type="slidenum">
               <a:rPr lang="zh-CN" altLang="en-US" smtClean="0"/>
-              <a:t>‹#›</a:t>
             </a:fld>
             <a:endParaRPr lang="zh-CN" altLang="en-US"/>
           </a:p>
@@ -3742,7 +3779,6 @@
           <a:p>
             <a:fld id="{5C77D00A-0F7C-4815-83DC-2949FD3F69DF}" type="datetimeFigureOut">
               <a:rPr lang="zh-CN" altLang="en-US" smtClean="0"/>
-              <a:t>2021-01-05</a:t>
             </a:fld>
             <a:endParaRPr lang="zh-CN" altLang="en-US"/>
           </a:p>
@@ -3784,7 +3820,6 @@
           <a:p>
             <a:fld id="{816D8A3F-5E8F-4104-8DE2-7FE925F96389}" type="slidenum">
               <a:rPr lang="zh-CN" altLang="en-US" smtClean="0"/>
-              <a:t>‹#›</a:t>
             </a:fld>
             <a:endParaRPr lang="zh-CN" altLang="en-US"/>
           </a:p>
@@ -3832,7 +3867,6 @@
           <a:p>
             <a:fld id="{5C77D00A-0F7C-4815-83DC-2949FD3F69DF}" type="datetimeFigureOut">
               <a:rPr lang="zh-CN" altLang="en-US" smtClean="0"/>
-              <a:t>2021-01-05</a:t>
             </a:fld>
             <a:endParaRPr lang="zh-CN" altLang="en-US"/>
           </a:p>
@@ -3874,7 +3908,6 @@
           <a:p>
             <a:fld id="{816D8A3F-5E8F-4104-8DE2-7FE925F96389}" type="slidenum">
               <a:rPr lang="zh-CN" altLang="en-US" smtClean="0"/>
-              <a:t>‹#›</a:t>
             </a:fld>
             <a:endParaRPr lang="zh-CN" altLang="en-US"/>
           </a:p>
@@ -3966,6 +3999,7 @@
               <a:rPr lang="zh-CN" altLang="en-US"/>
               <a:t>单击此处编辑母版文本样式</a:t>
             </a:r>
+            <a:endParaRPr lang="zh-CN" altLang="en-US"/>
           </a:p>
           <a:p>
             <a:pPr lvl="1"/>
@@ -3973,6 +4007,7 @@
               <a:rPr lang="zh-CN" altLang="en-US"/>
               <a:t>二级</a:t>
             </a:r>
+            <a:endParaRPr lang="zh-CN" altLang="en-US"/>
           </a:p>
           <a:p>
             <a:pPr lvl="2"/>
@@ -3980,6 +4015,7 @@
               <a:rPr lang="zh-CN" altLang="en-US"/>
               <a:t>三级</a:t>
             </a:r>
+            <a:endParaRPr lang="zh-CN" altLang="en-US"/>
           </a:p>
           <a:p>
             <a:pPr lvl="3"/>
@@ -3987,6 +4023,7 @@
               <a:rPr lang="zh-CN" altLang="en-US"/>
               <a:t>四级</a:t>
             </a:r>
+            <a:endParaRPr lang="zh-CN" altLang="en-US"/>
           </a:p>
           <a:p>
             <a:pPr lvl="4"/>
@@ -4062,6 +4099,7 @@
               <a:rPr lang="zh-CN" altLang="en-US"/>
               <a:t>单击此处编辑母版文本样式</a:t>
             </a:r>
+            <a:endParaRPr lang="zh-CN" altLang="en-US"/>
           </a:p>
         </p:txBody>
       </p:sp>
@@ -4082,7 +4120,6 @@
           <a:p>
             <a:fld id="{5C77D00A-0F7C-4815-83DC-2949FD3F69DF}" type="datetimeFigureOut">
               <a:rPr lang="zh-CN" altLang="en-US" smtClean="0"/>
-              <a:t>2021-01-05</a:t>
             </a:fld>
             <a:endParaRPr lang="zh-CN" altLang="en-US"/>
           </a:p>
@@ -4124,7 +4161,6 @@
           <a:p>
             <a:fld id="{816D8A3F-5E8F-4104-8DE2-7FE925F96389}" type="slidenum">
               <a:rPr lang="zh-CN" altLang="en-US" smtClean="0"/>
-              <a:t>‹#›</a:t>
             </a:fld>
             <a:endParaRPr lang="zh-CN" altLang="en-US"/>
           </a:p>
@@ -4340,6 +4376,7 @@
               <a:rPr lang="zh-CN" altLang="en-US"/>
               <a:t>单击此处编辑母版文本样式</a:t>
             </a:r>
+            <a:endParaRPr lang="zh-CN" altLang="en-US"/>
           </a:p>
         </p:txBody>
       </p:sp>
@@ -4360,7 +4397,6 @@
           <a:p>
             <a:fld id="{5C77D00A-0F7C-4815-83DC-2949FD3F69DF}" type="datetimeFigureOut">
               <a:rPr lang="zh-CN" altLang="en-US" smtClean="0"/>
-              <a:t>2021-01-05</a:t>
             </a:fld>
             <a:endParaRPr lang="zh-CN" altLang="en-US"/>
           </a:p>
@@ -4402,7 +4438,6 @@
           <a:p>
             <a:fld id="{816D8A3F-5E8F-4104-8DE2-7FE925F96389}" type="slidenum">
               <a:rPr lang="zh-CN" altLang="en-US" smtClean="0"/>
-              <a:t>‹#›</a:t>
             </a:fld>
             <a:endParaRPr lang="zh-CN" altLang="en-US"/>
           </a:p>
@@ -4692,6 +4727,7 @@
               <a:rPr lang="zh-CN" altLang="en-US"/>
               <a:t>单击此处编辑母版文本样式</a:t>
             </a:r>
+            <a:endParaRPr lang="zh-CN" altLang="en-US"/>
           </a:p>
           <a:p>
             <a:pPr lvl="1"/>
@@ -4699,6 +4735,7 @@
               <a:rPr lang="zh-CN" altLang="en-US"/>
               <a:t>二级</a:t>
             </a:r>
+            <a:endParaRPr lang="zh-CN" altLang="en-US"/>
           </a:p>
           <a:p>
             <a:pPr lvl="2"/>
@@ -4706,6 +4743,7 @@
               <a:rPr lang="zh-CN" altLang="en-US"/>
               <a:t>三级</a:t>
             </a:r>
+            <a:endParaRPr lang="zh-CN" altLang="en-US"/>
           </a:p>
           <a:p>
             <a:pPr lvl="3"/>
@@ -4713,6 +4751,7 @@
               <a:rPr lang="zh-CN" altLang="en-US"/>
               <a:t>四级</a:t>
             </a:r>
+            <a:endParaRPr lang="zh-CN" altLang="en-US"/>
           </a:p>
           <a:p>
             <a:pPr lvl="4"/>
@@ -4761,7 +4800,6 @@
           <a:p>
             <a:fld id="{5C77D00A-0F7C-4815-83DC-2949FD3F69DF}" type="datetimeFigureOut">
               <a:rPr lang="zh-CN" altLang="en-US" smtClean="0"/>
-              <a:t>2021-01-05</a:t>
             </a:fld>
             <a:endParaRPr lang="zh-CN" altLang="en-US"/>
           </a:p>
@@ -4843,7 +4881,6 @@
           <a:p>
             <a:fld id="{816D8A3F-5E8F-4104-8DE2-7FE925F96389}" type="slidenum">
               <a:rPr lang="zh-CN" altLang="en-US" smtClean="0"/>
-              <a:t>‹#›</a:t>
             </a:fld>
             <a:endParaRPr lang="zh-CN" altLang="en-US"/>
           </a:p>
@@ -5314,6 +5351,7 @@
               <a:rPr lang="zh-CN" altLang="en-US" dirty="0"/>
               <a:t>技术架构</a:t>
             </a:r>
+            <a:endParaRPr lang="zh-CN" altLang="en-US" dirty="0"/>
           </a:p>
         </p:txBody>
       </p:sp>
@@ -5344,6 +5382,7 @@
               <a:rPr lang="zh-CN" altLang="en-US" dirty="0"/>
               <a:t>存储引擎</a:t>
             </a:r>
+            <a:endParaRPr lang="zh-CN" altLang="en-US" dirty="0"/>
           </a:p>
         </p:txBody>
       </p:sp>
@@ -5364,17 +5403,10 @@
         <p:cNvGrpSpPr/>
         <p:nvPr/>
       </p:nvGrpSpPr>
-      <p:grpSpPr>
-        <a:xfrm>
-          <a:off x="0" y="0"/>
-          <a:ext cx="0" cy="0"/>
-          <a:chOff x="0" y="0"/>
-          <a:chExt cx="0" cy="0"/>
-        </a:xfrm>
-      </p:grpSpPr>
-      <p:sp>
-        <p:nvSpPr>
-          <p:cNvPr id="3" name="内容占位符 2"/>
+      <p:grpSpPr/>
+      <p:sp>
+        <p:nvSpPr>
+          <p:cNvPr id="4" name="内容占位符 2"/>
           <p:cNvSpPr>
             <a:spLocks noGrp="1"/>
           </p:cNvSpPr>
@@ -5390,39 +5422,848 @@
         </p:spPr>
         <p:txBody>
           <a:bodyPr/>
-          <a:lstStyle/>
           <a:p>
             <a:r>
               <a:rPr lang="zh-CN" altLang="en-US" dirty="0"/>
-              <a:t>内存池架构</a:t>
-            </a:r>
-          </a:p>
-        </p:txBody>
-      </p:sp>
-      <p:pic>
-        <p:nvPicPr>
-          <p:cNvPr id="5" name="图片 4"/>
-          <p:cNvPicPr>
-            <a:picLocks noChangeAspect="1"/>
-          </p:cNvPicPr>
+              <a:t>物理结构</a:t>
+            </a:r>
+            <a:endParaRPr lang="zh-CN" altLang="en-US" dirty="0"/>
+          </a:p>
+        </p:txBody>
+      </p:sp>
+      <p:sp>
+        <p:nvSpPr>
+          <p:cNvPr id="5" name="矩形 4"/>
+          <p:cNvSpPr/>
           <p:nvPr/>
-        </p:nvPicPr>
-        <p:blipFill>
-          <a:blip r:embed="rId2"/>
-          <a:stretch>
-            <a:fillRect/>
-          </a:stretch>
-        </p:blipFill>
-        <p:spPr>
-          <a:xfrm>
-            <a:off x="2163739" y="1943765"/>
-            <a:ext cx="7864522" cy="3284505"/>
+        </p:nvSpPr>
+        <p:spPr>
+          <a:xfrm>
+            <a:off x="1025525" y="1598930"/>
+            <a:ext cx="10140950" cy="4234815"/>
           </a:xfrm>
           <a:prstGeom prst="rect">
             <a:avLst/>
           </a:prstGeom>
         </p:spPr>
-      </p:pic>
+        <p:style>
+          <a:lnRef idx="2">
+            <a:schemeClr val="accent6"/>
+          </a:lnRef>
+          <a:fillRef idx="1">
+            <a:schemeClr val="lt1"/>
+          </a:fillRef>
+          <a:effectRef idx="0">
+            <a:schemeClr val="accent6"/>
+          </a:effectRef>
+          <a:fontRef idx="minor">
+            <a:schemeClr val="dk1"/>
+          </a:fontRef>
+        </p:style>
+        <p:txBody>
+          <a:bodyPr rtlCol="0" anchor="ctr"/>
+          <a:p>
+            <a:pPr algn="ctr"/>
+            <a:endParaRPr lang="zh-CN" altLang="en-US"/>
+          </a:p>
+        </p:txBody>
+      </p:sp>
+      <p:sp>
+        <p:nvSpPr>
+          <p:cNvPr id="7" name="矩形 6"/>
+          <p:cNvSpPr/>
+          <p:nvPr/>
+        </p:nvSpPr>
+        <p:spPr>
+          <a:xfrm>
+            <a:off x="1609725" y="2038985"/>
+            <a:ext cx="5904865" cy="3354705"/>
+          </a:xfrm>
+          <a:prstGeom prst="rect">
+            <a:avLst/>
+          </a:prstGeom>
+        </p:spPr>
+        <p:style>
+          <a:lnRef idx="2">
+            <a:schemeClr val="accent6"/>
+          </a:lnRef>
+          <a:fillRef idx="1">
+            <a:schemeClr val="lt1"/>
+          </a:fillRef>
+          <a:effectRef idx="0">
+            <a:schemeClr val="accent6"/>
+          </a:effectRef>
+          <a:fontRef idx="minor">
+            <a:schemeClr val="dk1"/>
+          </a:fontRef>
+        </p:style>
+        <p:txBody>
+          <a:bodyPr rtlCol="0" anchor="ctr"/>
+          <a:p>
+            <a:pPr algn="ctr"/>
+            <a:endParaRPr lang="zh-CN" altLang="en-US"/>
+          </a:p>
+        </p:txBody>
+      </p:sp>
+      <p:sp>
+        <p:nvSpPr>
+          <p:cNvPr id="9" name="文本框 8"/>
+          <p:cNvSpPr txBox="1"/>
+          <p:nvPr/>
+        </p:nvSpPr>
+        <p:spPr>
+          <a:xfrm>
+            <a:off x="4024630" y="2239645"/>
+            <a:ext cx="1074420" cy="368300"/>
+          </a:xfrm>
+          <a:prstGeom prst="rect">
+            <a:avLst/>
+          </a:prstGeom>
+          <a:noFill/>
+        </p:spPr>
+        <p:txBody>
+          <a:bodyPr wrap="square" rtlCol="0">
+            <a:spAutoFit/>
+          </a:bodyPr>
+          <a:p>
+            <a:r>
+              <a:rPr lang="en-US" altLang="zh-CN">
+                <a:solidFill>
+                  <a:schemeClr val="bg1"/>
+                </a:solidFill>
+              </a:rPr>
+              <a:t>ibdata1</a:t>
+            </a:r>
+            <a:endParaRPr lang="en-US" altLang="zh-CN">
+              <a:solidFill>
+                <a:schemeClr val="bg1"/>
+              </a:solidFill>
+            </a:endParaRPr>
+          </a:p>
+        </p:txBody>
+      </p:sp>
+      <p:sp>
+        <p:nvSpPr>
+          <p:cNvPr id="10" name="矩形 9"/>
+          <p:cNvSpPr/>
+          <p:nvPr/>
+        </p:nvSpPr>
+        <p:spPr>
+          <a:xfrm>
+            <a:off x="1896745" y="2938145"/>
+            <a:ext cx="2328545" cy="364490"/>
+          </a:xfrm>
+          <a:prstGeom prst="rect">
+            <a:avLst/>
+          </a:prstGeom>
+        </p:spPr>
+        <p:style>
+          <a:lnRef idx="2">
+            <a:schemeClr val="accent6"/>
+          </a:lnRef>
+          <a:fillRef idx="1">
+            <a:schemeClr val="lt1"/>
+          </a:fillRef>
+          <a:effectRef idx="0">
+            <a:schemeClr val="accent6"/>
+          </a:effectRef>
+          <a:fontRef idx="minor">
+            <a:schemeClr val="dk1"/>
+          </a:fontRef>
+        </p:style>
+        <p:txBody>
+          <a:bodyPr rtlCol="0" anchor="ctr"/>
+          <a:p>
+            <a:pPr algn="ctr"/>
+            <a:r>
+              <a:rPr lang="en-US" altLang="zh-CN"/>
+              <a:t>Block 1(64 pages)</a:t>
+            </a:r>
+            <a:endParaRPr lang="zh-CN" altLang="en-US"/>
+          </a:p>
+        </p:txBody>
+      </p:sp>
+      <p:sp>
+        <p:nvSpPr>
+          <p:cNvPr id="11" name="矩形 10"/>
+          <p:cNvSpPr/>
+          <p:nvPr/>
+        </p:nvSpPr>
+        <p:spPr>
+          <a:xfrm>
+            <a:off x="1896745" y="3302635"/>
+            <a:ext cx="2328545" cy="364490"/>
+          </a:xfrm>
+          <a:prstGeom prst="rect">
+            <a:avLst/>
+          </a:prstGeom>
+        </p:spPr>
+        <p:style>
+          <a:lnRef idx="2">
+            <a:schemeClr val="accent6"/>
+          </a:lnRef>
+          <a:fillRef idx="1">
+            <a:schemeClr val="lt1"/>
+          </a:fillRef>
+          <a:effectRef idx="0">
+            <a:schemeClr val="accent6"/>
+          </a:effectRef>
+          <a:fontRef idx="minor">
+            <a:schemeClr val="dk1"/>
+          </a:fontRef>
+        </p:style>
+        <p:txBody>
+          <a:bodyPr rtlCol="0" anchor="ctr"/>
+          <a:p>
+            <a:pPr algn="ctr"/>
+            <a:r>
+              <a:rPr lang="en-US" altLang="zh-CN"/>
+              <a:t>Block 2(64 pages)</a:t>
+            </a:r>
+            <a:endParaRPr lang="zh-CN" altLang="en-US"/>
+          </a:p>
+        </p:txBody>
+      </p:sp>
+      <p:sp>
+        <p:nvSpPr>
+          <p:cNvPr id="12" name="文本框 11"/>
+          <p:cNvSpPr txBox="1"/>
+          <p:nvPr/>
+        </p:nvSpPr>
+        <p:spPr>
+          <a:xfrm>
+            <a:off x="1896745" y="2569845"/>
+            <a:ext cx="2327910" cy="368300"/>
+          </a:xfrm>
+          <a:prstGeom prst="rect">
+            <a:avLst/>
+          </a:prstGeom>
+          <a:noFill/>
+        </p:spPr>
+        <p:txBody>
+          <a:bodyPr wrap="square" rtlCol="0">
+            <a:spAutoFit/>
+          </a:bodyPr>
+          <a:p>
+            <a:r>
+              <a:rPr lang="en-US" altLang="zh-CN">
+                <a:solidFill>
+                  <a:schemeClr val="bg1"/>
+                </a:solidFill>
+              </a:rPr>
+              <a:t>doublewrite buffer </a:t>
+            </a:r>
+            <a:endParaRPr lang="en-US" altLang="zh-CN">
+              <a:solidFill>
+                <a:schemeClr val="bg1"/>
+              </a:solidFill>
+            </a:endParaRPr>
+          </a:p>
+        </p:txBody>
+      </p:sp>
+      <p:sp>
+        <p:nvSpPr>
+          <p:cNvPr id="13" name="矩形 12"/>
+          <p:cNvSpPr/>
+          <p:nvPr/>
+        </p:nvSpPr>
+        <p:spPr>
+          <a:xfrm>
+            <a:off x="1896110" y="4396105"/>
+            <a:ext cx="2328545" cy="364490"/>
+          </a:xfrm>
+          <a:prstGeom prst="rect">
+            <a:avLst/>
+          </a:prstGeom>
+        </p:spPr>
+        <p:style>
+          <a:lnRef idx="2">
+            <a:schemeClr val="accent6"/>
+          </a:lnRef>
+          <a:fillRef idx="1">
+            <a:schemeClr val="lt1"/>
+          </a:fillRef>
+          <a:effectRef idx="0">
+            <a:schemeClr val="accent6"/>
+          </a:effectRef>
+          <a:fontRef idx="minor">
+            <a:schemeClr val="dk1"/>
+          </a:fontRef>
+        </p:style>
+        <p:txBody>
+          <a:bodyPr rtlCol="0" anchor="ctr"/>
+          <a:p>
+            <a:pPr algn="ctr"/>
+            <a:r>
+              <a:rPr lang="en-US" altLang="zh-CN"/>
+              <a:t>Undo logs</a:t>
+            </a:r>
+            <a:endParaRPr lang="zh-CN" altLang="en-US"/>
+          </a:p>
+        </p:txBody>
+      </p:sp>
+      <p:sp>
+        <p:nvSpPr>
+          <p:cNvPr id="14" name="矩形 13"/>
+          <p:cNvSpPr/>
+          <p:nvPr/>
+        </p:nvSpPr>
+        <p:spPr>
+          <a:xfrm>
+            <a:off x="4794250" y="2938145"/>
+            <a:ext cx="2328545" cy="364490"/>
+          </a:xfrm>
+          <a:prstGeom prst="rect">
+            <a:avLst/>
+          </a:prstGeom>
+        </p:spPr>
+        <p:style>
+          <a:lnRef idx="2">
+            <a:schemeClr val="accent6"/>
+          </a:lnRef>
+          <a:fillRef idx="1">
+            <a:schemeClr val="lt1"/>
+          </a:fillRef>
+          <a:effectRef idx="0">
+            <a:schemeClr val="accent6"/>
+          </a:effectRef>
+          <a:fontRef idx="minor">
+            <a:schemeClr val="dk1"/>
+          </a:fontRef>
+        </p:style>
+        <p:txBody>
+          <a:bodyPr rtlCol="0" anchor="ctr"/>
+          <a:p>
+            <a:pPr algn="ctr"/>
+            <a:r>
+              <a:rPr lang="en-US" altLang="zh-CN"/>
+              <a:t>SYS_TABLES</a:t>
+            </a:r>
+            <a:endParaRPr lang="zh-CN" altLang="en-US"/>
+          </a:p>
+        </p:txBody>
+      </p:sp>
+      <p:sp>
+        <p:nvSpPr>
+          <p:cNvPr id="15" name="文本框 14"/>
+          <p:cNvSpPr txBox="1"/>
+          <p:nvPr/>
+        </p:nvSpPr>
+        <p:spPr>
+          <a:xfrm>
+            <a:off x="4794250" y="2569845"/>
+            <a:ext cx="2327910" cy="368300"/>
+          </a:xfrm>
+          <a:prstGeom prst="rect">
+            <a:avLst/>
+          </a:prstGeom>
+          <a:noFill/>
+        </p:spPr>
+        <p:txBody>
+          <a:bodyPr wrap="square" rtlCol="0">
+            <a:spAutoFit/>
+          </a:bodyPr>
+          <a:p>
+            <a:r>
+              <a:rPr lang="en-US" altLang="zh-CN">
+                <a:solidFill>
+                  <a:schemeClr val="bg1"/>
+                </a:solidFill>
+              </a:rPr>
+              <a:t>Data Dict </a:t>
+            </a:r>
+            <a:endParaRPr lang="en-US" altLang="zh-CN">
+              <a:solidFill>
+                <a:schemeClr val="bg1"/>
+              </a:solidFill>
+            </a:endParaRPr>
+          </a:p>
+        </p:txBody>
+      </p:sp>
+      <p:sp>
+        <p:nvSpPr>
+          <p:cNvPr id="16" name="矩形 15"/>
+          <p:cNvSpPr/>
+          <p:nvPr/>
+        </p:nvSpPr>
+        <p:spPr>
+          <a:xfrm>
+            <a:off x="4794250" y="3302635"/>
+            <a:ext cx="2328545" cy="364490"/>
+          </a:xfrm>
+          <a:prstGeom prst="rect">
+            <a:avLst/>
+          </a:prstGeom>
+        </p:spPr>
+        <p:style>
+          <a:lnRef idx="2">
+            <a:schemeClr val="accent6"/>
+          </a:lnRef>
+          <a:fillRef idx="1">
+            <a:schemeClr val="lt1"/>
+          </a:fillRef>
+          <a:effectRef idx="0">
+            <a:schemeClr val="accent6"/>
+          </a:effectRef>
+          <a:fontRef idx="minor">
+            <a:schemeClr val="dk1"/>
+          </a:fontRef>
+        </p:style>
+        <p:txBody>
+          <a:bodyPr rtlCol="0" anchor="ctr"/>
+          <a:p>
+            <a:pPr algn="ctr"/>
+            <a:r>
+              <a:rPr lang="en-US"/>
+              <a:t>SYS_COLUMNS</a:t>
+            </a:r>
+            <a:endParaRPr lang="en-US"/>
+          </a:p>
+        </p:txBody>
+      </p:sp>
+      <p:sp>
+        <p:nvSpPr>
+          <p:cNvPr id="17" name="矩形 16"/>
+          <p:cNvSpPr/>
+          <p:nvPr/>
+        </p:nvSpPr>
+        <p:spPr>
+          <a:xfrm>
+            <a:off x="4794250" y="3667125"/>
+            <a:ext cx="2328545" cy="364490"/>
+          </a:xfrm>
+          <a:prstGeom prst="rect">
+            <a:avLst/>
+          </a:prstGeom>
+        </p:spPr>
+        <p:style>
+          <a:lnRef idx="2">
+            <a:schemeClr val="accent6"/>
+          </a:lnRef>
+          <a:fillRef idx="1">
+            <a:schemeClr val="lt1"/>
+          </a:fillRef>
+          <a:effectRef idx="0">
+            <a:schemeClr val="accent6"/>
+          </a:effectRef>
+          <a:fontRef idx="minor">
+            <a:schemeClr val="dk1"/>
+          </a:fontRef>
+        </p:style>
+        <p:txBody>
+          <a:bodyPr rtlCol="0" anchor="ctr"/>
+          <a:p>
+            <a:pPr algn="ctr"/>
+            <a:r>
+              <a:rPr lang="en-US"/>
+              <a:t>SYS_INDEXES</a:t>
+            </a:r>
+            <a:endParaRPr lang="en-US"/>
+          </a:p>
+        </p:txBody>
+      </p:sp>
+      <p:sp>
+        <p:nvSpPr>
+          <p:cNvPr id="18" name="矩形 17"/>
+          <p:cNvSpPr/>
+          <p:nvPr/>
+        </p:nvSpPr>
+        <p:spPr>
+          <a:xfrm>
+            <a:off x="4794250" y="4031615"/>
+            <a:ext cx="2328545" cy="364490"/>
+          </a:xfrm>
+          <a:prstGeom prst="rect">
+            <a:avLst/>
+          </a:prstGeom>
+        </p:spPr>
+        <p:style>
+          <a:lnRef idx="2">
+            <a:schemeClr val="accent6"/>
+          </a:lnRef>
+          <a:fillRef idx="1">
+            <a:schemeClr val="lt1"/>
+          </a:fillRef>
+          <a:effectRef idx="0">
+            <a:schemeClr val="accent6"/>
+          </a:effectRef>
+          <a:fontRef idx="minor">
+            <a:schemeClr val="dk1"/>
+          </a:fontRef>
+        </p:style>
+        <p:txBody>
+          <a:bodyPr rtlCol="0" anchor="ctr"/>
+          <a:p>
+            <a:pPr algn="ctr"/>
+            <a:r>
+              <a:rPr lang="en-US" altLang="zh-CN"/>
+              <a:t>SYS_FIELDS</a:t>
+            </a:r>
+            <a:endParaRPr lang="zh-CN" altLang="en-US"/>
+          </a:p>
+        </p:txBody>
+      </p:sp>
+      <p:sp>
+        <p:nvSpPr>
+          <p:cNvPr id="19" name="矩形 18"/>
+          <p:cNvSpPr/>
+          <p:nvPr/>
+        </p:nvSpPr>
+        <p:spPr>
+          <a:xfrm>
+            <a:off x="7919085" y="2038985"/>
+            <a:ext cx="2788285" cy="3354705"/>
+          </a:xfrm>
+          <a:prstGeom prst="rect">
+            <a:avLst/>
+          </a:prstGeom>
+        </p:spPr>
+        <p:style>
+          <a:lnRef idx="2">
+            <a:schemeClr val="accent6"/>
+          </a:lnRef>
+          <a:fillRef idx="1">
+            <a:schemeClr val="lt1"/>
+          </a:fillRef>
+          <a:effectRef idx="0">
+            <a:schemeClr val="accent6"/>
+          </a:effectRef>
+          <a:fontRef idx="minor">
+            <a:schemeClr val="dk1"/>
+          </a:fontRef>
+        </p:style>
+        <p:txBody>
+          <a:bodyPr rtlCol="0" anchor="ctr"/>
+          <a:p>
+            <a:pPr algn="ctr"/>
+            <a:endParaRPr lang="zh-CN" altLang="en-US"/>
+          </a:p>
+        </p:txBody>
+      </p:sp>
+      <p:sp>
+        <p:nvSpPr>
+          <p:cNvPr id="20" name="文本框 19"/>
+          <p:cNvSpPr txBox="1"/>
+          <p:nvPr/>
+        </p:nvSpPr>
+        <p:spPr>
+          <a:xfrm>
+            <a:off x="8706485" y="2239645"/>
+            <a:ext cx="1561465" cy="368300"/>
+          </a:xfrm>
+          <a:prstGeom prst="rect">
+            <a:avLst/>
+          </a:prstGeom>
+          <a:noFill/>
+        </p:spPr>
+        <p:txBody>
+          <a:bodyPr wrap="square" rtlCol="0">
+            <a:spAutoFit/>
+          </a:bodyPr>
+          <a:p>
+            <a:r>
+              <a:rPr lang="en-US" altLang="zh-CN">
+                <a:solidFill>
+                  <a:schemeClr val="bg1"/>
+                </a:solidFill>
+              </a:rPr>
+              <a:t>table idbs</a:t>
+            </a:r>
+            <a:endParaRPr lang="en-US" altLang="zh-CN">
+              <a:solidFill>
+                <a:schemeClr val="bg1"/>
+              </a:solidFill>
+            </a:endParaRPr>
+          </a:p>
+        </p:txBody>
+      </p:sp>
+      <p:sp>
+        <p:nvSpPr>
+          <p:cNvPr id="21" name="矩形 20"/>
+          <p:cNvSpPr/>
+          <p:nvPr/>
+        </p:nvSpPr>
+        <p:spPr>
+          <a:xfrm>
+            <a:off x="8148955" y="2938145"/>
+            <a:ext cx="2328545" cy="364490"/>
+          </a:xfrm>
+          <a:prstGeom prst="rect">
+            <a:avLst/>
+          </a:prstGeom>
+        </p:spPr>
+        <p:style>
+          <a:lnRef idx="2">
+            <a:schemeClr val="accent6"/>
+          </a:lnRef>
+          <a:fillRef idx="1">
+            <a:schemeClr val="lt1"/>
+          </a:fillRef>
+          <a:effectRef idx="0">
+            <a:schemeClr val="accent6"/>
+          </a:effectRef>
+          <a:fontRef idx="minor">
+            <a:schemeClr val="dk1"/>
+          </a:fontRef>
+        </p:style>
+        <p:txBody>
+          <a:bodyPr rtlCol="0" anchor="ctr"/>
+          <a:p>
+            <a:pPr algn="ctr"/>
+            <a:r>
+              <a:rPr lang="en-US" altLang="zh-CN"/>
+              <a:t>T1.ibd</a:t>
+            </a:r>
+            <a:endParaRPr lang="zh-CN" altLang="en-US"/>
+          </a:p>
+        </p:txBody>
+      </p:sp>
+      <p:sp>
+        <p:nvSpPr>
+          <p:cNvPr id="22" name="矩形 21"/>
+          <p:cNvSpPr/>
+          <p:nvPr/>
+        </p:nvSpPr>
+        <p:spPr>
+          <a:xfrm>
+            <a:off x="8148955" y="3302635"/>
+            <a:ext cx="2328545" cy="364490"/>
+          </a:xfrm>
+          <a:prstGeom prst="rect">
+            <a:avLst/>
+          </a:prstGeom>
+        </p:spPr>
+        <p:style>
+          <a:lnRef idx="2">
+            <a:schemeClr val="accent6"/>
+          </a:lnRef>
+          <a:fillRef idx="1">
+            <a:schemeClr val="lt1"/>
+          </a:fillRef>
+          <a:effectRef idx="0">
+            <a:schemeClr val="accent6"/>
+          </a:effectRef>
+          <a:fontRef idx="minor">
+            <a:schemeClr val="dk1"/>
+          </a:fontRef>
+        </p:style>
+        <p:txBody>
+          <a:bodyPr rtlCol="0" anchor="ctr"/>
+          <a:p>
+            <a:pPr algn="ctr"/>
+            <a:r>
+              <a:rPr lang="en-US" altLang="zh-CN"/>
+              <a:t>T2.ibd</a:t>
+            </a:r>
+            <a:endParaRPr lang="en-US" altLang="zh-CN"/>
+          </a:p>
+        </p:txBody>
+      </p:sp>
+      <p:sp>
+        <p:nvSpPr>
+          <p:cNvPr id="23" name="矩形 22"/>
+          <p:cNvSpPr/>
+          <p:nvPr/>
+        </p:nvSpPr>
+        <p:spPr>
+          <a:xfrm>
+            <a:off x="4794250" y="4396105"/>
+            <a:ext cx="2328545" cy="364490"/>
+          </a:xfrm>
+          <a:prstGeom prst="rect">
+            <a:avLst/>
+          </a:prstGeom>
+        </p:spPr>
+        <p:style>
+          <a:lnRef idx="2">
+            <a:schemeClr val="accent6"/>
+          </a:lnRef>
+          <a:fillRef idx="1">
+            <a:schemeClr val="lt1"/>
+          </a:fillRef>
+          <a:effectRef idx="0">
+            <a:schemeClr val="accent6"/>
+          </a:effectRef>
+          <a:fontRef idx="minor">
+            <a:schemeClr val="dk1"/>
+          </a:fontRef>
+        </p:style>
+        <p:txBody>
+          <a:bodyPr rtlCol="0" anchor="ctr"/>
+          <a:p>
+            <a:pPr algn="ctr"/>
+            <a:r>
+              <a:rPr lang="en-US" altLang="zh-CN"/>
+              <a:t>......</a:t>
+            </a:r>
+            <a:endParaRPr lang="zh-CN" altLang="en-US"/>
+          </a:p>
+        </p:txBody>
+      </p:sp>
+      <p:sp>
+        <p:nvSpPr>
+          <p:cNvPr id="24" name="矩形 23"/>
+          <p:cNvSpPr/>
+          <p:nvPr/>
+        </p:nvSpPr>
+        <p:spPr>
+          <a:xfrm>
+            <a:off x="1896110" y="3667125"/>
+            <a:ext cx="2328545" cy="364490"/>
+          </a:xfrm>
+          <a:prstGeom prst="rect">
+            <a:avLst/>
+          </a:prstGeom>
+        </p:spPr>
+        <p:style>
+          <a:lnRef idx="2">
+            <a:schemeClr val="accent6"/>
+          </a:lnRef>
+          <a:fillRef idx="1">
+            <a:schemeClr val="lt1"/>
+          </a:fillRef>
+          <a:effectRef idx="0">
+            <a:schemeClr val="accent6"/>
+          </a:effectRef>
+          <a:fontRef idx="minor">
+            <a:schemeClr val="dk1"/>
+          </a:fontRef>
+        </p:style>
+        <p:txBody>
+          <a:bodyPr rtlCol="0" anchor="ctr"/>
+          <a:p>
+            <a:pPr algn="ctr"/>
+            <a:r>
+              <a:rPr lang="en-US" altLang="zh-CN"/>
+              <a:t>......</a:t>
+            </a:r>
+            <a:endParaRPr lang="en-US" altLang="zh-CN"/>
+          </a:p>
+        </p:txBody>
+      </p:sp>
+      <p:sp>
+        <p:nvSpPr>
+          <p:cNvPr id="25" name="矩形 24"/>
+          <p:cNvSpPr/>
+          <p:nvPr/>
+        </p:nvSpPr>
+        <p:spPr>
+          <a:xfrm>
+            <a:off x="8148955" y="3667125"/>
+            <a:ext cx="2328545" cy="364490"/>
+          </a:xfrm>
+          <a:prstGeom prst="rect">
+            <a:avLst/>
+          </a:prstGeom>
+        </p:spPr>
+        <p:style>
+          <a:lnRef idx="2">
+            <a:schemeClr val="accent6"/>
+          </a:lnRef>
+          <a:fillRef idx="1">
+            <a:schemeClr val="lt1"/>
+          </a:fillRef>
+          <a:effectRef idx="0">
+            <a:schemeClr val="accent6"/>
+          </a:effectRef>
+          <a:fontRef idx="minor">
+            <a:schemeClr val="dk1"/>
+          </a:fontRef>
+        </p:style>
+        <p:txBody>
+          <a:bodyPr rtlCol="0" anchor="ctr"/>
+          <a:p>
+            <a:pPr algn="ctr"/>
+            <a:r>
+              <a:rPr lang="en-US" altLang="zh-CN"/>
+              <a:t>T3.ibd</a:t>
+            </a:r>
+            <a:endParaRPr lang="en-US" altLang="zh-CN"/>
+          </a:p>
+        </p:txBody>
+      </p:sp>
+      <p:sp>
+        <p:nvSpPr>
+          <p:cNvPr id="26" name="矩形 25"/>
+          <p:cNvSpPr/>
+          <p:nvPr/>
+        </p:nvSpPr>
+        <p:spPr>
+          <a:xfrm>
+            <a:off x="8148955" y="4031615"/>
+            <a:ext cx="2328545" cy="364490"/>
+          </a:xfrm>
+          <a:prstGeom prst="rect">
+            <a:avLst/>
+          </a:prstGeom>
+        </p:spPr>
+        <p:style>
+          <a:lnRef idx="2">
+            <a:schemeClr val="accent6"/>
+          </a:lnRef>
+          <a:fillRef idx="1">
+            <a:schemeClr val="lt1"/>
+          </a:fillRef>
+          <a:effectRef idx="0">
+            <a:schemeClr val="accent6"/>
+          </a:effectRef>
+          <a:fontRef idx="minor">
+            <a:schemeClr val="dk1"/>
+          </a:fontRef>
+        </p:style>
+        <p:txBody>
+          <a:bodyPr rtlCol="0" anchor="ctr"/>
+          <a:p>
+            <a:pPr algn="ctr"/>
+            <a:r>
+              <a:rPr lang="en-US" altLang="zh-CN"/>
+              <a:t>T4.ibd</a:t>
+            </a:r>
+            <a:endParaRPr lang="en-US" altLang="zh-CN"/>
+          </a:p>
+        </p:txBody>
+      </p:sp>
+      <p:sp>
+        <p:nvSpPr>
+          <p:cNvPr id="27" name="矩形 26"/>
+          <p:cNvSpPr/>
+          <p:nvPr/>
+        </p:nvSpPr>
+        <p:spPr>
+          <a:xfrm>
+            <a:off x="8148955" y="4396105"/>
+            <a:ext cx="2328545" cy="364490"/>
+          </a:xfrm>
+          <a:prstGeom prst="rect">
+            <a:avLst/>
+          </a:prstGeom>
+        </p:spPr>
+        <p:style>
+          <a:lnRef idx="2">
+            <a:schemeClr val="accent6"/>
+          </a:lnRef>
+          <a:fillRef idx="1">
+            <a:schemeClr val="lt1"/>
+          </a:fillRef>
+          <a:effectRef idx="0">
+            <a:schemeClr val="accent6"/>
+          </a:effectRef>
+          <a:fontRef idx="minor">
+            <a:schemeClr val="dk1"/>
+          </a:fontRef>
+        </p:style>
+        <p:txBody>
+          <a:bodyPr rtlCol="0" anchor="ctr"/>
+          <a:p>
+            <a:pPr algn="ctr"/>
+            <a:r>
+              <a:rPr lang="en-US" altLang="zh-CN"/>
+              <a:t>......</a:t>
+            </a:r>
+            <a:endParaRPr lang="en-US" altLang="zh-CN"/>
+          </a:p>
+        </p:txBody>
+      </p:sp>
     </p:spTree>
   </p:cSld>
   <p:clrMapOvr>
@@ -5440,109 +6281,31 @@
         <p:cNvGrpSpPr/>
         <p:nvPr/>
       </p:nvGrpSpPr>
-      <p:grpSpPr>
-        <a:xfrm>
-          <a:off x="0" y="0"/>
-          <a:ext cx="0" cy="0"/>
-          <a:chOff x="0" y="0"/>
-          <a:chExt cx="0" cy="0"/>
-        </a:xfrm>
-      </p:grpSpPr>
-      <p:sp>
-        <p:nvSpPr>
-          <p:cNvPr id="3" name="内容占位符 2"/>
-          <p:cNvSpPr>
-            <a:spLocks noGrp="1"/>
-          </p:cNvSpPr>
-          <p:nvPr>
-            <p:ph idx="1"/>
-          </p:nvPr>
-        </p:nvSpPr>
-        <p:spPr>
-          <a:xfrm>
-            <a:off x="684212" y="685800"/>
-            <a:ext cx="8534400" cy="875145"/>
-          </a:xfrm>
-        </p:spPr>
-        <p:txBody>
-          <a:bodyPr/>
-          <a:lstStyle/>
-          <a:p>
-            <a:r>
-              <a:rPr lang="en-US" altLang="zh-CN" dirty="0"/>
-              <a:t>Checkpoint</a:t>
-            </a:r>
-            <a:r>
-              <a:rPr lang="zh-CN" altLang="en-US" dirty="0"/>
-              <a:t>技术</a:t>
-            </a:r>
-          </a:p>
-        </p:txBody>
-      </p:sp>
-      <p:sp>
-        <p:nvSpPr>
-          <p:cNvPr id="4" name="文本框 3"/>
-          <p:cNvSpPr txBox="1"/>
+      <p:grpSpPr/>
+      <p:pic>
+        <p:nvPicPr>
+          <p:cNvPr id="4" name="图片 3"/>
+          <p:cNvPicPr>
+            <a:picLocks noChangeAspect="1"/>
+          </p:cNvPicPr>
           <p:nvPr/>
-        </p:nvSpPr>
-        <p:spPr>
-          <a:xfrm>
-            <a:off x="1136073" y="1560945"/>
-            <a:ext cx="10224654" cy="2426626"/>
+        </p:nvPicPr>
+        <p:blipFill>
+          <a:blip r:embed="rId1"/>
+          <a:stretch>
+            <a:fillRect/>
+          </a:stretch>
+        </p:blipFill>
+        <p:spPr>
+          <a:xfrm>
+            <a:off x="2162175" y="299720"/>
+            <a:ext cx="7867650" cy="6257925"/>
           </a:xfrm>
           <a:prstGeom prst="rect">
             <a:avLst/>
           </a:prstGeom>
-          <a:noFill/>
-        </p:spPr>
-        <p:txBody>
-          <a:bodyPr wrap="square" rtlCol="0">
-            <a:spAutoFit/>
-          </a:bodyPr>
-          <a:lstStyle/>
-          <a:p>
-            <a:pPr marL="285750" indent="-285750">
-              <a:lnSpc>
-                <a:spcPct val="300000"/>
-              </a:lnSpc>
-              <a:buFont typeface="Wingdings" panose="05000000000000000000" pitchFamily="2" charset="2"/>
-              <a:buChar char="u"/>
-            </a:pPr>
-            <a:r>
-              <a:rPr lang="zh-CN" altLang="en-US" dirty="0"/>
-              <a:t>缩短数据库的回复时间</a:t>
-            </a:r>
-            <a:endParaRPr lang="en-US" altLang="zh-CN" dirty="0"/>
-          </a:p>
-          <a:p>
-            <a:pPr marL="285750" indent="-285750">
-              <a:lnSpc>
-                <a:spcPct val="300000"/>
-              </a:lnSpc>
-              <a:buFont typeface="Wingdings" panose="05000000000000000000" pitchFamily="2" charset="2"/>
-              <a:buChar char="u"/>
-            </a:pPr>
-            <a:r>
-              <a:rPr lang="zh-CN" altLang="en-US" dirty="0"/>
-              <a:t>缓冲池不够用时，将脏页刷新到磁盘</a:t>
-            </a:r>
-            <a:endParaRPr lang="en-US" altLang="zh-CN" dirty="0"/>
-          </a:p>
-          <a:p>
-            <a:pPr marL="285750" indent="-285750">
-              <a:lnSpc>
-                <a:spcPct val="300000"/>
-              </a:lnSpc>
-              <a:buFont typeface="Wingdings" panose="05000000000000000000" pitchFamily="2" charset="2"/>
-              <a:buChar char="u"/>
-            </a:pPr>
-            <a:r>
-              <a:rPr lang="zh-CN" altLang="en-US" dirty="0"/>
-              <a:t>重做日志不可用时，刷新脏页</a:t>
-            </a:r>
-          </a:p>
-        </p:txBody>
-      </p:sp>
+        </p:spPr>
+      </p:pic>
     </p:spTree>
   </p:cSld>
   <p:clrMapOvr>
@@ -5560,63 +6323,25 @@
         <p:cNvGrpSpPr/>
         <p:nvPr/>
       </p:nvGrpSpPr>
-      <p:grpSpPr>
-        <a:xfrm>
-          <a:off x="0" y="0"/>
-          <a:ext cx="0" cy="0"/>
-          <a:chOff x="0" y="0"/>
-          <a:chExt cx="0" cy="0"/>
-        </a:xfrm>
-      </p:grpSpPr>
-      <p:sp>
-        <p:nvSpPr>
-          <p:cNvPr id="3" name="内容占位符 2"/>
-          <p:cNvSpPr>
-            <a:spLocks noGrp="1"/>
-          </p:cNvSpPr>
-          <p:nvPr>
-            <p:ph idx="1"/>
-          </p:nvPr>
-        </p:nvSpPr>
-        <p:spPr>
-          <a:xfrm>
-            <a:off x="684212" y="685800"/>
-            <a:ext cx="8534400" cy="764309"/>
-          </a:xfrm>
-        </p:spPr>
-        <p:txBody>
-          <a:bodyPr/>
-          <a:lstStyle/>
-          <a:p>
-            <a:r>
-              <a:rPr lang="en-US" altLang="zh-CN" dirty="0"/>
-              <a:t>MySQL</a:t>
-            </a:r>
-            <a:r>
-              <a:rPr lang="zh-CN" altLang="en-US" dirty="0"/>
-              <a:t>文件存储</a:t>
-            </a:r>
-          </a:p>
-        </p:txBody>
-      </p:sp>
+      <p:grpSpPr/>
       <p:pic>
         <p:nvPicPr>
-          <p:cNvPr id="17" name="图片 16"/>
+          <p:cNvPr id="4" name="图片 3"/>
           <p:cNvPicPr>
             <a:picLocks noChangeAspect="1"/>
           </p:cNvPicPr>
           <p:nvPr/>
         </p:nvPicPr>
         <p:blipFill>
-          <a:blip r:embed="rId2"/>
+          <a:blip r:embed="rId1"/>
           <a:stretch>
             <a:fillRect/>
           </a:stretch>
         </p:blipFill>
         <p:spPr>
           <a:xfrm>
-            <a:off x="2617168" y="1716977"/>
-            <a:ext cx="6957663" cy="4107536"/>
+            <a:off x="1795145" y="280670"/>
+            <a:ext cx="8601075" cy="6296025"/>
           </a:xfrm>
           <a:prstGeom prst="rect">
             <a:avLst/>
@@ -5640,834 +6365,25 @@
         <p:cNvGrpSpPr/>
         <p:nvPr/>
       </p:nvGrpSpPr>
-      <p:grpSpPr>
-        <a:xfrm>
-          <a:off x="0" y="0"/>
-          <a:ext cx="0" cy="0"/>
-          <a:chOff x="0" y="0"/>
-          <a:chExt cx="0" cy="0"/>
-        </a:xfrm>
-      </p:grpSpPr>
-      <p:sp>
-        <p:nvSpPr>
-          <p:cNvPr id="3" name="内容占位符 2"/>
-          <p:cNvSpPr>
-            <a:spLocks noGrp="1"/>
-          </p:cNvSpPr>
-          <p:nvPr>
-            <p:ph idx="1"/>
-          </p:nvPr>
-        </p:nvSpPr>
-        <p:spPr>
-          <a:xfrm>
-            <a:off x="684212" y="685800"/>
-            <a:ext cx="8534400" cy="831473"/>
-          </a:xfrm>
-        </p:spPr>
-        <p:txBody>
-          <a:bodyPr/>
-          <a:lstStyle/>
-          <a:p>
-            <a:r>
-              <a:rPr lang="zh-CN" altLang="en-US" dirty="0"/>
-              <a:t>共享表空间文件</a:t>
-            </a:r>
-          </a:p>
-        </p:txBody>
-      </p:sp>
-      <p:sp>
-        <p:nvSpPr>
-          <p:cNvPr id="4" name="文本框 3"/>
-          <p:cNvSpPr txBox="1"/>
-          <p:nvPr/>
-        </p:nvSpPr>
-        <p:spPr>
-          <a:xfrm>
-            <a:off x="1182974" y="1447732"/>
-            <a:ext cx="8035638" cy="1754326"/>
-          </a:xfrm>
-          <a:prstGeom prst="rect">
-            <a:avLst/>
-          </a:prstGeom>
-          <a:noFill/>
-        </p:spPr>
-        <p:txBody>
-          <a:bodyPr wrap="square" rtlCol="0">
-            <a:spAutoFit/>
-          </a:bodyPr>
-          <a:lstStyle/>
-          <a:p>
-            <a:r>
-              <a:rPr lang="zh-CN" altLang="en-US" b="1" i="0" dirty="0">
-                <a:solidFill>
-                  <a:schemeClr val="bg1"/>
-                </a:solidFill>
-                <a:effectLst/>
-                <a:latin typeface="Helvetica" panose="020B0604020202020204" pitchFamily="34" charset="0"/>
-              </a:rPr>
-              <a:t>共享表空间（</a:t>
-            </a:r>
-            <a:r>
-              <a:rPr lang="en-US" altLang="zh-CN" b="1" i="0" dirty="0">
-                <a:solidFill>
-                  <a:schemeClr val="bg1"/>
-                </a:solidFill>
-                <a:effectLst/>
-                <a:latin typeface="Helvetica" panose="020B0604020202020204" pitchFamily="34" charset="0"/>
-              </a:rPr>
-              <a:t>ibdata1</a:t>
-            </a:r>
-            <a:r>
-              <a:rPr lang="zh-CN" altLang="en-US" b="1" i="0" dirty="0">
-                <a:solidFill>
-                  <a:schemeClr val="bg1"/>
-                </a:solidFill>
-                <a:effectLst/>
-                <a:latin typeface="Helvetica" panose="020B0604020202020204" pitchFamily="34" charset="0"/>
-              </a:rPr>
-              <a:t>）</a:t>
-            </a:r>
-            <a:br>
-              <a:rPr lang="en-US" altLang="zh-CN" b="0" i="0" dirty="0">
-                <a:solidFill>
-                  <a:schemeClr val="bg1"/>
-                </a:solidFill>
-                <a:effectLst/>
-                <a:latin typeface="Helvetica" panose="020B0604020202020204" pitchFamily="34" charset="0"/>
-              </a:rPr>
-            </a:br>
-            <a:r>
-              <a:rPr lang="en-US" altLang="zh-CN" b="0" i="0" dirty="0">
-                <a:solidFill>
-                  <a:schemeClr val="bg1"/>
-                </a:solidFill>
-                <a:effectLst/>
-                <a:latin typeface="Helvetica" panose="020B0604020202020204" pitchFamily="34" charset="0"/>
-              </a:rPr>
-              <a:t>1</a:t>
-            </a:r>
-            <a:r>
-              <a:rPr lang="zh-CN" altLang="en-US" b="0" i="0" dirty="0">
-                <a:solidFill>
-                  <a:schemeClr val="bg1"/>
-                </a:solidFill>
-                <a:effectLst/>
-                <a:latin typeface="Helvetica" panose="020B0604020202020204" pitchFamily="34" charset="0"/>
-              </a:rPr>
-              <a:t>、数据字典</a:t>
-            </a:r>
-            <a:r>
-              <a:rPr lang="en-US" altLang="zh-CN" b="0" i="0" dirty="0">
-                <a:solidFill>
-                  <a:schemeClr val="bg1"/>
-                </a:solidFill>
-                <a:effectLst/>
-                <a:latin typeface="Helvetica" panose="020B0604020202020204" pitchFamily="34" charset="0"/>
-              </a:rPr>
-              <a:t>(data dictionary)</a:t>
-            </a:r>
-            <a:r>
-              <a:rPr lang="zh-CN" altLang="en-US" b="0" i="0" dirty="0">
-                <a:solidFill>
-                  <a:schemeClr val="bg1"/>
-                </a:solidFill>
-                <a:effectLst/>
-                <a:latin typeface="Helvetica" panose="020B0604020202020204" pitchFamily="34" charset="0"/>
-              </a:rPr>
-              <a:t>：记录数据库相关信息</a:t>
-            </a:r>
-            <a:br>
-              <a:rPr lang="zh-CN" altLang="en-US" b="0" i="0" dirty="0">
-                <a:solidFill>
-                  <a:schemeClr val="bg1"/>
-                </a:solidFill>
-                <a:effectLst/>
-                <a:latin typeface="Helvetica" panose="020B0604020202020204" pitchFamily="34" charset="0"/>
-              </a:rPr>
-            </a:br>
-            <a:r>
-              <a:rPr lang="en-US" altLang="zh-CN" b="0" i="0" dirty="0">
-                <a:solidFill>
-                  <a:schemeClr val="bg1"/>
-                </a:solidFill>
-                <a:effectLst/>
-                <a:latin typeface="Helvetica" panose="020B0604020202020204" pitchFamily="34" charset="0"/>
-              </a:rPr>
-              <a:t>2</a:t>
-            </a:r>
-            <a:r>
-              <a:rPr lang="zh-CN" altLang="en-US" b="0" i="0" dirty="0">
-                <a:solidFill>
-                  <a:schemeClr val="bg1"/>
-                </a:solidFill>
-                <a:effectLst/>
-                <a:latin typeface="Helvetica" panose="020B0604020202020204" pitchFamily="34" charset="0"/>
-              </a:rPr>
-              <a:t>、</a:t>
-            </a:r>
-            <a:r>
-              <a:rPr lang="en-US" altLang="zh-CN" b="0" i="0" dirty="0">
-                <a:solidFill>
-                  <a:schemeClr val="bg1"/>
-                </a:solidFill>
-                <a:effectLst/>
-                <a:latin typeface="Helvetica" panose="020B0604020202020204" pitchFamily="34" charset="0"/>
-              </a:rPr>
-              <a:t>double write buffer</a:t>
-            </a:r>
-            <a:r>
-              <a:rPr lang="zh-CN" altLang="en-US" b="0" i="0" dirty="0">
-                <a:solidFill>
-                  <a:schemeClr val="bg1"/>
-                </a:solidFill>
-                <a:effectLst/>
-                <a:latin typeface="Helvetica" panose="020B0604020202020204" pitchFamily="34" charset="0"/>
-              </a:rPr>
-              <a:t>：解决部分写失败（页断裂）</a:t>
-            </a:r>
-            <a:br>
-              <a:rPr lang="zh-CN" altLang="en-US" b="0" i="0" dirty="0">
-                <a:solidFill>
-                  <a:schemeClr val="bg1"/>
-                </a:solidFill>
-                <a:effectLst/>
-                <a:latin typeface="Helvetica" panose="020B0604020202020204" pitchFamily="34" charset="0"/>
-              </a:rPr>
-            </a:br>
-            <a:r>
-              <a:rPr lang="en-US" altLang="zh-CN" b="0" i="0" dirty="0">
-                <a:solidFill>
-                  <a:schemeClr val="bg1"/>
-                </a:solidFill>
-                <a:effectLst/>
-                <a:latin typeface="Helvetica" panose="020B0604020202020204" pitchFamily="34" charset="0"/>
-              </a:rPr>
-              <a:t>3</a:t>
-            </a:r>
-            <a:r>
-              <a:rPr lang="zh-CN" altLang="en-US" b="0" i="0" dirty="0">
-                <a:solidFill>
-                  <a:schemeClr val="bg1"/>
-                </a:solidFill>
-                <a:effectLst/>
-                <a:latin typeface="Helvetica" panose="020B0604020202020204" pitchFamily="34" charset="0"/>
-              </a:rPr>
-              <a:t>、</a:t>
-            </a:r>
-            <a:r>
-              <a:rPr lang="en-US" altLang="zh-CN" b="0" i="0" dirty="0">
-                <a:solidFill>
-                  <a:schemeClr val="bg1"/>
-                </a:solidFill>
-                <a:effectLst/>
-                <a:latin typeface="Helvetica" panose="020B0604020202020204" pitchFamily="34" charset="0"/>
-              </a:rPr>
-              <a:t>insert buffer</a:t>
-            </a:r>
-            <a:r>
-              <a:rPr lang="zh-CN" altLang="en-US" b="0" i="0" dirty="0">
-                <a:solidFill>
-                  <a:schemeClr val="bg1"/>
-                </a:solidFill>
-                <a:effectLst/>
-                <a:latin typeface="Helvetica" panose="020B0604020202020204" pitchFamily="34" charset="0"/>
-              </a:rPr>
-              <a:t>：内存</a:t>
-            </a:r>
-            <a:r>
-              <a:rPr lang="en-US" altLang="zh-CN" b="0" i="0" dirty="0">
-                <a:solidFill>
-                  <a:schemeClr val="bg1"/>
-                </a:solidFill>
-                <a:effectLst/>
-                <a:latin typeface="Helvetica" panose="020B0604020202020204" pitchFamily="34" charset="0"/>
-              </a:rPr>
-              <a:t>insert buffer</a:t>
-            </a:r>
-            <a:r>
-              <a:rPr lang="zh-CN" altLang="en-US" b="0" i="0" dirty="0">
-                <a:solidFill>
-                  <a:schemeClr val="bg1"/>
-                </a:solidFill>
-                <a:effectLst/>
-                <a:latin typeface="Helvetica" panose="020B0604020202020204" pitchFamily="34" charset="0"/>
-              </a:rPr>
-              <a:t>数据，周期写入共享表空间，防止意外宕机</a:t>
-            </a:r>
-            <a:br>
-              <a:rPr lang="zh-CN" altLang="en-US" b="0" i="0" dirty="0">
-                <a:solidFill>
-                  <a:schemeClr val="bg1"/>
-                </a:solidFill>
-                <a:effectLst/>
-                <a:latin typeface="Helvetica" panose="020B0604020202020204" pitchFamily="34" charset="0"/>
-              </a:rPr>
-            </a:br>
-            <a:r>
-              <a:rPr lang="en-US" altLang="zh-CN" b="0" i="0" dirty="0">
-                <a:solidFill>
-                  <a:schemeClr val="bg1"/>
-                </a:solidFill>
-                <a:effectLst/>
-                <a:latin typeface="Helvetica" panose="020B0604020202020204" pitchFamily="34" charset="0"/>
-              </a:rPr>
-              <a:t>4</a:t>
-            </a:r>
-            <a:r>
-              <a:rPr lang="zh-CN" altLang="en-US" b="0" i="0" dirty="0">
-                <a:solidFill>
-                  <a:schemeClr val="bg1"/>
-                </a:solidFill>
-                <a:effectLst/>
-                <a:latin typeface="Helvetica" panose="020B0604020202020204" pitchFamily="34" charset="0"/>
-              </a:rPr>
-              <a:t>、回滚段</a:t>
-            </a:r>
-            <a:r>
-              <a:rPr lang="en-US" altLang="zh-CN" b="0" i="0" dirty="0">
-                <a:solidFill>
-                  <a:schemeClr val="bg1"/>
-                </a:solidFill>
-                <a:effectLst/>
-                <a:latin typeface="Helvetica" panose="020B0604020202020204" pitchFamily="34" charset="0"/>
-              </a:rPr>
-              <a:t>(rollback segments)</a:t>
-            </a:r>
-            <a:br>
-              <a:rPr lang="en-US" altLang="zh-CN" b="0" i="0" dirty="0">
-                <a:solidFill>
-                  <a:schemeClr val="bg1"/>
-                </a:solidFill>
-                <a:effectLst/>
-                <a:latin typeface="Helvetica" panose="020B0604020202020204" pitchFamily="34" charset="0"/>
-              </a:rPr>
-            </a:br>
-            <a:r>
-              <a:rPr lang="en-US" altLang="zh-CN" b="0" i="0" dirty="0">
-                <a:solidFill>
-                  <a:schemeClr val="bg1"/>
-                </a:solidFill>
-                <a:effectLst/>
-                <a:latin typeface="Helvetica" panose="020B0604020202020204" pitchFamily="34" charset="0"/>
-              </a:rPr>
-              <a:t>5</a:t>
-            </a:r>
-            <a:r>
-              <a:rPr lang="zh-CN" altLang="en-US" b="0" i="0" dirty="0">
-                <a:solidFill>
-                  <a:schemeClr val="bg1"/>
-                </a:solidFill>
-                <a:effectLst/>
-                <a:latin typeface="Helvetica" panose="020B0604020202020204" pitchFamily="34" charset="0"/>
-              </a:rPr>
-              <a:t>、</a:t>
-            </a:r>
-            <a:r>
-              <a:rPr lang="en-US" altLang="zh-CN" b="0" i="0" dirty="0">
-                <a:solidFill>
-                  <a:schemeClr val="bg1"/>
-                </a:solidFill>
-                <a:effectLst/>
-                <a:latin typeface="Helvetica" panose="020B0604020202020204" pitchFamily="34" charset="0"/>
-              </a:rPr>
-              <a:t>undo</a:t>
-            </a:r>
-            <a:r>
-              <a:rPr lang="zh-CN" altLang="en-US" b="0" i="0" dirty="0">
-                <a:solidFill>
-                  <a:schemeClr val="bg1"/>
-                </a:solidFill>
-                <a:effectLst/>
-                <a:latin typeface="Helvetica" panose="020B0604020202020204" pitchFamily="34" charset="0"/>
-              </a:rPr>
-              <a:t>空间：</a:t>
-            </a:r>
-            <a:r>
-              <a:rPr lang="en-US" altLang="zh-CN" b="0" i="0" dirty="0">
-                <a:solidFill>
-                  <a:schemeClr val="bg1"/>
-                </a:solidFill>
-                <a:effectLst/>
-                <a:latin typeface="Helvetica" panose="020B0604020202020204" pitchFamily="34" charset="0"/>
-              </a:rPr>
-              <a:t>undo</a:t>
-            </a:r>
-            <a:r>
-              <a:rPr lang="zh-CN" altLang="en-US" b="0" i="0" dirty="0">
-                <a:solidFill>
-                  <a:schemeClr val="bg1"/>
-                </a:solidFill>
-                <a:effectLst/>
-                <a:latin typeface="Helvetica" panose="020B0604020202020204" pitchFamily="34" charset="0"/>
-              </a:rPr>
-              <a:t>页</a:t>
-            </a:r>
-          </a:p>
-        </p:txBody>
-      </p:sp>
-      <p:sp>
-        <p:nvSpPr>
-          <p:cNvPr id="5" name="文本框 4"/>
-          <p:cNvSpPr txBox="1"/>
-          <p:nvPr/>
-        </p:nvSpPr>
-        <p:spPr>
-          <a:xfrm>
-            <a:off x="1615146" y="3871341"/>
-            <a:ext cx="7897091" cy="2277547"/>
-          </a:xfrm>
-          <a:prstGeom prst="rect">
-            <a:avLst/>
-          </a:prstGeom>
-          <a:noFill/>
-        </p:spPr>
-        <p:txBody>
-          <a:bodyPr wrap="square" rtlCol="0">
-            <a:spAutoFit/>
-          </a:bodyPr>
-          <a:lstStyle/>
-          <a:p>
-            <a:pPr algn="l"/>
-            <a:r>
-              <a:rPr lang="zh-CN" altLang="en-US" sz="1600" b="1" i="0" dirty="0">
-                <a:solidFill>
-                  <a:schemeClr val="bg1"/>
-                </a:solidFill>
-                <a:effectLst/>
-                <a:latin typeface="Helvetica" panose="020B0604020202020204" pitchFamily="34" charset="0"/>
-              </a:rPr>
-              <a:t>关于</a:t>
-            </a:r>
-            <a:r>
-              <a:rPr lang="en-US" altLang="zh-CN" sz="1600" b="1" i="0" dirty="0">
-                <a:solidFill>
-                  <a:schemeClr val="bg1"/>
-                </a:solidFill>
-                <a:effectLst/>
-                <a:latin typeface="Helvetica" panose="020B0604020202020204" pitchFamily="34" charset="0"/>
-              </a:rPr>
-              <a:t>ibdata1</a:t>
-            </a:r>
-            <a:r>
-              <a:rPr lang="zh-CN" altLang="en-US" sz="1600" b="1" i="0" dirty="0">
-                <a:solidFill>
-                  <a:schemeClr val="bg1"/>
-                </a:solidFill>
-                <a:effectLst/>
-                <a:latin typeface="Helvetica" panose="020B0604020202020204" pitchFamily="34" charset="0"/>
-              </a:rPr>
-              <a:t>的增长考虑</a:t>
-            </a:r>
-            <a:r>
-              <a:rPr lang="zh-CN" altLang="en-US" sz="1600" b="0" i="0" dirty="0">
-                <a:solidFill>
-                  <a:schemeClr val="bg1"/>
-                </a:solidFill>
-                <a:effectLst/>
-                <a:latin typeface="Helvetica" panose="020B0604020202020204" pitchFamily="34" charset="0"/>
-              </a:rPr>
-              <a:t>影响共享表空间增长的对象：</a:t>
-            </a:r>
-            <a:r>
-              <a:rPr lang="en-US" altLang="zh-CN" sz="1600" b="0" i="0" dirty="0">
-                <a:solidFill>
-                  <a:schemeClr val="bg1"/>
-                </a:solidFill>
-                <a:effectLst/>
-                <a:latin typeface="Helvetica" panose="020B0604020202020204" pitchFamily="34" charset="0"/>
-              </a:rPr>
-              <a:t>insert buffer</a:t>
-            </a:r>
-            <a:r>
-              <a:rPr lang="zh-CN" altLang="en-US" sz="1600" b="0" i="0" dirty="0">
-                <a:solidFill>
-                  <a:schemeClr val="bg1"/>
-                </a:solidFill>
-                <a:effectLst/>
-                <a:latin typeface="Helvetica" panose="020B0604020202020204" pitchFamily="34" charset="0"/>
-              </a:rPr>
-              <a:t>、</a:t>
-            </a:r>
-            <a:r>
-              <a:rPr lang="en-US" altLang="zh-CN" sz="1600" b="0" i="0" dirty="0">
-                <a:solidFill>
-                  <a:schemeClr val="bg1"/>
-                </a:solidFill>
-                <a:effectLst/>
-                <a:latin typeface="Helvetica" panose="020B0604020202020204" pitchFamily="34" charset="0"/>
-              </a:rPr>
-              <a:t>undo</a:t>
-            </a:r>
-            <a:r>
-              <a:rPr lang="zh-CN" altLang="en-US" sz="1600" b="0" i="0" dirty="0">
-                <a:solidFill>
-                  <a:schemeClr val="bg1"/>
-                </a:solidFill>
-                <a:effectLst/>
-                <a:latin typeface="Helvetica" panose="020B0604020202020204" pitchFamily="34" charset="0"/>
-              </a:rPr>
-              <a:t>空间</a:t>
-            </a:r>
-            <a:br>
-              <a:rPr lang="zh-CN" altLang="en-US" b="0" i="0" dirty="0">
-                <a:solidFill>
-                  <a:schemeClr val="bg1"/>
-                </a:solidFill>
-                <a:effectLst/>
-                <a:latin typeface="Helvetica" panose="020B0604020202020204" pitchFamily="34" charset="0"/>
-              </a:rPr>
-            </a:br>
-            <a:r>
-              <a:rPr lang="en-US" altLang="zh-CN" b="0" i="0" dirty="0">
-                <a:solidFill>
-                  <a:schemeClr val="bg1"/>
-                </a:solidFill>
-                <a:effectLst/>
-                <a:latin typeface="Helvetica" panose="020B0604020202020204" pitchFamily="34" charset="0"/>
-              </a:rPr>
-              <a:t>1</a:t>
-            </a:r>
-            <a:r>
-              <a:rPr lang="zh-CN" altLang="en-US" b="0" i="0" dirty="0">
-                <a:solidFill>
-                  <a:schemeClr val="bg1"/>
-                </a:solidFill>
-                <a:effectLst/>
-                <a:latin typeface="Helvetica" panose="020B0604020202020204" pitchFamily="34" charset="0"/>
-              </a:rPr>
-              <a:t>、什么时候</a:t>
-            </a:r>
-            <a:r>
-              <a:rPr lang="en-US" altLang="zh-CN" b="0" i="0" dirty="0">
-                <a:solidFill>
-                  <a:schemeClr val="bg1"/>
-                </a:solidFill>
-                <a:effectLst/>
-                <a:latin typeface="Helvetica" panose="020B0604020202020204" pitchFamily="34" charset="0"/>
-              </a:rPr>
-              <a:t>undo</a:t>
-            </a:r>
-            <a:r>
-              <a:rPr lang="zh-CN" altLang="en-US" b="0" i="0" dirty="0">
-                <a:solidFill>
-                  <a:schemeClr val="bg1"/>
-                </a:solidFill>
-                <a:effectLst/>
-                <a:latin typeface="Helvetica" panose="020B0604020202020204" pitchFamily="34" charset="0"/>
-              </a:rPr>
-              <a:t>暴涨：</a:t>
-            </a:r>
-            <a:br>
-              <a:rPr lang="zh-CN" altLang="en-US" b="0" i="0" dirty="0">
-                <a:solidFill>
-                  <a:schemeClr val="bg1"/>
-                </a:solidFill>
-                <a:effectLst/>
-                <a:latin typeface="Helvetica" panose="020B0604020202020204" pitchFamily="34" charset="0"/>
-              </a:rPr>
-            </a:br>
-            <a:r>
-              <a:rPr lang="zh-CN" altLang="en-US" b="0" i="0" dirty="0">
-                <a:solidFill>
-                  <a:schemeClr val="bg1"/>
-                </a:solidFill>
-                <a:effectLst/>
-                <a:latin typeface="Helvetica" panose="020B0604020202020204" pitchFamily="34" charset="0"/>
-              </a:rPr>
-              <a:t>　</a:t>
-            </a:r>
-            <a:r>
-              <a:rPr lang="en-US" altLang="zh-CN" b="0" i="0" dirty="0">
-                <a:solidFill>
-                  <a:schemeClr val="bg1"/>
-                </a:solidFill>
-                <a:effectLst/>
-                <a:latin typeface="Helvetica" panose="020B0604020202020204" pitchFamily="34" charset="0"/>
-              </a:rPr>
-              <a:t>-- </a:t>
-            </a:r>
-            <a:r>
-              <a:rPr lang="zh-CN" altLang="en-US" b="0" i="0" dirty="0">
-                <a:solidFill>
-                  <a:schemeClr val="bg1"/>
-                </a:solidFill>
-                <a:effectLst/>
-                <a:latin typeface="Helvetica" panose="020B0604020202020204" pitchFamily="34" charset="0"/>
-              </a:rPr>
-              <a:t>大事务为主，例如修改了</a:t>
-            </a:r>
-            <a:r>
-              <a:rPr lang="en-US" altLang="zh-CN" b="0" i="0" dirty="0">
-                <a:solidFill>
-                  <a:schemeClr val="bg1"/>
-                </a:solidFill>
-                <a:effectLst/>
-                <a:latin typeface="Helvetica" panose="020B0604020202020204" pitchFamily="34" charset="0"/>
-              </a:rPr>
-              <a:t>40</a:t>
-            </a:r>
-            <a:r>
-              <a:rPr lang="zh-CN" altLang="en-US" b="0" i="0" dirty="0">
-                <a:solidFill>
-                  <a:schemeClr val="bg1"/>
-                </a:solidFill>
-                <a:effectLst/>
-                <a:latin typeface="Helvetica" panose="020B0604020202020204" pitchFamily="34" charset="0"/>
-              </a:rPr>
-              <a:t>万行才提交</a:t>
-            </a:r>
-            <a:br>
-              <a:rPr lang="zh-CN" altLang="en-US" b="0" i="0" dirty="0">
-                <a:solidFill>
-                  <a:schemeClr val="bg1"/>
-                </a:solidFill>
-                <a:effectLst/>
-                <a:latin typeface="Helvetica" panose="020B0604020202020204" pitchFamily="34" charset="0"/>
-              </a:rPr>
-            </a:br>
-            <a:r>
-              <a:rPr lang="zh-CN" altLang="en-US" b="0" i="0" dirty="0">
-                <a:solidFill>
-                  <a:schemeClr val="bg1"/>
-                </a:solidFill>
-                <a:effectLst/>
-                <a:latin typeface="Helvetica" panose="020B0604020202020204" pitchFamily="34" charset="0"/>
-              </a:rPr>
-              <a:t>　</a:t>
-            </a:r>
-            <a:r>
-              <a:rPr lang="en-US" altLang="zh-CN" b="0" i="0" dirty="0">
-                <a:solidFill>
-                  <a:schemeClr val="bg1"/>
-                </a:solidFill>
-                <a:effectLst/>
-                <a:latin typeface="Helvetica" panose="020B0604020202020204" pitchFamily="34" charset="0"/>
-              </a:rPr>
-              <a:t>-- </a:t>
-            </a:r>
-            <a:r>
-              <a:rPr lang="zh-CN" altLang="en-US" b="0" i="0" dirty="0">
-                <a:solidFill>
-                  <a:schemeClr val="bg1"/>
-                </a:solidFill>
-                <a:effectLst/>
-                <a:latin typeface="Helvetica" panose="020B0604020202020204" pitchFamily="34" charset="0"/>
-              </a:rPr>
-              <a:t>长事务导致的</a:t>
-            </a:r>
-            <a:r>
-              <a:rPr lang="en-US" altLang="zh-CN" b="0" i="0" dirty="0">
-                <a:solidFill>
-                  <a:schemeClr val="bg1"/>
-                </a:solidFill>
-                <a:effectLst/>
-                <a:latin typeface="Helvetica" panose="020B0604020202020204" pitchFamily="34" charset="0"/>
-              </a:rPr>
-              <a:t>undo</a:t>
-            </a:r>
-            <a:r>
-              <a:rPr lang="zh-CN" altLang="en-US" b="0" i="0" dirty="0">
-                <a:solidFill>
-                  <a:schemeClr val="bg1"/>
-                </a:solidFill>
-                <a:effectLst/>
-                <a:latin typeface="Helvetica" panose="020B0604020202020204" pitchFamily="34" charset="0"/>
-              </a:rPr>
-              <a:t>持续增加</a:t>
-            </a:r>
-            <a:br>
-              <a:rPr lang="zh-CN" altLang="en-US" b="0" i="0" dirty="0">
-                <a:solidFill>
-                  <a:schemeClr val="bg1"/>
-                </a:solidFill>
-                <a:effectLst/>
-                <a:latin typeface="Helvetica" panose="020B0604020202020204" pitchFamily="34" charset="0"/>
-              </a:rPr>
-            </a:br>
-            <a:r>
-              <a:rPr lang="en-US" altLang="zh-CN" b="0" i="0" dirty="0">
-                <a:solidFill>
-                  <a:schemeClr val="bg1"/>
-                </a:solidFill>
-                <a:effectLst/>
-                <a:latin typeface="Helvetica" panose="020B0604020202020204" pitchFamily="34" charset="0"/>
-              </a:rPr>
-              <a:t>2</a:t>
-            </a:r>
-            <a:r>
-              <a:rPr lang="zh-CN" altLang="en-US" b="0" i="0" dirty="0">
-                <a:solidFill>
-                  <a:schemeClr val="bg1"/>
-                </a:solidFill>
-                <a:effectLst/>
-                <a:latin typeface="Helvetica" panose="020B0604020202020204" pitchFamily="34" charset="0"/>
-              </a:rPr>
-              <a:t>、</a:t>
-            </a:r>
-            <a:r>
-              <a:rPr lang="en-US" altLang="zh-CN" b="0" i="0" dirty="0">
-                <a:solidFill>
-                  <a:schemeClr val="bg1"/>
-                </a:solidFill>
-                <a:effectLst/>
-                <a:latin typeface="Helvetica" panose="020B0604020202020204" pitchFamily="34" charset="0"/>
-              </a:rPr>
-              <a:t>insert buffer</a:t>
-            </a:r>
-            <a:r>
-              <a:rPr lang="zh-CN" altLang="en-US" b="0" i="0" dirty="0">
-                <a:solidFill>
-                  <a:schemeClr val="bg1"/>
-                </a:solidFill>
-                <a:effectLst/>
-                <a:latin typeface="Helvetica" panose="020B0604020202020204" pitchFamily="34" charset="0"/>
-              </a:rPr>
-              <a:t>空间很大</a:t>
-            </a:r>
-            <a:br>
-              <a:rPr lang="zh-CN" altLang="en-US" b="0" i="0" dirty="0">
-                <a:solidFill>
-                  <a:schemeClr val="bg1"/>
-                </a:solidFill>
-                <a:effectLst/>
-                <a:latin typeface="Helvetica" panose="020B0604020202020204" pitchFamily="34" charset="0"/>
-              </a:rPr>
-            </a:br>
-            <a:r>
-              <a:rPr lang="zh-CN" altLang="en-US" b="0" i="0" dirty="0">
-                <a:solidFill>
-                  <a:schemeClr val="bg1"/>
-                </a:solidFill>
-                <a:effectLst/>
-                <a:latin typeface="Helvetica" panose="020B0604020202020204" pitchFamily="34" charset="0"/>
-              </a:rPr>
-              <a:t>　</a:t>
-            </a:r>
-            <a:r>
-              <a:rPr lang="en-US" altLang="zh-CN" b="0" i="0" dirty="0">
-                <a:solidFill>
-                  <a:schemeClr val="bg1"/>
-                </a:solidFill>
-                <a:effectLst/>
-                <a:latin typeface="Helvetica" panose="020B0604020202020204" pitchFamily="34" charset="0"/>
-              </a:rPr>
-              <a:t>-- </a:t>
-            </a:r>
-            <a:r>
-              <a:rPr lang="zh-CN" altLang="en-US" b="0" i="0" dirty="0">
-                <a:solidFill>
-                  <a:schemeClr val="bg1"/>
-                </a:solidFill>
-                <a:effectLst/>
-                <a:latin typeface="Helvetica" panose="020B0604020202020204" pitchFamily="34" charset="0"/>
-              </a:rPr>
-              <a:t>索引建立过多</a:t>
-            </a:r>
-            <a:br>
-              <a:rPr lang="zh-CN" altLang="en-US" b="0" i="0" dirty="0">
-                <a:solidFill>
-                  <a:schemeClr val="bg1"/>
-                </a:solidFill>
-                <a:effectLst/>
-                <a:latin typeface="Helvetica" panose="020B0604020202020204" pitchFamily="34" charset="0"/>
-              </a:rPr>
-            </a:br>
-            <a:r>
-              <a:rPr lang="zh-CN" altLang="en-US" b="0" i="0" dirty="0">
-                <a:solidFill>
-                  <a:schemeClr val="bg1"/>
-                </a:solidFill>
-                <a:effectLst/>
-                <a:latin typeface="Helvetica" panose="020B0604020202020204" pitchFamily="34" charset="0"/>
-              </a:rPr>
-              <a:t>　</a:t>
-            </a:r>
-            <a:r>
-              <a:rPr lang="en-US" altLang="zh-CN" b="0" i="0" dirty="0">
-                <a:solidFill>
-                  <a:schemeClr val="bg1"/>
-                </a:solidFill>
-                <a:effectLst/>
-                <a:latin typeface="Helvetica" panose="020B0604020202020204" pitchFamily="34" charset="0"/>
-              </a:rPr>
-              <a:t>-- </a:t>
-            </a:r>
-            <a:r>
-              <a:rPr lang="zh-CN" altLang="en-US" b="0" i="0" dirty="0">
-                <a:solidFill>
-                  <a:schemeClr val="bg1"/>
-                </a:solidFill>
-                <a:effectLst/>
-                <a:latin typeface="Helvetica" panose="020B0604020202020204" pitchFamily="34" charset="0"/>
-              </a:rPr>
-              <a:t>很多索引不怎么使用</a:t>
-            </a:r>
-            <a:br>
-              <a:rPr lang="zh-CN" altLang="en-US" b="0" i="0" dirty="0">
-                <a:solidFill>
-                  <a:schemeClr val="bg1"/>
-                </a:solidFill>
-                <a:effectLst/>
-                <a:latin typeface="Helvetica" panose="020B0604020202020204" pitchFamily="34" charset="0"/>
-              </a:rPr>
-            </a:br>
-            <a:r>
-              <a:rPr lang="zh-CN" altLang="en-US" b="0" i="0" dirty="0">
-                <a:solidFill>
-                  <a:schemeClr val="bg1"/>
-                </a:solidFill>
-                <a:effectLst/>
-                <a:latin typeface="Helvetica" panose="020B0604020202020204" pitchFamily="34" charset="0"/>
-              </a:rPr>
-              <a:t>　</a:t>
-            </a:r>
-            <a:r>
-              <a:rPr lang="en-US" altLang="zh-CN" b="0" i="0" dirty="0">
-                <a:solidFill>
-                  <a:schemeClr val="bg1"/>
-                </a:solidFill>
-                <a:effectLst/>
-                <a:latin typeface="Helvetica" panose="020B0604020202020204" pitchFamily="34" charset="0"/>
-              </a:rPr>
-              <a:t>-- </a:t>
-            </a:r>
-            <a:r>
-              <a:rPr lang="zh-CN" altLang="en-US" b="0" i="0" dirty="0">
-                <a:solidFill>
-                  <a:schemeClr val="bg1"/>
-                </a:solidFill>
-                <a:effectLst/>
-                <a:latin typeface="Helvetica" panose="020B0604020202020204" pitchFamily="34" charset="0"/>
-              </a:rPr>
-              <a:t>索引和主键顺序严重不一致：主键的建立选择有问题</a:t>
-            </a:r>
-          </a:p>
-        </p:txBody>
-      </p:sp>
+      <p:grpSpPr/>
       <p:pic>
         <p:nvPicPr>
-          <p:cNvPr id="7" name="图片 6"/>
+          <p:cNvPr id="4" name="图片 3"/>
           <p:cNvPicPr>
             <a:picLocks noChangeAspect="1"/>
           </p:cNvPicPr>
           <p:nvPr/>
         </p:nvPicPr>
         <p:blipFill>
-          <a:blip r:embed="rId2" cstate="print">
-            <a:extLst>
-              <a:ext uri="{28A0092B-C50C-407E-A947-70E740481C1C}">
-                <a14:useLocalDpi xmlns:a14="http://schemas.microsoft.com/office/drawing/2010/main" val="0"/>
-              </a:ext>
-            </a:extLst>
-          </a:blip>
+          <a:blip r:embed="rId1"/>
           <a:stretch>
             <a:fillRect/>
           </a:stretch>
         </p:blipFill>
         <p:spPr>
           <a:xfrm>
-            <a:off x="1182974" y="3427343"/>
-            <a:ext cx="514800" cy="457200"/>
+            <a:off x="1823720" y="1104900"/>
+            <a:ext cx="8543925" cy="4648200"/>
           </a:xfrm>
           <a:prstGeom prst="rect">
             <a:avLst/>
@@ -6512,6 +6428,1152 @@
         <p:spPr>
           <a:xfrm>
             <a:off x="684212" y="685800"/>
+            <a:ext cx="8534400" cy="801255"/>
+          </a:xfrm>
+        </p:spPr>
+        <p:txBody>
+          <a:bodyPr/>
+          <a:lstStyle/>
+          <a:p>
+            <a:r>
+              <a:rPr lang="zh-CN" altLang="en-US" dirty="0"/>
+              <a:t>内存池架构</a:t>
+            </a:r>
+            <a:endParaRPr lang="zh-CN" altLang="en-US" dirty="0"/>
+          </a:p>
+        </p:txBody>
+      </p:sp>
+      <p:pic>
+        <p:nvPicPr>
+          <p:cNvPr id="5" name="图片 4"/>
+          <p:cNvPicPr>
+            <a:picLocks noChangeAspect="1"/>
+          </p:cNvPicPr>
+          <p:nvPr/>
+        </p:nvPicPr>
+        <p:blipFill>
+          <a:blip r:embed="rId1"/>
+          <a:stretch>
+            <a:fillRect/>
+          </a:stretch>
+        </p:blipFill>
+        <p:spPr>
+          <a:xfrm>
+            <a:off x="2163739" y="1943765"/>
+            <a:ext cx="7864522" cy="3284505"/>
+          </a:xfrm>
+          <a:prstGeom prst="rect">
+            <a:avLst/>
+          </a:prstGeom>
+        </p:spPr>
+      </p:pic>
+    </p:spTree>
+  </p:cSld>
+  <p:clrMapOvr>
+    <a:masterClrMapping/>
+  </p:clrMapOvr>
+</p:sld>
+</file>
+
+<file path=ppt/slides/slide15.xml><?xml version="1.0" encoding="utf-8"?>
+<p:sld xmlns:a="http://schemas.openxmlformats.org/drawingml/2006/main" xmlns:r="http://schemas.openxmlformats.org/officeDocument/2006/relationships" xmlns:p="http://schemas.openxmlformats.org/presentationml/2006/main">
+  <p:cSld>
+    <p:spTree>
+      <p:nvGrpSpPr>
+        <p:cNvPr id="1" name=""/>
+        <p:cNvGrpSpPr/>
+        <p:nvPr/>
+      </p:nvGrpSpPr>
+      <p:grpSpPr>
+        <a:xfrm>
+          <a:off x="0" y="0"/>
+          <a:ext cx="0" cy="0"/>
+          <a:chOff x="0" y="0"/>
+          <a:chExt cx="0" cy="0"/>
+        </a:xfrm>
+      </p:grpSpPr>
+      <p:sp>
+        <p:nvSpPr>
+          <p:cNvPr id="3" name="内容占位符 2"/>
+          <p:cNvSpPr>
+            <a:spLocks noGrp="1"/>
+          </p:cNvSpPr>
+          <p:nvPr>
+            <p:ph idx="1"/>
+          </p:nvPr>
+        </p:nvSpPr>
+        <p:spPr>
+          <a:xfrm>
+            <a:off x="684212" y="685800"/>
+            <a:ext cx="8534400" cy="875145"/>
+          </a:xfrm>
+        </p:spPr>
+        <p:txBody>
+          <a:bodyPr/>
+          <a:lstStyle/>
+          <a:p>
+            <a:r>
+              <a:rPr lang="en-US" altLang="zh-CN" dirty="0"/>
+              <a:t>Checkpoint</a:t>
+            </a:r>
+            <a:r>
+              <a:rPr lang="zh-CN" altLang="en-US" dirty="0"/>
+              <a:t>技术</a:t>
+            </a:r>
+            <a:endParaRPr lang="zh-CN" altLang="en-US" dirty="0"/>
+          </a:p>
+        </p:txBody>
+      </p:sp>
+      <p:sp>
+        <p:nvSpPr>
+          <p:cNvPr id="4" name="文本框 3"/>
+          <p:cNvSpPr txBox="1"/>
+          <p:nvPr/>
+        </p:nvSpPr>
+        <p:spPr>
+          <a:xfrm>
+            <a:off x="1136073" y="1560945"/>
+            <a:ext cx="10224654" cy="2426626"/>
+          </a:xfrm>
+          <a:prstGeom prst="rect">
+            <a:avLst/>
+          </a:prstGeom>
+          <a:noFill/>
+        </p:spPr>
+        <p:txBody>
+          <a:bodyPr wrap="square" rtlCol="0">
+            <a:spAutoFit/>
+          </a:bodyPr>
+          <a:lstStyle/>
+          <a:p>
+            <a:pPr marL="285750" indent="-285750">
+              <a:lnSpc>
+                <a:spcPct val="300000"/>
+              </a:lnSpc>
+              <a:buFont typeface="Wingdings" panose="05000000000000000000" pitchFamily="2" charset="2"/>
+              <a:buChar char="u"/>
+            </a:pPr>
+            <a:r>
+              <a:rPr lang="zh-CN" altLang="en-US" dirty="0"/>
+              <a:t>缩短数据库的回复时间</a:t>
+            </a:r>
+            <a:endParaRPr lang="en-US" altLang="zh-CN" dirty="0"/>
+          </a:p>
+          <a:p>
+            <a:pPr marL="285750" indent="-285750">
+              <a:lnSpc>
+                <a:spcPct val="300000"/>
+              </a:lnSpc>
+              <a:buFont typeface="Wingdings" panose="05000000000000000000" pitchFamily="2" charset="2"/>
+              <a:buChar char="u"/>
+            </a:pPr>
+            <a:r>
+              <a:rPr lang="zh-CN" altLang="en-US" dirty="0"/>
+              <a:t>缓冲池不够用时，将脏页刷新到磁盘</a:t>
+            </a:r>
+            <a:endParaRPr lang="en-US" altLang="zh-CN" dirty="0"/>
+          </a:p>
+          <a:p>
+            <a:pPr marL="285750" indent="-285750">
+              <a:lnSpc>
+                <a:spcPct val="300000"/>
+              </a:lnSpc>
+              <a:buFont typeface="Wingdings" panose="05000000000000000000" pitchFamily="2" charset="2"/>
+              <a:buChar char="u"/>
+            </a:pPr>
+            <a:r>
+              <a:rPr lang="zh-CN" altLang="en-US" dirty="0"/>
+              <a:t>重做日志不可用时，刷新脏页</a:t>
+            </a:r>
+            <a:endParaRPr lang="zh-CN" altLang="en-US" dirty="0"/>
+          </a:p>
+        </p:txBody>
+      </p:sp>
+    </p:spTree>
+  </p:cSld>
+  <p:clrMapOvr>
+    <a:masterClrMapping/>
+  </p:clrMapOvr>
+</p:sld>
+</file>
+
+<file path=ppt/slides/slide16.xml><?xml version="1.0" encoding="utf-8"?>
+<p:sld xmlns:a="http://schemas.openxmlformats.org/drawingml/2006/main" xmlns:r="http://schemas.openxmlformats.org/officeDocument/2006/relationships" xmlns:p="http://schemas.openxmlformats.org/presentationml/2006/main">
+  <p:cSld>
+    <p:spTree>
+      <p:nvGrpSpPr>
+        <p:cNvPr id="1" name=""/>
+        <p:cNvGrpSpPr/>
+        <p:nvPr/>
+      </p:nvGrpSpPr>
+      <p:grpSpPr>
+        <a:xfrm>
+          <a:off x="0" y="0"/>
+          <a:ext cx="0" cy="0"/>
+          <a:chOff x="0" y="0"/>
+          <a:chExt cx="0" cy="0"/>
+        </a:xfrm>
+      </p:grpSpPr>
+      <p:sp>
+        <p:nvSpPr>
+          <p:cNvPr id="3" name="内容占位符 2"/>
+          <p:cNvSpPr>
+            <a:spLocks noGrp="1"/>
+          </p:cNvSpPr>
+          <p:nvPr>
+            <p:ph idx="1"/>
+          </p:nvPr>
+        </p:nvSpPr>
+        <p:spPr>
+          <a:xfrm>
+            <a:off x="684212" y="685800"/>
+            <a:ext cx="8534400" cy="764309"/>
+          </a:xfrm>
+        </p:spPr>
+        <p:txBody>
+          <a:bodyPr/>
+          <a:lstStyle/>
+          <a:p>
+            <a:r>
+              <a:rPr lang="en-US" altLang="zh-CN" dirty="0"/>
+              <a:t>MySQL</a:t>
+            </a:r>
+            <a:r>
+              <a:rPr lang="zh-CN" altLang="en-US" dirty="0"/>
+              <a:t>文件存储</a:t>
+            </a:r>
+            <a:endParaRPr lang="zh-CN" altLang="en-US" dirty="0"/>
+          </a:p>
+        </p:txBody>
+      </p:sp>
+      <p:pic>
+        <p:nvPicPr>
+          <p:cNvPr id="17" name="图片 16"/>
+          <p:cNvPicPr>
+            <a:picLocks noChangeAspect="1"/>
+          </p:cNvPicPr>
+          <p:nvPr/>
+        </p:nvPicPr>
+        <p:blipFill>
+          <a:blip r:embed="rId1"/>
+          <a:stretch>
+            <a:fillRect/>
+          </a:stretch>
+        </p:blipFill>
+        <p:spPr>
+          <a:xfrm>
+            <a:off x="2617168" y="1716977"/>
+            <a:ext cx="6957663" cy="4107536"/>
+          </a:xfrm>
+          <a:prstGeom prst="rect">
+            <a:avLst/>
+          </a:prstGeom>
+        </p:spPr>
+      </p:pic>
+    </p:spTree>
+  </p:cSld>
+  <p:clrMapOvr>
+    <a:masterClrMapping/>
+  </p:clrMapOvr>
+</p:sld>
+</file>
+
+<file path=ppt/slides/slide17.xml><?xml version="1.0" encoding="utf-8"?>
+<p:sld xmlns:a="http://schemas.openxmlformats.org/drawingml/2006/main" xmlns:r="http://schemas.openxmlformats.org/officeDocument/2006/relationships" xmlns:p="http://schemas.openxmlformats.org/presentationml/2006/main">
+  <p:cSld>
+    <p:spTree>
+      <p:nvGrpSpPr>
+        <p:cNvPr id="1" name=""/>
+        <p:cNvGrpSpPr/>
+        <p:nvPr/>
+      </p:nvGrpSpPr>
+      <p:grpSpPr>
+        <a:xfrm>
+          <a:off x="0" y="0"/>
+          <a:ext cx="0" cy="0"/>
+          <a:chOff x="0" y="0"/>
+          <a:chExt cx="0" cy="0"/>
+        </a:xfrm>
+      </p:grpSpPr>
+      <p:sp>
+        <p:nvSpPr>
+          <p:cNvPr id="3" name="内容占位符 2"/>
+          <p:cNvSpPr>
+            <a:spLocks noGrp="1"/>
+          </p:cNvSpPr>
+          <p:nvPr>
+            <p:ph idx="1"/>
+          </p:nvPr>
+        </p:nvSpPr>
+        <p:spPr>
+          <a:xfrm>
+            <a:off x="684212" y="685800"/>
+            <a:ext cx="8534400" cy="831473"/>
+          </a:xfrm>
+        </p:spPr>
+        <p:txBody>
+          <a:bodyPr/>
+          <a:lstStyle/>
+          <a:p>
+            <a:r>
+              <a:rPr lang="zh-CN" altLang="en-US" dirty="0"/>
+              <a:t>共享表空间文件</a:t>
+            </a:r>
+            <a:endParaRPr lang="zh-CN" altLang="en-US" dirty="0"/>
+          </a:p>
+        </p:txBody>
+      </p:sp>
+      <p:sp>
+        <p:nvSpPr>
+          <p:cNvPr id="4" name="文本框 3"/>
+          <p:cNvSpPr txBox="1"/>
+          <p:nvPr/>
+        </p:nvSpPr>
+        <p:spPr>
+          <a:xfrm>
+            <a:off x="1182974" y="1447732"/>
+            <a:ext cx="8035638" cy="1754326"/>
+          </a:xfrm>
+          <a:prstGeom prst="rect">
+            <a:avLst/>
+          </a:prstGeom>
+          <a:noFill/>
+        </p:spPr>
+        <p:txBody>
+          <a:bodyPr wrap="square" rtlCol="0">
+            <a:spAutoFit/>
+          </a:bodyPr>
+          <a:lstStyle/>
+          <a:p>
+            <a:r>
+              <a:rPr lang="zh-CN" altLang="en-US" b="1" i="0" dirty="0">
+                <a:solidFill>
+                  <a:schemeClr val="bg1"/>
+                </a:solidFill>
+                <a:effectLst/>
+                <a:latin typeface="Helvetica" panose="020B0604020202020204" pitchFamily="34" charset="0"/>
+              </a:rPr>
+              <a:t>共享表空间（</a:t>
+            </a:r>
+            <a:r>
+              <a:rPr lang="en-US" altLang="zh-CN" b="1" i="0" dirty="0">
+                <a:solidFill>
+                  <a:schemeClr val="bg1"/>
+                </a:solidFill>
+                <a:effectLst/>
+                <a:latin typeface="Helvetica" panose="020B0604020202020204" pitchFamily="34" charset="0"/>
+              </a:rPr>
+              <a:t>ibdata1</a:t>
+            </a:r>
+            <a:r>
+              <a:rPr lang="zh-CN" altLang="en-US" b="1" i="0" dirty="0">
+                <a:solidFill>
+                  <a:schemeClr val="bg1"/>
+                </a:solidFill>
+                <a:effectLst/>
+                <a:latin typeface="Helvetica" panose="020B0604020202020204" pitchFamily="34" charset="0"/>
+              </a:rPr>
+              <a:t>）</a:t>
+            </a:r>
+            <a:br>
+              <a:rPr lang="en-US" altLang="zh-CN" b="0" i="0" dirty="0">
+                <a:solidFill>
+                  <a:schemeClr val="bg1"/>
+                </a:solidFill>
+                <a:effectLst/>
+                <a:latin typeface="Helvetica" panose="020B0604020202020204" pitchFamily="34" charset="0"/>
+              </a:rPr>
+            </a:br>
+            <a:r>
+              <a:rPr lang="en-US" altLang="zh-CN" b="0" i="0" dirty="0">
+                <a:solidFill>
+                  <a:schemeClr val="bg1"/>
+                </a:solidFill>
+                <a:effectLst/>
+                <a:latin typeface="Helvetica" panose="020B0604020202020204" pitchFamily="34" charset="0"/>
+              </a:rPr>
+              <a:t>1</a:t>
+            </a:r>
+            <a:r>
+              <a:rPr lang="zh-CN" altLang="en-US" b="0" i="0" dirty="0">
+                <a:solidFill>
+                  <a:schemeClr val="bg1"/>
+                </a:solidFill>
+                <a:effectLst/>
+                <a:latin typeface="Helvetica" panose="020B0604020202020204" pitchFamily="34" charset="0"/>
+              </a:rPr>
+              <a:t>、数据字典</a:t>
+            </a:r>
+            <a:r>
+              <a:rPr lang="en-US" altLang="zh-CN" b="0" i="0" dirty="0">
+                <a:solidFill>
+                  <a:schemeClr val="bg1"/>
+                </a:solidFill>
+                <a:effectLst/>
+                <a:latin typeface="Helvetica" panose="020B0604020202020204" pitchFamily="34" charset="0"/>
+              </a:rPr>
+              <a:t>(data dictionary)</a:t>
+            </a:r>
+            <a:r>
+              <a:rPr lang="zh-CN" altLang="en-US" b="0" i="0" dirty="0">
+                <a:solidFill>
+                  <a:schemeClr val="bg1"/>
+                </a:solidFill>
+                <a:effectLst/>
+                <a:latin typeface="Helvetica" panose="020B0604020202020204" pitchFamily="34" charset="0"/>
+              </a:rPr>
+              <a:t>：记录数据库相关信息</a:t>
+            </a:r>
+            <a:br>
+              <a:rPr lang="zh-CN" altLang="en-US" b="0" i="0" dirty="0">
+                <a:solidFill>
+                  <a:schemeClr val="bg1"/>
+                </a:solidFill>
+                <a:effectLst/>
+                <a:latin typeface="Helvetica" panose="020B0604020202020204" pitchFamily="34" charset="0"/>
+              </a:rPr>
+            </a:br>
+            <a:r>
+              <a:rPr lang="en-US" altLang="zh-CN" b="0" i="0" dirty="0">
+                <a:solidFill>
+                  <a:schemeClr val="bg1"/>
+                </a:solidFill>
+                <a:effectLst/>
+                <a:latin typeface="Helvetica" panose="020B0604020202020204" pitchFamily="34" charset="0"/>
+              </a:rPr>
+              <a:t>2</a:t>
+            </a:r>
+            <a:r>
+              <a:rPr lang="zh-CN" altLang="en-US" b="0" i="0" dirty="0">
+                <a:solidFill>
+                  <a:schemeClr val="bg1"/>
+                </a:solidFill>
+                <a:effectLst/>
+                <a:latin typeface="Helvetica" panose="020B0604020202020204" pitchFamily="34" charset="0"/>
+              </a:rPr>
+              <a:t>、</a:t>
+            </a:r>
+            <a:r>
+              <a:rPr lang="en-US" altLang="zh-CN" b="0" i="0" dirty="0">
+                <a:solidFill>
+                  <a:schemeClr val="bg1"/>
+                </a:solidFill>
+                <a:effectLst/>
+                <a:latin typeface="Helvetica" panose="020B0604020202020204" pitchFamily="34" charset="0"/>
+              </a:rPr>
+              <a:t>double write buffer</a:t>
+            </a:r>
+            <a:r>
+              <a:rPr lang="zh-CN" altLang="en-US" b="0" i="0" dirty="0">
+                <a:solidFill>
+                  <a:schemeClr val="bg1"/>
+                </a:solidFill>
+                <a:effectLst/>
+                <a:latin typeface="Helvetica" panose="020B0604020202020204" pitchFamily="34" charset="0"/>
+              </a:rPr>
+              <a:t>：解决部分写失败（页断裂）</a:t>
+            </a:r>
+            <a:br>
+              <a:rPr lang="zh-CN" altLang="en-US" b="0" i="0" dirty="0">
+                <a:solidFill>
+                  <a:schemeClr val="bg1"/>
+                </a:solidFill>
+                <a:effectLst/>
+                <a:latin typeface="Helvetica" panose="020B0604020202020204" pitchFamily="34" charset="0"/>
+              </a:rPr>
+            </a:br>
+            <a:r>
+              <a:rPr lang="en-US" altLang="zh-CN" b="0" i="0" dirty="0">
+                <a:solidFill>
+                  <a:schemeClr val="bg1"/>
+                </a:solidFill>
+                <a:effectLst/>
+                <a:latin typeface="Helvetica" panose="020B0604020202020204" pitchFamily="34" charset="0"/>
+              </a:rPr>
+              <a:t>3</a:t>
+            </a:r>
+            <a:r>
+              <a:rPr lang="zh-CN" altLang="en-US" b="0" i="0" dirty="0">
+                <a:solidFill>
+                  <a:schemeClr val="bg1"/>
+                </a:solidFill>
+                <a:effectLst/>
+                <a:latin typeface="Helvetica" panose="020B0604020202020204" pitchFamily="34" charset="0"/>
+              </a:rPr>
+              <a:t>、</a:t>
+            </a:r>
+            <a:r>
+              <a:rPr lang="en-US" altLang="zh-CN" b="0" i="0" dirty="0">
+                <a:solidFill>
+                  <a:schemeClr val="bg1"/>
+                </a:solidFill>
+                <a:effectLst/>
+                <a:latin typeface="Helvetica" panose="020B0604020202020204" pitchFamily="34" charset="0"/>
+              </a:rPr>
+              <a:t>insert buffer</a:t>
+            </a:r>
+            <a:r>
+              <a:rPr lang="zh-CN" altLang="en-US" b="0" i="0" dirty="0">
+                <a:solidFill>
+                  <a:schemeClr val="bg1"/>
+                </a:solidFill>
+                <a:effectLst/>
+                <a:latin typeface="Helvetica" panose="020B0604020202020204" pitchFamily="34" charset="0"/>
+              </a:rPr>
+              <a:t>：内存</a:t>
+            </a:r>
+            <a:r>
+              <a:rPr lang="en-US" altLang="zh-CN" b="0" i="0" dirty="0">
+                <a:solidFill>
+                  <a:schemeClr val="bg1"/>
+                </a:solidFill>
+                <a:effectLst/>
+                <a:latin typeface="Helvetica" panose="020B0604020202020204" pitchFamily="34" charset="0"/>
+              </a:rPr>
+              <a:t>insert buffer</a:t>
+            </a:r>
+            <a:r>
+              <a:rPr lang="zh-CN" altLang="en-US" b="0" i="0" dirty="0">
+                <a:solidFill>
+                  <a:schemeClr val="bg1"/>
+                </a:solidFill>
+                <a:effectLst/>
+                <a:latin typeface="Helvetica" panose="020B0604020202020204" pitchFamily="34" charset="0"/>
+              </a:rPr>
+              <a:t>数据，周期写入共享表空间，防止意外宕机</a:t>
+            </a:r>
+            <a:br>
+              <a:rPr lang="zh-CN" altLang="en-US" b="0" i="0" dirty="0">
+                <a:solidFill>
+                  <a:schemeClr val="bg1"/>
+                </a:solidFill>
+                <a:effectLst/>
+                <a:latin typeface="Helvetica" panose="020B0604020202020204" pitchFamily="34" charset="0"/>
+              </a:rPr>
+            </a:br>
+            <a:r>
+              <a:rPr lang="en-US" altLang="zh-CN" b="0" i="0" dirty="0">
+                <a:solidFill>
+                  <a:schemeClr val="bg1"/>
+                </a:solidFill>
+                <a:effectLst/>
+                <a:latin typeface="Helvetica" panose="020B0604020202020204" pitchFamily="34" charset="0"/>
+              </a:rPr>
+              <a:t>4</a:t>
+            </a:r>
+            <a:r>
+              <a:rPr lang="zh-CN" altLang="en-US" b="0" i="0" dirty="0">
+                <a:solidFill>
+                  <a:schemeClr val="bg1"/>
+                </a:solidFill>
+                <a:effectLst/>
+                <a:latin typeface="Helvetica" panose="020B0604020202020204" pitchFamily="34" charset="0"/>
+              </a:rPr>
+              <a:t>、回滚段</a:t>
+            </a:r>
+            <a:r>
+              <a:rPr lang="en-US" altLang="zh-CN" b="0" i="0" dirty="0">
+                <a:solidFill>
+                  <a:schemeClr val="bg1"/>
+                </a:solidFill>
+                <a:effectLst/>
+                <a:latin typeface="Helvetica" panose="020B0604020202020204" pitchFamily="34" charset="0"/>
+              </a:rPr>
+              <a:t>(rollback segments)</a:t>
+            </a:r>
+            <a:br>
+              <a:rPr lang="en-US" altLang="zh-CN" b="0" i="0" dirty="0">
+                <a:solidFill>
+                  <a:schemeClr val="bg1"/>
+                </a:solidFill>
+                <a:effectLst/>
+                <a:latin typeface="Helvetica" panose="020B0604020202020204" pitchFamily="34" charset="0"/>
+              </a:rPr>
+            </a:br>
+            <a:r>
+              <a:rPr lang="en-US" altLang="zh-CN" b="0" i="0" dirty="0">
+                <a:solidFill>
+                  <a:schemeClr val="bg1"/>
+                </a:solidFill>
+                <a:effectLst/>
+                <a:latin typeface="Helvetica" panose="020B0604020202020204" pitchFamily="34" charset="0"/>
+              </a:rPr>
+              <a:t>5</a:t>
+            </a:r>
+            <a:r>
+              <a:rPr lang="zh-CN" altLang="en-US" b="0" i="0" dirty="0">
+                <a:solidFill>
+                  <a:schemeClr val="bg1"/>
+                </a:solidFill>
+                <a:effectLst/>
+                <a:latin typeface="Helvetica" panose="020B0604020202020204" pitchFamily="34" charset="0"/>
+              </a:rPr>
+              <a:t>、</a:t>
+            </a:r>
+            <a:r>
+              <a:rPr lang="en-US" altLang="zh-CN" b="0" i="0" dirty="0">
+                <a:solidFill>
+                  <a:schemeClr val="bg1"/>
+                </a:solidFill>
+                <a:effectLst/>
+                <a:latin typeface="Helvetica" panose="020B0604020202020204" pitchFamily="34" charset="0"/>
+              </a:rPr>
+              <a:t>undo</a:t>
+            </a:r>
+            <a:r>
+              <a:rPr lang="zh-CN" altLang="en-US" b="0" i="0" dirty="0">
+                <a:solidFill>
+                  <a:schemeClr val="bg1"/>
+                </a:solidFill>
+                <a:effectLst/>
+                <a:latin typeface="Helvetica" panose="020B0604020202020204" pitchFamily="34" charset="0"/>
+              </a:rPr>
+              <a:t>空间：</a:t>
+            </a:r>
+            <a:r>
+              <a:rPr lang="en-US" altLang="zh-CN" b="0" i="0" dirty="0">
+                <a:solidFill>
+                  <a:schemeClr val="bg1"/>
+                </a:solidFill>
+                <a:effectLst/>
+                <a:latin typeface="Helvetica" panose="020B0604020202020204" pitchFamily="34" charset="0"/>
+              </a:rPr>
+              <a:t>undo</a:t>
+            </a:r>
+            <a:r>
+              <a:rPr lang="zh-CN" altLang="en-US" b="0" i="0" dirty="0">
+                <a:solidFill>
+                  <a:schemeClr val="bg1"/>
+                </a:solidFill>
+                <a:effectLst/>
+                <a:latin typeface="Helvetica" panose="020B0604020202020204" pitchFamily="34" charset="0"/>
+              </a:rPr>
+              <a:t>页</a:t>
+            </a:r>
+            <a:endParaRPr lang="zh-CN" altLang="en-US" b="0" i="0" dirty="0">
+              <a:solidFill>
+                <a:schemeClr val="bg1"/>
+              </a:solidFill>
+              <a:effectLst/>
+              <a:latin typeface="Helvetica" panose="020B0604020202020204" pitchFamily="34" charset="0"/>
+            </a:endParaRPr>
+          </a:p>
+        </p:txBody>
+      </p:sp>
+      <p:sp>
+        <p:nvSpPr>
+          <p:cNvPr id="5" name="文本框 4"/>
+          <p:cNvSpPr txBox="1"/>
+          <p:nvPr/>
+        </p:nvSpPr>
+        <p:spPr>
+          <a:xfrm>
+            <a:off x="1615146" y="3871341"/>
+            <a:ext cx="7897091" cy="2277547"/>
+          </a:xfrm>
+          <a:prstGeom prst="rect">
+            <a:avLst/>
+          </a:prstGeom>
+          <a:noFill/>
+        </p:spPr>
+        <p:txBody>
+          <a:bodyPr wrap="square" rtlCol="0">
+            <a:spAutoFit/>
+          </a:bodyPr>
+          <a:lstStyle/>
+          <a:p>
+            <a:pPr algn="l"/>
+            <a:r>
+              <a:rPr lang="zh-CN" altLang="en-US" sz="1600" b="1" i="0" dirty="0">
+                <a:solidFill>
+                  <a:schemeClr val="bg1"/>
+                </a:solidFill>
+                <a:effectLst/>
+                <a:latin typeface="Helvetica" panose="020B0604020202020204" pitchFamily="34" charset="0"/>
+              </a:rPr>
+              <a:t>关于</a:t>
+            </a:r>
+            <a:r>
+              <a:rPr lang="en-US" altLang="zh-CN" sz="1600" b="1" i="0" dirty="0">
+                <a:solidFill>
+                  <a:schemeClr val="bg1"/>
+                </a:solidFill>
+                <a:effectLst/>
+                <a:latin typeface="Helvetica" panose="020B0604020202020204" pitchFamily="34" charset="0"/>
+              </a:rPr>
+              <a:t>ibdata1</a:t>
+            </a:r>
+            <a:r>
+              <a:rPr lang="zh-CN" altLang="en-US" sz="1600" b="1" i="0" dirty="0">
+                <a:solidFill>
+                  <a:schemeClr val="bg1"/>
+                </a:solidFill>
+                <a:effectLst/>
+                <a:latin typeface="Helvetica" panose="020B0604020202020204" pitchFamily="34" charset="0"/>
+              </a:rPr>
+              <a:t>的增长考虑</a:t>
+            </a:r>
+            <a:r>
+              <a:rPr lang="zh-CN" altLang="en-US" sz="1600" b="0" i="0" dirty="0">
+                <a:solidFill>
+                  <a:schemeClr val="bg1"/>
+                </a:solidFill>
+                <a:effectLst/>
+                <a:latin typeface="Helvetica" panose="020B0604020202020204" pitchFamily="34" charset="0"/>
+              </a:rPr>
+              <a:t>影响共享表空间增长的对象：</a:t>
+            </a:r>
+            <a:r>
+              <a:rPr lang="en-US" altLang="zh-CN" sz="1600" b="0" i="0" dirty="0">
+                <a:solidFill>
+                  <a:schemeClr val="bg1"/>
+                </a:solidFill>
+                <a:effectLst/>
+                <a:latin typeface="Helvetica" panose="020B0604020202020204" pitchFamily="34" charset="0"/>
+              </a:rPr>
+              <a:t>insert buffer</a:t>
+            </a:r>
+            <a:r>
+              <a:rPr lang="zh-CN" altLang="en-US" sz="1600" b="0" i="0" dirty="0">
+                <a:solidFill>
+                  <a:schemeClr val="bg1"/>
+                </a:solidFill>
+                <a:effectLst/>
+                <a:latin typeface="Helvetica" panose="020B0604020202020204" pitchFamily="34" charset="0"/>
+              </a:rPr>
+              <a:t>、</a:t>
+            </a:r>
+            <a:r>
+              <a:rPr lang="en-US" altLang="zh-CN" sz="1600" b="0" i="0" dirty="0">
+                <a:solidFill>
+                  <a:schemeClr val="bg1"/>
+                </a:solidFill>
+                <a:effectLst/>
+                <a:latin typeface="Helvetica" panose="020B0604020202020204" pitchFamily="34" charset="0"/>
+              </a:rPr>
+              <a:t>undo</a:t>
+            </a:r>
+            <a:r>
+              <a:rPr lang="zh-CN" altLang="en-US" sz="1600" b="0" i="0" dirty="0">
+                <a:solidFill>
+                  <a:schemeClr val="bg1"/>
+                </a:solidFill>
+                <a:effectLst/>
+                <a:latin typeface="Helvetica" panose="020B0604020202020204" pitchFamily="34" charset="0"/>
+              </a:rPr>
+              <a:t>空间</a:t>
+            </a:r>
+            <a:br>
+              <a:rPr lang="zh-CN" altLang="en-US" b="0" i="0" dirty="0">
+                <a:solidFill>
+                  <a:schemeClr val="bg1"/>
+                </a:solidFill>
+                <a:effectLst/>
+                <a:latin typeface="Helvetica" panose="020B0604020202020204" pitchFamily="34" charset="0"/>
+              </a:rPr>
+            </a:br>
+            <a:r>
+              <a:rPr lang="en-US" altLang="zh-CN" b="0" i="0" dirty="0">
+                <a:solidFill>
+                  <a:schemeClr val="bg1"/>
+                </a:solidFill>
+                <a:effectLst/>
+                <a:latin typeface="Helvetica" panose="020B0604020202020204" pitchFamily="34" charset="0"/>
+              </a:rPr>
+              <a:t>1</a:t>
+            </a:r>
+            <a:r>
+              <a:rPr lang="zh-CN" altLang="en-US" b="0" i="0" dirty="0">
+                <a:solidFill>
+                  <a:schemeClr val="bg1"/>
+                </a:solidFill>
+                <a:effectLst/>
+                <a:latin typeface="Helvetica" panose="020B0604020202020204" pitchFamily="34" charset="0"/>
+              </a:rPr>
+              <a:t>、什么时候</a:t>
+            </a:r>
+            <a:r>
+              <a:rPr lang="en-US" altLang="zh-CN" b="0" i="0" dirty="0">
+                <a:solidFill>
+                  <a:schemeClr val="bg1"/>
+                </a:solidFill>
+                <a:effectLst/>
+                <a:latin typeface="Helvetica" panose="020B0604020202020204" pitchFamily="34" charset="0"/>
+              </a:rPr>
+              <a:t>undo</a:t>
+            </a:r>
+            <a:r>
+              <a:rPr lang="zh-CN" altLang="en-US" b="0" i="0" dirty="0">
+                <a:solidFill>
+                  <a:schemeClr val="bg1"/>
+                </a:solidFill>
+                <a:effectLst/>
+                <a:latin typeface="Helvetica" panose="020B0604020202020204" pitchFamily="34" charset="0"/>
+              </a:rPr>
+              <a:t>暴涨：</a:t>
+            </a:r>
+            <a:br>
+              <a:rPr lang="zh-CN" altLang="en-US" b="0" i="0" dirty="0">
+                <a:solidFill>
+                  <a:schemeClr val="bg1"/>
+                </a:solidFill>
+                <a:effectLst/>
+                <a:latin typeface="Helvetica" panose="020B0604020202020204" pitchFamily="34" charset="0"/>
+              </a:rPr>
+            </a:br>
+            <a:r>
+              <a:rPr lang="zh-CN" altLang="en-US" b="0" i="0" dirty="0">
+                <a:solidFill>
+                  <a:schemeClr val="bg1"/>
+                </a:solidFill>
+                <a:effectLst/>
+                <a:latin typeface="Helvetica" panose="020B0604020202020204" pitchFamily="34" charset="0"/>
+              </a:rPr>
+              <a:t>　</a:t>
+            </a:r>
+            <a:r>
+              <a:rPr lang="en-US" altLang="zh-CN" b="0" i="0" dirty="0">
+                <a:solidFill>
+                  <a:schemeClr val="bg1"/>
+                </a:solidFill>
+                <a:effectLst/>
+                <a:latin typeface="Helvetica" panose="020B0604020202020204" pitchFamily="34" charset="0"/>
+              </a:rPr>
+              <a:t>-- </a:t>
+            </a:r>
+            <a:r>
+              <a:rPr lang="zh-CN" altLang="en-US" b="0" i="0" dirty="0">
+                <a:solidFill>
+                  <a:schemeClr val="bg1"/>
+                </a:solidFill>
+                <a:effectLst/>
+                <a:latin typeface="Helvetica" panose="020B0604020202020204" pitchFamily="34" charset="0"/>
+              </a:rPr>
+              <a:t>大事务为主，例如修改了</a:t>
+            </a:r>
+            <a:r>
+              <a:rPr lang="en-US" altLang="zh-CN" b="0" i="0" dirty="0">
+                <a:solidFill>
+                  <a:schemeClr val="bg1"/>
+                </a:solidFill>
+                <a:effectLst/>
+                <a:latin typeface="Helvetica" panose="020B0604020202020204" pitchFamily="34" charset="0"/>
+              </a:rPr>
+              <a:t>40</a:t>
+            </a:r>
+            <a:r>
+              <a:rPr lang="zh-CN" altLang="en-US" b="0" i="0" dirty="0">
+                <a:solidFill>
+                  <a:schemeClr val="bg1"/>
+                </a:solidFill>
+                <a:effectLst/>
+                <a:latin typeface="Helvetica" panose="020B0604020202020204" pitchFamily="34" charset="0"/>
+              </a:rPr>
+              <a:t>万行才提交</a:t>
+            </a:r>
+            <a:br>
+              <a:rPr lang="zh-CN" altLang="en-US" b="0" i="0" dirty="0">
+                <a:solidFill>
+                  <a:schemeClr val="bg1"/>
+                </a:solidFill>
+                <a:effectLst/>
+                <a:latin typeface="Helvetica" panose="020B0604020202020204" pitchFamily="34" charset="0"/>
+              </a:rPr>
+            </a:br>
+            <a:r>
+              <a:rPr lang="zh-CN" altLang="en-US" b="0" i="0" dirty="0">
+                <a:solidFill>
+                  <a:schemeClr val="bg1"/>
+                </a:solidFill>
+                <a:effectLst/>
+                <a:latin typeface="Helvetica" panose="020B0604020202020204" pitchFamily="34" charset="0"/>
+              </a:rPr>
+              <a:t>　</a:t>
+            </a:r>
+            <a:r>
+              <a:rPr lang="en-US" altLang="zh-CN" b="0" i="0" dirty="0">
+                <a:solidFill>
+                  <a:schemeClr val="bg1"/>
+                </a:solidFill>
+                <a:effectLst/>
+                <a:latin typeface="Helvetica" panose="020B0604020202020204" pitchFamily="34" charset="0"/>
+              </a:rPr>
+              <a:t>-- </a:t>
+            </a:r>
+            <a:r>
+              <a:rPr lang="zh-CN" altLang="en-US" b="0" i="0" dirty="0">
+                <a:solidFill>
+                  <a:schemeClr val="bg1"/>
+                </a:solidFill>
+                <a:effectLst/>
+                <a:latin typeface="Helvetica" panose="020B0604020202020204" pitchFamily="34" charset="0"/>
+              </a:rPr>
+              <a:t>长事务导致的</a:t>
+            </a:r>
+            <a:r>
+              <a:rPr lang="en-US" altLang="zh-CN" b="0" i="0" dirty="0">
+                <a:solidFill>
+                  <a:schemeClr val="bg1"/>
+                </a:solidFill>
+                <a:effectLst/>
+                <a:latin typeface="Helvetica" panose="020B0604020202020204" pitchFamily="34" charset="0"/>
+              </a:rPr>
+              <a:t>undo</a:t>
+            </a:r>
+            <a:r>
+              <a:rPr lang="zh-CN" altLang="en-US" b="0" i="0" dirty="0">
+                <a:solidFill>
+                  <a:schemeClr val="bg1"/>
+                </a:solidFill>
+                <a:effectLst/>
+                <a:latin typeface="Helvetica" panose="020B0604020202020204" pitchFamily="34" charset="0"/>
+              </a:rPr>
+              <a:t>持续增加</a:t>
+            </a:r>
+            <a:br>
+              <a:rPr lang="zh-CN" altLang="en-US" b="0" i="0" dirty="0">
+                <a:solidFill>
+                  <a:schemeClr val="bg1"/>
+                </a:solidFill>
+                <a:effectLst/>
+                <a:latin typeface="Helvetica" panose="020B0604020202020204" pitchFamily="34" charset="0"/>
+              </a:rPr>
+            </a:br>
+            <a:r>
+              <a:rPr lang="en-US" altLang="zh-CN" b="0" i="0" dirty="0">
+                <a:solidFill>
+                  <a:schemeClr val="bg1"/>
+                </a:solidFill>
+                <a:effectLst/>
+                <a:latin typeface="Helvetica" panose="020B0604020202020204" pitchFamily="34" charset="0"/>
+              </a:rPr>
+              <a:t>2</a:t>
+            </a:r>
+            <a:r>
+              <a:rPr lang="zh-CN" altLang="en-US" b="0" i="0" dirty="0">
+                <a:solidFill>
+                  <a:schemeClr val="bg1"/>
+                </a:solidFill>
+                <a:effectLst/>
+                <a:latin typeface="Helvetica" panose="020B0604020202020204" pitchFamily="34" charset="0"/>
+              </a:rPr>
+              <a:t>、</a:t>
+            </a:r>
+            <a:r>
+              <a:rPr lang="en-US" altLang="zh-CN" b="0" i="0" dirty="0">
+                <a:solidFill>
+                  <a:schemeClr val="bg1"/>
+                </a:solidFill>
+                <a:effectLst/>
+                <a:latin typeface="Helvetica" panose="020B0604020202020204" pitchFamily="34" charset="0"/>
+              </a:rPr>
+              <a:t>insert buffer</a:t>
+            </a:r>
+            <a:r>
+              <a:rPr lang="zh-CN" altLang="en-US" b="0" i="0" dirty="0">
+                <a:solidFill>
+                  <a:schemeClr val="bg1"/>
+                </a:solidFill>
+                <a:effectLst/>
+                <a:latin typeface="Helvetica" panose="020B0604020202020204" pitchFamily="34" charset="0"/>
+              </a:rPr>
+              <a:t>空间很大</a:t>
+            </a:r>
+            <a:br>
+              <a:rPr lang="zh-CN" altLang="en-US" b="0" i="0" dirty="0">
+                <a:solidFill>
+                  <a:schemeClr val="bg1"/>
+                </a:solidFill>
+                <a:effectLst/>
+                <a:latin typeface="Helvetica" panose="020B0604020202020204" pitchFamily="34" charset="0"/>
+              </a:rPr>
+            </a:br>
+            <a:r>
+              <a:rPr lang="zh-CN" altLang="en-US" b="0" i="0" dirty="0">
+                <a:solidFill>
+                  <a:schemeClr val="bg1"/>
+                </a:solidFill>
+                <a:effectLst/>
+                <a:latin typeface="Helvetica" panose="020B0604020202020204" pitchFamily="34" charset="0"/>
+              </a:rPr>
+              <a:t>　</a:t>
+            </a:r>
+            <a:r>
+              <a:rPr lang="en-US" altLang="zh-CN" b="0" i="0" dirty="0">
+                <a:solidFill>
+                  <a:schemeClr val="bg1"/>
+                </a:solidFill>
+                <a:effectLst/>
+                <a:latin typeface="Helvetica" panose="020B0604020202020204" pitchFamily="34" charset="0"/>
+              </a:rPr>
+              <a:t>-- </a:t>
+            </a:r>
+            <a:r>
+              <a:rPr lang="zh-CN" altLang="en-US" b="0" i="0" dirty="0">
+                <a:solidFill>
+                  <a:schemeClr val="bg1"/>
+                </a:solidFill>
+                <a:effectLst/>
+                <a:latin typeface="Helvetica" panose="020B0604020202020204" pitchFamily="34" charset="0"/>
+              </a:rPr>
+              <a:t>索引建立过多</a:t>
+            </a:r>
+            <a:br>
+              <a:rPr lang="zh-CN" altLang="en-US" b="0" i="0" dirty="0">
+                <a:solidFill>
+                  <a:schemeClr val="bg1"/>
+                </a:solidFill>
+                <a:effectLst/>
+                <a:latin typeface="Helvetica" panose="020B0604020202020204" pitchFamily="34" charset="0"/>
+              </a:rPr>
+            </a:br>
+            <a:r>
+              <a:rPr lang="zh-CN" altLang="en-US" b="0" i="0" dirty="0">
+                <a:solidFill>
+                  <a:schemeClr val="bg1"/>
+                </a:solidFill>
+                <a:effectLst/>
+                <a:latin typeface="Helvetica" panose="020B0604020202020204" pitchFamily="34" charset="0"/>
+              </a:rPr>
+              <a:t>　</a:t>
+            </a:r>
+            <a:r>
+              <a:rPr lang="en-US" altLang="zh-CN" b="0" i="0" dirty="0">
+                <a:solidFill>
+                  <a:schemeClr val="bg1"/>
+                </a:solidFill>
+                <a:effectLst/>
+                <a:latin typeface="Helvetica" panose="020B0604020202020204" pitchFamily="34" charset="0"/>
+              </a:rPr>
+              <a:t>-- </a:t>
+            </a:r>
+            <a:r>
+              <a:rPr lang="zh-CN" altLang="en-US" b="0" i="0" dirty="0">
+                <a:solidFill>
+                  <a:schemeClr val="bg1"/>
+                </a:solidFill>
+                <a:effectLst/>
+                <a:latin typeface="Helvetica" panose="020B0604020202020204" pitchFamily="34" charset="0"/>
+              </a:rPr>
+              <a:t>很多索引不怎么使用</a:t>
+            </a:r>
+            <a:br>
+              <a:rPr lang="zh-CN" altLang="en-US" b="0" i="0" dirty="0">
+                <a:solidFill>
+                  <a:schemeClr val="bg1"/>
+                </a:solidFill>
+                <a:effectLst/>
+                <a:latin typeface="Helvetica" panose="020B0604020202020204" pitchFamily="34" charset="0"/>
+              </a:rPr>
+            </a:br>
+            <a:r>
+              <a:rPr lang="zh-CN" altLang="en-US" b="0" i="0" dirty="0">
+                <a:solidFill>
+                  <a:schemeClr val="bg1"/>
+                </a:solidFill>
+                <a:effectLst/>
+                <a:latin typeface="Helvetica" panose="020B0604020202020204" pitchFamily="34" charset="0"/>
+              </a:rPr>
+              <a:t>　</a:t>
+            </a:r>
+            <a:r>
+              <a:rPr lang="en-US" altLang="zh-CN" b="0" i="0" dirty="0">
+                <a:solidFill>
+                  <a:schemeClr val="bg1"/>
+                </a:solidFill>
+                <a:effectLst/>
+                <a:latin typeface="Helvetica" panose="020B0604020202020204" pitchFamily="34" charset="0"/>
+              </a:rPr>
+              <a:t>-- </a:t>
+            </a:r>
+            <a:r>
+              <a:rPr lang="zh-CN" altLang="en-US" b="0" i="0" dirty="0">
+                <a:solidFill>
+                  <a:schemeClr val="bg1"/>
+                </a:solidFill>
+                <a:effectLst/>
+                <a:latin typeface="Helvetica" panose="020B0604020202020204" pitchFamily="34" charset="0"/>
+              </a:rPr>
+              <a:t>索引和主键顺序严重不一致：主键的建立选择有问题</a:t>
+            </a:r>
+            <a:endParaRPr lang="zh-CN" altLang="en-US" b="0" i="0" dirty="0">
+              <a:solidFill>
+                <a:schemeClr val="bg1"/>
+              </a:solidFill>
+              <a:effectLst/>
+              <a:latin typeface="Helvetica" panose="020B0604020202020204" pitchFamily="34" charset="0"/>
+            </a:endParaRPr>
+          </a:p>
+        </p:txBody>
+      </p:sp>
+      <p:pic>
+        <p:nvPicPr>
+          <p:cNvPr id="7" name="图片 6"/>
+          <p:cNvPicPr>
+            <a:picLocks noChangeAspect="1"/>
+          </p:cNvPicPr>
+          <p:nvPr/>
+        </p:nvPicPr>
+        <p:blipFill>
+          <a:blip r:embed="rId1" cstate="print">
+            <a:extLst>
+              <a:ext uri="{28A0092B-C50C-407E-A947-70E740481C1C}">
+                <a14:useLocalDpi xmlns:a14="http://schemas.microsoft.com/office/drawing/2010/main" val="0"/>
+              </a:ext>
+            </a:extLst>
+          </a:blip>
+          <a:stretch>
+            <a:fillRect/>
+          </a:stretch>
+        </p:blipFill>
+        <p:spPr>
+          <a:xfrm>
+            <a:off x="1182974" y="3427343"/>
+            <a:ext cx="514800" cy="457200"/>
+          </a:xfrm>
+          <a:prstGeom prst="rect">
+            <a:avLst/>
+          </a:prstGeom>
+        </p:spPr>
+      </p:pic>
+    </p:spTree>
+  </p:cSld>
+  <p:clrMapOvr>
+    <a:masterClrMapping/>
+  </p:clrMapOvr>
+</p:sld>
+</file>
+
+<file path=ppt/slides/slide18.xml><?xml version="1.0" encoding="utf-8"?>
+<p:sld xmlns:a="http://schemas.openxmlformats.org/drawingml/2006/main" xmlns:r="http://schemas.openxmlformats.org/officeDocument/2006/relationships" xmlns:p="http://schemas.openxmlformats.org/presentationml/2006/main">
+  <p:cSld>
+    <p:spTree>
+      <p:nvGrpSpPr>
+        <p:cNvPr id="1" name=""/>
+        <p:cNvGrpSpPr/>
+        <p:nvPr/>
+      </p:nvGrpSpPr>
+      <p:grpSpPr>
+        <a:xfrm>
+          <a:off x="0" y="0"/>
+          <a:ext cx="0" cy="0"/>
+          <a:chOff x="0" y="0"/>
+          <a:chExt cx="0" cy="0"/>
+        </a:xfrm>
+      </p:grpSpPr>
+      <p:sp>
+        <p:nvSpPr>
+          <p:cNvPr id="3" name="内容占位符 2"/>
+          <p:cNvSpPr>
+            <a:spLocks noGrp="1"/>
+          </p:cNvSpPr>
+          <p:nvPr>
+            <p:ph idx="1"/>
+          </p:nvPr>
+        </p:nvSpPr>
+        <p:spPr>
+          <a:xfrm>
+            <a:off x="684212" y="685800"/>
             <a:ext cx="8534400" cy="773545"/>
           </a:xfrm>
         </p:spPr>
@@ -6523,6 +7585,7 @@
               <a:rPr lang="zh-CN" altLang="en-US" dirty="0"/>
               <a:t>笔记</a:t>
             </a:r>
+            <a:endParaRPr lang="zh-CN" altLang="en-US" dirty="0"/>
           </a:p>
         </p:txBody>
       </p:sp>
@@ -6563,6 +7626,7 @@
               <a:rPr lang="en-US" altLang="zh-CN" dirty="0"/>
               <a:t>16KB</a:t>
             </a:r>
+            <a:endParaRPr lang="en-US" altLang="zh-CN" dirty="0"/>
           </a:p>
           <a:p>
             <a:pPr marL="285750" indent="-285750">
@@ -6576,6 +7640,7 @@
               <a:rPr lang="en-US" altLang="zh-CN" dirty="0"/>
               <a:t>innodb引擎的存储单位自上到下为表空间 table spaces,片段 segemant, 分区 extend, 页 page, 行row,列 column</a:t>
             </a:r>
+            <a:endParaRPr lang="en-US" altLang="zh-CN" dirty="0"/>
           </a:p>
           <a:p>
             <a:pPr marL="285750" indent="-285750">
@@ -6641,6 +7706,7 @@
               <a:rPr lang="zh-CN" altLang="en-US" sz="2400" dirty="0"/>
               <a:t>逻辑架构</a:t>
             </a:r>
+            <a:endParaRPr lang="zh-CN" altLang="en-US" sz="2400" dirty="0"/>
           </a:p>
         </p:txBody>
       </p:sp>
@@ -6653,7 +7719,7 @@
           <p:nvPr/>
         </p:nvPicPr>
         <p:blipFill>
-          <a:blip r:embed="rId2"/>
+          <a:blip r:embed="rId1"/>
           <a:stretch>
             <a:fillRect/>
           </a:stretch>
@@ -6721,6 +7787,7 @@
               <a:rPr lang="zh-CN" altLang="en-US" dirty="0"/>
               <a:t>客户端</a:t>
             </a:r>
+            <a:endParaRPr lang="zh-CN" altLang="en-US" dirty="0"/>
           </a:p>
         </p:txBody>
       </p:sp>
@@ -6963,6 +8030,11 @@
               </a:rPr>
               <a:t>的安全链接。服务器也会为安全接入的每个客户端验证它所具有的操作权限。</a:t>
             </a:r>
+            <a:endParaRPr lang="zh-CN" altLang="en-US" dirty="0">
+              <a:solidFill>
+                <a:schemeClr val="bg1"/>
+              </a:solidFill>
+            </a:endParaRPr>
           </a:p>
         </p:txBody>
       </p:sp>
@@ -7019,6 +8091,7 @@
               <a:rPr lang="zh-CN" altLang="en-US" dirty="0"/>
               <a:t>服务层</a:t>
             </a:r>
+            <a:endParaRPr lang="zh-CN" altLang="en-US" dirty="0"/>
           </a:p>
         </p:txBody>
       </p:sp>
@@ -7113,6 +8186,13 @@
               </a:rPr>
               <a:t>：用于管理客户端请求的，比如检查验证请求连接的合法性，对于合法用户分配处理线程去执行任务等等工作。</a:t>
             </a:r>
+            <a:endParaRPr lang="zh-CN" altLang="en-US" sz="1400" b="0" i="0" dirty="0">
+              <a:solidFill>
+                <a:srgbClr val="000000"/>
+              </a:solidFill>
+              <a:effectLst/>
+              <a:latin typeface="Optima-Regular"/>
+            </a:endParaRPr>
           </a:p>
           <a:p>
             <a:pPr algn="l">
@@ -7258,6 +8338,13 @@
               </a:rPr>
               <a:t>语句，发现是一个查询请求，则接下来就会进行查询相关的操作。</a:t>
             </a:r>
+            <a:endParaRPr lang="zh-CN" altLang="en-US" sz="1400" b="0" i="0" dirty="0">
+              <a:solidFill>
+                <a:srgbClr val="000000"/>
+              </a:solidFill>
+              <a:effectLst/>
+              <a:latin typeface="Optima-Regular"/>
+            </a:endParaRPr>
           </a:p>
           <a:p>
             <a:pPr algn="l">
@@ -7368,6 +8455,12 @@
               </a:rPr>
               <a:t>、存储过程、视图、触发器等实现。</a:t>
             </a:r>
+            <a:endParaRPr lang="zh-CN" altLang="en-US" sz="1400" dirty="0">
+              <a:solidFill>
+                <a:srgbClr val="000000"/>
+              </a:solidFill>
+              <a:latin typeface="Optima-Regular"/>
+            </a:endParaRPr>
           </a:p>
         </p:txBody>
       </p:sp>
@@ -7483,6 +8576,7 @@
               <a:rPr lang="zh-CN" altLang="en-US" sz="1600" dirty="0"/>
               <a:t>接口</a:t>
             </a:r>
+            <a:endParaRPr lang="zh-CN" altLang="en-US" sz="1600" dirty="0"/>
           </a:p>
         </p:txBody>
       </p:sp>
@@ -7526,6 +8620,7 @@
               <a:rPr lang="zh-CN" altLang="en-US" dirty="0"/>
               <a:t>解析器</a:t>
             </a:r>
+            <a:endParaRPr lang="zh-CN" altLang="en-US" dirty="0"/>
           </a:p>
         </p:txBody>
       </p:sp>
@@ -7569,6 +8664,7 @@
               <a:rPr lang="zh-CN" altLang="en-US" dirty="0"/>
               <a:t>优化器</a:t>
             </a:r>
+            <a:endParaRPr lang="zh-CN" altLang="en-US" dirty="0"/>
           </a:p>
         </p:txBody>
       </p:sp>
@@ -7612,6 +8708,7 @@
               <a:rPr lang="zh-CN" altLang="en-US" dirty="0"/>
               <a:t>缓存</a:t>
             </a:r>
+            <a:endParaRPr lang="zh-CN" altLang="en-US" dirty="0"/>
           </a:p>
         </p:txBody>
       </p:sp>
@@ -7668,6 +8765,7 @@
               <a:rPr lang="zh-CN" altLang="en-US" dirty="0"/>
               <a:t>存储引擎</a:t>
             </a:r>
+            <a:endParaRPr lang="zh-CN" altLang="en-US" dirty="0"/>
           </a:p>
         </p:txBody>
       </p:sp>
@@ -7715,6 +8813,7 @@
               <a:rPr lang="en-US" altLang="zh-CN" dirty="0"/>
               <a:t>Pluggable Storage engines</a:t>
             </a:r>
+            <a:endParaRPr lang="en-US" altLang="zh-CN" dirty="0"/>
           </a:p>
           <a:p>
             <a:pPr algn="ctr">
@@ -7750,6 +8849,7 @@
               <a:rPr lang="en-US" altLang="zh-CN" sz="1600" dirty="0"/>
               <a:t>Transaction…</a:t>
             </a:r>
+            <a:endParaRPr lang="en-US" altLang="zh-CN" sz="1600" dirty="0"/>
           </a:p>
         </p:txBody>
       </p:sp>
@@ -7960,6 +9060,11 @@
               </a:rPr>
               <a:t>索引，从而进一步提升读取数据的速度。</a:t>
             </a:r>
+            <a:endParaRPr lang="zh-CN" altLang="en-US" sz="1600" dirty="0">
+              <a:solidFill>
+                <a:schemeClr val="bg1"/>
+              </a:solidFill>
+            </a:endParaRPr>
           </a:p>
           <a:p>
             <a:pPr marL="285750" indent="-285750">
@@ -8004,13 +9109,7 @@
       </p:grpSpPr>
       <p:sp>
         <p:nvSpPr>
-          <p:cNvPr id="4" name="内容占位符 2">
-            <a:extLst>
-              <a:ext uri="{FF2B5EF4-FFF2-40B4-BE49-F238E27FC236}">
-                <a16:creationId xmlns:a16="http://schemas.microsoft.com/office/drawing/2014/main" id="{90B412C2-54BD-4A5B-B541-5F85CD1A49E1}"/>
-              </a:ext>
-            </a:extLst>
-          </p:cNvPr>
+          <p:cNvPr id="4" name="内容占位符 2"/>
           <p:cNvSpPr>
             <a:spLocks noGrp="1"/>
           </p:cNvSpPr>
@@ -8036,25 +9135,20 @@
               <a:rPr lang="zh-CN" altLang="en-US" dirty="0"/>
               <a:t>存储引擎</a:t>
             </a:r>
+            <a:endParaRPr lang="zh-CN" altLang="en-US" dirty="0"/>
           </a:p>
         </p:txBody>
       </p:sp>
       <p:pic>
         <p:nvPicPr>
-          <p:cNvPr id="5" name="图片 4">
-            <a:extLst>
-              <a:ext uri="{FF2B5EF4-FFF2-40B4-BE49-F238E27FC236}">
-                <a16:creationId xmlns:a16="http://schemas.microsoft.com/office/drawing/2014/main" id="{584F2B60-0A64-44D3-B38C-8D80E13DD27C}"/>
-              </a:ext>
-            </a:extLst>
-          </p:cNvPr>
+          <p:cNvPr id="5" name="图片 4"/>
           <p:cNvPicPr>
             <a:picLocks noChangeAspect="1"/>
           </p:cNvPicPr>
           <p:nvPr/>
         </p:nvPicPr>
         <p:blipFill>
-          <a:blip r:embed="rId2">
+          <a:blip r:embed="rId1">
             <a:extLst>
               <a:ext uri="{28A0092B-C50C-407E-A947-70E740481C1C}">
                 <a14:useLocalDpi xmlns:a14="http://schemas.microsoft.com/office/drawing/2010/main" val="0"/>
@@ -8076,11 +9170,6 @@
         </p:spPr>
       </p:pic>
     </p:spTree>
-    <p:extLst>
-      <p:ext uri="{BB962C8B-B14F-4D97-AF65-F5344CB8AC3E}">
-        <p14:creationId xmlns:p14="http://schemas.microsoft.com/office/powerpoint/2010/main" val="879151669"/>
-      </p:ext>
-    </p:extLst>
   </p:cSld>
   <p:clrMapOvr>
     <a:masterClrMapping/>
@@ -8107,13 +9196,7 @@
       </p:grpSpPr>
       <p:sp>
         <p:nvSpPr>
-          <p:cNvPr id="4" name="内容占位符 2">
-            <a:extLst>
-              <a:ext uri="{FF2B5EF4-FFF2-40B4-BE49-F238E27FC236}">
-                <a16:creationId xmlns:a16="http://schemas.microsoft.com/office/drawing/2014/main" id="{12523B87-5144-46BF-9319-3B447A3E63AB}"/>
-              </a:ext>
-            </a:extLst>
-          </p:cNvPr>
+          <p:cNvPr id="4" name="内容占位符 2"/>
           <p:cNvSpPr>
             <a:spLocks noGrp="1"/>
           </p:cNvSpPr>
@@ -8135,18 +9218,13 @@
               <a:rPr lang="zh-CN" altLang="en-US" dirty="0"/>
               <a:t>内存结构</a:t>
             </a:r>
-          </a:p>
-        </p:txBody>
-      </p:sp>
-      <p:sp>
-        <p:nvSpPr>
-          <p:cNvPr id="6" name="矩形: 圆角 5">
-            <a:extLst>
-              <a:ext uri="{FF2B5EF4-FFF2-40B4-BE49-F238E27FC236}">
-                <a16:creationId xmlns:a16="http://schemas.microsoft.com/office/drawing/2014/main" id="{A4B8CEC8-B52D-40E5-86DC-B1F27FBDF22D}"/>
-              </a:ext>
-            </a:extLst>
-          </p:cNvPr>
+            <a:endParaRPr lang="zh-CN" altLang="en-US" dirty="0"/>
+          </a:p>
+        </p:txBody>
+      </p:sp>
+      <p:sp>
+        <p:nvSpPr>
+          <p:cNvPr id="6" name="矩形: 圆角 5"/>
           <p:cNvSpPr/>
           <p:nvPr/>
         </p:nvSpPr>
@@ -8193,13 +9271,7 @@
       </p:sp>
       <p:sp>
         <p:nvSpPr>
-          <p:cNvPr id="38" name="矩形: 圆角 37">
-            <a:extLst>
-              <a:ext uri="{FF2B5EF4-FFF2-40B4-BE49-F238E27FC236}">
-                <a16:creationId xmlns:a16="http://schemas.microsoft.com/office/drawing/2014/main" id="{22EC96B6-662F-4820-8AC4-BF96F416F952}"/>
-              </a:ext>
-            </a:extLst>
-          </p:cNvPr>
+          <p:cNvPr id="38" name="矩形: 圆角 37"/>
           <p:cNvSpPr/>
           <p:nvPr/>
         </p:nvSpPr>
@@ -8248,13 +9320,7 @@
       </p:sp>
       <p:sp>
         <p:nvSpPr>
-          <p:cNvPr id="39" name="矩形: 圆角 38">
-            <a:extLst>
-              <a:ext uri="{FF2B5EF4-FFF2-40B4-BE49-F238E27FC236}">
-                <a16:creationId xmlns:a16="http://schemas.microsoft.com/office/drawing/2014/main" id="{06135C44-4496-4AF3-8355-EEC36ABED5CD}"/>
-              </a:ext>
-            </a:extLst>
-          </p:cNvPr>
+          <p:cNvPr id="39" name="矩形: 圆角 38"/>
           <p:cNvSpPr/>
           <p:nvPr/>
         </p:nvSpPr>
@@ -8350,13 +9416,7 @@
       </p:sp>
       <p:sp>
         <p:nvSpPr>
-          <p:cNvPr id="46" name="矩形: 圆角 45">
-            <a:extLst>
-              <a:ext uri="{FF2B5EF4-FFF2-40B4-BE49-F238E27FC236}">
-                <a16:creationId xmlns:a16="http://schemas.microsoft.com/office/drawing/2014/main" id="{B2190196-B522-4BA5-8437-F70E7E6BDFE4}"/>
-              </a:ext>
-            </a:extLst>
-          </p:cNvPr>
+          <p:cNvPr id="46" name="矩形: 圆角 45"/>
           <p:cNvSpPr/>
           <p:nvPr/>
         </p:nvSpPr>
@@ -8401,13 +9461,7 @@
       </p:sp>
       <p:sp>
         <p:nvSpPr>
-          <p:cNvPr id="47" name="矩形: 圆角 46">
-            <a:extLst>
-              <a:ext uri="{FF2B5EF4-FFF2-40B4-BE49-F238E27FC236}">
-                <a16:creationId xmlns:a16="http://schemas.microsoft.com/office/drawing/2014/main" id="{B74F5063-C211-43E8-99A4-6D43FCD251D3}"/>
-              </a:ext>
-            </a:extLst>
-          </p:cNvPr>
+          <p:cNvPr id="47" name="矩形: 圆角 46"/>
           <p:cNvSpPr/>
           <p:nvPr/>
         </p:nvSpPr>
@@ -8456,13 +9510,7 @@
       </p:sp>
       <p:sp>
         <p:nvSpPr>
-          <p:cNvPr id="48" name="矩形: 圆角 47">
-            <a:extLst>
-              <a:ext uri="{FF2B5EF4-FFF2-40B4-BE49-F238E27FC236}">
-                <a16:creationId xmlns:a16="http://schemas.microsoft.com/office/drawing/2014/main" id="{6D6A5645-84A9-4629-9F6A-1E76C03E4C1F}"/>
-              </a:ext>
-            </a:extLst>
-          </p:cNvPr>
+          <p:cNvPr id="48" name="矩形: 圆角 47"/>
           <p:cNvSpPr/>
           <p:nvPr/>
         </p:nvSpPr>
@@ -8525,18 +9573,18 @@
               </a:rPr>
               <a:t>操作，提升性能。</a:t>
             </a:r>
-          </a:p>
-        </p:txBody>
-      </p:sp>
-      <p:sp>
-        <p:nvSpPr>
-          <p:cNvPr id="49" name="矩形: 圆角 48">
-            <a:extLst>
-              <a:ext uri="{FF2B5EF4-FFF2-40B4-BE49-F238E27FC236}">
-                <a16:creationId xmlns:a16="http://schemas.microsoft.com/office/drawing/2014/main" id="{A5E8D5AB-DCE0-45F3-A11A-CE310B0C2865}"/>
-              </a:ext>
-            </a:extLst>
-          </p:cNvPr>
+            <a:endParaRPr lang="zh-CN" altLang="en-US" dirty="0">
+              <a:solidFill>
+                <a:schemeClr val="tx1"/>
+              </a:solidFill>
+              <a:latin typeface="-apple-system"/>
+            </a:endParaRPr>
+          </a:p>
+        </p:txBody>
+      </p:sp>
+      <p:sp>
+        <p:nvSpPr>
+          <p:cNvPr id="49" name="矩形: 圆角 48"/>
           <p:cNvSpPr/>
           <p:nvPr/>
         </p:nvSpPr>
@@ -8581,13 +9629,7 @@
       </p:sp>
       <p:sp>
         <p:nvSpPr>
-          <p:cNvPr id="50" name="矩形: 圆角 49">
-            <a:extLst>
-              <a:ext uri="{FF2B5EF4-FFF2-40B4-BE49-F238E27FC236}">
-                <a16:creationId xmlns:a16="http://schemas.microsoft.com/office/drawing/2014/main" id="{FB69669E-F9FC-4931-83C3-4DACA22E2F16}"/>
-              </a:ext>
-            </a:extLst>
-          </p:cNvPr>
+          <p:cNvPr id="50" name="矩形: 圆角 49"/>
           <p:cNvSpPr/>
           <p:nvPr/>
         </p:nvSpPr>
@@ -8640,13 +9682,7 @@
       </p:sp>
       <p:sp>
         <p:nvSpPr>
-          <p:cNvPr id="51" name="矩形: 圆角 50">
-            <a:extLst>
-              <a:ext uri="{FF2B5EF4-FFF2-40B4-BE49-F238E27FC236}">
-                <a16:creationId xmlns:a16="http://schemas.microsoft.com/office/drawing/2014/main" id="{9B75FF54-A181-4307-A6EF-C6C3BB2F97E5}"/>
-              </a:ext>
-            </a:extLst>
-          </p:cNvPr>
+          <p:cNvPr id="51" name="矩形: 圆角 50"/>
           <p:cNvSpPr/>
           <p:nvPr/>
         </p:nvSpPr>
@@ -8691,18 +9727,18 @@
               </a:rPr>
               <a:t>使用索引关键字的前缀构建哈希索引，提升查询速度。</a:t>
             </a:r>
-          </a:p>
-        </p:txBody>
-      </p:sp>
-      <p:sp>
-        <p:nvSpPr>
-          <p:cNvPr id="52" name="矩形: 圆角 51">
-            <a:extLst>
-              <a:ext uri="{FF2B5EF4-FFF2-40B4-BE49-F238E27FC236}">
-                <a16:creationId xmlns:a16="http://schemas.microsoft.com/office/drawing/2014/main" id="{4278A82C-2CF2-4E0E-BBF3-86ADE0D946FA}"/>
-              </a:ext>
-            </a:extLst>
-          </p:cNvPr>
+            <a:endParaRPr lang="zh-CN" altLang="en-US" dirty="0">
+              <a:solidFill>
+                <a:schemeClr val="tx1"/>
+              </a:solidFill>
+              <a:latin typeface="-apple-system"/>
+            </a:endParaRPr>
+          </a:p>
+        </p:txBody>
+      </p:sp>
+      <p:sp>
+        <p:nvSpPr>
+          <p:cNvPr id="52" name="矩形: 圆角 51"/>
           <p:cNvSpPr/>
           <p:nvPr/>
         </p:nvSpPr>
@@ -8747,13 +9783,7 @@
       </p:sp>
       <p:sp>
         <p:nvSpPr>
-          <p:cNvPr id="53" name="矩形: 圆角 52">
-            <a:extLst>
-              <a:ext uri="{FF2B5EF4-FFF2-40B4-BE49-F238E27FC236}">
-                <a16:creationId xmlns:a16="http://schemas.microsoft.com/office/drawing/2014/main" id="{72699233-FC95-4580-9393-49BF793979DB}"/>
-              </a:ext>
-            </a:extLst>
-          </p:cNvPr>
+          <p:cNvPr id="53" name="矩形: 圆角 52"/>
           <p:cNvSpPr/>
           <p:nvPr/>
         </p:nvSpPr>
@@ -8802,13 +9832,7 @@
       </p:sp>
       <p:sp>
         <p:nvSpPr>
-          <p:cNvPr id="54" name="矩形: 圆角 53">
-            <a:extLst>
-              <a:ext uri="{FF2B5EF4-FFF2-40B4-BE49-F238E27FC236}">
-                <a16:creationId xmlns:a16="http://schemas.microsoft.com/office/drawing/2014/main" id="{04CBBF3F-661C-4A0B-95BB-4F27A6458AA2}"/>
-              </a:ext>
-            </a:extLst>
-          </p:cNvPr>
+          <p:cNvPr id="54" name="矩形: 圆角 53"/>
           <p:cNvSpPr/>
           <p:nvPr/>
         </p:nvSpPr>
@@ -8853,15 +9877,16 @@
               </a:rPr>
               <a:t>保存要写入磁盘上的日志文件的数据，缓冲区的内容定期刷新到磁盘。</a:t>
             </a:r>
+            <a:endParaRPr lang="zh-CN" altLang="en-US" dirty="0">
+              <a:solidFill>
+                <a:schemeClr val="tx1"/>
+              </a:solidFill>
+              <a:latin typeface="-apple-system"/>
+            </a:endParaRPr>
           </a:p>
         </p:txBody>
       </p:sp>
     </p:spTree>
-    <p:extLst>
-      <p:ext uri="{BB962C8B-B14F-4D97-AF65-F5344CB8AC3E}">
-        <p14:creationId xmlns:p14="http://schemas.microsoft.com/office/powerpoint/2010/main" val="2563611770"/>
-      </p:ext>
-    </p:extLst>
   </p:cSld>
   <p:clrMapOvr>
     <a:masterClrMapping/>
@@ -8888,20 +9913,14 @@
       </p:grpSpPr>
       <p:pic>
         <p:nvPicPr>
-          <p:cNvPr id="1026" name="Picture 2">
-            <a:extLst>
-              <a:ext uri="{FF2B5EF4-FFF2-40B4-BE49-F238E27FC236}">
-                <a16:creationId xmlns:a16="http://schemas.microsoft.com/office/drawing/2014/main" id="{301B77E6-1189-4874-B6B0-C52D5DFEF0C5}"/>
-              </a:ext>
-            </a:extLst>
-          </p:cNvPr>
+          <p:cNvPr id="1026" name="Picture 2"/>
           <p:cNvPicPr>
             <a:picLocks noChangeAspect="1" noChangeArrowheads="1"/>
           </p:cNvPicPr>
           <p:nvPr/>
         </p:nvPicPr>
         <p:blipFill>
-          <a:blip r:embed="rId2">
+          <a:blip r:embed="rId1">
             <a:extLst>
               <a:ext uri="{28A0092B-C50C-407E-A947-70E740481C1C}">
                 <a14:useLocalDpi xmlns:a14="http://schemas.microsoft.com/office/drawing/2010/main" val="0"/>
@@ -8935,13 +9954,7 @@
       </p:pic>
       <p:sp>
         <p:nvSpPr>
-          <p:cNvPr id="5" name="内容占位符 2">
-            <a:extLst>
-              <a:ext uri="{FF2B5EF4-FFF2-40B4-BE49-F238E27FC236}">
-                <a16:creationId xmlns:a16="http://schemas.microsoft.com/office/drawing/2014/main" id="{45DE38DF-DB90-4559-AB8D-24A41F37A28A}"/>
-              </a:ext>
-            </a:extLst>
-          </p:cNvPr>
+          <p:cNvPr id="5" name="内容占位符 2"/>
           <p:cNvSpPr>
             <a:spLocks noGrp="1"/>
           </p:cNvSpPr>
@@ -8968,11 +9981,6 @@
         </p:txBody>
       </p:sp>
     </p:spTree>
-    <p:extLst>
-      <p:ext uri="{BB962C8B-B14F-4D97-AF65-F5344CB8AC3E}">
-        <p14:creationId xmlns:p14="http://schemas.microsoft.com/office/powerpoint/2010/main" val="2574360151"/>
-      </p:ext>
-    </p:extLst>
   </p:cSld>
   <p:clrMapOvr>
     <a:masterClrMapping/>
@@ -8999,20 +10007,14 @@
       </p:grpSpPr>
       <p:pic>
         <p:nvPicPr>
-          <p:cNvPr id="8" name="图片 7">
-            <a:extLst>
-              <a:ext uri="{FF2B5EF4-FFF2-40B4-BE49-F238E27FC236}">
-                <a16:creationId xmlns:a16="http://schemas.microsoft.com/office/drawing/2014/main" id="{9690CA9A-5C2B-440D-A38B-69F8E0DB4350}"/>
-              </a:ext>
-            </a:extLst>
-          </p:cNvPr>
+          <p:cNvPr id="8" name="图片 7"/>
           <p:cNvPicPr>
             <a:picLocks noChangeAspect="1"/>
           </p:cNvPicPr>
           <p:nvPr/>
         </p:nvPicPr>
         <p:blipFill>
-          <a:blip r:embed="rId2">
+          <a:blip r:embed="rId1">
             <a:extLst>
               <a:ext uri="{28A0092B-C50C-407E-A947-70E740481C1C}">
                 <a14:useLocalDpi xmlns:a14="http://schemas.microsoft.com/office/drawing/2010/main" val="0"/>
@@ -9035,13 +10037,7 @@
       </p:pic>
       <p:sp>
         <p:nvSpPr>
-          <p:cNvPr id="9" name="内容占位符 2">
-            <a:extLst>
-              <a:ext uri="{FF2B5EF4-FFF2-40B4-BE49-F238E27FC236}">
-                <a16:creationId xmlns:a16="http://schemas.microsoft.com/office/drawing/2014/main" id="{1810D47B-DDC9-412A-94E5-6BD2FDD636F9}"/>
-              </a:ext>
-            </a:extLst>
-          </p:cNvPr>
+          <p:cNvPr id="9" name="内容占位符 2"/>
           <p:cNvSpPr>
             <a:spLocks noGrp="1"/>
           </p:cNvSpPr>
@@ -9068,11 +10064,6 @@
         </p:txBody>
       </p:sp>
     </p:spTree>
-    <p:extLst>
-      <p:ext uri="{BB962C8B-B14F-4D97-AF65-F5344CB8AC3E}">
-        <p14:creationId xmlns:p14="http://schemas.microsoft.com/office/powerpoint/2010/main" val="1064818205"/>
-      </p:ext>
-    </p:extLst>
   </p:cSld>
   <p:clrMapOvr>
     <a:masterClrMapping/>
@@ -9344,8 +10335,6 @@
       </a:bgFillStyleLst>
     </a:fmtScheme>
   </a:themeElements>
-  <a:objectDefaults/>
-  <a:extraClrSchemeLst/>
   <a:extLst>
     <a:ext uri="{05A4C25C-085E-4340-85A3-A5531E510DB2}">
       <thm15:themeFamily xmlns:thm15="http://schemas.microsoft.com/office/thememl/2012/main" name="Office Theme" id="{62F939B6-93AF-4DB8-9C6B-D6C7DFDC589F}" vid="{4A3C46E8-61CC-4603-A589-7422A47A8E4A}"/>

--- a/02 软件开发/03 数据库/MySQL.pptx
+++ b/02 软件开发/03 数据库/MySQL.pptx
@@ -15,8 +15,8 @@
     <p:sldId id="270" r:id="rId10"/>
     <p:sldId id="271" r:id="rId11"/>
     <p:sldId id="277" r:id="rId12"/>
-    <p:sldId id="281" r:id="rId13"/>
-    <p:sldId id="279" r:id="rId14"/>
+    <p:sldId id="279" r:id="rId13"/>
+    <p:sldId id="289" r:id="rId14"/>
     <p:sldId id="280" r:id="rId15"/>
     <p:sldId id="261" r:id="rId16"/>
     <p:sldId id="264" r:id="rId17"/>
@@ -6298,14 +6298,41 @@
         </p:blipFill>
         <p:spPr>
           <a:xfrm>
-            <a:off x="2162175" y="299720"/>
-            <a:ext cx="7867650" cy="6257925"/>
+            <a:off x="1795145" y="280670"/>
+            <a:ext cx="8601075" cy="6296025"/>
           </a:xfrm>
           <a:prstGeom prst="rect">
             <a:avLst/>
           </a:prstGeom>
         </p:spPr>
       </p:pic>
+      <p:sp>
+        <p:nvSpPr>
+          <p:cNvPr id="2" name="内容占位符 2"/>
+          <p:cNvSpPr>
+            <a:spLocks noGrp="1"/>
+          </p:cNvSpPr>
+          <p:nvPr>
+            <p:ph idx="1"/>
+          </p:nvPr>
+        </p:nvSpPr>
+        <p:spPr>
+          <a:xfrm>
+            <a:off x="684212" y="685800"/>
+            <a:ext cx="8534400" cy="801255"/>
+          </a:xfrm>
+        </p:spPr>
+        <p:txBody>
+          <a:bodyPr/>
+          <a:p>
+            <a:r>
+              <a:rPr lang="zh-CN" altLang="en-US" dirty="0"/>
+              <a:t>系统表空间</a:t>
+            </a:r>
+            <a:endParaRPr lang="zh-CN" altLang="en-US" dirty="0"/>
+          </a:p>
+        </p:txBody>
+      </p:sp>
     </p:spTree>
   </p:cSld>
   <p:clrMapOvr>
@@ -6340,14 +6367,41 @@
         </p:blipFill>
         <p:spPr>
           <a:xfrm>
-            <a:off x="1795145" y="280670"/>
-            <a:ext cx="8601075" cy="6296025"/>
+            <a:off x="2162175" y="299720"/>
+            <a:ext cx="7867650" cy="6257925"/>
           </a:xfrm>
           <a:prstGeom prst="rect">
             <a:avLst/>
           </a:prstGeom>
         </p:spPr>
       </p:pic>
+      <p:sp>
+        <p:nvSpPr>
+          <p:cNvPr id="2" name="内容占位符 2"/>
+          <p:cNvSpPr>
+            <a:spLocks noGrp="1"/>
+          </p:cNvSpPr>
+          <p:nvPr>
+            <p:ph idx="1"/>
+          </p:nvPr>
+        </p:nvSpPr>
+        <p:spPr>
+          <a:xfrm>
+            <a:off x="684212" y="685800"/>
+            <a:ext cx="8534400" cy="801255"/>
+          </a:xfrm>
+        </p:spPr>
+        <p:txBody>
+          <a:bodyPr/>
+          <a:p>
+            <a:r>
+              <a:rPr lang="zh-CN" altLang="en-US" dirty="0"/>
+              <a:t>独立表空间</a:t>
+            </a:r>
+            <a:endParaRPr lang="zh-CN" altLang="en-US" dirty="0"/>
+          </a:p>
+        </p:txBody>
+      </p:sp>
     </p:spTree>
   </p:cSld>
   <p:clrMapOvr>
